--- a/XFLR5 Methods and Their Application in.pptx
+++ b/XFLR5 Methods and Their Application in.pptx
@@ -7,6 +7,9 @@
   <p:sldIdLst>
     <p:sldId id="256" r:id="rId2"/>
     <p:sldId id="257" r:id="rId3"/>
+    <p:sldId id="258" r:id="rId4"/>
+    <p:sldId id="259" r:id="rId5"/>
+    <p:sldId id="261" r:id="rId6"/>
   </p:sldIdLst>
   <p:sldSz cx="9144000" cy="6858000" type="screen4x3"/>
   <p:notesSz cx="6858000" cy="9144000"/>
@@ -291,7 +294,7 @@
               <a:rPr lang="en-US" smtClean="0"/>
               <a:t>4/30/2014</a:t>
             </a:fld>
-            <a:endParaRPr lang="en-US"/>
+            <a:endParaRPr lang="en-US" dirty="0"/>
           </a:p>
         </p:txBody>
       </p:sp>
@@ -310,7 +313,7 @@
           <a:bodyPr/>
           <a:lstStyle/>
           <a:p>
-            <a:endParaRPr lang="en-US"/>
+            <a:endParaRPr lang="en-US" dirty="0"/>
           </a:p>
         </p:txBody>
       </p:sp>
@@ -333,7 +336,7 @@
               <a:rPr lang="en-US" smtClean="0"/>
               <a:t>‹#›</a:t>
             </a:fld>
-            <a:endParaRPr lang="en-US"/>
+            <a:endParaRPr lang="en-US" dirty="0"/>
           </a:p>
         </p:txBody>
       </p:sp>
@@ -456,7 +459,7 @@
               <a:rPr lang="en-US" smtClean="0"/>
               <a:t>4/30/2014</a:t>
             </a:fld>
-            <a:endParaRPr lang="en-US"/>
+            <a:endParaRPr lang="en-US" dirty="0"/>
           </a:p>
         </p:txBody>
       </p:sp>
@@ -475,7 +478,7 @@
           <a:bodyPr/>
           <a:lstStyle/>
           <a:p>
-            <a:endParaRPr lang="en-US"/>
+            <a:endParaRPr lang="en-US" dirty="0"/>
           </a:p>
         </p:txBody>
       </p:sp>
@@ -498,7 +501,7 @@
               <a:rPr lang="en-US" smtClean="0"/>
               <a:t>‹#›</a:t>
             </a:fld>
-            <a:endParaRPr lang="en-US"/>
+            <a:endParaRPr lang="en-US" dirty="0"/>
           </a:p>
         </p:txBody>
       </p:sp>
@@ -631,7 +634,7 @@
               <a:rPr lang="en-US" smtClean="0"/>
               <a:t>4/30/2014</a:t>
             </a:fld>
-            <a:endParaRPr lang="en-US"/>
+            <a:endParaRPr lang="en-US" dirty="0"/>
           </a:p>
         </p:txBody>
       </p:sp>
@@ -650,7 +653,7 @@
           <a:bodyPr/>
           <a:lstStyle/>
           <a:p>
-            <a:endParaRPr lang="en-US"/>
+            <a:endParaRPr lang="en-US" dirty="0"/>
           </a:p>
         </p:txBody>
       </p:sp>
@@ -673,7 +676,7 @@
               <a:rPr lang="en-US" smtClean="0"/>
               <a:t>‹#›</a:t>
             </a:fld>
-            <a:endParaRPr lang="en-US"/>
+            <a:endParaRPr lang="en-US" dirty="0"/>
           </a:p>
         </p:txBody>
       </p:sp>
@@ -796,7 +799,7 @@
               <a:rPr lang="en-US" smtClean="0"/>
               <a:t>4/30/2014</a:t>
             </a:fld>
-            <a:endParaRPr lang="en-US"/>
+            <a:endParaRPr lang="en-US" dirty="0"/>
           </a:p>
         </p:txBody>
       </p:sp>
@@ -815,7 +818,7 @@
           <a:bodyPr/>
           <a:lstStyle/>
           <a:p>
-            <a:endParaRPr lang="en-US"/>
+            <a:endParaRPr lang="en-US" dirty="0"/>
           </a:p>
         </p:txBody>
       </p:sp>
@@ -838,7 +841,7 @@
               <a:rPr lang="en-US" smtClean="0"/>
               <a:t>‹#›</a:t>
             </a:fld>
-            <a:endParaRPr lang="en-US"/>
+            <a:endParaRPr lang="en-US" dirty="0"/>
           </a:p>
         </p:txBody>
       </p:sp>
@@ -1037,7 +1040,7 @@
               <a:rPr lang="en-US" smtClean="0"/>
               <a:t>4/30/2014</a:t>
             </a:fld>
-            <a:endParaRPr lang="en-US"/>
+            <a:endParaRPr lang="en-US" dirty="0"/>
           </a:p>
         </p:txBody>
       </p:sp>
@@ -1056,7 +1059,7 @@
           <a:bodyPr/>
           <a:lstStyle/>
           <a:p>
-            <a:endParaRPr lang="en-US"/>
+            <a:endParaRPr lang="en-US" dirty="0"/>
           </a:p>
         </p:txBody>
       </p:sp>
@@ -1079,7 +1082,7 @@
               <a:rPr lang="en-US" smtClean="0"/>
               <a:t>‹#›</a:t>
             </a:fld>
-            <a:endParaRPr lang="en-US"/>
+            <a:endParaRPr lang="en-US" dirty="0"/>
           </a:p>
         </p:txBody>
       </p:sp>
@@ -1320,7 +1323,7 @@
               <a:rPr lang="en-US" smtClean="0"/>
               <a:t>4/30/2014</a:t>
             </a:fld>
-            <a:endParaRPr lang="en-US"/>
+            <a:endParaRPr lang="en-US" dirty="0"/>
           </a:p>
         </p:txBody>
       </p:sp>
@@ -1339,7 +1342,7 @@
           <a:bodyPr/>
           <a:lstStyle/>
           <a:p>
-            <a:endParaRPr lang="en-US"/>
+            <a:endParaRPr lang="en-US" dirty="0"/>
           </a:p>
         </p:txBody>
       </p:sp>
@@ -1362,7 +1365,7 @@
               <a:rPr lang="en-US" smtClean="0"/>
               <a:t>‹#›</a:t>
             </a:fld>
-            <a:endParaRPr lang="en-US"/>
+            <a:endParaRPr lang="en-US" dirty="0"/>
           </a:p>
         </p:txBody>
       </p:sp>
@@ -1737,7 +1740,7 @@
               <a:rPr lang="en-US" smtClean="0"/>
               <a:t>4/30/2014</a:t>
             </a:fld>
-            <a:endParaRPr lang="en-US"/>
+            <a:endParaRPr lang="en-US" dirty="0"/>
           </a:p>
         </p:txBody>
       </p:sp>
@@ -1756,7 +1759,7 @@
           <a:bodyPr/>
           <a:lstStyle/>
           <a:p>
-            <a:endParaRPr lang="en-US"/>
+            <a:endParaRPr lang="en-US" dirty="0"/>
           </a:p>
         </p:txBody>
       </p:sp>
@@ -1779,7 +1782,7 @@
               <a:rPr lang="en-US" smtClean="0"/>
               <a:t>‹#›</a:t>
             </a:fld>
-            <a:endParaRPr lang="en-US"/>
+            <a:endParaRPr lang="en-US" dirty="0"/>
           </a:p>
         </p:txBody>
       </p:sp>
@@ -1850,7 +1853,7 @@
               <a:rPr lang="en-US" smtClean="0"/>
               <a:t>4/30/2014</a:t>
             </a:fld>
-            <a:endParaRPr lang="en-US"/>
+            <a:endParaRPr lang="en-US" dirty="0"/>
           </a:p>
         </p:txBody>
       </p:sp>
@@ -1869,7 +1872,7 @@
           <a:bodyPr/>
           <a:lstStyle/>
           <a:p>
-            <a:endParaRPr lang="en-US"/>
+            <a:endParaRPr lang="en-US" dirty="0"/>
           </a:p>
         </p:txBody>
       </p:sp>
@@ -1892,7 +1895,7 @@
               <a:rPr lang="en-US" smtClean="0"/>
               <a:t>‹#›</a:t>
             </a:fld>
-            <a:endParaRPr lang="en-US"/>
+            <a:endParaRPr lang="en-US" dirty="0"/>
           </a:p>
         </p:txBody>
       </p:sp>
@@ -1940,7 +1943,7 @@
               <a:rPr lang="en-US" smtClean="0"/>
               <a:t>4/30/2014</a:t>
             </a:fld>
-            <a:endParaRPr lang="en-US"/>
+            <a:endParaRPr lang="en-US" dirty="0"/>
           </a:p>
         </p:txBody>
       </p:sp>
@@ -1959,7 +1962,7 @@
           <a:bodyPr/>
           <a:lstStyle/>
           <a:p>
-            <a:endParaRPr lang="en-US"/>
+            <a:endParaRPr lang="en-US" dirty="0"/>
           </a:p>
         </p:txBody>
       </p:sp>
@@ -1982,7 +1985,7 @@
               <a:rPr lang="en-US" smtClean="0"/>
               <a:t>‹#›</a:t>
             </a:fld>
-            <a:endParaRPr lang="en-US"/>
+            <a:endParaRPr lang="en-US" dirty="0"/>
           </a:p>
         </p:txBody>
       </p:sp>
@@ -2212,7 +2215,7 @@
               <a:rPr lang="en-US" smtClean="0"/>
               <a:t>4/30/2014</a:t>
             </a:fld>
-            <a:endParaRPr lang="en-US"/>
+            <a:endParaRPr lang="en-US" dirty="0"/>
           </a:p>
         </p:txBody>
       </p:sp>
@@ -2231,7 +2234,7 @@
           <a:bodyPr/>
           <a:lstStyle/>
           <a:p>
-            <a:endParaRPr lang="en-US"/>
+            <a:endParaRPr lang="en-US" dirty="0"/>
           </a:p>
         </p:txBody>
       </p:sp>
@@ -2254,7 +2257,7 @@
               <a:rPr lang="en-US" smtClean="0"/>
               <a:t>‹#›</a:t>
             </a:fld>
-            <a:endParaRPr lang="en-US"/>
+            <a:endParaRPr lang="en-US" dirty="0"/>
           </a:p>
         </p:txBody>
       </p:sp>
@@ -2372,7 +2375,7 @@
             </a:lvl9pPr>
           </a:lstStyle>
           <a:p>
-            <a:endParaRPr lang="en-US"/>
+            <a:endParaRPr lang="en-US" dirty="0"/>
           </a:p>
         </p:txBody>
       </p:sp>
@@ -2460,7 +2463,7 @@
               <a:rPr lang="en-US" smtClean="0"/>
               <a:t>4/30/2014</a:t>
             </a:fld>
-            <a:endParaRPr lang="en-US"/>
+            <a:endParaRPr lang="en-US" dirty="0"/>
           </a:p>
         </p:txBody>
       </p:sp>
@@ -2479,7 +2482,7 @@
           <a:bodyPr/>
           <a:lstStyle/>
           <a:p>
-            <a:endParaRPr lang="en-US"/>
+            <a:endParaRPr lang="en-US" dirty="0"/>
           </a:p>
         </p:txBody>
       </p:sp>
@@ -2502,7 +2505,7 @@
               <a:rPr lang="en-US" smtClean="0"/>
               <a:t>‹#›</a:t>
             </a:fld>
-            <a:endParaRPr lang="en-US"/>
+            <a:endParaRPr lang="en-US" dirty="0"/>
           </a:p>
         </p:txBody>
       </p:sp>
@@ -2668,7 +2671,7 @@
               <a:rPr lang="en-US" smtClean="0"/>
               <a:t>4/30/2014</a:t>
             </a:fld>
-            <a:endParaRPr lang="en-US"/>
+            <a:endParaRPr lang="en-US" dirty="0"/>
           </a:p>
         </p:txBody>
       </p:sp>
@@ -2705,7 +2708,7 @@
             </a:lvl1pPr>
           </a:lstStyle>
           <a:p>
-            <a:endParaRPr lang="en-US"/>
+            <a:endParaRPr lang="en-US" dirty="0"/>
           </a:p>
         </p:txBody>
       </p:sp>
@@ -2746,7 +2749,7 @@
               <a:rPr lang="en-US" smtClean="0"/>
               <a:t>‹#›</a:t>
             </a:fld>
-            <a:endParaRPr lang="en-US"/>
+            <a:endParaRPr lang="en-US" dirty="0"/>
           </a:p>
         </p:txBody>
       </p:sp>
@@ -3055,15 +3058,7 @@
           <a:p>
             <a:r>
               <a:rPr lang="en-US" dirty="0" smtClean="0"/>
-              <a:t>XFLR5 Methods and Their Application in “</a:t>
-            </a:r>
-            <a:r>
-              <a:rPr lang="en-US" dirty="0" err="1" smtClean="0"/>
-              <a:t>Contraints</a:t>
-            </a:r>
-            <a:r>
-              <a:rPr lang="en-US" dirty="0" smtClean="0"/>
-              <a:t> on the Wing Morphology of Pterosaurs”</a:t>
+              <a:t>XFLR5 Methods and Their Application in “Constraints on the Wing Morphology of Pterosaurs”</a:t>
             </a:r>
             <a:endParaRPr lang="en-US" dirty="0"/>
           </a:p>
@@ -3132,29 +3127,204 @@
           <a:bodyPr/>
           <a:lstStyle/>
           <a:p>
-            <a:endParaRPr lang="en-US"/>
-          </a:p>
-        </p:txBody>
-      </p:sp>
-      <p:sp>
-        <p:nvSpPr>
-          <p:cNvPr id="3" name="Content Placeholder 2"/>
-          <p:cNvSpPr>
-            <a:spLocks noGrp="1"/>
-          </p:cNvSpPr>
+            <a:r>
+              <a:rPr lang="en-US" dirty="0" smtClean="0"/>
+              <a:t>Longitudinal Stability Analysis</a:t>
+            </a:r>
+            <a:endParaRPr lang="en-US" dirty="0"/>
+          </a:p>
+        </p:txBody>
+      </p:sp>
+      <p:pic>
+        <p:nvPicPr>
+          <p:cNvPr id="4" name="Content Placeholder 3" descr="unstable.PNG"/>
+          <p:cNvPicPr>
+            <a:picLocks noGrp="1" noChangeAspect="1"/>
+          </p:cNvPicPr>
           <p:nvPr>
             <p:ph idx="1"/>
           </p:nvPr>
-        </p:nvSpPr>
-        <p:spPr/>
-        <p:txBody>
-          <a:bodyPr/>
-          <a:lstStyle/>
-          <a:p>
-            <a:endParaRPr lang="en-US"/>
-          </a:p>
-        </p:txBody>
-      </p:sp>
+        </p:nvPicPr>
+        <p:blipFill>
+          <a:blip r:embed="rId2" cstate="print"/>
+          <a:stretch>
+            <a:fillRect/>
+          </a:stretch>
+        </p:blipFill>
+        <p:spPr>
+          <a:xfrm>
+            <a:off x="2716971" y="1600200"/>
+            <a:ext cx="3710058" cy="4525963"/>
+          </a:xfrm>
+        </p:spPr>
+      </p:pic>
+    </p:spTree>
+  </p:cSld>
+  <p:clrMapOvr>
+    <a:masterClrMapping/>
+  </p:clrMapOvr>
+</p:sld>
+</file>
+
+<file path=ppt/slides/slide3.xml><?xml version="1.0" encoding="utf-8"?>
+<p:sld xmlns:a="http://schemas.openxmlformats.org/drawingml/2006/main" xmlns:r="http://schemas.openxmlformats.org/officeDocument/2006/relationships" xmlns:p="http://schemas.openxmlformats.org/presentationml/2006/main">
+  <p:cSld>
+    <p:spTree>
+      <p:nvGrpSpPr>
+        <p:cNvPr id="1" name=""/>
+        <p:cNvGrpSpPr/>
+        <p:nvPr/>
+      </p:nvGrpSpPr>
+      <p:grpSpPr>
+        <a:xfrm>
+          <a:off x="0" y="0"/>
+          <a:ext cx="0" cy="0"/>
+          <a:chOff x="0" y="0"/>
+          <a:chExt cx="0" cy="0"/>
+        </a:xfrm>
+      </p:grpSpPr>
+      <p:sp>
+        <p:nvSpPr>
+          <p:cNvPr id="2" name="Title 1"/>
+          <p:cNvSpPr>
+            <a:spLocks noGrp="1"/>
+          </p:cNvSpPr>
+          <p:nvPr>
+            <p:ph type="title"/>
+          </p:nvPr>
+        </p:nvSpPr>
+        <p:spPr/>
+        <p:txBody>
+          <a:bodyPr/>
+          <a:lstStyle/>
+          <a:p>
+            <a:r>
+              <a:rPr lang="en-US" dirty="0" smtClean="0"/>
+              <a:t>Effects of Washout</a:t>
+            </a:r>
+            <a:endParaRPr lang="en-US" dirty="0"/>
+          </a:p>
+        </p:txBody>
+      </p:sp>
+      <p:pic>
+        <p:nvPicPr>
+          <p:cNvPr id="4" name="Content Placeholder 3" descr="figure8.PNG"/>
+          <p:cNvPicPr>
+            <a:picLocks noGrp="1" noChangeAspect="1"/>
+          </p:cNvPicPr>
+          <p:nvPr>
+            <p:ph idx="1"/>
+          </p:nvPr>
+        </p:nvPicPr>
+        <p:blipFill>
+          <a:blip r:embed="rId2" cstate="print"/>
+          <a:stretch>
+            <a:fillRect/>
+          </a:stretch>
+        </p:blipFill>
+        <p:spPr>
+          <a:xfrm>
+            <a:off x="1600200" y="1828800"/>
+            <a:ext cx="5921720" cy="4328474"/>
+          </a:xfrm>
+        </p:spPr>
+      </p:pic>
+    </p:spTree>
+  </p:cSld>
+  <p:clrMapOvr>
+    <a:masterClrMapping/>
+  </p:clrMapOvr>
+</p:sld>
+</file>
+
+<file path=ppt/slides/slide4.xml><?xml version="1.0" encoding="utf-8"?>
+<p:sld xmlns:a="http://schemas.openxmlformats.org/drawingml/2006/main" xmlns:r="http://schemas.openxmlformats.org/officeDocument/2006/relationships" xmlns:p="http://schemas.openxmlformats.org/presentationml/2006/main">
+  <p:cSld>
+    <p:spTree>
+      <p:nvGrpSpPr>
+        <p:cNvPr id="1" name=""/>
+        <p:cNvGrpSpPr/>
+        <p:nvPr/>
+      </p:nvGrpSpPr>
+      <p:grpSpPr>
+        <a:xfrm>
+          <a:off x="0" y="0"/>
+          <a:ext cx="0" cy="0"/>
+          <a:chOff x="0" y="0"/>
+          <a:chExt cx="0" cy="0"/>
+        </a:xfrm>
+      </p:grpSpPr>
+      <p:sp>
+        <p:nvSpPr>
+          <p:cNvPr id="2" name="Title 1"/>
+          <p:cNvSpPr>
+            <a:spLocks noGrp="1"/>
+          </p:cNvSpPr>
+          <p:nvPr>
+            <p:ph type="title"/>
+          </p:nvPr>
+        </p:nvSpPr>
+        <p:spPr/>
+        <p:txBody>
+          <a:bodyPr/>
+          <a:lstStyle/>
+          <a:p>
+            <a:r>
+              <a:rPr lang="en-US" dirty="0" smtClean="0"/>
+              <a:t>XFLR5</a:t>
+            </a:r>
+            <a:endParaRPr lang="en-US" dirty="0"/>
+          </a:p>
+        </p:txBody>
+      </p:sp>
+      <p:pic>
+        <p:nvPicPr>
+          <p:cNvPr id="4" name="Content Placeholder 3" descr="XFLR5wing.PNG"/>
+          <p:cNvPicPr>
+            <a:picLocks noGrp="1" noChangeAspect="1"/>
+          </p:cNvPicPr>
+          <p:nvPr>
+            <p:ph idx="1"/>
+          </p:nvPr>
+        </p:nvPicPr>
+        <p:blipFill>
+          <a:blip r:embed="rId2" cstate="print"/>
+          <a:stretch>
+            <a:fillRect/>
+          </a:stretch>
+        </p:blipFill>
+        <p:spPr>
+          <a:xfrm>
+            <a:off x="1097725" y="1600200"/>
+            <a:ext cx="6948550" cy="4525963"/>
+          </a:xfrm>
+        </p:spPr>
+      </p:pic>
+    </p:spTree>
+  </p:cSld>
+  <p:clrMapOvr>
+    <a:masterClrMapping/>
+  </p:clrMapOvr>
+</p:sld>
+</file>
+
+<file path=ppt/slides/slide5.xml><?xml version="1.0" encoding="utf-8"?>
+<p:sld xmlns:a="http://schemas.openxmlformats.org/drawingml/2006/main" xmlns:r="http://schemas.openxmlformats.org/officeDocument/2006/relationships" xmlns:p="http://schemas.openxmlformats.org/presentationml/2006/main">
+  <p:cSld>
+    <p:spTree>
+      <p:nvGrpSpPr>
+        <p:cNvPr id="1" name=""/>
+        <p:cNvGrpSpPr/>
+        <p:nvPr/>
+      </p:nvGrpSpPr>
+      <p:grpSpPr>
+        <a:xfrm>
+          <a:off x="0" y="0"/>
+          <a:ext cx="0" cy="0"/>
+          <a:chOff x="0" y="0"/>
+          <a:chExt cx="0" cy="0"/>
+        </a:xfrm>
+      </p:grpSpPr>
     </p:spTree>
   </p:cSld>
   <p:clrMapOvr>

--- a/XFLR5 Methods and Their Application in.pptx
+++ b/XFLR5 Methods and Their Application in.pptx
@@ -9,10 +9,28 @@
     <p:sldId id="257" r:id="rId3"/>
     <p:sldId id="258" r:id="rId4"/>
     <p:sldId id="259" r:id="rId5"/>
-    <p:sldId id="261" r:id="rId6"/>
+    <p:sldId id="260" r:id="rId6"/>
+    <p:sldId id="261" r:id="rId7"/>
+    <p:sldId id="263" r:id="rId8"/>
+    <p:sldId id="276" r:id="rId9"/>
+    <p:sldId id="262" r:id="rId10"/>
+    <p:sldId id="277" r:id="rId11"/>
+    <p:sldId id="264" r:id="rId12"/>
+    <p:sldId id="265" r:id="rId13"/>
+    <p:sldId id="266" r:id="rId14"/>
+    <p:sldId id="267" r:id="rId15"/>
+    <p:sldId id="268" r:id="rId16"/>
+    <p:sldId id="269" r:id="rId17"/>
+    <p:sldId id="270" r:id="rId18"/>
+    <p:sldId id="271" r:id="rId19"/>
+    <p:sldId id="272" r:id="rId20"/>
+    <p:sldId id="275" r:id="rId21"/>
   </p:sldIdLst>
   <p:sldSz cx="9144000" cy="6858000" type="screen4x3"/>
   <p:notesSz cx="6858000" cy="9144000"/>
+  <p:custDataLst>
+    <p:tags r:id="rId22"/>
+  </p:custDataLst>
   <p:defaultTextStyle>
     <a:defPPr>
       <a:defRPr lang="en-US"/>
@@ -292,6 +310,7 @@
           <a:p>
             <a:fld id="{408CC927-4414-486E-A4EA-F55738DD0022}" type="datetimeFigureOut">
               <a:rPr lang="en-US" smtClean="0"/>
+              <a:pPr/>
               <a:t>4/30/2014</a:t>
             </a:fld>
             <a:endParaRPr lang="en-US" dirty="0"/>
@@ -334,6 +353,7 @@
           <a:p>
             <a:fld id="{A98AA4A0-CE78-441D-AF88-045EB62D3DB8}" type="slidenum">
               <a:rPr lang="en-US" smtClean="0"/>
+              <a:pPr/>
               <a:t>‹#›</a:t>
             </a:fld>
             <a:endParaRPr lang="en-US" dirty="0"/>
@@ -457,6 +477,7 @@
           <a:p>
             <a:fld id="{408CC927-4414-486E-A4EA-F55738DD0022}" type="datetimeFigureOut">
               <a:rPr lang="en-US" smtClean="0"/>
+              <a:pPr/>
               <a:t>4/30/2014</a:t>
             </a:fld>
             <a:endParaRPr lang="en-US" dirty="0"/>
@@ -499,6 +520,7 @@
           <a:p>
             <a:fld id="{A98AA4A0-CE78-441D-AF88-045EB62D3DB8}" type="slidenum">
               <a:rPr lang="en-US" smtClean="0"/>
+              <a:pPr/>
               <a:t>‹#›</a:t>
             </a:fld>
             <a:endParaRPr lang="en-US" dirty="0"/>
@@ -632,6 +654,7 @@
           <a:p>
             <a:fld id="{408CC927-4414-486E-A4EA-F55738DD0022}" type="datetimeFigureOut">
               <a:rPr lang="en-US" smtClean="0"/>
+              <a:pPr/>
               <a:t>4/30/2014</a:t>
             </a:fld>
             <a:endParaRPr lang="en-US" dirty="0"/>
@@ -674,6 +697,7 @@
           <a:p>
             <a:fld id="{A98AA4A0-CE78-441D-AF88-045EB62D3DB8}" type="slidenum">
               <a:rPr lang="en-US" smtClean="0"/>
+              <a:pPr/>
               <a:t>‹#›</a:t>
             </a:fld>
             <a:endParaRPr lang="en-US" dirty="0"/>
@@ -797,6 +821,7 @@
           <a:p>
             <a:fld id="{408CC927-4414-486E-A4EA-F55738DD0022}" type="datetimeFigureOut">
               <a:rPr lang="en-US" smtClean="0"/>
+              <a:pPr/>
               <a:t>4/30/2014</a:t>
             </a:fld>
             <a:endParaRPr lang="en-US" dirty="0"/>
@@ -839,6 +864,7 @@
           <a:p>
             <a:fld id="{A98AA4A0-CE78-441D-AF88-045EB62D3DB8}" type="slidenum">
               <a:rPr lang="en-US" smtClean="0"/>
+              <a:pPr/>
               <a:t>‹#›</a:t>
             </a:fld>
             <a:endParaRPr lang="en-US" dirty="0"/>
@@ -1038,6 +1064,7 @@
           <a:p>
             <a:fld id="{408CC927-4414-486E-A4EA-F55738DD0022}" type="datetimeFigureOut">
               <a:rPr lang="en-US" smtClean="0"/>
+              <a:pPr/>
               <a:t>4/30/2014</a:t>
             </a:fld>
             <a:endParaRPr lang="en-US" dirty="0"/>
@@ -1080,6 +1107,7 @@
           <a:p>
             <a:fld id="{A98AA4A0-CE78-441D-AF88-045EB62D3DB8}" type="slidenum">
               <a:rPr lang="en-US" smtClean="0"/>
+              <a:pPr/>
               <a:t>‹#›</a:t>
             </a:fld>
             <a:endParaRPr lang="en-US" dirty="0"/>
@@ -1321,6 +1349,7 @@
           <a:p>
             <a:fld id="{408CC927-4414-486E-A4EA-F55738DD0022}" type="datetimeFigureOut">
               <a:rPr lang="en-US" smtClean="0"/>
+              <a:pPr/>
               <a:t>4/30/2014</a:t>
             </a:fld>
             <a:endParaRPr lang="en-US" dirty="0"/>
@@ -1363,6 +1392,7 @@
           <a:p>
             <a:fld id="{A98AA4A0-CE78-441D-AF88-045EB62D3DB8}" type="slidenum">
               <a:rPr lang="en-US" smtClean="0"/>
+              <a:pPr/>
               <a:t>‹#›</a:t>
             </a:fld>
             <a:endParaRPr lang="en-US" dirty="0"/>
@@ -1738,6 +1768,7 @@
           <a:p>
             <a:fld id="{408CC927-4414-486E-A4EA-F55738DD0022}" type="datetimeFigureOut">
               <a:rPr lang="en-US" smtClean="0"/>
+              <a:pPr/>
               <a:t>4/30/2014</a:t>
             </a:fld>
             <a:endParaRPr lang="en-US" dirty="0"/>
@@ -1780,6 +1811,7 @@
           <a:p>
             <a:fld id="{A98AA4A0-CE78-441D-AF88-045EB62D3DB8}" type="slidenum">
               <a:rPr lang="en-US" smtClean="0"/>
+              <a:pPr/>
               <a:t>‹#›</a:t>
             </a:fld>
             <a:endParaRPr lang="en-US" dirty="0"/>
@@ -1851,6 +1883,7 @@
           <a:p>
             <a:fld id="{408CC927-4414-486E-A4EA-F55738DD0022}" type="datetimeFigureOut">
               <a:rPr lang="en-US" smtClean="0"/>
+              <a:pPr/>
               <a:t>4/30/2014</a:t>
             </a:fld>
             <a:endParaRPr lang="en-US" dirty="0"/>
@@ -1893,6 +1926,7 @@
           <a:p>
             <a:fld id="{A98AA4A0-CE78-441D-AF88-045EB62D3DB8}" type="slidenum">
               <a:rPr lang="en-US" smtClean="0"/>
+              <a:pPr/>
               <a:t>‹#›</a:t>
             </a:fld>
             <a:endParaRPr lang="en-US" dirty="0"/>
@@ -1941,6 +1975,7 @@
           <a:p>
             <a:fld id="{408CC927-4414-486E-A4EA-F55738DD0022}" type="datetimeFigureOut">
               <a:rPr lang="en-US" smtClean="0"/>
+              <a:pPr/>
               <a:t>4/30/2014</a:t>
             </a:fld>
             <a:endParaRPr lang="en-US" dirty="0"/>
@@ -1983,6 +2018,7 @@
           <a:p>
             <a:fld id="{A98AA4A0-CE78-441D-AF88-045EB62D3DB8}" type="slidenum">
               <a:rPr lang="en-US" smtClean="0"/>
+              <a:pPr/>
               <a:t>‹#›</a:t>
             </a:fld>
             <a:endParaRPr lang="en-US" dirty="0"/>
@@ -2213,6 +2249,7 @@
           <a:p>
             <a:fld id="{408CC927-4414-486E-A4EA-F55738DD0022}" type="datetimeFigureOut">
               <a:rPr lang="en-US" smtClean="0"/>
+              <a:pPr/>
               <a:t>4/30/2014</a:t>
             </a:fld>
             <a:endParaRPr lang="en-US" dirty="0"/>
@@ -2255,6 +2292,7 @@
           <a:p>
             <a:fld id="{A98AA4A0-CE78-441D-AF88-045EB62D3DB8}" type="slidenum">
               <a:rPr lang="en-US" smtClean="0"/>
+              <a:pPr/>
               <a:t>‹#›</a:t>
             </a:fld>
             <a:endParaRPr lang="en-US" dirty="0"/>
@@ -2461,6 +2499,7 @@
           <a:p>
             <a:fld id="{408CC927-4414-486E-A4EA-F55738DD0022}" type="datetimeFigureOut">
               <a:rPr lang="en-US" smtClean="0"/>
+              <a:pPr/>
               <a:t>4/30/2014</a:t>
             </a:fld>
             <a:endParaRPr lang="en-US" dirty="0"/>
@@ -2503,6 +2542,7 @@
           <a:p>
             <a:fld id="{A98AA4A0-CE78-441D-AF88-045EB62D3DB8}" type="slidenum">
               <a:rPr lang="en-US" smtClean="0"/>
+              <a:pPr/>
               <a:t>‹#›</a:t>
             </a:fld>
             <a:endParaRPr lang="en-US" dirty="0"/>
@@ -2669,6 +2709,7 @@
           <a:p>
             <a:fld id="{408CC927-4414-486E-A4EA-F55738DD0022}" type="datetimeFigureOut">
               <a:rPr lang="en-US" smtClean="0"/>
+              <a:pPr/>
               <a:t>4/30/2014</a:t>
             </a:fld>
             <a:endParaRPr lang="en-US" dirty="0"/>
@@ -2747,6 +2788,7 @@
           <a:p>
             <a:fld id="{A98AA4A0-CE78-441D-AF88-045EB62D3DB8}" type="slidenum">
               <a:rPr lang="en-US" smtClean="0"/>
+              <a:pPr/>
               <a:t>‹#›</a:t>
             </a:fld>
             <a:endParaRPr lang="en-US" dirty="0"/>
@@ -3095,6 +3137,792 @@
 </p:sld>
 </file>
 
+<file path=ppt/slides/slide10.xml><?xml version="1.0" encoding="utf-8"?>
+<p:sld xmlns:a="http://schemas.openxmlformats.org/drawingml/2006/main" xmlns:r="http://schemas.openxmlformats.org/officeDocument/2006/relationships" xmlns:p="http://schemas.openxmlformats.org/presentationml/2006/main">
+  <p:cSld>
+    <p:spTree>
+      <p:nvGrpSpPr>
+        <p:cNvPr id="1" name=""/>
+        <p:cNvGrpSpPr/>
+        <p:nvPr/>
+      </p:nvGrpSpPr>
+      <p:grpSpPr>
+        <a:xfrm>
+          <a:off x="0" y="0"/>
+          <a:ext cx="0" cy="0"/>
+          <a:chOff x="0" y="0"/>
+          <a:chExt cx="0" cy="0"/>
+        </a:xfrm>
+      </p:grpSpPr>
+      <p:sp>
+        <p:nvSpPr>
+          <p:cNvPr id="2" name="Title 1"/>
+          <p:cNvSpPr>
+            <a:spLocks noGrp="1"/>
+          </p:cNvSpPr>
+          <p:nvPr>
+            <p:ph type="title"/>
+          </p:nvPr>
+        </p:nvSpPr>
+        <p:spPr/>
+        <p:txBody>
+          <a:bodyPr/>
+          <a:lstStyle/>
+          <a:p>
+            <a:endParaRPr lang="en-US"/>
+          </a:p>
+        </p:txBody>
+      </p:sp>
+      <p:sp>
+        <p:nvSpPr>
+          <p:cNvPr id="3" name="Content Placeholder 2"/>
+          <p:cNvSpPr>
+            <a:spLocks noGrp="1"/>
+          </p:cNvSpPr>
+          <p:nvPr>
+            <p:ph idx="1"/>
+          </p:nvPr>
+        </p:nvSpPr>
+        <p:spPr/>
+        <p:txBody>
+          <a:bodyPr/>
+          <a:lstStyle/>
+          <a:p>
+            <a:endParaRPr lang="en-US"/>
+          </a:p>
+        </p:txBody>
+      </p:sp>
+    </p:spTree>
+  </p:cSld>
+  <p:clrMapOvr>
+    <a:masterClrMapping/>
+  </p:clrMapOvr>
+</p:sld>
+</file>
+
+<file path=ppt/slides/slide11.xml><?xml version="1.0" encoding="utf-8"?>
+<p:sld xmlns:a="http://schemas.openxmlformats.org/drawingml/2006/main" xmlns:r="http://schemas.openxmlformats.org/officeDocument/2006/relationships" xmlns:p="http://schemas.openxmlformats.org/presentationml/2006/main">
+  <p:cSld>
+    <p:spTree>
+      <p:nvGrpSpPr>
+        <p:cNvPr id="1" name=""/>
+        <p:cNvGrpSpPr/>
+        <p:nvPr/>
+      </p:nvGrpSpPr>
+      <p:grpSpPr>
+        <a:xfrm>
+          <a:off x="0" y="0"/>
+          <a:ext cx="0" cy="0"/>
+          <a:chOff x="0" y="0"/>
+          <a:chExt cx="0" cy="0"/>
+        </a:xfrm>
+      </p:grpSpPr>
+      <p:sp>
+        <p:nvSpPr>
+          <p:cNvPr id="2" name="Title 1"/>
+          <p:cNvSpPr>
+            <a:spLocks noGrp="1"/>
+          </p:cNvSpPr>
+          <p:nvPr>
+            <p:ph type="title"/>
+          </p:nvPr>
+        </p:nvSpPr>
+        <p:spPr/>
+        <p:txBody>
+          <a:bodyPr/>
+          <a:lstStyle/>
+          <a:p>
+            <a:r>
+              <a:rPr lang="en-US" dirty="0" smtClean="0"/>
+              <a:t>3D Panel Method</a:t>
+            </a:r>
+            <a:endParaRPr lang="en-US" dirty="0"/>
+          </a:p>
+        </p:txBody>
+      </p:sp>
+      <p:sp>
+        <p:nvSpPr>
+          <p:cNvPr id="3" name="Content Placeholder 2"/>
+          <p:cNvSpPr>
+            <a:spLocks noGrp="1"/>
+          </p:cNvSpPr>
+          <p:nvPr>
+            <p:ph idx="1"/>
+          </p:nvPr>
+        </p:nvSpPr>
+        <p:spPr/>
+        <p:txBody>
+          <a:bodyPr/>
+          <a:lstStyle/>
+          <a:p>
+            <a:endParaRPr lang="en-US"/>
+          </a:p>
+        </p:txBody>
+      </p:sp>
+    </p:spTree>
+  </p:cSld>
+  <p:clrMapOvr>
+    <a:masterClrMapping/>
+  </p:clrMapOvr>
+</p:sld>
+</file>
+
+<file path=ppt/slides/slide12.xml><?xml version="1.0" encoding="utf-8"?>
+<p:sld xmlns:a="http://schemas.openxmlformats.org/drawingml/2006/main" xmlns:r="http://schemas.openxmlformats.org/officeDocument/2006/relationships" xmlns:p="http://schemas.openxmlformats.org/presentationml/2006/main">
+  <p:cSld>
+    <p:spTree>
+      <p:nvGrpSpPr>
+        <p:cNvPr id="1" name=""/>
+        <p:cNvGrpSpPr/>
+        <p:nvPr/>
+      </p:nvGrpSpPr>
+      <p:grpSpPr>
+        <a:xfrm>
+          <a:off x="0" y="0"/>
+          <a:ext cx="0" cy="0"/>
+          <a:chOff x="0" y="0"/>
+          <a:chExt cx="0" cy="0"/>
+        </a:xfrm>
+      </p:grpSpPr>
+      <p:sp>
+        <p:nvSpPr>
+          <p:cNvPr id="2" name="Title 1"/>
+          <p:cNvSpPr>
+            <a:spLocks noGrp="1"/>
+          </p:cNvSpPr>
+          <p:nvPr>
+            <p:ph type="title"/>
+          </p:nvPr>
+        </p:nvSpPr>
+        <p:spPr/>
+        <p:txBody>
+          <a:bodyPr/>
+          <a:lstStyle/>
+          <a:p>
+            <a:endParaRPr lang="en-US"/>
+          </a:p>
+        </p:txBody>
+      </p:sp>
+      <p:pic>
+        <p:nvPicPr>
+          <p:cNvPr id="4" name="Content Placeholder 3" descr="compare.PNG"/>
+          <p:cNvPicPr>
+            <a:picLocks noGrp="1" noChangeAspect="1"/>
+          </p:cNvPicPr>
+          <p:nvPr>
+            <p:ph idx="1"/>
+          </p:nvPr>
+        </p:nvPicPr>
+        <p:blipFill>
+          <a:blip r:embed="rId2" cstate="print"/>
+          <a:stretch>
+            <a:fillRect/>
+          </a:stretch>
+        </p:blipFill>
+        <p:spPr>
+          <a:xfrm>
+            <a:off x="152400" y="2133600"/>
+            <a:ext cx="8893813" cy="3729880"/>
+          </a:xfrm>
+        </p:spPr>
+      </p:pic>
+    </p:spTree>
+  </p:cSld>
+  <p:clrMapOvr>
+    <a:masterClrMapping/>
+  </p:clrMapOvr>
+</p:sld>
+</file>
+
+<file path=ppt/slides/slide13.xml><?xml version="1.0" encoding="utf-8"?>
+<p:sld xmlns:a="http://schemas.openxmlformats.org/drawingml/2006/main" xmlns:r="http://schemas.openxmlformats.org/officeDocument/2006/relationships" xmlns:p="http://schemas.openxmlformats.org/presentationml/2006/main">
+  <p:cSld>
+    <p:spTree>
+      <p:nvGrpSpPr>
+        <p:cNvPr id="1" name=""/>
+        <p:cNvGrpSpPr/>
+        <p:nvPr/>
+      </p:nvGrpSpPr>
+      <p:grpSpPr>
+        <a:xfrm>
+          <a:off x="0" y="0"/>
+          <a:ext cx="0" cy="0"/>
+          <a:chOff x="0" y="0"/>
+          <a:chExt cx="0" cy="0"/>
+        </a:xfrm>
+      </p:grpSpPr>
+      <p:sp>
+        <p:nvSpPr>
+          <p:cNvPr id="2" name="Title 1"/>
+          <p:cNvSpPr>
+            <a:spLocks noGrp="1"/>
+          </p:cNvSpPr>
+          <p:nvPr>
+            <p:ph type="title"/>
+          </p:nvPr>
+        </p:nvSpPr>
+        <p:spPr/>
+        <p:txBody>
+          <a:bodyPr/>
+          <a:lstStyle/>
+          <a:p>
+            <a:endParaRPr lang="en-US"/>
+          </a:p>
+        </p:txBody>
+      </p:sp>
+      <p:pic>
+        <p:nvPicPr>
+          <p:cNvPr id="6" name="Content Placeholder 5" descr="LLT.PNG"/>
+          <p:cNvPicPr>
+            <a:picLocks noGrp="1" noChangeAspect="1"/>
+          </p:cNvPicPr>
+          <p:nvPr>
+            <p:ph idx="1"/>
+          </p:nvPr>
+        </p:nvPicPr>
+        <p:blipFill>
+          <a:blip r:embed="rId2" cstate="print"/>
+          <a:stretch>
+            <a:fillRect/>
+          </a:stretch>
+        </p:blipFill>
+        <p:spPr>
+          <a:xfrm>
+            <a:off x="304800" y="2128347"/>
+            <a:ext cx="8382000" cy="3533922"/>
+          </a:xfrm>
+        </p:spPr>
+      </p:pic>
+    </p:spTree>
+  </p:cSld>
+  <p:clrMapOvr>
+    <a:masterClrMapping/>
+  </p:clrMapOvr>
+</p:sld>
+</file>
+
+<file path=ppt/slides/slide14.xml><?xml version="1.0" encoding="utf-8"?>
+<p:sld xmlns:a="http://schemas.openxmlformats.org/drawingml/2006/main" xmlns:r="http://schemas.openxmlformats.org/officeDocument/2006/relationships" xmlns:p="http://schemas.openxmlformats.org/presentationml/2006/main">
+  <p:cSld>
+    <p:spTree>
+      <p:nvGrpSpPr>
+        <p:cNvPr id="1" name=""/>
+        <p:cNvGrpSpPr/>
+        <p:nvPr/>
+      </p:nvGrpSpPr>
+      <p:grpSpPr>
+        <a:xfrm>
+          <a:off x="0" y="0"/>
+          <a:ext cx="0" cy="0"/>
+          <a:chOff x="0" y="0"/>
+          <a:chExt cx="0" cy="0"/>
+        </a:xfrm>
+      </p:grpSpPr>
+      <p:sp>
+        <p:nvSpPr>
+          <p:cNvPr id="2" name="Title 1"/>
+          <p:cNvSpPr>
+            <a:spLocks noGrp="1"/>
+          </p:cNvSpPr>
+          <p:nvPr>
+            <p:ph type="title"/>
+          </p:nvPr>
+        </p:nvSpPr>
+        <p:spPr/>
+        <p:txBody>
+          <a:bodyPr/>
+          <a:lstStyle/>
+          <a:p>
+            <a:endParaRPr lang="en-US"/>
+          </a:p>
+        </p:txBody>
+      </p:sp>
+      <p:pic>
+        <p:nvPicPr>
+          <p:cNvPr id="4" name="Content Placeholder 3" descr="RVLM2.PNG"/>
+          <p:cNvPicPr>
+            <a:picLocks noGrp="1" noChangeAspect="1"/>
+          </p:cNvPicPr>
+          <p:nvPr>
+            <p:ph idx="1"/>
+          </p:nvPr>
+        </p:nvPicPr>
+        <p:blipFill>
+          <a:blip r:embed="rId2" cstate="print"/>
+          <a:stretch>
+            <a:fillRect/>
+          </a:stretch>
+        </p:blipFill>
+        <p:spPr>
+          <a:xfrm>
+            <a:off x="381000" y="2114565"/>
+            <a:ext cx="8305800" cy="3529615"/>
+          </a:xfrm>
+        </p:spPr>
+      </p:pic>
+    </p:spTree>
+  </p:cSld>
+  <p:clrMapOvr>
+    <a:masterClrMapping/>
+  </p:clrMapOvr>
+</p:sld>
+</file>
+
+<file path=ppt/slides/slide15.xml><?xml version="1.0" encoding="utf-8"?>
+<p:sld xmlns:a="http://schemas.openxmlformats.org/drawingml/2006/main" xmlns:r="http://schemas.openxmlformats.org/officeDocument/2006/relationships" xmlns:p="http://schemas.openxmlformats.org/presentationml/2006/main">
+  <p:cSld>
+    <p:spTree>
+      <p:nvGrpSpPr>
+        <p:cNvPr id="1" name=""/>
+        <p:cNvGrpSpPr/>
+        <p:nvPr/>
+      </p:nvGrpSpPr>
+      <p:grpSpPr>
+        <a:xfrm>
+          <a:off x="0" y="0"/>
+          <a:ext cx="0" cy="0"/>
+          <a:chOff x="0" y="0"/>
+          <a:chExt cx="0" cy="0"/>
+        </a:xfrm>
+      </p:grpSpPr>
+      <p:sp>
+        <p:nvSpPr>
+          <p:cNvPr id="2" name="Title 1"/>
+          <p:cNvSpPr>
+            <a:spLocks noGrp="1"/>
+          </p:cNvSpPr>
+          <p:nvPr>
+            <p:ph type="title"/>
+          </p:nvPr>
+        </p:nvSpPr>
+        <p:spPr/>
+        <p:txBody>
+          <a:bodyPr/>
+          <a:lstStyle/>
+          <a:p>
+            <a:endParaRPr lang="en-US"/>
+          </a:p>
+        </p:txBody>
+      </p:sp>
+      <p:pic>
+        <p:nvPicPr>
+          <p:cNvPr id="4" name="Content Placeholder 3" descr="Panel.PNG"/>
+          <p:cNvPicPr>
+            <a:picLocks noGrp="1" noChangeAspect="1"/>
+          </p:cNvPicPr>
+          <p:nvPr>
+            <p:ph idx="1"/>
+          </p:nvPr>
+        </p:nvPicPr>
+        <p:blipFill>
+          <a:blip r:embed="rId2" cstate="print"/>
+          <a:stretch>
+            <a:fillRect/>
+          </a:stretch>
+        </p:blipFill>
+        <p:spPr>
+          <a:xfrm>
+            <a:off x="457200" y="2128347"/>
+            <a:ext cx="8229600" cy="3469669"/>
+          </a:xfrm>
+        </p:spPr>
+      </p:pic>
+    </p:spTree>
+  </p:cSld>
+  <p:clrMapOvr>
+    <a:masterClrMapping/>
+  </p:clrMapOvr>
+</p:sld>
+</file>
+
+<file path=ppt/slides/slide16.xml><?xml version="1.0" encoding="utf-8"?>
+<p:sld xmlns:a="http://schemas.openxmlformats.org/drawingml/2006/main" xmlns:r="http://schemas.openxmlformats.org/officeDocument/2006/relationships" xmlns:p="http://schemas.openxmlformats.org/presentationml/2006/main">
+  <p:cSld>
+    <p:spTree>
+      <p:nvGrpSpPr>
+        <p:cNvPr id="1" name=""/>
+        <p:cNvGrpSpPr/>
+        <p:nvPr/>
+      </p:nvGrpSpPr>
+      <p:grpSpPr>
+        <a:xfrm>
+          <a:off x="0" y="0"/>
+          <a:ext cx="0" cy="0"/>
+          <a:chOff x="0" y="0"/>
+          <a:chExt cx="0" cy="0"/>
+        </a:xfrm>
+      </p:grpSpPr>
+      <p:sp>
+        <p:nvSpPr>
+          <p:cNvPr id="2" name="Title 1"/>
+          <p:cNvSpPr>
+            <a:spLocks noGrp="1"/>
+          </p:cNvSpPr>
+          <p:nvPr>
+            <p:ph type="title"/>
+          </p:nvPr>
+        </p:nvSpPr>
+        <p:spPr/>
+        <p:txBody>
+          <a:bodyPr/>
+          <a:lstStyle/>
+          <a:p>
+            <a:endParaRPr lang="en-US" dirty="0"/>
+          </a:p>
+        </p:txBody>
+      </p:sp>
+      <p:pic>
+        <p:nvPicPr>
+          <p:cNvPr id="4" name="Content Placeholder 3" descr="bottompanel.png"/>
+          <p:cNvPicPr>
+            <a:picLocks noGrp="1" noChangeAspect="1"/>
+          </p:cNvPicPr>
+          <p:nvPr>
+            <p:ph idx="1"/>
+          </p:nvPr>
+        </p:nvPicPr>
+        <p:blipFill>
+          <a:blip r:embed="rId2" cstate="print"/>
+          <a:stretch>
+            <a:fillRect/>
+          </a:stretch>
+        </p:blipFill>
+        <p:spPr>
+          <a:xfrm>
+            <a:off x="533400" y="2057400"/>
+            <a:ext cx="3850105" cy="1828800"/>
+          </a:xfrm>
+        </p:spPr>
+      </p:pic>
+      <p:pic>
+        <p:nvPicPr>
+          <p:cNvPr id="5" name="Picture 4" descr="toppanel.png"/>
+          <p:cNvPicPr>
+            <a:picLocks noChangeAspect="1"/>
+          </p:cNvPicPr>
+          <p:nvPr/>
+        </p:nvPicPr>
+        <p:blipFill>
+          <a:blip r:embed="rId3" cstate="print"/>
+          <a:stretch>
+            <a:fillRect/>
+          </a:stretch>
+        </p:blipFill>
+        <p:spPr>
+          <a:xfrm>
+            <a:off x="4800601" y="2057400"/>
+            <a:ext cx="3850105" cy="1828800"/>
+          </a:xfrm>
+          <a:prstGeom prst="rect">
+            <a:avLst/>
+          </a:prstGeom>
+        </p:spPr>
+      </p:pic>
+      <p:pic>
+        <p:nvPicPr>
+          <p:cNvPr id="6" name="Picture 5" descr="bottomvlm.png"/>
+          <p:cNvPicPr>
+            <a:picLocks noChangeAspect="1"/>
+          </p:cNvPicPr>
+          <p:nvPr/>
+        </p:nvPicPr>
+        <p:blipFill>
+          <a:blip r:embed="rId4" cstate="print"/>
+          <a:stretch>
+            <a:fillRect/>
+          </a:stretch>
+        </p:blipFill>
+        <p:spPr>
+          <a:xfrm>
+            <a:off x="533399" y="4419600"/>
+            <a:ext cx="3850105" cy="1828800"/>
+          </a:xfrm>
+          <a:prstGeom prst="rect">
+            <a:avLst/>
+          </a:prstGeom>
+        </p:spPr>
+      </p:pic>
+      <p:pic>
+        <p:nvPicPr>
+          <p:cNvPr id="7" name="Picture 6" descr="topvlm.png"/>
+          <p:cNvPicPr>
+            <a:picLocks noChangeAspect="1"/>
+          </p:cNvPicPr>
+          <p:nvPr/>
+        </p:nvPicPr>
+        <p:blipFill>
+          <a:blip r:embed="rId5" cstate="print"/>
+          <a:stretch>
+            <a:fillRect/>
+          </a:stretch>
+        </p:blipFill>
+        <p:spPr>
+          <a:xfrm>
+            <a:off x="4724400" y="4419600"/>
+            <a:ext cx="3850106" cy="1828800"/>
+          </a:xfrm>
+          <a:prstGeom prst="rect">
+            <a:avLst/>
+          </a:prstGeom>
+        </p:spPr>
+      </p:pic>
+      <p:sp>
+        <p:nvSpPr>
+          <p:cNvPr id="8" name="TextBox 7"/>
+          <p:cNvSpPr txBox="1"/>
+          <p:nvPr/>
+        </p:nvSpPr>
+        <p:spPr>
+          <a:xfrm>
+            <a:off x="4038600" y="1524000"/>
+            <a:ext cx="4343400" cy="369332"/>
+          </a:xfrm>
+          <a:prstGeom prst="rect">
+            <a:avLst/>
+          </a:prstGeom>
+          <a:noFill/>
+        </p:spPr>
+        <p:txBody>
+          <a:bodyPr wrap="square" rtlCol="0">
+            <a:spAutoFit/>
+          </a:bodyPr>
+          <a:lstStyle/>
+          <a:p>
+            <a:r>
+              <a:rPr lang="en-US" dirty="0" smtClean="0"/>
+              <a:t>3D Panel</a:t>
+            </a:r>
+            <a:endParaRPr lang="en-US" dirty="0"/>
+          </a:p>
+        </p:txBody>
+      </p:sp>
+      <p:sp>
+        <p:nvSpPr>
+          <p:cNvPr id="9" name="TextBox 8"/>
+          <p:cNvSpPr txBox="1"/>
+          <p:nvPr/>
+        </p:nvSpPr>
+        <p:spPr>
+          <a:xfrm>
+            <a:off x="4191000" y="3962400"/>
+            <a:ext cx="1447800" cy="369332"/>
+          </a:xfrm>
+          <a:prstGeom prst="rect">
+            <a:avLst/>
+          </a:prstGeom>
+          <a:noFill/>
+        </p:spPr>
+        <p:txBody>
+          <a:bodyPr wrap="square" rtlCol="0">
+            <a:spAutoFit/>
+          </a:bodyPr>
+          <a:lstStyle/>
+          <a:p>
+            <a:r>
+              <a:rPr lang="en-US" dirty="0" smtClean="0"/>
+              <a:t>VLM1</a:t>
+            </a:r>
+            <a:endParaRPr lang="en-US" dirty="0"/>
+          </a:p>
+        </p:txBody>
+      </p:sp>
+    </p:spTree>
+  </p:cSld>
+  <p:clrMapOvr>
+    <a:masterClrMapping/>
+  </p:clrMapOvr>
+</p:sld>
+</file>
+
+<file path=ppt/slides/slide17.xml><?xml version="1.0" encoding="utf-8"?>
+<p:sld xmlns:a="http://schemas.openxmlformats.org/drawingml/2006/main" xmlns:r="http://schemas.openxmlformats.org/officeDocument/2006/relationships" xmlns:p="http://schemas.openxmlformats.org/presentationml/2006/main">
+  <p:cSld>
+    <p:spTree>
+      <p:nvGrpSpPr>
+        <p:cNvPr id="1" name=""/>
+        <p:cNvGrpSpPr/>
+        <p:nvPr/>
+      </p:nvGrpSpPr>
+      <p:grpSpPr>
+        <a:xfrm>
+          <a:off x="0" y="0"/>
+          <a:ext cx="0" cy="0"/>
+          <a:chOff x="0" y="0"/>
+          <a:chExt cx="0" cy="0"/>
+        </a:xfrm>
+      </p:grpSpPr>
+      <p:sp>
+        <p:nvSpPr>
+          <p:cNvPr id="2" name="Title 1"/>
+          <p:cNvSpPr>
+            <a:spLocks noGrp="1"/>
+          </p:cNvSpPr>
+          <p:nvPr>
+            <p:ph type="title"/>
+          </p:nvPr>
+        </p:nvSpPr>
+        <p:spPr/>
+        <p:txBody>
+          <a:bodyPr/>
+          <a:lstStyle/>
+          <a:p>
+            <a:endParaRPr lang="en-US"/>
+          </a:p>
+        </p:txBody>
+      </p:sp>
+      <p:sp>
+        <p:nvSpPr>
+          <p:cNvPr id="3" name="Content Placeholder 2"/>
+          <p:cNvSpPr>
+            <a:spLocks noGrp="1"/>
+          </p:cNvSpPr>
+          <p:nvPr>
+            <p:ph idx="1"/>
+          </p:nvPr>
+        </p:nvSpPr>
+        <p:spPr/>
+        <p:txBody>
+          <a:bodyPr/>
+          <a:lstStyle/>
+          <a:p>
+            <a:endParaRPr lang="en-US"/>
+          </a:p>
+        </p:txBody>
+      </p:sp>
+    </p:spTree>
+  </p:cSld>
+  <p:clrMapOvr>
+    <a:masterClrMapping/>
+  </p:clrMapOvr>
+</p:sld>
+</file>
+
+<file path=ppt/slides/slide18.xml><?xml version="1.0" encoding="utf-8"?>
+<p:sld xmlns:a="http://schemas.openxmlformats.org/drawingml/2006/main" xmlns:r="http://schemas.openxmlformats.org/officeDocument/2006/relationships" xmlns:p="http://schemas.openxmlformats.org/presentationml/2006/main">
+  <p:cSld>
+    <p:spTree>
+      <p:nvGrpSpPr>
+        <p:cNvPr id="1" name=""/>
+        <p:cNvGrpSpPr/>
+        <p:nvPr/>
+      </p:nvGrpSpPr>
+      <p:grpSpPr>
+        <a:xfrm>
+          <a:off x="0" y="0"/>
+          <a:ext cx="0" cy="0"/>
+          <a:chOff x="0" y="0"/>
+          <a:chExt cx="0" cy="0"/>
+        </a:xfrm>
+      </p:grpSpPr>
+      <p:sp>
+        <p:nvSpPr>
+          <p:cNvPr id="2" name="Title 1"/>
+          <p:cNvSpPr>
+            <a:spLocks noGrp="1"/>
+          </p:cNvSpPr>
+          <p:nvPr>
+            <p:ph type="title"/>
+          </p:nvPr>
+        </p:nvSpPr>
+        <p:spPr/>
+        <p:txBody>
+          <a:bodyPr/>
+          <a:lstStyle/>
+          <a:p>
+            <a:endParaRPr lang="en-US"/>
+          </a:p>
+        </p:txBody>
+      </p:sp>
+      <p:sp>
+        <p:nvSpPr>
+          <p:cNvPr id="3" name="Content Placeholder 2"/>
+          <p:cNvSpPr>
+            <a:spLocks noGrp="1"/>
+          </p:cNvSpPr>
+          <p:nvPr>
+            <p:ph idx="1"/>
+          </p:nvPr>
+        </p:nvSpPr>
+        <p:spPr/>
+        <p:txBody>
+          <a:bodyPr/>
+          <a:lstStyle/>
+          <a:p>
+            <a:endParaRPr lang="en-US"/>
+          </a:p>
+        </p:txBody>
+      </p:sp>
+    </p:spTree>
+  </p:cSld>
+  <p:clrMapOvr>
+    <a:masterClrMapping/>
+  </p:clrMapOvr>
+</p:sld>
+</file>
+
+<file path=ppt/slides/slide19.xml><?xml version="1.0" encoding="utf-8"?>
+<p:sld xmlns:a="http://schemas.openxmlformats.org/drawingml/2006/main" xmlns:r="http://schemas.openxmlformats.org/officeDocument/2006/relationships" xmlns:p="http://schemas.openxmlformats.org/presentationml/2006/main">
+  <p:cSld>
+    <p:spTree>
+      <p:nvGrpSpPr>
+        <p:cNvPr id="1" name=""/>
+        <p:cNvGrpSpPr/>
+        <p:nvPr/>
+      </p:nvGrpSpPr>
+      <p:grpSpPr>
+        <a:xfrm>
+          <a:off x="0" y="0"/>
+          <a:ext cx="0" cy="0"/>
+          <a:chOff x="0" y="0"/>
+          <a:chExt cx="0" cy="0"/>
+        </a:xfrm>
+      </p:grpSpPr>
+      <p:sp>
+        <p:nvSpPr>
+          <p:cNvPr id="2" name="Title 1"/>
+          <p:cNvSpPr>
+            <a:spLocks noGrp="1"/>
+          </p:cNvSpPr>
+          <p:nvPr>
+            <p:ph type="title"/>
+          </p:nvPr>
+        </p:nvSpPr>
+        <p:spPr/>
+        <p:txBody>
+          <a:bodyPr/>
+          <a:lstStyle/>
+          <a:p>
+            <a:endParaRPr lang="en-US"/>
+          </a:p>
+        </p:txBody>
+      </p:sp>
+      <p:sp>
+        <p:nvSpPr>
+          <p:cNvPr id="3" name="Content Placeholder 2"/>
+          <p:cNvSpPr>
+            <a:spLocks noGrp="1"/>
+          </p:cNvSpPr>
+          <p:nvPr>
+            <p:ph idx="1"/>
+          </p:nvPr>
+        </p:nvSpPr>
+        <p:spPr/>
+        <p:txBody>
+          <a:bodyPr/>
+          <a:lstStyle/>
+          <a:p>
+            <a:endParaRPr lang="en-US"/>
+          </a:p>
+        </p:txBody>
+      </p:sp>
+    </p:spTree>
+  </p:cSld>
+  <p:clrMapOvr>
+    <a:masterClrMapping/>
+  </p:clrMapOvr>
+</p:sld>
+</file>
+
 <file path=ppt/slides/slide2.xml><?xml version="1.0" encoding="utf-8"?>
 <p:sld xmlns:a="http://schemas.openxmlformats.org/drawingml/2006/main" xmlns:r="http://schemas.openxmlformats.org/officeDocument/2006/relationships" xmlns:p="http://schemas.openxmlformats.org/presentationml/2006/main">
   <p:cSld>
@@ -3158,6 +3986,73 @@
           </a:xfrm>
         </p:spPr>
       </p:pic>
+    </p:spTree>
+  </p:cSld>
+  <p:clrMapOvr>
+    <a:masterClrMapping/>
+  </p:clrMapOvr>
+</p:sld>
+</file>
+
+<file path=ppt/slides/slide20.xml><?xml version="1.0" encoding="utf-8"?>
+<p:sld xmlns:a="http://schemas.openxmlformats.org/drawingml/2006/main" xmlns:r="http://schemas.openxmlformats.org/officeDocument/2006/relationships" xmlns:p="http://schemas.openxmlformats.org/presentationml/2006/main">
+  <p:cSld>
+    <p:spTree>
+      <p:nvGrpSpPr>
+        <p:cNvPr id="1" name=""/>
+        <p:cNvGrpSpPr/>
+        <p:nvPr/>
+      </p:nvGrpSpPr>
+      <p:grpSpPr>
+        <a:xfrm>
+          <a:off x="0" y="0"/>
+          <a:ext cx="0" cy="0"/>
+          <a:chOff x="0" y="0"/>
+          <a:chExt cx="0" cy="0"/>
+        </a:xfrm>
+      </p:grpSpPr>
+      <p:sp>
+        <p:nvSpPr>
+          <p:cNvPr id="2" name="Title 1"/>
+          <p:cNvSpPr>
+            <a:spLocks noGrp="1"/>
+          </p:cNvSpPr>
+          <p:nvPr>
+            <p:ph type="title"/>
+          </p:nvPr>
+        </p:nvSpPr>
+        <p:spPr/>
+        <p:txBody>
+          <a:bodyPr/>
+          <a:lstStyle/>
+          <a:p>
+            <a:r>
+              <a:rPr lang="en-US" dirty="0" smtClean="0"/>
+              <a:t>Question?</a:t>
+            </a:r>
+            <a:endParaRPr lang="en-US" dirty="0"/>
+          </a:p>
+        </p:txBody>
+      </p:sp>
+      <p:sp>
+        <p:nvSpPr>
+          <p:cNvPr id="3" name="Content Placeholder 2"/>
+          <p:cNvSpPr>
+            <a:spLocks noGrp="1"/>
+          </p:cNvSpPr>
+          <p:nvPr>
+            <p:ph idx="1"/>
+          </p:nvPr>
+        </p:nvSpPr>
+        <p:spPr/>
+        <p:txBody>
+          <a:bodyPr/>
+          <a:lstStyle/>
+          <a:p>
+            <a:endParaRPr lang="en-US" dirty="0"/>
+          </a:p>
+        </p:txBody>
+      </p:sp>
     </p:spTree>
   </p:cSld>
   <p:clrMapOvr>
@@ -3325,12 +4220,352 @@
           <a:chExt cx="0" cy="0"/>
         </a:xfrm>
       </p:grpSpPr>
+      <p:sp>
+        <p:nvSpPr>
+          <p:cNvPr id="2" name="Title 1"/>
+          <p:cNvSpPr>
+            <a:spLocks noGrp="1"/>
+          </p:cNvSpPr>
+          <p:nvPr>
+            <p:ph type="title"/>
+          </p:nvPr>
+        </p:nvSpPr>
+        <p:spPr/>
+        <p:txBody>
+          <a:bodyPr/>
+          <a:lstStyle/>
+          <a:p>
+            <a:r>
+              <a:rPr lang="en-US" dirty="0" smtClean="0"/>
+              <a:t>LLT Lifting Line Theory</a:t>
+            </a:r>
+            <a:endParaRPr lang="en-US" dirty="0"/>
+          </a:p>
+        </p:txBody>
+      </p:sp>
+      <p:pic>
+        <p:nvPicPr>
+          <p:cNvPr id="4" name="Content Placeholder 3" descr="800px-Lifting_line_theory_illustration_(2).svg.png"/>
+          <p:cNvPicPr>
+            <a:picLocks noGrp="1" noChangeAspect="1"/>
+          </p:cNvPicPr>
+          <p:nvPr>
+            <p:ph sz="half" idx="1"/>
+          </p:nvPr>
+        </p:nvPicPr>
+        <p:blipFill>
+          <a:blip r:embed="rId2" cstate="print"/>
+          <a:stretch>
+            <a:fillRect/>
+          </a:stretch>
+        </p:blipFill>
+        <p:spPr>
+          <a:xfrm>
+            <a:off x="4114800" y="1676400"/>
+            <a:ext cx="4800600" cy="3594450"/>
+          </a:xfrm>
+        </p:spPr>
+      </p:pic>
+      <p:sp>
+        <p:nvSpPr>
+          <p:cNvPr id="5" name="Content Placeholder 4"/>
+          <p:cNvSpPr>
+            <a:spLocks noGrp="1"/>
+          </p:cNvSpPr>
+          <p:nvPr>
+            <p:ph sz="half" idx="2"/>
+          </p:nvPr>
+        </p:nvSpPr>
+        <p:spPr>
+          <a:xfrm>
+            <a:off x="609600" y="1600200"/>
+            <a:ext cx="4038600" cy="4525963"/>
+          </a:xfrm>
+        </p:spPr>
+        <p:txBody>
+          <a:bodyPr/>
+          <a:lstStyle/>
+          <a:p>
+            <a:endParaRPr lang="en-US" dirty="0"/>
+          </a:p>
+        </p:txBody>
+      </p:sp>
     </p:spTree>
   </p:cSld>
   <p:clrMapOvr>
     <a:masterClrMapping/>
   </p:clrMapOvr>
 </p:sld>
+</file>
+
+<file path=ppt/slides/slide6.xml><?xml version="1.0" encoding="utf-8"?>
+<p:sld xmlns:a="http://schemas.openxmlformats.org/drawingml/2006/main" xmlns:r="http://schemas.openxmlformats.org/officeDocument/2006/relationships" xmlns:p="http://schemas.openxmlformats.org/presentationml/2006/main">
+  <p:cSld>
+    <p:spTree>
+      <p:nvGrpSpPr>
+        <p:cNvPr id="1" name=""/>
+        <p:cNvGrpSpPr/>
+        <p:nvPr/>
+      </p:nvGrpSpPr>
+      <p:grpSpPr>
+        <a:xfrm>
+          <a:off x="0" y="0"/>
+          <a:ext cx="0" cy="0"/>
+          <a:chOff x="0" y="0"/>
+          <a:chExt cx="0" cy="0"/>
+        </a:xfrm>
+      </p:grpSpPr>
+      <p:sp>
+        <p:nvSpPr>
+          <p:cNvPr id="2" name="Title 1"/>
+          <p:cNvSpPr>
+            <a:spLocks noGrp="1"/>
+          </p:cNvSpPr>
+          <p:nvPr>
+            <p:ph type="title"/>
+          </p:nvPr>
+        </p:nvSpPr>
+        <p:spPr/>
+        <p:txBody>
+          <a:bodyPr/>
+          <a:lstStyle/>
+          <a:p>
+            <a:r>
+              <a:rPr lang="en-US" dirty="0" smtClean="0"/>
+              <a:t>VLM Vortex Lattice Method</a:t>
+            </a:r>
+            <a:endParaRPr lang="en-US" dirty="0"/>
+          </a:p>
+        </p:txBody>
+      </p:sp>
+      <p:sp>
+        <p:nvSpPr>
+          <p:cNvPr id="3" name="Content Placeholder 2"/>
+          <p:cNvSpPr>
+            <a:spLocks noGrp="1"/>
+          </p:cNvSpPr>
+          <p:nvPr>
+            <p:ph idx="1"/>
+          </p:nvPr>
+        </p:nvSpPr>
+        <p:spPr/>
+        <p:txBody>
+          <a:bodyPr/>
+          <a:lstStyle/>
+          <a:p>
+            <a:endParaRPr lang="en-US"/>
+          </a:p>
+        </p:txBody>
+      </p:sp>
+    </p:spTree>
+  </p:cSld>
+  <p:clrMapOvr>
+    <a:masterClrMapping/>
+  </p:clrMapOvr>
+</p:sld>
+</file>
+
+<file path=ppt/slides/slide7.xml><?xml version="1.0" encoding="utf-8"?>
+<p:sld xmlns:a="http://schemas.openxmlformats.org/drawingml/2006/main" xmlns:r="http://schemas.openxmlformats.org/officeDocument/2006/relationships" xmlns:p="http://schemas.openxmlformats.org/presentationml/2006/main">
+  <p:cSld>
+    <p:spTree>
+      <p:nvGrpSpPr>
+        <p:cNvPr id="1" name=""/>
+        <p:cNvGrpSpPr/>
+        <p:nvPr/>
+      </p:nvGrpSpPr>
+      <p:grpSpPr>
+        <a:xfrm>
+          <a:off x="0" y="0"/>
+          <a:ext cx="0" cy="0"/>
+          <a:chOff x="0" y="0"/>
+          <a:chExt cx="0" cy="0"/>
+        </a:xfrm>
+      </p:grpSpPr>
+      <p:sp>
+        <p:nvSpPr>
+          <p:cNvPr id="2" name="Title 1"/>
+          <p:cNvSpPr>
+            <a:spLocks noGrp="1"/>
+          </p:cNvSpPr>
+          <p:nvPr>
+            <p:ph type="title"/>
+          </p:nvPr>
+        </p:nvSpPr>
+        <p:spPr/>
+        <p:txBody>
+          <a:bodyPr/>
+          <a:lstStyle/>
+          <a:p>
+            <a:r>
+              <a:rPr lang="en-US" dirty="0" smtClean="0"/>
+              <a:t>VLM 1</a:t>
+            </a:r>
+            <a:endParaRPr lang="en-US" dirty="0"/>
+          </a:p>
+        </p:txBody>
+      </p:sp>
+      <p:sp>
+        <p:nvSpPr>
+          <p:cNvPr id="3" name="Content Placeholder 2"/>
+          <p:cNvSpPr>
+            <a:spLocks noGrp="1"/>
+          </p:cNvSpPr>
+          <p:nvPr>
+            <p:ph idx="1"/>
+          </p:nvPr>
+        </p:nvSpPr>
+        <p:spPr/>
+        <p:txBody>
+          <a:bodyPr/>
+          <a:lstStyle/>
+          <a:p>
+            <a:endParaRPr lang="en-US"/>
+          </a:p>
+        </p:txBody>
+      </p:sp>
+    </p:spTree>
+  </p:cSld>
+  <p:clrMapOvr>
+    <a:masterClrMapping/>
+  </p:clrMapOvr>
+</p:sld>
+</file>
+
+<file path=ppt/slides/slide8.xml><?xml version="1.0" encoding="utf-8"?>
+<p:sld xmlns:a="http://schemas.openxmlformats.org/drawingml/2006/main" xmlns:r="http://schemas.openxmlformats.org/officeDocument/2006/relationships" xmlns:p="http://schemas.openxmlformats.org/presentationml/2006/main">
+  <p:cSld>
+    <p:spTree>
+      <p:nvGrpSpPr>
+        <p:cNvPr id="1" name=""/>
+        <p:cNvGrpSpPr/>
+        <p:nvPr/>
+      </p:nvGrpSpPr>
+      <p:grpSpPr>
+        <a:xfrm>
+          <a:off x="0" y="0"/>
+          <a:ext cx="0" cy="0"/>
+          <a:chOff x="0" y="0"/>
+          <a:chExt cx="0" cy="0"/>
+        </a:xfrm>
+      </p:grpSpPr>
+      <p:sp>
+        <p:nvSpPr>
+          <p:cNvPr id="2" name="Title 1"/>
+          <p:cNvSpPr>
+            <a:spLocks noGrp="1"/>
+          </p:cNvSpPr>
+          <p:nvPr>
+            <p:ph type="title"/>
+          </p:nvPr>
+        </p:nvSpPr>
+        <p:spPr/>
+        <p:txBody>
+          <a:bodyPr/>
+          <a:lstStyle/>
+          <a:p>
+            <a:endParaRPr lang="en-US"/>
+          </a:p>
+        </p:txBody>
+      </p:sp>
+      <p:sp>
+        <p:nvSpPr>
+          <p:cNvPr id="3" name="Content Placeholder 2"/>
+          <p:cNvSpPr>
+            <a:spLocks noGrp="1"/>
+          </p:cNvSpPr>
+          <p:nvPr>
+            <p:ph idx="1"/>
+          </p:nvPr>
+        </p:nvSpPr>
+        <p:spPr/>
+        <p:txBody>
+          <a:bodyPr/>
+          <a:lstStyle/>
+          <a:p>
+            <a:endParaRPr lang="en-US"/>
+          </a:p>
+        </p:txBody>
+      </p:sp>
+    </p:spTree>
+  </p:cSld>
+  <p:clrMapOvr>
+    <a:masterClrMapping/>
+  </p:clrMapOvr>
+</p:sld>
+</file>
+
+<file path=ppt/slides/slide9.xml><?xml version="1.0" encoding="utf-8"?>
+<p:sld xmlns:a="http://schemas.openxmlformats.org/drawingml/2006/main" xmlns:r="http://schemas.openxmlformats.org/officeDocument/2006/relationships" xmlns:p="http://schemas.openxmlformats.org/presentationml/2006/main">
+  <p:cSld>
+    <p:spTree>
+      <p:nvGrpSpPr>
+        <p:cNvPr id="1" name=""/>
+        <p:cNvGrpSpPr/>
+        <p:nvPr/>
+      </p:nvGrpSpPr>
+      <p:grpSpPr>
+        <a:xfrm>
+          <a:off x="0" y="0"/>
+          <a:ext cx="0" cy="0"/>
+          <a:chOff x="0" y="0"/>
+          <a:chExt cx="0" cy="0"/>
+        </a:xfrm>
+      </p:grpSpPr>
+      <p:sp>
+        <p:nvSpPr>
+          <p:cNvPr id="2" name="Title 1"/>
+          <p:cNvSpPr>
+            <a:spLocks noGrp="1"/>
+          </p:cNvSpPr>
+          <p:nvPr>
+            <p:ph type="title"/>
+          </p:nvPr>
+        </p:nvSpPr>
+        <p:spPr/>
+        <p:txBody>
+          <a:bodyPr/>
+          <a:lstStyle/>
+          <a:p>
+            <a:r>
+              <a:rPr lang="en-US" dirty="0" smtClean="0"/>
+              <a:t>VLM2</a:t>
+            </a:r>
+            <a:endParaRPr lang="en-US" dirty="0"/>
+          </a:p>
+        </p:txBody>
+      </p:sp>
+      <p:sp>
+        <p:nvSpPr>
+          <p:cNvPr id="3" name="Content Placeholder 2"/>
+          <p:cNvSpPr>
+            <a:spLocks noGrp="1"/>
+          </p:cNvSpPr>
+          <p:nvPr>
+            <p:ph idx="1"/>
+          </p:nvPr>
+        </p:nvSpPr>
+        <p:spPr/>
+        <p:txBody>
+          <a:bodyPr/>
+          <a:lstStyle/>
+          <a:p>
+            <a:endParaRPr lang="en-US"/>
+          </a:p>
+        </p:txBody>
+      </p:sp>
+    </p:spTree>
+  </p:cSld>
+  <p:clrMapOvr>
+    <a:masterClrMapping/>
+  </p:clrMapOvr>
+</p:sld>
+</file>
+
+<file path=ppt/tags/tag1.xml><?xml version="1.0" encoding="utf-8"?>
+<p:tagLst xmlns:a="http://schemas.openxmlformats.org/drawingml/2006/main" xmlns:r="http://schemas.openxmlformats.org/officeDocument/2006/relationships" xmlns:p="http://schemas.openxmlformats.org/presentationml/2006/main">
+  <p:tag name="FIRSTCOLIN@QJHCBVMRBBBJERT4" val="5233"/>
+</p:tagLst>
 </file>
 
 <file path=ppt/theme/theme1.xml><?xml version="1.0" encoding="utf-8"?>

--- a/XFLR5 Methods and Their Application in.pptx
+++ b/XFLR5 Methods and Their Application in.pptx
@@ -10,20 +10,20 @@
     <p:sldId id="258" r:id="rId4"/>
     <p:sldId id="259" r:id="rId5"/>
     <p:sldId id="260" r:id="rId6"/>
-    <p:sldId id="261" r:id="rId7"/>
-    <p:sldId id="263" r:id="rId8"/>
-    <p:sldId id="276" r:id="rId9"/>
-    <p:sldId id="262" r:id="rId10"/>
-    <p:sldId id="277" r:id="rId11"/>
-    <p:sldId id="264" r:id="rId12"/>
-    <p:sldId id="265" r:id="rId13"/>
-    <p:sldId id="266" r:id="rId14"/>
-    <p:sldId id="267" r:id="rId15"/>
-    <p:sldId id="268" r:id="rId16"/>
-    <p:sldId id="269" r:id="rId17"/>
-    <p:sldId id="270" r:id="rId18"/>
-    <p:sldId id="271" r:id="rId19"/>
-    <p:sldId id="272" r:id="rId20"/>
+    <p:sldId id="279" r:id="rId7"/>
+    <p:sldId id="261" r:id="rId8"/>
+    <p:sldId id="263" r:id="rId9"/>
+    <p:sldId id="276" r:id="rId10"/>
+    <p:sldId id="262" r:id="rId11"/>
+    <p:sldId id="277" r:id="rId12"/>
+    <p:sldId id="264" r:id="rId13"/>
+    <p:sldId id="265" r:id="rId14"/>
+    <p:sldId id="266" r:id="rId15"/>
+    <p:sldId id="267" r:id="rId16"/>
+    <p:sldId id="268" r:id="rId17"/>
+    <p:sldId id="278" r:id="rId18"/>
+    <p:sldId id="269" r:id="rId19"/>
+    <p:sldId id="271" r:id="rId20"/>
     <p:sldId id="275" r:id="rId21"/>
   </p:sldIdLst>
   <p:sldSz cx="9144000" cy="6858000" type="screen4x3"/>
@@ -3169,7 +3169,11 @@
           <a:bodyPr/>
           <a:lstStyle/>
           <a:p>
-            <a:endParaRPr lang="en-US"/>
+            <a:r>
+              <a:rPr lang="en-US" dirty="0" smtClean="0"/>
+              <a:t>VLM2</a:t>
+            </a:r>
+            <a:endParaRPr lang="en-US" dirty="0"/>
           </a:p>
         </p:txBody>
       </p:sp>
@@ -3232,11 +3236,7 @@
           <a:bodyPr/>
           <a:lstStyle/>
           <a:p>
-            <a:r>
-              <a:rPr lang="en-US" dirty="0" smtClean="0"/>
-              <a:t>3D Panel Method</a:t>
-            </a:r>
-            <a:endParaRPr lang="en-US" dirty="0"/>
+            <a:endParaRPr lang="en-US"/>
           </a:p>
         </p:txBody>
       </p:sp>
@@ -3299,33 +3299,33 @@
           <a:bodyPr/>
           <a:lstStyle/>
           <a:p>
+            <a:r>
+              <a:rPr lang="en-US" dirty="0" smtClean="0"/>
+              <a:t>3D Panel Method</a:t>
+            </a:r>
+            <a:endParaRPr lang="en-US" dirty="0"/>
+          </a:p>
+        </p:txBody>
+      </p:sp>
+      <p:sp>
+        <p:nvSpPr>
+          <p:cNvPr id="3" name="Content Placeholder 2"/>
+          <p:cNvSpPr>
+            <a:spLocks noGrp="1"/>
+          </p:cNvSpPr>
+          <p:nvPr>
+            <p:ph idx="1"/>
+          </p:nvPr>
+        </p:nvSpPr>
+        <p:spPr/>
+        <p:txBody>
+          <a:bodyPr/>
+          <a:lstStyle/>
+          <a:p>
             <a:endParaRPr lang="en-US"/>
           </a:p>
         </p:txBody>
       </p:sp>
-      <p:pic>
-        <p:nvPicPr>
-          <p:cNvPr id="4" name="Content Placeholder 3" descr="compare.PNG"/>
-          <p:cNvPicPr>
-            <a:picLocks noGrp="1" noChangeAspect="1"/>
-          </p:cNvPicPr>
-          <p:nvPr>
-            <p:ph idx="1"/>
-          </p:nvPr>
-        </p:nvPicPr>
-        <p:blipFill>
-          <a:blip r:embed="rId2" cstate="print"/>
-          <a:stretch>
-            <a:fillRect/>
-          </a:stretch>
-        </p:blipFill>
-        <p:spPr>
-          <a:xfrm>
-            <a:off x="152400" y="2133600"/>
-            <a:ext cx="8893813" cy="3729880"/>
-          </a:xfrm>
-        </p:spPr>
-      </p:pic>
     </p:spTree>
   </p:cSld>
   <p:clrMapOvr>
@@ -3372,7 +3372,7 @@
       </p:sp>
       <p:pic>
         <p:nvPicPr>
-          <p:cNvPr id="6" name="Content Placeholder 5" descr="LLT.PNG"/>
+          <p:cNvPr id="4" name="Content Placeholder 3" descr="compare.PNG"/>
           <p:cNvPicPr>
             <a:picLocks noGrp="1" noChangeAspect="1"/>
           </p:cNvPicPr>
@@ -3388,8 +3388,8 @@
         </p:blipFill>
         <p:spPr>
           <a:xfrm>
-            <a:off x="304800" y="2128347"/>
-            <a:ext cx="8382000" cy="3533922"/>
+            <a:off x="152400" y="2133600"/>
+            <a:ext cx="8893813" cy="3729880"/>
           </a:xfrm>
         </p:spPr>
       </p:pic>
@@ -3439,7 +3439,7 @@
       </p:sp>
       <p:pic>
         <p:nvPicPr>
-          <p:cNvPr id="4" name="Content Placeholder 3" descr="RVLM2.PNG"/>
+          <p:cNvPr id="6" name="Content Placeholder 5" descr="LLT.PNG"/>
           <p:cNvPicPr>
             <a:picLocks noGrp="1" noChangeAspect="1"/>
           </p:cNvPicPr>
@@ -3455,8 +3455,8 @@
         </p:blipFill>
         <p:spPr>
           <a:xfrm>
-            <a:off x="381000" y="2114565"/>
-            <a:ext cx="8305800" cy="3529615"/>
+            <a:off x="304800" y="2128347"/>
+            <a:ext cx="8382000" cy="3533922"/>
           </a:xfrm>
         </p:spPr>
       </p:pic>
@@ -3506,7 +3506,7 @@
       </p:sp>
       <p:pic>
         <p:nvPicPr>
-          <p:cNvPr id="4" name="Content Placeholder 3" descr="Panel.PNG"/>
+          <p:cNvPr id="4" name="Content Placeholder 3" descr="RVLM2.PNG"/>
           <p:cNvPicPr>
             <a:picLocks noGrp="1" noChangeAspect="1"/>
           </p:cNvPicPr>
@@ -3522,8 +3522,8 @@
         </p:blipFill>
         <p:spPr>
           <a:xfrm>
-            <a:off x="457200" y="2128347"/>
-            <a:ext cx="8229600" cy="3469669"/>
+            <a:off x="381000" y="2114565"/>
+            <a:ext cx="8305800" cy="3529615"/>
           </a:xfrm>
         </p:spPr>
       </p:pic>
@@ -3567,6 +3567,148 @@
           <a:bodyPr/>
           <a:lstStyle/>
           <a:p>
+            <a:endParaRPr lang="en-US"/>
+          </a:p>
+        </p:txBody>
+      </p:sp>
+      <p:pic>
+        <p:nvPicPr>
+          <p:cNvPr id="4" name="Content Placeholder 3" descr="Panel.PNG"/>
+          <p:cNvPicPr>
+            <a:picLocks noGrp="1" noChangeAspect="1"/>
+          </p:cNvPicPr>
+          <p:nvPr>
+            <p:ph idx="1"/>
+          </p:nvPr>
+        </p:nvPicPr>
+        <p:blipFill>
+          <a:blip r:embed="rId2" cstate="print"/>
+          <a:stretch>
+            <a:fillRect/>
+          </a:stretch>
+        </p:blipFill>
+        <p:spPr>
+          <a:xfrm>
+            <a:off x="457200" y="2128347"/>
+            <a:ext cx="8229600" cy="3469669"/>
+          </a:xfrm>
+        </p:spPr>
+      </p:pic>
+    </p:spTree>
+  </p:cSld>
+  <p:clrMapOvr>
+    <a:masterClrMapping/>
+  </p:clrMapOvr>
+</p:sld>
+</file>
+
+<file path=ppt/slides/slide17.xml><?xml version="1.0" encoding="utf-8"?>
+<p:sld xmlns:a="http://schemas.openxmlformats.org/drawingml/2006/main" xmlns:r="http://schemas.openxmlformats.org/officeDocument/2006/relationships" xmlns:p="http://schemas.openxmlformats.org/presentationml/2006/main">
+  <p:cSld>
+    <p:spTree>
+      <p:nvGrpSpPr>
+        <p:cNvPr id="1" name=""/>
+        <p:cNvGrpSpPr/>
+        <p:nvPr/>
+      </p:nvGrpSpPr>
+      <p:grpSpPr>
+        <a:xfrm>
+          <a:off x="0" y="0"/>
+          <a:ext cx="0" cy="0"/>
+          <a:chOff x="0" y="0"/>
+          <a:chExt cx="0" cy="0"/>
+        </a:xfrm>
+      </p:grpSpPr>
+      <p:sp>
+        <p:nvSpPr>
+          <p:cNvPr id="2" name="Title 1"/>
+          <p:cNvSpPr>
+            <a:spLocks noGrp="1"/>
+          </p:cNvSpPr>
+          <p:nvPr>
+            <p:ph type="title"/>
+          </p:nvPr>
+        </p:nvSpPr>
+        <p:spPr/>
+        <p:txBody>
+          <a:bodyPr/>
+          <a:lstStyle/>
+          <a:p>
+            <a:r>
+              <a:rPr lang="en-US" dirty="0" smtClean="0"/>
+              <a:t>Airfoil Shape</a:t>
+            </a:r>
+            <a:endParaRPr lang="en-US" dirty="0"/>
+          </a:p>
+        </p:txBody>
+      </p:sp>
+      <p:pic>
+        <p:nvPicPr>
+          <p:cNvPr id="6" name="Content Placeholder 5" descr="green.png"/>
+          <p:cNvPicPr>
+            <a:picLocks noGrp="1" noChangeAspect="1"/>
+          </p:cNvPicPr>
+          <p:nvPr>
+            <p:ph idx="1"/>
+          </p:nvPr>
+        </p:nvPicPr>
+        <p:blipFill>
+          <a:blip r:embed="rId2" cstate="print"/>
+          <a:stretch>
+            <a:fillRect/>
+          </a:stretch>
+        </p:blipFill>
+        <p:spPr>
+          <a:xfrm>
+            <a:off x="457200" y="2433717"/>
+            <a:ext cx="8229600" cy="2858929"/>
+          </a:xfrm>
+        </p:spPr>
+      </p:pic>
+    </p:spTree>
+  </p:cSld>
+  <p:clrMapOvr>
+    <a:masterClrMapping/>
+  </p:clrMapOvr>
+</p:sld>
+</file>
+
+<file path=ppt/slides/slide18.xml><?xml version="1.0" encoding="utf-8"?>
+<p:sld xmlns:a="http://schemas.openxmlformats.org/drawingml/2006/main" xmlns:r="http://schemas.openxmlformats.org/officeDocument/2006/relationships" xmlns:p="http://schemas.openxmlformats.org/presentationml/2006/main">
+  <p:cSld>
+    <p:spTree>
+      <p:nvGrpSpPr>
+        <p:cNvPr id="1" name=""/>
+        <p:cNvGrpSpPr/>
+        <p:nvPr/>
+      </p:nvGrpSpPr>
+      <p:grpSpPr>
+        <a:xfrm>
+          <a:off x="0" y="0"/>
+          <a:ext cx="0" cy="0"/>
+          <a:chOff x="0" y="0"/>
+          <a:chExt cx="0" cy="0"/>
+        </a:xfrm>
+      </p:grpSpPr>
+      <p:sp>
+        <p:nvSpPr>
+          <p:cNvPr id="2" name="Title 1"/>
+          <p:cNvSpPr>
+            <a:spLocks noGrp="1"/>
+          </p:cNvSpPr>
+          <p:nvPr>
+            <p:ph type="title"/>
+          </p:nvPr>
+        </p:nvSpPr>
+        <p:spPr/>
+        <p:txBody>
+          <a:bodyPr/>
+          <a:lstStyle/>
+          <a:p>
+            <a:r>
+              <a:rPr lang="en-US" dirty="0" smtClean="0"/>
+              <a:t>Cp Distribution</a:t>
+            </a:r>
             <a:endParaRPr lang="en-US" dirty="0"/>
           </a:p>
         </p:txBody>
@@ -3734,132 +3876,6 @@
 </p:sld>
 </file>
 
-<file path=ppt/slides/slide17.xml><?xml version="1.0" encoding="utf-8"?>
-<p:sld xmlns:a="http://schemas.openxmlformats.org/drawingml/2006/main" xmlns:r="http://schemas.openxmlformats.org/officeDocument/2006/relationships" xmlns:p="http://schemas.openxmlformats.org/presentationml/2006/main">
-  <p:cSld>
-    <p:spTree>
-      <p:nvGrpSpPr>
-        <p:cNvPr id="1" name=""/>
-        <p:cNvGrpSpPr/>
-        <p:nvPr/>
-      </p:nvGrpSpPr>
-      <p:grpSpPr>
-        <a:xfrm>
-          <a:off x="0" y="0"/>
-          <a:ext cx="0" cy="0"/>
-          <a:chOff x="0" y="0"/>
-          <a:chExt cx="0" cy="0"/>
-        </a:xfrm>
-      </p:grpSpPr>
-      <p:sp>
-        <p:nvSpPr>
-          <p:cNvPr id="2" name="Title 1"/>
-          <p:cNvSpPr>
-            <a:spLocks noGrp="1"/>
-          </p:cNvSpPr>
-          <p:nvPr>
-            <p:ph type="title"/>
-          </p:nvPr>
-        </p:nvSpPr>
-        <p:spPr/>
-        <p:txBody>
-          <a:bodyPr/>
-          <a:lstStyle/>
-          <a:p>
-            <a:endParaRPr lang="en-US"/>
-          </a:p>
-        </p:txBody>
-      </p:sp>
-      <p:sp>
-        <p:nvSpPr>
-          <p:cNvPr id="3" name="Content Placeholder 2"/>
-          <p:cNvSpPr>
-            <a:spLocks noGrp="1"/>
-          </p:cNvSpPr>
-          <p:nvPr>
-            <p:ph idx="1"/>
-          </p:nvPr>
-        </p:nvSpPr>
-        <p:spPr/>
-        <p:txBody>
-          <a:bodyPr/>
-          <a:lstStyle/>
-          <a:p>
-            <a:endParaRPr lang="en-US"/>
-          </a:p>
-        </p:txBody>
-      </p:sp>
-    </p:spTree>
-  </p:cSld>
-  <p:clrMapOvr>
-    <a:masterClrMapping/>
-  </p:clrMapOvr>
-</p:sld>
-</file>
-
-<file path=ppt/slides/slide18.xml><?xml version="1.0" encoding="utf-8"?>
-<p:sld xmlns:a="http://schemas.openxmlformats.org/drawingml/2006/main" xmlns:r="http://schemas.openxmlformats.org/officeDocument/2006/relationships" xmlns:p="http://schemas.openxmlformats.org/presentationml/2006/main">
-  <p:cSld>
-    <p:spTree>
-      <p:nvGrpSpPr>
-        <p:cNvPr id="1" name=""/>
-        <p:cNvGrpSpPr/>
-        <p:nvPr/>
-      </p:nvGrpSpPr>
-      <p:grpSpPr>
-        <a:xfrm>
-          <a:off x="0" y="0"/>
-          <a:ext cx="0" cy="0"/>
-          <a:chOff x="0" y="0"/>
-          <a:chExt cx="0" cy="0"/>
-        </a:xfrm>
-      </p:grpSpPr>
-      <p:sp>
-        <p:nvSpPr>
-          <p:cNvPr id="2" name="Title 1"/>
-          <p:cNvSpPr>
-            <a:spLocks noGrp="1"/>
-          </p:cNvSpPr>
-          <p:nvPr>
-            <p:ph type="title"/>
-          </p:nvPr>
-        </p:nvSpPr>
-        <p:spPr/>
-        <p:txBody>
-          <a:bodyPr/>
-          <a:lstStyle/>
-          <a:p>
-            <a:endParaRPr lang="en-US"/>
-          </a:p>
-        </p:txBody>
-      </p:sp>
-      <p:sp>
-        <p:nvSpPr>
-          <p:cNvPr id="3" name="Content Placeholder 2"/>
-          <p:cNvSpPr>
-            <a:spLocks noGrp="1"/>
-          </p:cNvSpPr>
-          <p:nvPr>
-            <p:ph idx="1"/>
-          </p:nvPr>
-        </p:nvSpPr>
-        <p:spPr/>
-        <p:txBody>
-          <a:bodyPr/>
-          <a:lstStyle/>
-          <a:p>
-            <a:endParaRPr lang="en-US"/>
-          </a:p>
-        </p:txBody>
-      </p:sp>
-    </p:spTree>
-  </p:cSld>
-  <p:clrMapOvr>
-    <a:masterClrMapping/>
-  </p:clrMapOvr>
-</p:sld>
-</file>
-
 <file path=ppt/slides/slide19.xml><?xml version="1.0" encoding="utf-8"?>
 <p:sld xmlns:a="http://schemas.openxmlformats.org/drawingml/2006/main" xmlns:r="http://schemas.openxmlformats.org/officeDocument/2006/relationships" xmlns:p="http://schemas.openxmlformats.org/presentationml/2006/main">
   <p:cSld>
@@ -3892,7 +3908,11 @@
           <a:bodyPr/>
           <a:lstStyle/>
           <a:p>
-            <a:endParaRPr lang="en-US"/>
+            <a:r>
+              <a:rPr lang="en-US" dirty="0" smtClean="0"/>
+              <a:t>Conclusions</a:t>
+            </a:r>
+            <a:endParaRPr lang="en-US" dirty="0"/>
           </a:p>
         </p:txBody>
       </p:sp>
@@ -3911,7 +3931,7 @@
           <a:bodyPr/>
           <a:lstStyle/>
           <a:p>
-            <a:endParaRPr lang="en-US"/>
+            <a:endParaRPr lang="en-US" dirty="0"/>
           </a:p>
         </p:txBody>
       </p:sp>
@@ -4261,8 +4281,8 @@
         </p:blipFill>
         <p:spPr>
           <a:xfrm>
-            <a:off x="4114800" y="1676400"/>
-            <a:ext cx="4800600" cy="3594450"/>
+            <a:off x="3810000" y="1676399"/>
+            <a:ext cx="5105400" cy="3822669"/>
           </a:xfrm>
         </p:spPr>
       </p:pic>
@@ -4283,9 +4303,90 @@
           </a:xfrm>
         </p:spPr>
         <p:txBody>
-          <a:bodyPr/>
-          <a:lstStyle/>
-          <a:p>
+          <a:bodyPr>
+            <a:normAutofit fontScale="77500" lnSpcReduction="20000"/>
+          </a:bodyPr>
+          <a:lstStyle/>
+          <a:p>
+            <a:r>
+              <a:rPr lang="en-US" i="1" dirty="0" err="1" smtClean="0"/>
+              <a:t>Kutta_Joukowski</a:t>
+            </a:r>
+            <a:endParaRPr lang="en-US" i="1" dirty="0" smtClean="0"/>
+          </a:p>
+          <a:p>
+            <a:r>
+              <a:rPr lang="en-US" i="1" dirty="0" err="1" smtClean="0"/>
+              <a:t>Biot-Savart</a:t>
+            </a:r>
+            <a:endParaRPr lang="en-US" i="1" dirty="0" smtClean="0"/>
+          </a:p>
+          <a:p>
+            <a:r>
+              <a:rPr lang="en-US" i="1" dirty="0" smtClean="0"/>
+              <a:t>Helmholtz Theorem</a:t>
+            </a:r>
+          </a:p>
+          <a:p>
+            <a:pPr lvl="1"/>
+            <a:r>
+              <a:rPr lang="en-US" dirty="0" smtClean="0"/>
+              <a:t>The strength of a vortex filament is constant </a:t>
+            </a:r>
+            <a:r>
+              <a:rPr lang="en-US" dirty="0" smtClean="0"/>
+              <a:t>along </a:t>
+            </a:r>
+            <a:r>
+              <a:rPr lang="en-US" dirty="0" smtClean="0"/>
+              <a:t>its length</a:t>
+            </a:r>
+          </a:p>
+          <a:p>
+            <a:pPr lvl="1"/>
+            <a:r>
+              <a:rPr lang="en-US" dirty="0" smtClean="0"/>
+              <a:t>A vortex filament cannot end in a fluid: must extend to infinity or form a closed </a:t>
+            </a:r>
+            <a:r>
+              <a:rPr lang="en-US" dirty="0" smtClean="0"/>
+              <a:t>path</a:t>
+            </a:r>
+            <a:endParaRPr lang="en-US" i="1" dirty="0" smtClean="0"/>
+          </a:p>
+          <a:p>
+            <a:r>
+              <a:rPr lang="en-US" i="1" dirty="0" smtClean="0"/>
+              <a:t>Effective angle of attack</a:t>
+            </a:r>
+          </a:p>
+          <a:p>
+            <a:r>
+              <a:rPr lang="en-US" i="1" dirty="0" smtClean="0"/>
+              <a:t>Repeat</a:t>
+            </a:r>
+          </a:p>
+          <a:p>
+            <a:pPr lvl="1"/>
+            <a:endParaRPr lang="en-US" i="1" dirty="0" smtClean="0"/>
+          </a:p>
+          <a:p>
+            <a:pPr>
+              <a:buNone/>
+            </a:pPr>
+            <a:endParaRPr lang="en-US" i="1" dirty="0" smtClean="0"/>
+          </a:p>
+          <a:p>
+            <a:pPr lvl="1">
+              <a:buNone/>
+            </a:pPr>
+            <a:r>
+              <a:rPr lang="el-GR" dirty="0" smtClean="0"/>
+              <a:t/>
+            </a:r>
+            <a:br>
+              <a:rPr lang="el-GR" dirty="0" smtClean="0"/>
+            </a:br>
             <a:endParaRPr lang="en-US" dirty="0"/>
           </a:p>
         </p:txBody>
@@ -4332,31 +4433,100 @@
           <a:p>
             <a:r>
               <a:rPr lang="en-US" dirty="0" smtClean="0"/>
-              <a:t>VLM Vortex Lattice Method</a:t>
-            </a:r>
-            <a:endParaRPr lang="en-US" dirty="0"/>
-          </a:p>
-        </p:txBody>
-      </p:sp>
-      <p:sp>
-        <p:nvSpPr>
-          <p:cNvPr id="3" name="Content Placeholder 2"/>
-          <p:cNvSpPr>
-            <a:spLocks noGrp="1"/>
-          </p:cNvSpPr>
-          <p:nvPr>
-            <p:ph idx="1"/>
-          </p:nvPr>
-        </p:nvSpPr>
-        <p:spPr/>
-        <p:txBody>
-          <a:bodyPr/>
-          <a:lstStyle/>
-          <a:p>
-            <a:endParaRPr lang="en-US"/>
-          </a:p>
-        </p:txBody>
-      </p:sp>
+              <a:t>LLT</a:t>
+            </a:r>
+            <a:endParaRPr lang="en-US" dirty="0"/>
+          </a:p>
+        </p:txBody>
+      </p:sp>
+      <p:sp>
+        <p:nvSpPr>
+          <p:cNvPr id="6" name="Text Placeholder 5"/>
+          <p:cNvSpPr>
+            <a:spLocks noGrp="1"/>
+          </p:cNvSpPr>
+          <p:nvPr>
+            <p:ph type="body" idx="1"/>
+          </p:nvPr>
+        </p:nvSpPr>
+        <p:spPr/>
+        <p:txBody>
+          <a:bodyPr/>
+          <a:lstStyle/>
+          <a:p>
+            <a:r>
+              <a:rPr lang="en-US" dirty="0" smtClean="0"/>
+              <a:t>Limitations</a:t>
+            </a:r>
+            <a:endParaRPr lang="en-US" dirty="0"/>
+          </a:p>
+        </p:txBody>
+      </p:sp>
+      <p:sp>
+        <p:nvSpPr>
+          <p:cNvPr id="7" name="Content Placeholder 6"/>
+          <p:cNvSpPr>
+            <a:spLocks noGrp="1"/>
+          </p:cNvSpPr>
+          <p:nvPr>
+            <p:ph sz="half" idx="2"/>
+          </p:nvPr>
+        </p:nvSpPr>
+        <p:spPr/>
+        <p:txBody>
+          <a:bodyPr/>
+          <a:lstStyle/>
+          <a:p>
+            <a:r>
+              <a:rPr lang="en-US" dirty="0" smtClean="0"/>
+              <a:t>Does not account for sweep</a:t>
+            </a:r>
+          </a:p>
+          <a:p>
+            <a:r>
+              <a:rPr lang="en-US" dirty="0" smtClean="0"/>
+              <a:t>Does not account for dihedral </a:t>
+            </a:r>
+          </a:p>
+          <a:p>
+            <a:r>
+              <a:rPr lang="en-US" dirty="0" err="1" smtClean="0"/>
+              <a:t>Inviscid</a:t>
+            </a:r>
+            <a:endParaRPr lang="en-US" dirty="0" smtClean="0"/>
+          </a:p>
+          <a:p>
+            <a:r>
+              <a:rPr lang="en-US" dirty="0" smtClean="0"/>
+              <a:t>Must have high Aspect Ratio</a:t>
+            </a:r>
+            <a:endParaRPr lang="en-US" dirty="0"/>
+          </a:p>
+        </p:txBody>
+      </p:sp>
+      <p:pic>
+        <p:nvPicPr>
+          <p:cNvPr id="10" name="Content Placeholder 9" descr="800px-Lifting_line_theory_illustration_(2).svg.png"/>
+          <p:cNvPicPr>
+            <a:picLocks noGrp="1" noChangeAspect="1"/>
+          </p:cNvPicPr>
+          <p:nvPr>
+            <p:ph sz="quarter" idx="4"/>
+          </p:nvPr>
+        </p:nvPicPr>
+        <p:blipFill>
+          <a:blip r:embed="rId2" cstate="print"/>
+          <a:stretch>
+            <a:fillRect/>
+          </a:stretch>
+        </p:blipFill>
+        <p:spPr>
+          <a:xfrm>
+            <a:off x="3276600" y="1447800"/>
+            <a:ext cx="5699098" cy="4267200"/>
+          </a:xfrm>
+        </p:spPr>
+      </p:pic>
     </p:spTree>
   </p:cSld>
   <p:clrMapOvr>
@@ -4399,7 +4569,7 @@
           <a:p>
             <a:r>
               <a:rPr lang="en-US" dirty="0" smtClean="0"/>
-              <a:t>VLM 1</a:t>
+              <a:t>VLM Vortex Lattice Method</a:t>
             </a:r>
             <a:endParaRPr lang="en-US" dirty="0"/>
           </a:p>
@@ -4464,7 +4634,11 @@
           <a:bodyPr/>
           <a:lstStyle/>
           <a:p>
-            <a:endParaRPr lang="en-US"/>
+            <a:r>
+              <a:rPr lang="en-US" dirty="0" smtClean="0"/>
+              <a:t>VLM 1</a:t>
+            </a:r>
+            <a:endParaRPr lang="en-US" dirty="0"/>
           </a:p>
         </p:txBody>
       </p:sp>
@@ -4527,11 +4701,7 @@
           <a:bodyPr/>
           <a:lstStyle/>
           <a:p>
-            <a:r>
-              <a:rPr lang="en-US" dirty="0" smtClean="0"/>
-              <a:t>VLM2</a:t>
-            </a:r>
-            <a:endParaRPr lang="en-US" dirty="0"/>
+            <a:endParaRPr lang="en-US"/>
           </a:p>
         </p:txBody>
       </p:sp>

--- a/XFLR5 Methods and Their Application in.pptx
+++ b/XFLR5 Methods and Their Application in.pptx
@@ -2,7 +2,7 @@
 <file path=ppt/presentation.xml><?xml version="1.0" encoding="utf-8"?>
 <p:presentation xmlns:a="http://schemas.openxmlformats.org/drawingml/2006/main" xmlns:r="http://schemas.openxmlformats.org/officeDocument/2006/relationships" xmlns:p="http://schemas.openxmlformats.org/presentationml/2006/main" saveSubsetFonts="1">
   <p:sldMasterIdLst>
-    <p:sldMasterId id="2147483648" r:id="rId1"/>
+    <p:sldMasterId id="2147483756" r:id="rId1"/>
   </p:sldMasterIdLst>
   <p:sldIdLst>
     <p:sldId id="256" r:id="rId2"/>
@@ -13,23 +13,22 @@
     <p:sldId id="279" r:id="rId7"/>
     <p:sldId id="261" r:id="rId8"/>
     <p:sldId id="263" r:id="rId9"/>
-    <p:sldId id="276" r:id="rId10"/>
-    <p:sldId id="262" r:id="rId11"/>
-    <p:sldId id="277" r:id="rId12"/>
-    <p:sldId id="264" r:id="rId13"/>
-    <p:sldId id="265" r:id="rId14"/>
-    <p:sldId id="266" r:id="rId15"/>
-    <p:sldId id="267" r:id="rId16"/>
-    <p:sldId id="268" r:id="rId17"/>
-    <p:sldId id="278" r:id="rId18"/>
-    <p:sldId id="269" r:id="rId19"/>
-    <p:sldId id="271" r:id="rId20"/>
-    <p:sldId id="275" r:id="rId21"/>
+    <p:sldId id="262" r:id="rId10"/>
+    <p:sldId id="277" r:id="rId11"/>
+    <p:sldId id="264" r:id="rId12"/>
+    <p:sldId id="265" r:id="rId13"/>
+    <p:sldId id="266" r:id="rId14"/>
+    <p:sldId id="267" r:id="rId15"/>
+    <p:sldId id="268" r:id="rId16"/>
+    <p:sldId id="278" r:id="rId17"/>
+    <p:sldId id="269" r:id="rId18"/>
+    <p:sldId id="271" r:id="rId19"/>
+    <p:sldId id="275" r:id="rId20"/>
   </p:sldIdLst>
   <p:sldSz cx="9144000" cy="6858000" type="screen4x3"/>
   <p:notesSz cx="6858000" cy="9144000"/>
   <p:custDataLst>
-    <p:tags r:id="rId22"/>
+    <p:tags r:id="rId21"/>
   </p:custDataLst>
   <p:defaultTextStyle>
     <a:defPPr>
@@ -130,7 +129,7 @@
 </file>
 
 <file path=ppt/slideLayouts/slideLayout1.xml><?xml version="1.0" encoding="utf-8"?>
-<p:sldLayout xmlns:a="http://schemas.openxmlformats.org/drawingml/2006/main" xmlns:r="http://schemas.openxmlformats.org/officeDocument/2006/relationships" xmlns:p="http://schemas.openxmlformats.org/presentationml/2006/main" type="title" preserve="1">
+<p:sldLayout xmlns:a="http://schemas.openxmlformats.org/drawingml/2006/main" xmlns:r="http://schemas.openxmlformats.org/officeDocument/2006/relationships" xmlns:p="http://schemas.openxmlformats.org/presentationml/2006/main" showMasterSp="0" type="title" preserve="1">
   <p:cSld name="Title Slide">
     <p:spTree>
       <p:nvGrpSpPr>
@@ -148,7 +147,7 @@
       </p:grpSpPr>
       <p:sp>
         <p:nvSpPr>
-          <p:cNvPr id="2" name="Title 1"/>
+          <p:cNvPr id="8" name="Title 7"/>
           <p:cNvSpPr>
             <a:spLocks noGrp="1"/>
           </p:cNvSpPr>
@@ -158,25 +157,33 @@
         </p:nvSpPr>
         <p:spPr>
           <a:xfrm>
-            <a:off x="685800" y="2130425"/>
-            <a:ext cx="7772400" cy="1470025"/>
-          </a:xfrm>
-        </p:spPr>
-        <p:txBody>
-          <a:bodyPr/>
-          <a:lstStyle/>
-          <a:p>
-            <a:r>
-              <a:rPr lang="en-US" smtClean="0"/>
+            <a:off x="1219200" y="3886200"/>
+            <a:ext cx="6858000" cy="990600"/>
+          </a:xfrm>
+        </p:spPr>
+        <p:txBody>
+          <a:bodyPr anchor="t" anchorCtr="0"/>
+          <a:lstStyle>
+            <a:lvl1pPr algn="r">
+              <a:defRPr sz="3200">
+                <a:solidFill>
+                  <a:schemeClr val="tx1"/>
+                </a:solidFill>
+              </a:defRPr>
+            </a:lvl1pPr>
+          </a:lstStyle>
+          <a:p>
+            <a:r>
+              <a:rPr kumimoji="0" lang="en-US" smtClean="0"/>
               <a:t>Click to edit Master title style</a:t>
             </a:r>
-            <a:endParaRPr lang="en-US"/>
-          </a:p>
-        </p:txBody>
-      </p:sp>
-      <p:sp>
-        <p:nvSpPr>
-          <p:cNvPr id="3" name="Subtitle 2"/>
+            <a:endParaRPr kumimoji="0" lang="en-US"/>
+          </a:p>
+        </p:txBody>
+      </p:sp>
+      <p:sp>
+        <p:nvSpPr>
+          <p:cNvPr id="9" name="Subtitle 8"/>
           <p:cNvSpPr>
             <a:spLocks noGrp="1"/>
           </p:cNvSpPr>
@@ -186,116 +193,61 @@
         </p:nvSpPr>
         <p:spPr>
           <a:xfrm>
-            <a:off x="1371600" y="3886200"/>
-            <a:ext cx="6400800" cy="1752600"/>
+            <a:off x="1219200" y="5124450"/>
+            <a:ext cx="6858000" cy="533400"/>
           </a:xfrm>
         </p:spPr>
         <p:txBody>
           <a:bodyPr/>
           <a:lstStyle>
-            <a:lvl1pPr marL="0" indent="0" algn="ctr">
+            <a:lvl1pPr marL="0" indent="0" algn="r">
               <a:buNone/>
-              <a:defRPr>
+              <a:defRPr sz="2000">
                 <a:solidFill>
-                  <a:schemeClr val="tx1">
-                    <a:tint val="75000"/>
-                  </a:schemeClr>
+                  <a:schemeClr val="tx2"/>
                 </a:solidFill>
+                <a:latin typeface="+mj-lt"/>
+                <a:ea typeface="+mj-ea"/>
+                <a:cs typeface="+mj-cs"/>
               </a:defRPr>
             </a:lvl1pPr>
             <a:lvl2pPr marL="457200" indent="0" algn="ctr">
               <a:buNone/>
-              <a:defRPr>
-                <a:solidFill>
-                  <a:schemeClr val="tx1">
-                    <a:tint val="75000"/>
-                  </a:schemeClr>
-                </a:solidFill>
-              </a:defRPr>
             </a:lvl2pPr>
             <a:lvl3pPr marL="914400" indent="0" algn="ctr">
               <a:buNone/>
-              <a:defRPr>
-                <a:solidFill>
-                  <a:schemeClr val="tx1">
-                    <a:tint val="75000"/>
-                  </a:schemeClr>
-                </a:solidFill>
-              </a:defRPr>
             </a:lvl3pPr>
             <a:lvl4pPr marL="1371600" indent="0" algn="ctr">
               <a:buNone/>
-              <a:defRPr>
-                <a:solidFill>
-                  <a:schemeClr val="tx1">
-                    <a:tint val="75000"/>
-                  </a:schemeClr>
-                </a:solidFill>
-              </a:defRPr>
             </a:lvl4pPr>
             <a:lvl5pPr marL="1828800" indent="0" algn="ctr">
               <a:buNone/>
-              <a:defRPr>
-                <a:solidFill>
-                  <a:schemeClr val="tx1">
-                    <a:tint val="75000"/>
-                  </a:schemeClr>
-                </a:solidFill>
-              </a:defRPr>
             </a:lvl5pPr>
             <a:lvl6pPr marL="2286000" indent="0" algn="ctr">
               <a:buNone/>
-              <a:defRPr>
-                <a:solidFill>
-                  <a:schemeClr val="tx1">
-                    <a:tint val="75000"/>
-                  </a:schemeClr>
-                </a:solidFill>
-              </a:defRPr>
             </a:lvl6pPr>
             <a:lvl7pPr marL="2743200" indent="0" algn="ctr">
               <a:buNone/>
-              <a:defRPr>
-                <a:solidFill>
-                  <a:schemeClr val="tx1">
-                    <a:tint val="75000"/>
-                  </a:schemeClr>
-                </a:solidFill>
-              </a:defRPr>
             </a:lvl7pPr>
             <a:lvl8pPr marL="3200400" indent="0" algn="ctr">
               <a:buNone/>
-              <a:defRPr>
-                <a:solidFill>
-                  <a:schemeClr val="tx1">
-                    <a:tint val="75000"/>
-                  </a:schemeClr>
-                </a:solidFill>
-              </a:defRPr>
             </a:lvl8pPr>
             <a:lvl9pPr marL="3657600" indent="0" algn="ctr">
               <a:buNone/>
-              <a:defRPr>
-                <a:solidFill>
-                  <a:schemeClr val="tx1">
-                    <a:tint val="75000"/>
-                  </a:schemeClr>
-                </a:solidFill>
-              </a:defRPr>
             </a:lvl9pPr>
           </a:lstStyle>
           <a:p>
             <a:r>
-              <a:rPr lang="en-US" smtClean="0"/>
+              <a:rPr kumimoji="0" lang="en-US" smtClean="0"/>
               <a:t>Click to edit Master subtitle style</a:t>
             </a:r>
-            <a:endParaRPr lang="en-US"/>
-          </a:p>
-        </p:txBody>
-      </p:sp>
-      <p:sp>
-        <p:nvSpPr>
-          <p:cNvPr id="4" name="Date Placeholder 3"/>
+            <a:endParaRPr kumimoji="0" lang="en-US"/>
+          </a:p>
+        </p:txBody>
+      </p:sp>
+      <p:sp>
+        <p:nvSpPr>
+          <p:cNvPr id="28" name="Date Placeholder 27"/>
           <p:cNvSpPr>
             <a:spLocks noGrp="1"/>
           </p:cNvSpPr>
@@ -303,10 +255,19 @@
             <p:ph type="dt" sz="half" idx="10"/>
           </p:nvPr>
         </p:nvSpPr>
-        <p:spPr/>
-        <p:txBody>
-          <a:bodyPr/>
-          <a:lstStyle/>
+        <p:spPr>
+          <a:xfrm>
+            <a:off x="6400800" y="6355080"/>
+            <a:ext cx="2286000" cy="365760"/>
+          </a:xfrm>
+        </p:spPr>
+        <p:txBody>
+          <a:bodyPr/>
+          <a:lstStyle>
+            <a:lvl1pPr>
+              <a:defRPr sz="1400"/>
+            </a:lvl1pPr>
+          </a:lstStyle>
           <a:p>
             <a:fld id="{408CC927-4414-486E-A4EA-F55738DD0022}" type="datetimeFigureOut">
               <a:rPr lang="en-US" smtClean="0"/>
@@ -319,7 +280,7 @@
       </p:sp>
       <p:sp>
         <p:nvSpPr>
-          <p:cNvPr id="5" name="Footer Placeholder 4"/>
+          <p:cNvPr id="17" name="Footer Placeholder 16"/>
           <p:cNvSpPr>
             <a:spLocks noGrp="1"/>
           </p:cNvSpPr>
@@ -327,7 +288,12 @@
             <p:ph type="ftr" sz="quarter" idx="11"/>
           </p:nvPr>
         </p:nvSpPr>
-        <p:spPr/>
+        <p:spPr>
+          <a:xfrm>
+            <a:off x="2898648" y="6355080"/>
+            <a:ext cx="3474720" cy="365760"/>
+          </a:xfrm>
+        </p:spPr>
         <p:txBody>
           <a:bodyPr/>
           <a:lstStyle/>
@@ -338,7 +304,7 @@
       </p:sp>
       <p:sp>
         <p:nvSpPr>
-          <p:cNvPr id="6" name="Slide Number Placeholder 5"/>
+          <p:cNvPr id="29" name="Slide Number Placeholder 28"/>
           <p:cNvSpPr>
             <a:spLocks noGrp="1"/>
           </p:cNvSpPr>
@@ -346,7 +312,12 @@
             <p:ph type="sldNum" sz="quarter" idx="12"/>
           </p:nvPr>
         </p:nvSpPr>
-        <p:spPr/>
+        <p:spPr>
+          <a:xfrm>
+            <a:off x="1216152" y="6355080"/>
+            <a:ext cx="1219200" cy="365760"/>
+          </a:xfrm>
+        </p:spPr>
         <p:txBody>
           <a:bodyPr/>
           <a:lstStyle/>
@@ -357,6 +328,190 @@
               <a:t>‹#›</a:t>
             </a:fld>
             <a:endParaRPr lang="en-US" dirty="0"/>
+          </a:p>
+        </p:txBody>
+      </p:sp>
+      <p:sp>
+        <p:nvSpPr>
+          <p:cNvPr id="21" name="Rectangle 20"/>
+          <p:cNvSpPr/>
+          <p:nvPr/>
+        </p:nvSpPr>
+        <p:spPr>
+          <a:xfrm>
+            <a:off x="904875" y="3648075"/>
+            <a:ext cx="7315200" cy="1280160"/>
+          </a:xfrm>
+          <a:prstGeom prst="rect">
+            <a:avLst/>
+          </a:prstGeom>
+          <a:noFill/>
+          <a:ln w="6350" cap="rnd" cmpd="sng" algn="ctr">
+            <a:solidFill>
+              <a:schemeClr val="accent1"/>
+            </a:solidFill>
+            <a:prstDash val="solid"/>
+          </a:ln>
+          <a:effectLst/>
+        </p:spPr>
+        <p:style>
+          <a:lnRef idx="3">
+            <a:schemeClr val="lt1"/>
+          </a:lnRef>
+          <a:fillRef idx="1">
+            <a:schemeClr val="accent1"/>
+          </a:fillRef>
+          <a:effectRef idx="1">
+            <a:schemeClr val="accent1"/>
+          </a:effectRef>
+          <a:fontRef idx="minor">
+            <a:schemeClr val="lt1"/>
+          </a:fontRef>
+        </p:style>
+        <p:txBody>
+          <a:bodyPr anchor="ctr"/>
+          <a:lstStyle/>
+          <a:p>
+            <a:pPr algn="ctr" eaLnBrk="1" latinLnBrk="0" hangingPunct="1"/>
+            <a:endParaRPr kumimoji="0" lang="en-US"/>
+          </a:p>
+        </p:txBody>
+      </p:sp>
+      <p:sp>
+        <p:nvSpPr>
+          <p:cNvPr id="33" name="Rectangle 32"/>
+          <p:cNvSpPr/>
+          <p:nvPr/>
+        </p:nvSpPr>
+        <p:spPr>
+          <a:xfrm>
+            <a:off x="914400" y="5048250"/>
+            <a:ext cx="7315200" cy="685800"/>
+          </a:xfrm>
+          <a:prstGeom prst="rect">
+            <a:avLst/>
+          </a:prstGeom>
+          <a:noFill/>
+          <a:ln w="6350" cap="rnd" cmpd="sng" algn="ctr">
+            <a:solidFill>
+              <a:schemeClr val="accent2"/>
+            </a:solidFill>
+            <a:prstDash val="solid"/>
+          </a:ln>
+          <a:effectLst/>
+        </p:spPr>
+        <p:style>
+          <a:lnRef idx="3">
+            <a:schemeClr val="lt1"/>
+          </a:lnRef>
+          <a:fillRef idx="1">
+            <a:schemeClr val="accent1"/>
+          </a:fillRef>
+          <a:effectRef idx="1">
+            <a:schemeClr val="accent1"/>
+          </a:effectRef>
+          <a:fontRef idx="minor">
+            <a:schemeClr val="lt1"/>
+          </a:fontRef>
+        </p:style>
+        <p:txBody>
+          <a:bodyPr anchor="ctr"/>
+          <a:lstStyle/>
+          <a:p>
+            <a:pPr algn="ctr" eaLnBrk="1" latinLnBrk="0" hangingPunct="1"/>
+            <a:endParaRPr kumimoji="0" lang="en-US"/>
+          </a:p>
+        </p:txBody>
+      </p:sp>
+      <p:sp>
+        <p:nvSpPr>
+          <p:cNvPr id="22" name="Rectangle 21"/>
+          <p:cNvSpPr/>
+          <p:nvPr/>
+        </p:nvSpPr>
+        <p:spPr>
+          <a:xfrm>
+            <a:off x="904875" y="3648075"/>
+            <a:ext cx="228600" cy="1280160"/>
+          </a:xfrm>
+          <a:prstGeom prst="rect">
+            <a:avLst/>
+          </a:prstGeom>
+          <a:solidFill>
+            <a:schemeClr val="accent1"/>
+          </a:solidFill>
+          <a:ln w="6350" cap="rnd" cmpd="sng" algn="ctr">
+            <a:noFill/>
+            <a:prstDash val="solid"/>
+          </a:ln>
+          <a:effectLst/>
+        </p:spPr>
+        <p:style>
+          <a:lnRef idx="3">
+            <a:schemeClr val="lt1"/>
+          </a:lnRef>
+          <a:fillRef idx="1">
+            <a:schemeClr val="accent1"/>
+          </a:fillRef>
+          <a:effectRef idx="1">
+            <a:schemeClr val="accent1"/>
+          </a:effectRef>
+          <a:fontRef idx="minor">
+            <a:schemeClr val="lt1"/>
+          </a:fontRef>
+        </p:style>
+        <p:txBody>
+          <a:bodyPr anchor="ctr"/>
+          <a:lstStyle/>
+          <a:p>
+            <a:pPr algn="ctr" eaLnBrk="1" latinLnBrk="0" hangingPunct="1"/>
+            <a:endParaRPr kumimoji="0" lang="en-US"/>
+          </a:p>
+        </p:txBody>
+      </p:sp>
+      <p:sp>
+        <p:nvSpPr>
+          <p:cNvPr id="32" name="Rectangle 31"/>
+          <p:cNvSpPr/>
+          <p:nvPr/>
+        </p:nvSpPr>
+        <p:spPr>
+          <a:xfrm>
+            <a:off x="914400" y="5048250"/>
+            <a:ext cx="228600" cy="685800"/>
+          </a:xfrm>
+          <a:prstGeom prst="rect">
+            <a:avLst/>
+          </a:prstGeom>
+          <a:solidFill>
+            <a:schemeClr val="accent2"/>
+          </a:solidFill>
+          <a:ln w="6350" cap="rnd" cmpd="sng" algn="ctr">
+            <a:noFill/>
+            <a:prstDash val="solid"/>
+          </a:ln>
+          <a:effectLst/>
+        </p:spPr>
+        <p:style>
+          <a:lnRef idx="3">
+            <a:schemeClr val="lt1"/>
+          </a:lnRef>
+          <a:fillRef idx="1">
+            <a:schemeClr val="accent1"/>
+          </a:fillRef>
+          <a:effectRef idx="1">
+            <a:schemeClr val="accent1"/>
+          </a:effectRef>
+          <a:fontRef idx="minor">
+            <a:schemeClr val="lt1"/>
+          </a:fontRef>
+        </p:style>
+        <p:txBody>
+          <a:bodyPr anchor="ctr"/>
+          <a:lstStyle/>
+          <a:p>
+            <a:pPr algn="ctr" eaLnBrk="1" latinLnBrk="0" hangingPunct="1"/>
+            <a:endParaRPr kumimoji="0" lang="en-US"/>
           </a:p>
         </p:txBody>
       </p:sp>
@@ -401,10 +556,10 @@
           <a:lstStyle/>
           <a:p>
             <a:r>
-              <a:rPr lang="en-US" smtClean="0"/>
+              <a:rPr kumimoji="0" lang="en-US" smtClean="0"/>
               <a:t>Click to edit Master title style</a:t>
             </a:r>
-            <a:endParaRPr lang="en-US"/>
+            <a:endParaRPr kumimoji="0" lang="en-US"/>
           </a:p>
         </p:txBody>
       </p:sp>
@@ -423,40 +578,40 @@
           <a:bodyPr vert="eaVert"/>
           <a:lstStyle/>
           <a:p>
-            <a:pPr lvl="0"/>
+            <a:pPr lvl="0" eaLnBrk="1" latinLnBrk="0" hangingPunct="1"/>
             <a:r>
               <a:rPr lang="en-US" smtClean="0"/>
               <a:t>Click to edit Master text styles</a:t>
             </a:r>
           </a:p>
           <a:p>
-            <a:pPr lvl="1"/>
+            <a:pPr lvl="1" eaLnBrk="1" latinLnBrk="0" hangingPunct="1"/>
             <a:r>
               <a:rPr lang="en-US" smtClean="0"/>
               <a:t>Second level</a:t>
             </a:r>
           </a:p>
           <a:p>
-            <a:pPr lvl="2"/>
+            <a:pPr lvl="2" eaLnBrk="1" latinLnBrk="0" hangingPunct="1"/>
             <a:r>
               <a:rPr lang="en-US" smtClean="0"/>
               <a:t>Third level</a:t>
             </a:r>
           </a:p>
           <a:p>
-            <a:pPr lvl="3"/>
+            <a:pPr lvl="3" eaLnBrk="1" latinLnBrk="0" hangingPunct="1"/>
             <a:r>
               <a:rPr lang="en-US" smtClean="0"/>
               <a:t>Fourth level</a:t>
             </a:r>
           </a:p>
           <a:p>
-            <a:pPr lvl="4"/>
+            <a:pPr lvl="4" eaLnBrk="1" latinLnBrk="0" hangingPunct="1"/>
             <a:r>
               <a:rPr lang="en-US" smtClean="0"/>
               <a:t>Fifth level</a:t>
             </a:r>
-            <a:endParaRPr lang="en-US"/>
+            <a:endParaRPr kumimoji="0" lang="en-US"/>
           </a:p>
         </p:txBody>
       </p:sp>
@@ -536,7 +691,7 @@
 </file>
 
 <file path=ppt/slideLayouts/slideLayout11.xml><?xml version="1.0" encoding="utf-8"?>
-<p:sldLayout xmlns:a="http://schemas.openxmlformats.org/drawingml/2006/main" xmlns:r="http://schemas.openxmlformats.org/officeDocument/2006/relationships" xmlns:p="http://schemas.openxmlformats.org/presentationml/2006/main" type="vertTitleAndTx" preserve="1">
+<p:sldLayout xmlns:a="http://schemas.openxmlformats.org/drawingml/2006/main" xmlns:r="http://schemas.openxmlformats.org/officeDocument/2006/relationships" xmlns:p="http://schemas.openxmlformats.org/presentationml/2006/main" showMasterSp="0" type="vertTitleAndTx" preserve="1">
   <p:cSld name="Vertical Title and Text">
     <p:spTree>
       <p:nvGrpSpPr>
@@ -573,10 +728,10 @@
           <a:lstStyle/>
           <a:p>
             <a:r>
-              <a:rPr lang="en-US" smtClean="0"/>
+              <a:rPr kumimoji="0" lang="en-US" smtClean="0"/>
               <a:t>Click to edit Master title style</a:t>
             </a:r>
-            <a:endParaRPr lang="en-US"/>
+            <a:endParaRPr kumimoji="0" lang="en-US"/>
           </a:p>
         </p:txBody>
       </p:sp>
@@ -600,40 +755,40 @@
           <a:bodyPr vert="eaVert"/>
           <a:lstStyle/>
           <a:p>
-            <a:pPr lvl="0"/>
+            <a:pPr lvl="0" eaLnBrk="1" latinLnBrk="0" hangingPunct="1"/>
             <a:r>
               <a:rPr lang="en-US" smtClean="0"/>
               <a:t>Click to edit Master text styles</a:t>
             </a:r>
           </a:p>
           <a:p>
-            <a:pPr lvl="1"/>
+            <a:pPr lvl="1" eaLnBrk="1" latinLnBrk="0" hangingPunct="1"/>
             <a:r>
               <a:rPr lang="en-US" smtClean="0"/>
               <a:t>Second level</a:t>
             </a:r>
           </a:p>
           <a:p>
-            <a:pPr lvl="2"/>
+            <a:pPr lvl="2" eaLnBrk="1" latinLnBrk="0" hangingPunct="1"/>
             <a:r>
               <a:rPr lang="en-US" smtClean="0"/>
               <a:t>Third level</a:t>
             </a:r>
           </a:p>
           <a:p>
-            <a:pPr lvl="3"/>
+            <a:pPr lvl="3" eaLnBrk="1" latinLnBrk="0" hangingPunct="1"/>
             <a:r>
               <a:rPr lang="en-US" smtClean="0"/>
               <a:t>Fourth level</a:t>
             </a:r>
           </a:p>
           <a:p>
-            <a:pPr lvl="4"/>
+            <a:pPr lvl="4" eaLnBrk="1" latinLnBrk="0" hangingPunct="1"/>
             <a:r>
               <a:rPr lang="en-US" smtClean="0"/>
               <a:t>Fifth level</a:t>
             </a:r>
-            <a:endParaRPr lang="en-US"/>
+            <a:endParaRPr kumimoji="0" lang="en-US"/>
           </a:p>
         </p:txBody>
       </p:sp>
@@ -701,6 +856,128 @@
               <a:t>‹#›</a:t>
             </a:fld>
             <a:endParaRPr lang="en-US" dirty="0"/>
+          </a:p>
+        </p:txBody>
+      </p:sp>
+      <p:sp>
+        <p:nvSpPr>
+          <p:cNvPr id="7" name="Straight Connector 6"/>
+          <p:cNvSpPr>
+            <a:spLocks noChangeShapeType="1"/>
+          </p:cNvSpPr>
+          <p:nvPr/>
+        </p:nvSpPr>
+        <p:spPr bwMode="auto">
+          <a:xfrm>
+            <a:off x="457200" y="6353175"/>
+            <a:ext cx="8229600" cy="0"/>
+          </a:xfrm>
+          <a:prstGeom prst="line">
+            <a:avLst/>
+          </a:prstGeom>
+          <a:noFill/>
+          <a:ln w="9525" cap="flat" cmpd="sng" algn="ctr">
+            <a:solidFill>
+              <a:schemeClr val="accent2"/>
+            </a:solidFill>
+            <a:prstDash val="dash"/>
+            <a:round/>
+            <a:headEnd type="none" w="med" len="med"/>
+            <a:tailEnd type="none" w="med" len="med"/>
+          </a:ln>
+          <a:effectLst/>
+        </p:spPr>
+        <p:txBody>
+          <a:bodyPr vert="horz" wrap="square" lIns="91440" tIns="45720" rIns="91440" bIns="45720" anchor="t" compatLnSpc="1"/>
+          <a:lstStyle/>
+          <a:p>
+            <a:endParaRPr kumimoji="0" lang="en-US"/>
+          </a:p>
+        </p:txBody>
+      </p:sp>
+      <p:sp>
+        <p:nvSpPr>
+          <p:cNvPr id="8" name="Isosceles Triangle 7"/>
+          <p:cNvSpPr>
+            <a:spLocks noChangeAspect="1"/>
+          </p:cNvSpPr>
+          <p:nvPr/>
+        </p:nvSpPr>
+        <p:spPr>
+          <a:xfrm rot="5400000">
+            <a:off x="419100" y="6467475"/>
+            <a:ext cx="190849" cy="120314"/>
+          </a:xfrm>
+          <a:prstGeom prst="triangle">
+            <a:avLst>
+              <a:gd name="adj" fmla="val 50000"/>
+            </a:avLst>
+          </a:prstGeom>
+          <a:solidFill>
+            <a:schemeClr val="accent2"/>
+          </a:solidFill>
+          <a:ln w="25400" cap="rnd" cmpd="sng" algn="ctr">
+            <a:noFill/>
+            <a:prstDash val="solid"/>
+          </a:ln>
+          <a:effectLst/>
+        </p:spPr>
+        <p:style>
+          <a:lnRef idx="3">
+            <a:schemeClr val="lt1"/>
+          </a:lnRef>
+          <a:fillRef idx="1">
+            <a:schemeClr val="accent1"/>
+          </a:fillRef>
+          <a:effectRef idx="1">
+            <a:schemeClr val="accent1"/>
+          </a:effectRef>
+          <a:fontRef idx="minor">
+            <a:schemeClr val="lt1"/>
+          </a:fontRef>
+        </p:style>
+        <p:txBody>
+          <a:bodyPr anchor="ctr"/>
+          <a:lstStyle/>
+          <a:p>
+            <a:pPr algn="ctr" eaLnBrk="1" latinLnBrk="0" hangingPunct="1"/>
+            <a:endParaRPr kumimoji="0" lang="en-US"/>
+          </a:p>
+        </p:txBody>
+      </p:sp>
+      <p:sp>
+        <p:nvSpPr>
+          <p:cNvPr id="9" name="Straight Connector 8"/>
+          <p:cNvSpPr>
+            <a:spLocks noChangeShapeType="1"/>
+          </p:cNvSpPr>
+          <p:nvPr/>
+        </p:nvSpPr>
+        <p:spPr bwMode="auto">
+          <a:xfrm rot="5400000">
+            <a:off x="3629607" y="3201952"/>
+            <a:ext cx="5852160" cy="0"/>
+          </a:xfrm>
+          <a:prstGeom prst="line">
+            <a:avLst/>
+          </a:prstGeom>
+          <a:noFill/>
+          <a:ln w="9525" cap="flat" cmpd="sng" algn="ctr">
+            <a:solidFill>
+              <a:schemeClr val="accent2"/>
+            </a:solidFill>
+            <a:prstDash val="dash"/>
+            <a:round/>
+            <a:headEnd type="none" w="med" len="med"/>
+            <a:tailEnd type="none" w="med" len="med"/>
+          </a:ln>
+          <a:effectLst/>
+        </p:spPr>
+        <p:txBody>
+          <a:bodyPr vert="horz" wrap="square" lIns="91440" tIns="45720" rIns="91440" bIns="45720" anchor="t" compatLnSpc="1"/>
+          <a:lstStyle/>
+          <a:p>
+            <a:endParaRPr kumimoji="0" lang="en-US"/>
           </a:p>
         </p:txBody>
       </p:sp>
@@ -745,62 +1022,10 @@
           <a:lstStyle/>
           <a:p>
             <a:r>
-              <a:rPr lang="en-US" smtClean="0"/>
+              <a:rPr kumimoji="0" lang="en-US" smtClean="0"/>
               <a:t>Click to edit Master title style</a:t>
             </a:r>
-            <a:endParaRPr lang="en-US"/>
-          </a:p>
-        </p:txBody>
-      </p:sp>
-      <p:sp>
-        <p:nvSpPr>
-          <p:cNvPr id="3" name="Content Placeholder 2"/>
-          <p:cNvSpPr>
-            <a:spLocks noGrp="1"/>
-          </p:cNvSpPr>
-          <p:nvPr>
-            <p:ph idx="1"/>
-          </p:nvPr>
-        </p:nvSpPr>
-        <p:spPr/>
-        <p:txBody>
-          <a:bodyPr/>
-          <a:lstStyle/>
-          <a:p>
-            <a:pPr lvl="0"/>
-            <a:r>
-              <a:rPr lang="en-US" smtClean="0"/>
-              <a:t>Click to edit Master text styles</a:t>
-            </a:r>
-          </a:p>
-          <a:p>
-            <a:pPr lvl="1"/>
-            <a:r>
-              <a:rPr lang="en-US" smtClean="0"/>
-              <a:t>Second level</a:t>
-            </a:r>
-          </a:p>
-          <a:p>
-            <a:pPr lvl="2"/>
-            <a:r>
-              <a:rPr lang="en-US" smtClean="0"/>
-              <a:t>Third level</a:t>
-            </a:r>
-          </a:p>
-          <a:p>
-            <a:pPr lvl="3"/>
-            <a:r>
-              <a:rPr lang="en-US" smtClean="0"/>
-              <a:t>Fourth level</a:t>
-            </a:r>
-          </a:p>
-          <a:p>
-            <a:pPr lvl="4"/>
-            <a:r>
-              <a:rPr lang="en-US" smtClean="0"/>
-              <a:t>Fifth level</a:t>
-            </a:r>
-            <a:endParaRPr lang="en-US"/>
+            <a:endParaRPr kumimoji="0" lang="en-US"/>
           </a:p>
         </p:txBody>
       </p:sp>
@@ -868,6 +1093,63 @@
               <a:t>‹#›</a:t>
             </a:fld>
             <a:endParaRPr lang="en-US" dirty="0"/>
+          </a:p>
+        </p:txBody>
+      </p:sp>
+      <p:sp>
+        <p:nvSpPr>
+          <p:cNvPr id="8" name="Content Placeholder 7"/>
+          <p:cNvSpPr>
+            <a:spLocks noGrp="1"/>
+          </p:cNvSpPr>
+          <p:nvPr>
+            <p:ph sz="quarter" idx="1"/>
+          </p:nvPr>
+        </p:nvSpPr>
+        <p:spPr>
+          <a:xfrm>
+            <a:off x="457200" y="1219200"/>
+            <a:ext cx="8229600" cy="4937760"/>
+          </a:xfrm>
+        </p:spPr>
+        <p:txBody>
+          <a:bodyPr/>
+          <a:lstStyle/>
+          <a:p>
+            <a:pPr lvl="0" eaLnBrk="1" latinLnBrk="0" hangingPunct="1"/>
+            <a:r>
+              <a:rPr lang="en-US" smtClean="0"/>
+              <a:t>Click to edit Master text styles</a:t>
+            </a:r>
+          </a:p>
+          <a:p>
+            <a:pPr lvl="1" eaLnBrk="1" latinLnBrk="0" hangingPunct="1"/>
+            <a:r>
+              <a:rPr lang="en-US" smtClean="0"/>
+              <a:t>Second level</a:t>
+            </a:r>
+          </a:p>
+          <a:p>
+            <a:pPr lvl="2" eaLnBrk="1" latinLnBrk="0" hangingPunct="1"/>
+            <a:r>
+              <a:rPr lang="en-US" smtClean="0"/>
+              <a:t>Third level</a:t>
+            </a:r>
+          </a:p>
+          <a:p>
+            <a:pPr lvl="3" eaLnBrk="1" latinLnBrk="0" hangingPunct="1"/>
+            <a:r>
+              <a:rPr lang="en-US" smtClean="0"/>
+              <a:t>Fourth level</a:t>
+            </a:r>
+          </a:p>
+          <a:p>
+            <a:pPr lvl="4" eaLnBrk="1" latinLnBrk="0" hangingPunct="1"/>
+            <a:r>
+              <a:rPr lang="en-US" smtClean="0"/>
+              <a:t>Fifth level</a:t>
+            </a:r>
+            <a:endParaRPr kumimoji="0" lang="en-US"/>
           </a:p>
         </p:txBody>
       </p:sp>
@@ -880,8 +1162,13 @@
 </file>
 
 <file path=ppt/slideLayouts/slideLayout3.xml><?xml version="1.0" encoding="utf-8"?>
-<p:sldLayout xmlns:a="http://schemas.openxmlformats.org/drawingml/2006/main" xmlns:r="http://schemas.openxmlformats.org/officeDocument/2006/relationships" xmlns:p="http://schemas.openxmlformats.org/presentationml/2006/main" type="secHead" preserve="1">
+<p:sldLayout xmlns:a="http://schemas.openxmlformats.org/drawingml/2006/main" xmlns:r="http://schemas.openxmlformats.org/officeDocument/2006/relationships" xmlns:p="http://schemas.openxmlformats.org/presentationml/2006/main" showMasterSp="0" type="secHead" preserve="1">
   <p:cSld name="Section Header">
+    <p:bg>
+      <p:bgRef idx="1001">
+        <a:schemeClr val="bg2"/>
+      </p:bgRef>
+    </p:bg>
     <p:spTree>
       <p:nvGrpSpPr>
         <p:cNvPr id="1" name=""/>
@@ -908,23 +1195,24 @@
         </p:nvSpPr>
         <p:spPr>
           <a:xfrm>
-            <a:off x="722313" y="4406900"/>
-            <a:ext cx="7772400" cy="1362075"/>
-          </a:xfrm>
-        </p:spPr>
-        <p:txBody>
-          <a:bodyPr anchor="t"/>
+            <a:off x="1219200" y="2971800"/>
+            <a:ext cx="6858000" cy="1066800"/>
+          </a:xfrm>
+        </p:spPr>
+        <p:txBody>
+          <a:bodyPr anchor="t" anchorCtr="0"/>
           <a:lstStyle>
-            <a:lvl1pPr algn="l">
-              <a:defRPr sz="4000" b="1" cap="all"/>
+            <a:lvl1pPr algn="r">
+              <a:buNone/>
+              <a:defRPr sz="3200" b="0" cap="none" baseline="0"/>
             </a:lvl1pPr>
           </a:lstStyle>
           <a:p>
             <a:r>
-              <a:rPr lang="en-US" smtClean="0"/>
+              <a:rPr kumimoji="0" lang="en-US" smtClean="0"/>
               <a:t>Click to edit Master title style</a:t>
             </a:r>
-            <a:endParaRPr lang="en-US"/>
+            <a:endParaRPr kumimoji="0" lang="en-US"/>
           </a:p>
         </p:txBody>
       </p:sp>
@@ -940,14 +1228,14 @@
         </p:nvSpPr>
         <p:spPr>
           <a:xfrm>
-            <a:off x="722313" y="2906713"/>
-            <a:ext cx="7772400" cy="1500187"/>
-          </a:xfrm>
-        </p:spPr>
-        <p:txBody>
-          <a:bodyPr anchor="b"/>
+            <a:off x="1295400" y="4267200"/>
+            <a:ext cx="6781800" cy="1143000"/>
+          </a:xfrm>
+        </p:spPr>
+        <p:txBody>
+          <a:bodyPr anchor="t" anchorCtr="0"/>
           <a:lstStyle>
-            <a:lvl1pPr marL="0" indent="0">
+            <a:lvl1pPr marL="0" indent="0" algn="r">
               <a:buNone/>
               <a:defRPr sz="2000">
                 <a:solidFill>
@@ -957,7 +1245,7 @@
                 </a:solidFill>
               </a:defRPr>
             </a:lvl1pPr>
-            <a:lvl2pPr marL="457200" indent="0">
+            <a:lvl2pPr>
               <a:buNone/>
               <a:defRPr sz="1800">
                 <a:solidFill>
@@ -967,7 +1255,7 @@
                 </a:solidFill>
               </a:defRPr>
             </a:lvl2pPr>
-            <a:lvl3pPr marL="914400" indent="0">
+            <a:lvl3pPr>
               <a:buNone/>
               <a:defRPr sz="1600">
                 <a:solidFill>
@@ -977,7 +1265,7 @@
                 </a:solidFill>
               </a:defRPr>
             </a:lvl3pPr>
-            <a:lvl4pPr marL="1371600" indent="0">
+            <a:lvl4pPr>
               <a:buNone/>
               <a:defRPr sz="1400">
                 <a:solidFill>
@@ -987,7 +1275,7 @@
                 </a:solidFill>
               </a:defRPr>
             </a:lvl4pPr>
-            <a:lvl5pPr marL="1828800" indent="0">
+            <a:lvl5pPr>
               <a:buNone/>
               <a:defRPr sz="1400">
                 <a:solidFill>
@@ -997,51 +1285,11 @@
                 </a:solidFill>
               </a:defRPr>
             </a:lvl5pPr>
-            <a:lvl6pPr marL="2286000" indent="0">
-              <a:buNone/>
-              <a:defRPr sz="1400">
-                <a:solidFill>
-                  <a:schemeClr val="tx1">
-                    <a:tint val="75000"/>
-                  </a:schemeClr>
-                </a:solidFill>
-              </a:defRPr>
-            </a:lvl6pPr>
-            <a:lvl7pPr marL="2743200" indent="0">
-              <a:buNone/>
-              <a:defRPr sz="1400">
-                <a:solidFill>
-                  <a:schemeClr val="tx1">
-                    <a:tint val="75000"/>
-                  </a:schemeClr>
-                </a:solidFill>
-              </a:defRPr>
-            </a:lvl7pPr>
-            <a:lvl8pPr marL="3200400" indent="0">
-              <a:buNone/>
-              <a:defRPr sz="1400">
-                <a:solidFill>
-                  <a:schemeClr val="tx1">
-                    <a:tint val="75000"/>
-                  </a:schemeClr>
-                </a:solidFill>
-              </a:defRPr>
-            </a:lvl8pPr>
-            <a:lvl9pPr marL="3657600" indent="0">
-              <a:buNone/>
-              <a:defRPr sz="1400">
-                <a:solidFill>
-                  <a:schemeClr val="tx1">
-                    <a:tint val="75000"/>
-                  </a:schemeClr>
-                </a:solidFill>
-              </a:defRPr>
-            </a:lvl9pPr>
           </a:lstStyle>
           <a:p>
-            <a:pPr lvl="0"/>
-            <a:r>
-              <a:rPr lang="en-US" smtClean="0"/>
+            <a:pPr lvl="0" eaLnBrk="1" latinLnBrk="0" hangingPunct="1"/>
+            <a:r>
+              <a:rPr kumimoji="0" lang="en-US" smtClean="0"/>
               <a:t>Click to edit Master text styles</a:t>
             </a:r>
           </a:p>
@@ -1057,7 +1305,12 @@
             <p:ph type="dt" sz="half" idx="10"/>
           </p:nvPr>
         </p:nvSpPr>
-        <p:spPr/>
+        <p:spPr>
+          <a:xfrm>
+            <a:off x="6400800" y="6355080"/>
+            <a:ext cx="2286000" cy="365760"/>
+          </a:xfrm>
+        </p:spPr>
         <p:txBody>
           <a:bodyPr/>
           <a:lstStyle/>
@@ -1081,7 +1334,12 @@
             <p:ph type="ftr" sz="quarter" idx="11"/>
           </p:nvPr>
         </p:nvSpPr>
-        <p:spPr/>
+        <p:spPr>
+          <a:xfrm>
+            <a:off x="2898648" y="6355080"/>
+            <a:ext cx="3474720" cy="365760"/>
+          </a:xfrm>
+        </p:spPr>
         <p:txBody>
           <a:bodyPr/>
           <a:lstStyle/>
@@ -1100,7 +1358,12 @@
             <p:ph type="sldNum" sz="quarter" idx="12"/>
           </p:nvPr>
         </p:nvSpPr>
-        <p:spPr/>
+        <p:spPr>
+          <a:xfrm>
+            <a:off x="1069848" y="6355080"/>
+            <a:ext cx="1520952" cy="365760"/>
+          </a:xfrm>
+        </p:spPr>
         <p:txBody>
           <a:bodyPr/>
           <a:lstStyle/>
@@ -1114,10 +1377,102 @@
           </a:p>
         </p:txBody>
       </p:sp>
+      <p:sp>
+        <p:nvSpPr>
+          <p:cNvPr id="7" name="Rectangle 6"/>
+          <p:cNvSpPr/>
+          <p:nvPr/>
+        </p:nvSpPr>
+        <p:spPr>
+          <a:xfrm>
+            <a:off x="914400" y="2819400"/>
+            <a:ext cx="7315200" cy="1280160"/>
+          </a:xfrm>
+          <a:prstGeom prst="rect">
+            <a:avLst/>
+          </a:prstGeom>
+          <a:noFill/>
+          <a:ln w="6350" cap="rnd" cmpd="sng" algn="ctr">
+            <a:solidFill>
+              <a:schemeClr val="accent1"/>
+            </a:solidFill>
+            <a:prstDash val="solid"/>
+          </a:ln>
+          <a:effectLst/>
+        </p:spPr>
+        <p:style>
+          <a:lnRef idx="3">
+            <a:schemeClr val="lt1"/>
+          </a:lnRef>
+          <a:fillRef idx="1">
+            <a:schemeClr val="accent1"/>
+          </a:fillRef>
+          <a:effectRef idx="1">
+            <a:schemeClr val="accent1"/>
+          </a:effectRef>
+          <a:fontRef idx="minor">
+            <a:schemeClr val="lt1"/>
+          </a:fontRef>
+        </p:style>
+        <p:txBody>
+          <a:bodyPr anchor="ctr"/>
+          <a:lstStyle/>
+          <a:p>
+            <a:pPr algn="ctr" eaLnBrk="1" latinLnBrk="0" hangingPunct="1"/>
+            <a:endParaRPr kumimoji="0" lang="en-US"/>
+          </a:p>
+        </p:txBody>
+      </p:sp>
+      <p:sp>
+        <p:nvSpPr>
+          <p:cNvPr id="8" name="Rectangle 7"/>
+          <p:cNvSpPr/>
+          <p:nvPr/>
+        </p:nvSpPr>
+        <p:spPr>
+          <a:xfrm>
+            <a:off x="914400" y="2819400"/>
+            <a:ext cx="228600" cy="1280160"/>
+          </a:xfrm>
+          <a:prstGeom prst="rect">
+            <a:avLst/>
+          </a:prstGeom>
+          <a:solidFill>
+            <a:schemeClr val="accent1"/>
+          </a:solidFill>
+          <a:ln w="6350" cap="rnd" cmpd="sng" algn="ctr">
+            <a:noFill/>
+            <a:prstDash val="solid"/>
+          </a:ln>
+          <a:effectLst/>
+        </p:spPr>
+        <p:style>
+          <a:lnRef idx="3">
+            <a:schemeClr val="lt1"/>
+          </a:lnRef>
+          <a:fillRef idx="1">
+            <a:schemeClr val="accent1"/>
+          </a:fillRef>
+          <a:effectRef idx="1">
+            <a:schemeClr val="accent1"/>
+          </a:effectRef>
+          <a:fontRef idx="minor">
+            <a:schemeClr val="lt1"/>
+          </a:fontRef>
+        </p:style>
+        <p:txBody>
+          <a:bodyPr anchor="ctr"/>
+          <a:lstStyle/>
+          <a:p>
+            <a:pPr algn="ctr" eaLnBrk="1" latinLnBrk="0" hangingPunct="1"/>
+            <a:endParaRPr kumimoji="0" lang="en-US"/>
+          </a:p>
+        </p:txBody>
+      </p:sp>
     </p:spTree>
   </p:cSld>
   <p:clrMapOvr>
-    <a:masterClrMapping/>
+    <a:overrideClrMapping bg1="dk1" tx1="lt1" bg2="dk2" tx2="lt2" accent1="accent1" accent2="accent2" accent3="accent3" accent4="accent4" accent5="accent5" accent6="accent6" hlink="hlink" folHlink="folHlink"/>
   </p:clrMapOvr>
 </p:sldLayout>
 </file>
@@ -1149,186 +1504,21 @@
             <p:ph type="title"/>
           </p:nvPr>
         </p:nvSpPr>
-        <p:spPr/>
-        <p:txBody>
-          <a:bodyPr/>
-          <a:lstStyle/>
-          <a:p>
-            <a:r>
-              <a:rPr lang="en-US" smtClean="0"/>
+        <p:spPr>
+          <a:xfrm>
+            <a:off x="457200" y="228600"/>
+            <a:ext cx="8229600" cy="914400"/>
+          </a:xfrm>
+        </p:spPr>
+        <p:txBody>
+          <a:bodyPr/>
+          <a:lstStyle/>
+          <a:p>
+            <a:r>
+              <a:rPr kumimoji="0" lang="en-US" smtClean="0"/>
               <a:t>Click to edit Master title style</a:t>
             </a:r>
-            <a:endParaRPr lang="en-US"/>
-          </a:p>
-        </p:txBody>
-      </p:sp>
-      <p:sp>
-        <p:nvSpPr>
-          <p:cNvPr id="3" name="Content Placeholder 2"/>
-          <p:cNvSpPr>
-            <a:spLocks noGrp="1"/>
-          </p:cNvSpPr>
-          <p:nvPr>
-            <p:ph sz="half" idx="1"/>
-          </p:nvPr>
-        </p:nvSpPr>
-        <p:spPr>
-          <a:xfrm>
-            <a:off x="457200" y="1600200"/>
-            <a:ext cx="4038600" cy="4525963"/>
-          </a:xfrm>
-        </p:spPr>
-        <p:txBody>
-          <a:bodyPr/>
-          <a:lstStyle>
-            <a:lvl1pPr>
-              <a:defRPr sz="2800"/>
-            </a:lvl1pPr>
-            <a:lvl2pPr>
-              <a:defRPr sz="2400"/>
-            </a:lvl2pPr>
-            <a:lvl3pPr>
-              <a:defRPr sz="2000"/>
-            </a:lvl3pPr>
-            <a:lvl4pPr>
-              <a:defRPr sz="1800"/>
-            </a:lvl4pPr>
-            <a:lvl5pPr>
-              <a:defRPr sz="1800"/>
-            </a:lvl5pPr>
-            <a:lvl6pPr>
-              <a:defRPr sz="1800"/>
-            </a:lvl6pPr>
-            <a:lvl7pPr>
-              <a:defRPr sz="1800"/>
-            </a:lvl7pPr>
-            <a:lvl8pPr>
-              <a:defRPr sz="1800"/>
-            </a:lvl8pPr>
-            <a:lvl9pPr>
-              <a:defRPr sz="1800"/>
-            </a:lvl9pPr>
-          </a:lstStyle>
-          <a:p>
-            <a:pPr lvl="0"/>
-            <a:r>
-              <a:rPr lang="en-US" smtClean="0"/>
-              <a:t>Click to edit Master text styles</a:t>
-            </a:r>
-          </a:p>
-          <a:p>
-            <a:pPr lvl="1"/>
-            <a:r>
-              <a:rPr lang="en-US" smtClean="0"/>
-              <a:t>Second level</a:t>
-            </a:r>
-          </a:p>
-          <a:p>
-            <a:pPr lvl="2"/>
-            <a:r>
-              <a:rPr lang="en-US" smtClean="0"/>
-              <a:t>Third level</a:t>
-            </a:r>
-          </a:p>
-          <a:p>
-            <a:pPr lvl="3"/>
-            <a:r>
-              <a:rPr lang="en-US" smtClean="0"/>
-              <a:t>Fourth level</a:t>
-            </a:r>
-          </a:p>
-          <a:p>
-            <a:pPr lvl="4"/>
-            <a:r>
-              <a:rPr lang="en-US" smtClean="0"/>
-              <a:t>Fifth level</a:t>
-            </a:r>
-            <a:endParaRPr lang="en-US"/>
-          </a:p>
-        </p:txBody>
-      </p:sp>
-      <p:sp>
-        <p:nvSpPr>
-          <p:cNvPr id="4" name="Content Placeholder 3"/>
-          <p:cNvSpPr>
-            <a:spLocks noGrp="1"/>
-          </p:cNvSpPr>
-          <p:nvPr>
-            <p:ph sz="half" idx="2"/>
-          </p:nvPr>
-        </p:nvSpPr>
-        <p:spPr>
-          <a:xfrm>
-            <a:off x="4648200" y="1600200"/>
-            <a:ext cx="4038600" cy="4525963"/>
-          </a:xfrm>
-        </p:spPr>
-        <p:txBody>
-          <a:bodyPr/>
-          <a:lstStyle>
-            <a:lvl1pPr>
-              <a:defRPr sz="2800"/>
-            </a:lvl1pPr>
-            <a:lvl2pPr>
-              <a:defRPr sz="2400"/>
-            </a:lvl2pPr>
-            <a:lvl3pPr>
-              <a:defRPr sz="2000"/>
-            </a:lvl3pPr>
-            <a:lvl4pPr>
-              <a:defRPr sz="1800"/>
-            </a:lvl4pPr>
-            <a:lvl5pPr>
-              <a:defRPr sz="1800"/>
-            </a:lvl5pPr>
-            <a:lvl6pPr>
-              <a:defRPr sz="1800"/>
-            </a:lvl6pPr>
-            <a:lvl7pPr>
-              <a:defRPr sz="1800"/>
-            </a:lvl7pPr>
-            <a:lvl8pPr>
-              <a:defRPr sz="1800"/>
-            </a:lvl8pPr>
-            <a:lvl9pPr>
-              <a:defRPr sz="1800"/>
-            </a:lvl9pPr>
-          </a:lstStyle>
-          <a:p>
-            <a:pPr lvl="0"/>
-            <a:r>
-              <a:rPr lang="en-US" smtClean="0"/>
-              <a:t>Click to edit Master text styles</a:t>
-            </a:r>
-          </a:p>
-          <a:p>
-            <a:pPr lvl="1"/>
-            <a:r>
-              <a:rPr lang="en-US" smtClean="0"/>
-              <a:t>Second level</a:t>
-            </a:r>
-          </a:p>
-          <a:p>
-            <a:pPr lvl="2"/>
-            <a:r>
-              <a:rPr lang="en-US" smtClean="0"/>
-              <a:t>Third level</a:t>
-            </a:r>
-          </a:p>
-          <a:p>
-            <a:pPr lvl="3"/>
-            <a:r>
-              <a:rPr lang="en-US" smtClean="0"/>
-              <a:t>Fourth level</a:t>
-            </a:r>
-          </a:p>
-          <a:p>
-            <a:pPr lvl="4"/>
-            <a:r>
-              <a:rPr lang="en-US" smtClean="0"/>
-              <a:t>Fifth level</a:t>
-            </a:r>
-            <a:endParaRPr lang="en-US"/>
+            <a:endParaRPr kumimoji="0" lang="en-US"/>
           </a:p>
         </p:txBody>
       </p:sp>
@@ -1396,6 +1586,120 @@
               <a:t>‹#›</a:t>
             </a:fld>
             <a:endParaRPr lang="en-US" dirty="0"/>
+          </a:p>
+        </p:txBody>
+      </p:sp>
+      <p:sp>
+        <p:nvSpPr>
+          <p:cNvPr id="9" name="Content Placeholder 8"/>
+          <p:cNvSpPr>
+            <a:spLocks noGrp="1"/>
+          </p:cNvSpPr>
+          <p:nvPr>
+            <p:ph sz="quarter" idx="1"/>
+          </p:nvPr>
+        </p:nvSpPr>
+        <p:spPr>
+          <a:xfrm>
+            <a:off x="457200" y="1219200"/>
+            <a:ext cx="4041648" cy="4937760"/>
+          </a:xfrm>
+        </p:spPr>
+        <p:txBody>
+          <a:bodyPr/>
+          <a:lstStyle/>
+          <a:p>
+            <a:pPr lvl="0" eaLnBrk="1" latinLnBrk="0" hangingPunct="1"/>
+            <a:r>
+              <a:rPr lang="en-US" smtClean="0"/>
+              <a:t>Click to edit Master text styles</a:t>
+            </a:r>
+          </a:p>
+          <a:p>
+            <a:pPr lvl="1" eaLnBrk="1" latinLnBrk="0" hangingPunct="1"/>
+            <a:r>
+              <a:rPr lang="en-US" smtClean="0"/>
+              <a:t>Second level</a:t>
+            </a:r>
+          </a:p>
+          <a:p>
+            <a:pPr lvl="2" eaLnBrk="1" latinLnBrk="0" hangingPunct="1"/>
+            <a:r>
+              <a:rPr lang="en-US" smtClean="0"/>
+              <a:t>Third level</a:t>
+            </a:r>
+          </a:p>
+          <a:p>
+            <a:pPr lvl="3" eaLnBrk="1" latinLnBrk="0" hangingPunct="1"/>
+            <a:r>
+              <a:rPr lang="en-US" smtClean="0"/>
+              <a:t>Fourth level</a:t>
+            </a:r>
+          </a:p>
+          <a:p>
+            <a:pPr lvl="4" eaLnBrk="1" latinLnBrk="0" hangingPunct="1"/>
+            <a:r>
+              <a:rPr lang="en-US" smtClean="0"/>
+              <a:t>Fifth level</a:t>
+            </a:r>
+            <a:endParaRPr kumimoji="0" lang="en-US"/>
+          </a:p>
+        </p:txBody>
+      </p:sp>
+      <p:sp>
+        <p:nvSpPr>
+          <p:cNvPr id="11" name="Content Placeholder 10"/>
+          <p:cNvSpPr>
+            <a:spLocks noGrp="1"/>
+          </p:cNvSpPr>
+          <p:nvPr>
+            <p:ph sz="quarter" idx="2"/>
+          </p:nvPr>
+        </p:nvSpPr>
+        <p:spPr>
+          <a:xfrm>
+            <a:off x="4632198" y="1216152"/>
+            <a:ext cx="4041648" cy="4937760"/>
+          </a:xfrm>
+        </p:spPr>
+        <p:txBody>
+          <a:bodyPr/>
+          <a:lstStyle/>
+          <a:p>
+            <a:pPr lvl="0" eaLnBrk="1" latinLnBrk="0" hangingPunct="1"/>
+            <a:r>
+              <a:rPr lang="en-US" smtClean="0"/>
+              <a:t>Click to edit Master text styles</a:t>
+            </a:r>
+          </a:p>
+          <a:p>
+            <a:pPr lvl="1" eaLnBrk="1" latinLnBrk="0" hangingPunct="1"/>
+            <a:r>
+              <a:rPr lang="en-US" smtClean="0"/>
+              <a:t>Second level</a:t>
+            </a:r>
+          </a:p>
+          <a:p>
+            <a:pPr lvl="2" eaLnBrk="1" latinLnBrk="0" hangingPunct="1"/>
+            <a:r>
+              <a:rPr lang="en-US" smtClean="0"/>
+              <a:t>Third level</a:t>
+            </a:r>
+          </a:p>
+          <a:p>
+            <a:pPr lvl="3" eaLnBrk="1" latinLnBrk="0" hangingPunct="1"/>
+            <a:r>
+              <a:rPr lang="en-US" smtClean="0"/>
+              <a:t>Fourth level</a:t>
+            </a:r>
+          </a:p>
+          <a:p>
+            <a:pPr lvl="4" eaLnBrk="1" latinLnBrk="0" hangingPunct="1"/>
+            <a:r>
+              <a:rPr lang="en-US" smtClean="0"/>
+              <a:t>Fifth level</a:t>
+            </a:r>
+            <a:endParaRPr kumimoji="0" lang="en-US"/>
           </a:p>
         </p:txBody>
       </p:sp>
@@ -1434,9 +1738,14 @@
             <p:ph type="title"/>
           </p:nvPr>
         </p:nvSpPr>
-        <p:spPr/>
-        <p:txBody>
-          <a:bodyPr/>
+        <p:spPr>
+          <a:xfrm>
+            <a:off x="457200" y="228600"/>
+            <a:ext cx="8229600" cy="914400"/>
+          </a:xfrm>
+        </p:spPr>
+        <p:txBody>
+          <a:bodyPr anchor="ctr"/>
           <a:lstStyle>
             <a:lvl1pPr>
               <a:defRPr/>
@@ -1444,10 +1753,10 @@
           </a:lstStyle>
           <a:p>
             <a:r>
-              <a:rPr lang="en-US" smtClean="0"/>
+              <a:rPr kumimoji="0" lang="en-US" smtClean="0"/>
               <a:t>Click to edit Master title style</a:t>
             </a:r>
-            <a:endParaRPr lang="en-US"/>
+            <a:endParaRPr kumimoji="0" lang="en-US"/>
           </a:p>
         </p:txBody>
       </p:sp>
@@ -1463,54 +1772,48 @@
         </p:nvSpPr>
         <p:spPr>
           <a:xfrm>
-            <a:off x="457200" y="1535113"/>
-            <a:ext cx="4040188" cy="639762"/>
-          </a:xfrm>
-        </p:spPr>
-        <p:txBody>
-          <a:bodyPr anchor="b"/>
+            <a:off x="457200" y="1285875"/>
+            <a:ext cx="4040188" cy="685800"/>
+          </a:xfrm>
+          <a:noFill/>
+          <a:ln>
+            <a:noFill/>
+          </a:ln>
+        </p:spPr>
+        <p:txBody>
+          <a:bodyPr lIns="91440" anchor="b" anchorCtr="0">
+            <a:noAutofit/>
+          </a:bodyPr>
           <a:lstStyle>
             <a:lvl1pPr marL="0" indent="0">
               <a:buNone/>
-              <a:defRPr sz="2400" b="1"/>
+              <a:defRPr sz="2400" b="1">
+                <a:solidFill>
+                  <a:schemeClr val="accent2"/>
+                </a:solidFill>
+              </a:defRPr>
             </a:lvl1pPr>
-            <a:lvl2pPr marL="457200" indent="0">
+            <a:lvl2pPr>
               <a:buNone/>
               <a:defRPr sz="2000" b="1"/>
             </a:lvl2pPr>
-            <a:lvl3pPr marL="914400" indent="0">
+            <a:lvl3pPr>
               <a:buNone/>
               <a:defRPr sz="1800" b="1"/>
             </a:lvl3pPr>
-            <a:lvl4pPr marL="1371600" indent="0">
+            <a:lvl4pPr>
               <a:buNone/>
               <a:defRPr sz="1600" b="1"/>
             </a:lvl4pPr>
-            <a:lvl5pPr marL="1828800" indent="0">
+            <a:lvl5pPr>
               <a:buNone/>
               <a:defRPr sz="1600" b="1"/>
             </a:lvl5pPr>
-            <a:lvl6pPr marL="2286000" indent="0">
-              <a:buNone/>
-              <a:defRPr sz="1600" b="1"/>
-            </a:lvl6pPr>
-            <a:lvl7pPr marL="2743200" indent="0">
-              <a:buNone/>
-              <a:defRPr sz="1600" b="1"/>
-            </a:lvl7pPr>
-            <a:lvl8pPr marL="3200400" indent="0">
-              <a:buNone/>
-              <a:defRPr sz="1600" b="1"/>
-            </a:lvl8pPr>
-            <a:lvl9pPr marL="3657600" indent="0">
-              <a:buNone/>
-              <a:defRPr sz="1600" b="1"/>
-            </a:lvl9pPr>
           </a:lstStyle>
           <a:p>
-            <a:pPr lvl="0"/>
-            <a:r>
-              <a:rPr lang="en-US" smtClean="0"/>
+            <a:pPr lvl="0" eaLnBrk="1" latinLnBrk="0" hangingPunct="1"/>
+            <a:r>
+              <a:rPr kumimoji="0" lang="en-US" smtClean="0"/>
               <a:t>Click to edit Master text styles</a:t>
             </a:r>
           </a:p>
@@ -1518,236 +1821,58 @@
       </p:sp>
       <p:sp>
         <p:nvSpPr>
-          <p:cNvPr id="4" name="Content Placeholder 3"/>
-          <p:cNvSpPr>
-            <a:spLocks noGrp="1"/>
-          </p:cNvSpPr>
-          <p:nvPr>
-            <p:ph sz="half" idx="2"/>
-          </p:nvPr>
-        </p:nvSpPr>
-        <p:spPr>
-          <a:xfrm>
-            <a:off x="457200" y="2174875"/>
-            <a:ext cx="4040188" cy="3951288"/>
-          </a:xfrm>
-        </p:spPr>
-        <p:txBody>
-          <a:bodyPr/>
-          <a:lstStyle>
-            <a:lvl1pPr>
-              <a:defRPr sz="2400"/>
-            </a:lvl1pPr>
-            <a:lvl2pPr>
-              <a:defRPr sz="2000"/>
-            </a:lvl2pPr>
-            <a:lvl3pPr>
-              <a:defRPr sz="1800"/>
-            </a:lvl3pPr>
-            <a:lvl4pPr>
-              <a:defRPr sz="1600"/>
-            </a:lvl4pPr>
-            <a:lvl5pPr>
-              <a:defRPr sz="1600"/>
-            </a:lvl5pPr>
-            <a:lvl6pPr>
-              <a:defRPr sz="1600"/>
-            </a:lvl6pPr>
-            <a:lvl7pPr>
-              <a:defRPr sz="1600"/>
-            </a:lvl7pPr>
-            <a:lvl8pPr>
-              <a:defRPr sz="1600"/>
-            </a:lvl8pPr>
-            <a:lvl9pPr>
-              <a:defRPr sz="1600"/>
-            </a:lvl9pPr>
-          </a:lstStyle>
-          <a:p>
-            <a:pPr lvl="0"/>
-            <a:r>
-              <a:rPr lang="en-US" smtClean="0"/>
-              <a:t>Click to edit Master text styles</a:t>
-            </a:r>
-          </a:p>
-          <a:p>
-            <a:pPr lvl="1"/>
-            <a:r>
-              <a:rPr lang="en-US" smtClean="0"/>
-              <a:t>Second level</a:t>
-            </a:r>
-          </a:p>
-          <a:p>
-            <a:pPr lvl="2"/>
-            <a:r>
-              <a:rPr lang="en-US" smtClean="0"/>
-              <a:t>Third level</a:t>
-            </a:r>
-          </a:p>
-          <a:p>
-            <a:pPr lvl="3"/>
-            <a:r>
-              <a:rPr lang="en-US" smtClean="0"/>
-              <a:t>Fourth level</a:t>
-            </a:r>
-          </a:p>
-          <a:p>
-            <a:pPr lvl="4"/>
-            <a:r>
-              <a:rPr lang="en-US" smtClean="0"/>
-              <a:t>Fifth level</a:t>
-            </a:r>
-            <a:endParaRPr lang="en-US"/>
-          </a:p>
-        </p:txBody>
-      </p:sp>
-      <p:sp>
-        <p:nvSpPr>
-          <p:cNvPr id="5" name="Text Placeholder 4"/>
-          <p:cNvSpPr>
-            <a:spLocks noGrp="1"/>
-          </p:cNvSpPr>
-          <p:nvPr>
-            <p:ph type="body" sz="quarter" idx="3"/>
-          </p:nvPr>
-        </p:nvSpPr>
-        <p:spPr>
-          <a:xfrm>
-            <a:off x="4645025" y="1535113"/>
-            <a:ext cx="4041775" cy="639762"/>
-          </a:xfrm>
-        </p:spPr>
-        <p:txBody>
-          <a:bodyPr anchor="b"/>
+          <p:cNvPr id="4" name="Text Placeholder 3"/>
+          <p:cNvSpPr>
+            <a:spLocks noGrp="1"/>
+          </p:cNvSpPr>
+          <p:nvPr>
+            <p:ph type="body" sz="half" idx="3"/>
+          </p:nvPr>
+        </p:nvSpPr>
+        <p:spPr>
+          <a:xfrm>
+            <a:off x="4648200" y="1295400"/>
+            <a:ext cx="4041775" cy="685800"/>
+          </a:xfrm>
+          <a:noFill/>
+          <a:ln>
+            <a:noFill/>
+          </a:ln>
+        </p:spPr>
+        <p:txBody>
+          <a:bodyPr lIns="91440" anchor="b" anchorCtr="0"/>
           <a:lstStyle>
             <a:lvl1pPr marL="0" indent="0">
               <a:buNone/>
-              <a:defRPr sz="2400" b="1"/>
+              <a:defRPr sz="2400" b="1">
+                <a:solidFill>
+                  <a:schemeClr val="accent2"/>
+                </a:solidFill>
+              </a:defRPr>
             </a:lvl1pPr>
-            <a:lvl2pPr marL="457200" indent="0">
+            <a:lvl2pPr>
               <a:buNone/>
               <a:defRPr sz="2000" b="1"/>
             </a:lvl2pPr>
-            <a:lvl3pPr marL="914400" indent="0">
+            <a:lvl3pPr>
               <a:buNone/>
               <a:defRPr sz="1800" b="1"/>
             </a:lvl3pPr>
-            <a:lvl4pPr marL="1371600" indent="0">
+            <a:lvl4pPr>
               <a:buNone/>
               <a:defRPr sz="1600" b="1"/>
             </a:lvl4pPr>
-            <a:lvl5pPr marL="1828800" indent="0">
+            <a:lvl5pPr>
               <a:buNone/>
               <a:defRPr sz="1600" b="1"/>
             </a:lvl5pPr>
-            <a:lvl6pPr marL="2286000" indent="0">
-              <a:buNone/>
-              <a:defRPr sz="1600" b="1"/>
-            </a:lvl6pPr>
-            <a:lvl7pPr marL="2743200" indent="0">
-              <a:buNone/>
-              <a:defRPr sz="1600" b="1"/>
-            </a:lvl7pPr>
-            <a:lvl8pPr marL="3200400" indent="0">
-              <a:buNone/>
-              <a:defRPr sz="1600" b="1"/>
-            </a:lvl8pPr>
-            <a:lvl9pPr marL="3657600" indent="0">
-              <a:buNone/>
-              <a:defRPr sz="1600" b="1"/>
-            </a:lvl9pPr>
           </a:lstStyle>
           <a:p>
-            <a:pPr lvl="0"/>
-            <a:r>
-              <a:rPr lang="en-US" smtClean="0"/>
+            <a:pPr lvl="0" eaLnBrk="1" latinLnBrk="0" hangingPunct="1"/>
+            <a:r>
+              <a:rPr kumimoji="0" lang="en-US" smtClean="0"/>
               <a:t>Click to edit Master text styles</a:t>
             </a:r>
-          </a:p>
-        </p:txBody>
-      </p:sp>
-      <p:sp>
-        <p:nvSpPr>
-          <p:cNvPr id="6" name="Content Placeholder 5"/>
-          <p:cNvSpPr>
-            <a:spLocks noGrp="1"/>
-          </p:cNvSpPr>
-          <p:nvPr>
-            <p:ph sz="quarter" idx="4"/>
-          </p:nvPr>
-        </p:nvSpPr>
-        <p:spPr>
-          <a:xfrm>
-            <a:off x="4645025" y="2174875"/>
-            <a:ext cx="4041775" cy="3951288"/>
-          </a:xfrm>
-        </p:spPr>
-        <p:txBody>
-          <a:bodyPr/>
-          <a:lstStyle>
-            <a:lvl1pPr>
-              <a:defRPr sz="2400"/>
-            </a:lvl1pPr>
-            <a:lvl2pPr>
-              <a:defRPr sz="2000"/>
-            </a:lvl2pPr>
-            <a:lvl3pPr>
-              <a:defRPr sz="1800"/>
-            </a:lvl3pPr>
-            <a:lvl4pPr>
-              <a:defRPr sz="1600"/>
-            </a:lvl4pPr>
-            <a:lvl5pPr>
-              <a:defRPr sz="1600"/>
-            </a:lvl5pPr>
-            <a:lvl6pPr>
-              <a:defRPr sz="1600"/>
-            </a:lvl6pPr>
-            <a:lvl7pPr>
-              <a:defRPr sz="1600"/>
-            </a:lvl7pPr>
-            <a:lvl8pPr>
-              <a:defRPr sz="1600"/>
-            </a:lvl8pPr>
-            <a:lvl9pPr>
-              <a:defRPr sz="1600"/>
-            </a:lvl9pPr>
-          </a:lstStyle>
-          <a:p>
-            <a:pPr lvl="0"/>
-            <a:r>
-              <a:rPr lang="en-US" smtClean="0"/>
-              <a:t>Click to edit Master text styles</a:t>
-            </a:r>
-          </a:p>
-          <a:p>
-            <a:pPr lvl="1"/>
-            <a:r>
-              <a:rPr lang="en-US" smtClean="0"/>
-              <a:t>Second level</a:t>
-            </a:r>
-          </a:p>
-          <a:p>
-            <a:pPr lvl="2"/>
-            <a:r>
-              <a:rPr lang="en-US" smtClean="0"/>
-              <a:t>Third level</a:t>
-            </a:r>
-          </a:p>
-          <a:p>
-            <a:pPr lvl="3"/>
-            <a:r>
-              <a:rPr lang="en-US" smtClean="0"/>
-              <a:t>Fourth level</a:t>
-            </a:r>
-          </a:p>
-          <a:p>
-            <a:pPr lvl="4"/>
-            <a:r>
-              <a:rPr lang="en-US" smtClean="0"/>
-              <a:t>Fifth level</a:t>
-            </a:r>
-            <a:endParaRPr lang="en-US"/>
           </a:p>
         </p:txBody>
       </p:sp>
@@ -1815,6 +1940,120 @@
               <a:t>‹#›</a:t>
             </a:fld>
             <a:endParaRPr lang="en-US" dirty="0"/>
+          </a:p>
+        </p:txBody>
+      </p:sp>
+      <p:sp>
+        <p:nvSpPr>
+          <p:cNvPr id="11" name="Content Placeholder 10"/>
+          <p:cNvSpPr>
+            <a:spLocks noGrp="1"/>
+          </p:cNvSpPr>
+          <p:nvPr>
+            <p:ph sz="quarter" idx="2"/>
+          </p:nvPr>
+        </p:nvSpPr>
+        <p:spPr>
+          <a:xfrm>
+            <a:off x="457200" y="2133600"/>
+            <a:ext cx="4038600" cy="4038600"/>
+          </a:xfrm>
+        </p:spPr>
+        <p:txBody>
+          <a:bodyPr/>
+          <a:lstStyle/>
+          <a:p>
+            <a:pPr lvl="0" eaLnBrk="1" latinLnBrk="0" hangingPunct="1"/>
+            <a:r>
+              <a:rPr lang="en-US" smtClean="0"/>
+              <a:t>Click to edit Master text styles</a:t>
+            </a:r>
+          </a:p>
+          <a:p>
+            <a:pPr lvl="1" eaLnBrk="1" latinLnBrk="0" hangingPunct="1"/>
+            <a:r>
+              <a:rPr lang="en-US" smtClean="0"/>
+              <a:t>Second level</a:t>
+            </a:r>
+          </a:p>
+          <a:p>
+            <a:pPr lvl="2" eaLnBrk="1" latinLnBrk="0" hangingPunct="1"/>
+            <a:r>
+              <a:rPr lang="en-US" smtClean="0"/>
+              <a:t>Third level</a:t>
+            </a:r>
+          </a:p>
+          <a:p>
+            <a:pPr lvl="3" eaLnBrk="1" latinLnBrk="0" hangingPunct="1"/>
+            <a:r>
+              <a:rPr lang="en-US" smtClean="0"/>
+              <a:t>Fourth level</a:t>
+            </a:r>
+          </a:p>
+          <a:p>
+            <a:pPr lvl="4" eaLnBrk="1" latinLnBrk="0" hangingPunct="1"/>
+            <a:r>
+              <a:rPr lang="en-US" smtClean="0"/>
+              <a:t>Fifth level</a:t>
+            </a:r>
+            <a:endParaRPr kumimoji="0" lang="en-US"/>
+          </a:p>
+        </p:txBody>
+      </p:sp>
+      <p:sp>
+        <p:nvSpPr>
+          <p:cNvPr id="13" name="Content Placeholder 12"/>
+          <p:cNvSpPr>
+            <a:spLocks noGrp="1"/>
+          </p:cNvSpPr>
+          <p:nvPr>
+            <p:ph sz="quarter" idx="4"/>
+          </p:nvPr>
+        </p:nvSpPr>
+        <p:spPr>
+          <a:xfrm>
+            <a:off x="4648200" y="2133600"/>
+            <a:ext cx="4038600" cy="4038600"/>
+          </a:xfrm>
+        </p:spPr>
+        <p:txBody>
+          <a:bodyPr/>
+          <a:lstStyle/>
+          <a:p>
+            <a:pPr lvl="0" eaLnBrk="1" latinLnBrk="0" hangingPunct="1"/>
+            <a:r>
+              <a:rPr lang="en-US" smtClean="0"/>
+              <a:t>Click to edit Master text styles</a:t>
+            </a:r>
+          </a:p>
+          <a:p>
+            <a:pPr lvl="1" eaLnBrk="1" latinLnBrk="0" hangingPunct="1"/>
+            <a:r>
+              <a:rPr lang="en-US" smtClean="0"/>
+              <a:t>Second level</a:t>
+            </a:r>
+          </a:p>
+          <a:p>
+            <a:pPr lvl="2" eaLnBrk="1" latinLnBrk="0" hangingPunct="1"/>
+            <a:r>
+              <a:rPr lang="en-US" smtClean="0"/>
+              <a:t>Third level</a:t>
+            </a:r>
+          </a:p>
+          <a:p>
+            <a:pPr lvl="3" eaLnBrk="1" latinLnBrk="0" hangingPunct="1"/>
+            <a:r>
+              <a:rPr lang="en-US" smtClean="0"/>
+              <a:t>Fourth level</a:t>
+            </a:r>
+          </a:p>
+          <a:p>
+            <a:pPr lvl="4" eaLnBrk="1" latinLnBrk="0" hangingPunct="1"/>
+            <a:r>
+              <a:rPr lang="en-US" smtClean="0"/>
+              <a:t>Fifth level</a:t>
+            </a:r>
+            <a:endParaRPr kumimoji="0" lang="en-US"/>
           </a:p>
         </p:txBody>
       </p:sp>
@@ -1853,16 +2092,21 @@
             <p:ph type="title"/>
           </p:nvPr>
         </p:nvSpPr>
-        <p:spPr/>
-        <p:txBody>
-          <a:bodyPr/>
-          <a:lstStyle/>
-          <a:p>
-            <a:r>
-              <a:rPr lang="en-US" smtClean="0"/>
+        <p:spPr>
+          <a:xfrm>
+            <a:off x="457200" y="228600"/>
+            <a:ext cx="8229600" cy="914400"/>
+          </a:xfrm>
+        </p:spPr>
+        <p:txBody>
+          <a:bodyPr/>
+          <a:lstStyle/>
+          <a:p>
+            <a:r>
+              <a:rPr kumimoji="0" lang="en-US" smtClean="0"/>
               <a:t>Click to edit Master title style</a:t>
             </a:r>
-            <a:endParaRPr lang="en-US"/>
+            <a:endParaRPr kumimoji="0" lang="en-US"/>
           </a:p>
         </p:txBody>
       </p:sp>
@@ -1930,6 +2174,56 @@
               <a:t>‹#›</a:t>
             </a:fld>
             <a:endParaRPr lang="en-US" dirty="0"/>
+          </a:p>
+        </p:txBody>
+      </p:sp>
+      <p:sp>
+        <p:nvSpPr>
+          <p:cNvPr id="6" name="Isosceles Triangle 5"/>
+          <p:cNvSpPr>
+            <a:spLocks noChangeAspect="1"/>
+          </p:cNvSpPr>
+          <p:nvPr/>
+        </p:nvSpPr>
+        <p:spPr>
+          <a:xfrm rot="5400000">
+            <a:off x="419100" y="6467475"/>
+            <a:ext cx="190849" cy="120314"/>
+          </a:xfrm>
+          <a:prstGeom prst="triangle">
+            <a:avLst>
+              <a:gd name="adj" fmla="val 50000"/>
+            </a:avLst>
+          </a:prstGeom>
+          <a:solidFill>
+            <a:schemeClr val="accent2"/>
+          </a:solidFill>
+          <a:ln w="25400" cap="rnd" cmpd="sng" algn="ctr">
+            <a:noFill/>
+            <a:prstDash val="solid"/>
+          </a:ln>
+          <a:effectLst/>
+        </p:spPr>
+        <p:style>
+          <a:lnRef idx="3">
+            <a:schemeClr val="lt1"/>
+          </a:lnRef>
+          <a:fillRef idx="1">
+            <a:schemeClr val="accent1"/>
+          </a:fillRef>
+          <a:effectRef idx="1">
+            <a:schemeClr val="accent1"/>
+          </a:effectRef>
+          <a:fontRef idx="minor">
+            <a:schemeClr val="lt1"/>
+          </a:fontRef>
+        </p:style>
+        <p:txBody>
+          <a:bodyPr anchor="ctr"/>
+          <a:lstStyle/>
+          <a:p>
+            <a:pPr algn="ctr" eaLnBrk="1" latinLnBrk="0" hangingPunct="1"/>
+            <a:endParaRPr kumimoji="0" lang="en-US"/>
           </a:p>
         </p:txBody>
       </p:sp>
@@ -1942,7 +2236,7 @@
 </file>
 
 <file path=ppt/slideLayouts/slideLayout7.xml><?xml version="1.0" encoding="utf-8"?>
-<p:sldLayout xmlns:a="http://schemas.openxmlformats.org/drawingml/2006/main" xmlns:r="http://schemas.openxmlformats.org/officeDocument/2006/relationships" xmlns:p="http://schemas.openxmlformats.org/presentationml/2006/main" type="blank" preserve="1">
+<p:sldLayout xmlns:a="http://schemas.openxmlformats.org/drawingml/2006/main" xmlns:r="http://schemas.openxmlformats.org/officeDocument/2006/relationships" xmlns:p="http://schemas.openxmlformats.org/presentationml/2006/main" showMasterSp="0" type="blank" preserve="1">
   <p:cSld name="Blank">
     <p:spTree>
       <p:nvGrpSpPr>
@@ -2025,6 +2319,92 @@
           </a:p>
         </p:txBody>
       </p:sp>
+      <p:sp>
+        <p:nvSpPr>
+          <p:cNvPr id="5" name="Straight Connector 4"/>
+          <p:cNvSpPr>
+            <a:spLocks noChangeShapeType="1"/>
+          </p:cNvSpPr>
+          <p:nvPr/>
+        </p:nvSpPr>
+        <p:spPr bwMode="auto">
+          <a:xfrm>
+            <a:off x="457200" y="6353175"/>
+            <a:ext cx="8229600" cy="0"/>
+          </a:xfrm>
+          <a:prstGeom prst="line">
+            <a:avLst/>
+          </a:prstGeom>
+          <a:noFill/>
+          <a:ln w="9525" cap="flat" cmpd="sng" algn="ctr">
+            <a:solidFill>
+              <a:schemeClr val="accent2"/>
+            </a:solidFill>
+            <a:prstDash val="dash"/>
+            <a:round/>
+            <a:headEnd type="none" w="med" len="med"/>
+            <a:tailEnd type="none" w="med" len="med"/>
+          </a:ln>
+          <a:effectLst/>
+        </p:spPr>
+        <p:txBody>
+          <a:bodyPr vert="horz" wrap="square" lIns="91440" tIns="45720" rIns="91440" bIns="45720" anchor="t" compatLnSpc="1"/>
+          <a:lstStyle/>
+          <a:p>
+            <a:endParaRPr kumimoji="0" lang="en-US"/>
+          </a:p>
+        </p:txBody>
+      </p:sp>
+      <p:sp>
+        <p:nvSpPr>
+          <p:cNvPr id="6" name="Isosceles Triangle 5"/>
+          <p:cNvSpPr>
+            <a:spLocks noChangeAspect="1"/>
+          </p:cNvSpPr>
+          <p:nvPr/>
+        </p:nvSpPr>
+        <p:spPr>
+          <a:xfrm rot="5400000">
+            <a:off x="419100" y="6467475"/>
+            <a:ext cx="190849" cy="120314"/>
+          </a:xfrm>
+          <a:prstGeom prst="triangle">
+            <a:avLst>
+              <a:gd name="adj" fmla="val 50000"/>
+            </a:avLst>
+          </a:prstGeom>
+          <a:solidFill>
+            <a:schemeClr val="accent2"/>
+          </a:solidFill>
+          <a:ln w="25400" cap="rnd" cmpd="sng" algn="ctr">
+            <a:noFill/>
+            <a:prstDash val="solid"/>
+          </a:ln>
+          <a:effectLst/>
+        </p:spPr>
+        <p:style>
+          <a:lnRef idx="3">
+            <a:schemeClr val="lt1"/>
+          </a:lnRef>
+          <a:fillRef idx="1">
+            <a:schemeClr val="accent1"/>
+          </a:fillRef>
+          <a:effectRef idx="1">
+            <a:schemeClr val="accent1"/>
+          </a:effectRef>
+          <a:fontRef idx="minor">
+            <a:schemeClr val="lt1"/>
+          </a:fontRef>
+        </p:style>
+        <p:txBody>
+          <a:bodyPr anchor="ctr"/>
+          <a:lstStyle/>
+          <a:p>
+            <a:pPr algn="ctr" eaLnBrk="1" latinLnBrk="0" hangingPunct="1"/>
+            <a:endParaRPr kumimoji="0" lang="en-US"/>
+          </a:p>
+        </p:txBody>
+      </p:sp>
     </p:spTree>
   </p:cSld>
   <p:clrMapOvr>
@@ -2034,7 +2414,7 @@
 </file>
 
 <file path=ppt/slideLayouts/slideLayout8.xml><?xml version="1.0" encoding="utf-8"?>
-<p:sldLayout xmlns:a="http://schemas.openxmlformats.org/drawingml/2006/main" xmlns:r="http://schemas.openxmlformats.org/officeDocument/2006/relationships" xmlns:p="http://schemas.openxmlformats.org/presentationml/2006/main" type="objTx" preserve="1">
+<p:sldLayout xmlns:a="http://schemas.openxmlformats.org/drawingml/2006/main" xmlns:r="http://schemas.openxmlformats.org/officeDocument/2006/relationships" xmlns:p="http://schemas.openxmlformats.org/presentationml/2006/main" showMasterSp="0" type="objTx" preserve="1">
   <p:cSld name="Content with Caption">
     <p:spTree>
       <p:nvGrpSpPr>
@@ -2062,171 +2442,90 @@
         </p:nvSpPr>
         <p:spPr>
           <a:xfrm>
-            <a:off x="457200" y="273050"/>
-            <a:ext cx="3008313" cy="1162050"/>
-          </a:xfrm>
-        </p:spPr>
-        <p:txBody>
-          <a:bodyPr anchor="b"/>
+            <a:off x="6324600" y="304800"/>
+            <a:ext cx="2514600" cy="838200"/>
+          </a:xfrm>
+        </p:spPr>
+        <p:txBody>
+          <a:bodyPr anchor="b" anchorCtr="0">
+            <a:noAutofit/>
+          </a:bodyPr>
           <a:lstStyle>
             <a:lvl1pPr algn="l">
-              <a:defRPr sz="2000" b="1"/>
+              <a:buNone/>
+              <a:defRPr sz="2000" b="1">
+                <a:solidFill>
+                  <a:schemeClr val="tx2"/>
+                </a:solidFill>
+                <a:latin typeface="+mn-lt"/>
+                <a:ea typeface="+mn-ea"/>
+                <a:cs typeface="+mn-cs"/>
+              </a:defRPr>
             </a:lvl1pPr>
           </a:lstStyle>
           <a:p>
             <a:r>
-              <a:rPr lang="en-US" smtClean="0"/>
+              <a:rPr kumimoji="0" lang="en-US" smtClean="0"/>
               <a:t>Click to edit Master title style</a:t>
             </a:r>
-            <a:endParaRPr lang="en-US"/>
-          </a:p>
-        </p:txBody>
-      </p:sp>
-      <p:sp>
-        <p:nvSpPr>
-          <p:cNvPr id="3" name="Content Placeholder 2"/>
-          <p:cNvSpPr>
-            <a:spLocks noGrp="1"/>
-          </p:cNvSpPr>
-          <p:nvPr>
-            <p:ph idx="1"/>
-          </p:nvPr>
-        </p:nvSpPr>
-        <p:spPr>
-          <a:xfrm>
-            <a:off x="3575050" y="273050"/>
-            <a:ext cx="5111750" cy="5853113"/>
+            <a:endParaRPr kumimoji="0" lang="en-US"/>
+          </a:p>
+        </p:txBody>
+      </p:sp>
+      <p:sp>
+        <p:nvSpPr>
+          <p:cNvPr id="3" name="Text Placeholder 2"/>
+          <p:cNvSpPr>
+            <a:spLocks noGrp="1"/>
+          </p:cNvSpPr>
+          <p:nvPr>
+            <p:ph type="body" idx="2"/>
+          </p:nvPr>
+        </p:nvSpPr>
+        <p:spPr>
+          <a:xfrm>
+            <a:off x="6324600" y="1219200"/>
+            <a:ext cx="2514600" cy="4843463"/>
           </a:xfrm>
         </p:spPr>
         <p:txBody>
           <a:bodyPr/>
           <a:lstStyle>
-            <a:lvl1pPr>
-              <a:defRPr sz="3200"/>
+            <a:lvl1pPr marL="0" indent="0">
+              <a:lnSpc>
+                <a:spcPts val="2200"/>
+              </a:lnSpc>
+              <a:spcAft>
+                <a:spcPts val="1000"/>
+              </a:spcAft>
+              <a:buNone/>
+              <a:defRPr sz="1600">
+                <a:solidFill>
+                  <a:schemeClr val="tx2"/>
+                </a:solidFill>
+              </a:defRPr>
             </a:lvl1pPr>
             <a:lvl2pPr>
-              <a:defRPr sz="2800"/>
-            </a:lvl2pPr>
-            <a:lvl3pPr>
-              <a:defRPr sz="2400"/>
-            </a:lvl3pPr>
-            <a:lvl4pPr>
-              <a:defRPr sz="2000"/>
-            </a:lvl4pPr>
-            <a:lvl5pPr>
-              <a:defRPr sz="2000"/>
-            </a:lvl5pPr>
-            <a:lvl6pPr>
-              <a:defRPr sz="2000"/>
-            </a:lvl6pPr>
-            <a:lvl7pPr>
-              <a:defRPr sz="2000"/>
-            </a:lvl7pPr>
-            <a:lvl8pPr>
-              <a:defRPr sz="2000"/>
-            </a:lvl8pPr>
-            <a:lvl9pPr>
-              <a:defRPr sz="2000"/>
-            </a:lvl9pPr>
-          </a:lstStyle>
-          <a:p>
-            <a:pPr lvl="0"/>
-            <a:r>
-              <a:rPr lang="en-US" smtClean="0"/>
-              <a:t>Click to edit Master text styles</a:t>
-            </a:r>
-          </a:p>
-          <a:p>
-            <a:pPr lvl="1"/>
-            <a:r>
-              <a:rPr lang="en-US" smtClean="0"/>
-              <a:t>Second level</a:t>
-            </a:r>
-          </a:p>
-          <a:p>
-            <a:pPr lvl="2"/>
-            <a:r>
-              <a:rPr lang="en-US" smtClean="0"/>
-              <a:t>Third level</a:t>
-            </a:r>
-          </a:p>
-          <a:p>
-            <a:pPr lvl="3"/>
-            <a:r>
-              <a:rPr lang="en-US" smtClean="0"/>
-              <a:t>Fourth level</a:t>
-            </a:r>
-          </a:p>
-          <a:p>
-            <a:pPr lvl="4"/>
-            <a:r>
-              <a:rPr lang="en-US" smtClean="0"/>
-              <a:t>Fifth level</a:t>
-            </a:r>
-            <a:endParaRPr lang="en-US"/>
-          </a:p>
-        </p:txBody>
-      </p:sp>
-      <p:sp>
-        <p:nvSpPr>
-          <p:cNvPr id="4" name="Text Placeholder 3"/>
-          <p:cNvSpPr>
-            <a:spLocks noGrp="1"/>
-          </p:cNvSpPr>
-          <p:nvPr>
-            <p:ph type="body" sz="half" idx="2"/>
-          </p:nvPr>
-        </p:nvSpPr>
-        <p:spPr>
-          <a:xfrm>
-            <a:off x="457200" y="1435100"/>
-            <a:ext cx="3008313" cy="4691063"/>
-          </a:xfrm>
-        </p:spPr>
-        <p:txBody>
-          <a:bodyPr/>
-          <a:lstStyle>
-            <a:lvl1pPr marL="0" indent="0">
-              <a:buNone/>
-              <a:defRPr sz="1400"/>
-            </a:lvl1pPr>
-            <a:lvl2pPr marL="457200" indent="0">
               <a:buNone/>
               <a:defRPr sz="1200"/>
             </a:lvl2pPr>
-            <a:lvl3pPr marL="914400" indent="0">
+            <a:lvl3pPr>
               <a:buNone/>
               <a:defRPr sz="1000"/>
             </a:lvl3pPr>
-            <a:lvl4pPr marL="1371600" indent="0">
+            <a:lvl4pPr>
               <a:buNone/>
               <a:defRPr sz="900"/>
             </a:lvl4pPr>
-            <a:lvl5pPr marL="1828800" indent="0">
+            <a:lvl5pPr>
               <a:buNone/>
               <a:defRPr sz="900"/>
             </a:lvl5pPr>
-            <a:lvl6pPr marL="2286000" indent="0">
-              <a:buNone/>
-              <a:defRPr sz="900"/>
-            </a:lvl6pPr>
-            <a:lvl7pPr marL="2743200" indent="0">
-              <a:buNone/>
-              <a:defRPr sz="900"/>
-            </a:lvl7pPr>
-            <a:lvl8pPr marL="3200400" indent="0">
-              <a:buNone/>
-              <a:defRPr sz="900"/>
-            </a:lvl8pPr>
-            <a:lvl9pPr marL="3657600" indent="0">
-              <a:buNone/>
-              <a:defRPr sz="900"/>
-            </a:lvl9pPr>
           </a:lstStyle>
           <a:p>
-            <a:pPr lvl="0"/>
-            <a:r>
-              <a:rPr lang="en-US" smtClean="0"/>
+            <a:pPr lvl="0" eaLnBrk="1" latinLnBrk="0" hangingPunct="1"/>
+            <a:r>
+              <a:rPr kumimoji="0" lang="en-US" smtClean="0"/>
               <a:t>Click to edit Master text styles</a:t>
             </a:r>
           </a:p>
@@ -2296,6 +2595,185 @@
               <a:t>‹#›</a:t>
             </a:fld>
             <a:endParaRPr lang="en-US" dirty="0"/>
+          </a:p>
+        </p:txBody>
+      </p:sp>
+      <p:sp>
+        <p:nvSpPr>
+          <p:cNvPr id="8" name="Straight Connector 7"/>
+          <p:cNvSpPr>
+            <a:spLocks noChangeShapeType="1"/>
+          </p:cNvSpPr>
+          <p:nvPr/>
+        </p:nvSpPr>
+        <p:spPr bwMode="auto">
+          <a:xfrm>
+            <a:off x="457200" y="6353175"/>
+            <a:ext cx="8229600" cy="0"/>
+          </a:xfrm>
+          <a:prstGeom prst="line">
+            <a:avLst/>
+          </a:prstGeom>
+          <a:noFill/>
+          <a:ln w="9525" cap="flat" cmpd="sng" algn="ctr">
+            <a:solidFill>
+              <a:schemeClr val="accent2"/>
+            </a:solidFill>
+            <a:prstDash val="dash"/>
+            <a:round/>
+            <a:headEnd type="none" w="med" len="med"/>
+            <a:tailEnd type="none" w="med" len="med"/>
+          </a:ln>
+          <a:effectLst/>
+        </p:spPr>
+        <p:txBody>
+          <a:bodyPr vert="horz" wrap="square" lIns="91440" tIns="45720" rIns="91440" bIns="45720" anchor="t" compatLnSpc="1"/>
+          <a:lstStyle/>
+          <a:p>
+            <a:endParaRPr kumimoji="0" lang="en-US"/>
+          </a:p>
+        </p:txBody>
+      </p:sp>
+      <p:sp>
+        <p:nvSpPr>
+          <p:cNvPr id="10" name="Straight Connector 9"/>
+          <p:cNvSpPr>
+            <a:spLocks noChangeShapeType="1"/>
+          </p:cNvSpPr>
+          <p:nvPr/>
+        </p:nvSpPr>
+        <p:spPr bwMode="auto">
+          <a:xfrm rot="5400000">
+            <a:off x="3160645" y="3324225"/>
+            <a:ext cx="6035040" cy="0"/>
+          </a:xfrm>
+          <a:prstGeom prst="line">
+            <a:avLst/>
+          </a:prstGeom>
+          <a:noFill/>
+          <a:ln w="9525" cap="flat" cmpd="sng" algn="ctr">
+            <a:solidFill>
+              <a:schemeClr val="accent2"/>
+            </a:solidFill>
+            <a:prstDash val="dash"/>
+            <a:round/>
+            <a:headEnd type="none" w="med" len="med"/>
+            <a:tailEnd type="none" w="med" len="med"/>
+          </a:ln>
+          <a:effectLst/>
+        </p:spPr>
+        <p:txBody>
+          <a:bodyPr vert="horz" wrap="square" lIns="91440" tIns="45720" rIns="91440" bIns="45720" anchor="t" compatLnSpc="1"/>
+          <a:lstStyle/>
+          <a:p>
+            <a:endParaRPr kumimoji="0" lang="en-US" dirty="0"/>
+          </a:p>
+        </p:txBody>
+      </p:sp>
+      <p:sp>
+        <p:nvSpPr>
+          <p:cNvPr id="9" name="Isosceles Triangle 8"/>
+          <p:cNvSpPr>
+            <a:spLocks noChangeAspect="1"/>
+          </p:cNvSpPr>
+          <p:nvPr/>
+        </p:nvSpPr>
+        <p:spPr>
+          <a:xfrm rot="5400000">
+            <a:off x="419100" y="6467475"/>
+            <a:ext cx="190849" cy="120314"/>
+          </a:xfrm>
+          <a:prstGeom prst="triangle">
+            <a:avLst>
+              <a:gd name="adj" fmla="val 50000"/>
+            </a:avLst>
+          </a:prstGeom>
+          <a:solidFill>
+            <a:schemeClr val="accent2"/>
+          </a:solidFill>
+          <a:ln w="25400" cap="rnd" cmpd="sng" algn="ctr">
+            <a:noFill/>
+            <a:prstDash val="solid"/>
+          </a:ln>
+          <a:effectLst/>
+        </p:spPr>
+        <p:style>
+          <a:lnRef idx="3">
+            <a:schemeClr val="lt1"/>
+          </a:lnRef>
+          <a:fillRef idx="1">
+            <a:schemeClr val="accent1"/>
+          </a:fillRef>
+          <a:effectRef idx="1">
+            <a:schemeClr val="accent1"/>
+          </a:effectRef>
+          <a:fontRef idx="minor">
+            <a:schemeClr val="lt1"/>
+          </a:fontRef>
+        </p:style>
+        <p:txBody>
+          <a:bodyPr anchor="ctr"/>
+          <a:lstStyle/>
+          <a:p>
+            <a:pPr algn="ctr" eaLnBrk="1" latinLnBrk="0" hangingPunct="1"/>
+            <a:endParaRPr kumimoji="0" lang="en-US"/>
+          </a:p>
+        </p:txBody>
+      </p:sp>
+      <p:sp>
+        <p:nvSpPr>
+          <p:cNvPr id="12" name="Content Placeholder 11"/>
+          <p:cNvSpPr>
+            <a:spLocks noGrp="1"/>
+          </p:cNvSpPr>
+          <p:nvPr>
+            <p:ph sz="quarter" idx="1"/>
+          </p:nvPr>
+        </p:nvSpPr>
+        <p:spPr>
+          <a:xfrm>
+            <a:off x="304800" y="304800"/>
+            <a:ext cx="5715000" cy="5715000"/>
+          </a:xfrm>
+        </p:spPr>
+        <p:txBody>
+          <a:bodyPr/>
+          <a:lstStyle/>
+          <a:p>
+            <a:pPr lvl="0" eaLnBrk="1" latinLnBrk="0" hangingPunct="1"/>
+            <a:r>
+              <a:rPr lang="en-US" smtClean="0"/>
+              <a:t>Click to edit Master text styles</a:t>
+            </a:r>
+          </a:p>
+          <a:p>
+            <a:pPr lvl="1" eaLnBrk="1" latinLnBrk="0" hangingPunct="1"/>
+            <a:r>
+              <a:rPr lang="en-US" smtClean="0"/>
+              <a:t>Second level</a:t>
+            </a:r>
+          </a:p>
+          <a:p>
+            <a:pPr lvl="2" eaLnBrk="1" latinLnBrk="0" hangingPunct="1"/>
+            <a:r>
+              <a:rPr lang="en-US" smtClean="0"/>
+              <a:t>Third level</a:t>
+            </a:r>
+          </a:p>
+          <a:p>
+            <a:pPr lvl="3" eaLnBrk="1" latinLnBrk="0" hangingPunct="1"/>
+            <a:r>
+              <a:rPr lang="en-US" smtClean="0"/>
+              <a:t>Fourth level</a:t>
+            </a:r>
+          </a:p>
+          <a:p>
+            <a:pPr lvl="4" eaLnBrk="1" latinLnBrk="0" hangingPunct="1"/>
+            <a:r>
+              <a:rPr lang="en-US" smtClean="0"/>
+              <a:t>Fifth level</a:t>
+            </a:r>
+            <a:endParaRPr kumimoji="0" lang="en-US"/>
           </a:p>
         </p:txBody>
       </p:sp>
@@ -2308,8 +2786,13 @@
 </file>
 
 <file path=ppt/slideLayouts/slideLayout9.xml><?xml version="1.0" encoding="utf-8"?>
-<p:sldLayout xmlns:a="http://schemas.openxmlformats.org/drawingml/2006/main" xmlns:r="http://schemas.openxmlformats.org/officeDocument/2006/relationships" xmlns:p="http://schemas.openxmlformats.org/presentationml/2006/main" type="picTx" preserve="1">
+<p:sldLayout xmlns:a="http://schemas.openxmlformats.org/drawingml/2006/main" xmlns:r="http://schemas.openxmlformats.org/officeDocument/2006/relationships" xmlns:p="http://schemas.openxmlformats.org/presentationml/2006/main" showMasterSp="0" type="picTx" preserve="1">
   <p:cSld name="Picture with Caption">
+    <p:bg>
+      <p:bgRef idx="1001">
+        <a:schemeClr val="bg2"/>
+      </p:bgRef>
+    </p:bg>
     <p:spTree>
       <p:nvGrpSpPr>
         <p:cNvPr id="1" name=""/>
@@ -2336,23 +2819,33 @@
         </p:nvSpPr>
         <p:spPr>
           <a:xfrm>
-            <a:off x="1792288" y="4800600"/>
-            <a:ext cx="5486400" cy="566738"/>
-          </a:xfrm>
-        </p:spPr>
-        <p:txBody>
-          <a:bodyPr anchor="b"/>
+            <a:off x="457200" y="500856"/>
+            <a:ext cx="8229600" cy="674688"/>
+          </a:xfrm>
+          <a:ln>
+            <a:solidFill>
+              <a:schemeClr val="accent1"/>
+            </a:solidFill>
+          </a:ln>
+        </p:spPr>
+        <p:txBody>
+          <a:bodyPr lIns="274320" anchor="ctr"/>
           <a:lstStyle>
-            <a:lvl1pPr algn="l">
-              <a:defRPr sz="2000" b="1"/>
+            <a:lvl1pPr algn="r">
+              <a:buNone/>
+              <a:defRPr sz="2000" b="0">
+                <a:solidFill>
+                  <a:schemeClr val="tx1"/>
+                </a:solidFill>
+              </a:defRPr>
             </a:lvl1pPr>
           </a:lstStyle>
           <a:p>
             <a:r>
-              <a:rPr lang="en-US" smtClean="0"/>
+              <a:rPr kumimoji="0" lang="en-US" smtClean="0"/>
               <a:t>Click to edit Master title style</a:t>
             </a:r>
-            <a:endParaRPr lang="en-US"/>
+            <a:endParaRPr kumimoji="0" lang="en-US"/>
           </a:p>
         </p:txBody>
       </p:sp>
@@ -2368,52 +2861,36 @@
         </p:nvSpPr>
         <p:spPr>
           <a:xfrm>
-            <a:off x="1792288" y="612775"/>
-            <a:ext cx="5486400" cy="4114800"/>
-          </a:xfrm>
+            <a:off x="457200" y="1905000"/>
+            <a:ext cx="8229600" cy="4270248"/>
+          </a:xfrm>
+          <a:solidFill>
+            <a:schemeClr val="tx1">
+              <a:shade val="50000"/>
+            </a:schemeClr>
+          </a:solidFill>
+          <a:ln>
+            <a:noFill/>
+          </a:ln>
+          <a:effectLst/>
         </p:spPr>
         <p:txBody>
           <a:bodyPr/>
           <a:lstStyle>
             <a:lvl1pPr marL="0" indent="0">
+              <a:spcBef>
+                <a:spcPts val="600"/>
+              </a:spcBef>
               <a:buNone/>
               <a:defRPr sz="3200"/>
             </a:lvl1pPr>
-            <a:lvl2pPr marL="457200" indent="0">
-              <a:buNone/>
-              <a:defRPr sz="2800"/>
-            </a:lvl2pPr>
-            <a:lvl3pPr marL="914400" indent="0">
-              <a:buNone/>
-              <a:defRPr sz="2400"/>
-            </a:lvl3pPr>
-            <a:lvl4pPr marL="1371600" indent="0">
-              <a:buNone/>
-              <a:defRPr sz="2000"/>
-            </a:lvl4pPr>
-            <a:lvl5pPr marL="1828800" indent="0">
-              <a:buNone/>
-              <a:defRPr sz="2000"/>
-            </a:lvl5pPr>
-            <a:lvl6pPr marL="2286000" indent="0">
-              <a:buNone/>
-              <a:defRPr sz="2000"/>
-            </a:lvl6pPr>
-            <a:lvl7pPr marL="2743200" indent="0">
-              <a:buNone/>
-              <a:defRPr sz="2000"/>
-            </a:lvl7pPr>
-            <a:lvl8pPr marL="3200400" indent="0">
-              <a:buNone/>
-              <a:defRPr sz="2000"/>
-            </a:lvl8pPr>
-            <a:lvl9pPr marL="3657600" indent="0">
-              <a:buNone/>
-              <a:defRPr sz="2000"/>
-            </a:lvl9pPr>
           </a:lstStyle>
           <a:p>
-            <a:endParaRPr lang="en-US" dirty="0"/>
+            <a:r>
+              <a:rPr kumimoji="0" lang="en-US" smtClean="0"/>
+              <a:t>Click icon to add picture</a:t>
+            </a:r>
+            <a:endParaRPr kumimoji="0" lang="en-US" dirty="0"/>
           </a:p>
         </p:txBody>
       </p:sp>
@@ -2429,54 +2906,35 @@
         </p:nvSpPr>
         <p:spPr>
           <a:xfrm>
-            <a:off x="1792288" y="5367338"/>
-            <a:ext cx="5486400" cy="804862"/>
-          </a:xfrm>
-        </p:spPr>
-        <p:txBody>
-          <a:bodyPr/>
+            <a:off x="457200" y="1219200"/>
+            <a:ext cx="8229600" cy="533400"/>
+          </a:xfrm>
+        </p:spPr>
+        <p:txBody>
+          <a:bodyPr anchor="ctr" anchorCtr="0"/>
           <a:lstStyle>
-            <a:lvl1pPr marL="0" indent="0">
+            <a:lvl1pPr marL="0" indent="0" algn="l">
+              <a:buFontTx/>
               <a:buNone/>
               <a:defRPr sz="1400"/>
             </a:lvl1pPr>
-            <a:lvl2pPr marL="457200" indent="0">
-              <a:buNone/>
+            <a:lvl2pPr>
               <a:defRPr sz="1200"/>
             </a:lvl2pPr>
-            <a:lvl3pPr marL="914400" indent="0">
-              <a:buNone/>
+            <a:lvl3pPr>
               <a:defRPr sz="1000"/>
             </a:lvl3pPr>
-            <a:lvl4pPr marL="1371600" indent="0">
-              <a:buNone/>
+            <a:lvl4pPr>
               <a:defRPr sz="900"/>
             </a:lvl4pPr>
-            <a:lvl5pPr marL="1828800" indent="0">
-              <a:buNone/>
+            <a:lvl5pPr>
               <a:defRPr sz="900"/>
             </a:lvl5pPr>
-            <a:lvl6pPr marL="2286000" indent="0">
-              <a:buNone/>
-              <a:defRPr sz="900"/>
-            </a:lvl6pPr>
-            <a:lvl7pPr marL="2743200" indent="0">
-              <a:buNone/>
-              <a:defRPr sz="900"/>
-            </a:lvl7pPr>
-            <a:lvl8pPr marL="3200400" indent="0">
-              <a:buNone/>
-              <a:defRPr sz="900"/>
-            </a:lvl8pPr>
-            <a:lvl9pPr marL="3657600" indent="0">
-              <a:buNone/>
-              <a:defRPr sz="900"/>
-            </a:lvl9pPr>
           </a:lstStyle>
           <a:p>
-            <a:pPr lvl="0"/>
-            <a:r>
-              <a:rPr lang="en-US" smtClean="0"/>
+            <a:pPr lvl="0" eaLnBrk="1" latinLnBrk="0" hangingPunct="1"/>
+            <a:r>
+              <a:rPr kumimoji="0" lang="en-US" smtClean="0"/>
               <a:t>Click to edit Master text styles</a:t>
             </a:r>
           </a:p>
@@ -2549,10 +3007,142 @@
           </a:p>
         </p:txBody>
       </p:sp>
+      <p:sp>
+        <p:nvSpPr>
+          <p:cNvPr id="8" name="Straight Connector 7"/>
+          <p:cNvSpPr>
+            <a:spLocks noChangeShapeType="1"/>
+          </p:cNvSpPr>
+          <p:nvPr/>
+        </p:nvSpPr>
+        <p:spPr bwMode="auto">
+          <a:xfrm>
+            <a:off x="457200" y="6353175"/>
+            <a:ext cx="8229600" cy="0"/>
+          </a:xfrm>
+          <a:prstGeom prst="line">
+            <a:avLst/>
+          </a:prstGeom>
+          <a:noFill/>
+          <a:ln w="9525" cap="flat" cmpd="sng" algn="ctr">
+            <a:solidFill>
+              <a:schemeClr val="accent2"/>
+            </a:solidFill>
+            <a:prstDash val="dash"/>
+            <a:round/>
+            <a:headEnd type="none" w="med" len="med"/>
+            <a:tailEnd type="none" w="med" len="med"/>
+          </a:ln>
+          <a:effectLst/>
+        </p:spPr>
+        <p:txBody>
+          <a:bodyPr vert="horz" wrap="square" lIns="91440" tIns="45720" rIns="91440" bIns="45720" anchor="t" compatLnSpc="1"/>
+          <a:lstStyle/>
+          <a:p>
+            <a:endParaRPr kumimoji="0" lang="en-US"/>
+          </a:p>
+        </p:txBody>
+      </p:sp>
+      <p:sp>
+        <p:nvSpPr>
+          <p:cNvPr id="9" name="Isosceles Triangle 8"/>
+          <p:cNvSpPr>
+            <a:spLocks noChangeAspect="1"/>
+          </p:cNvSpPr>
+          <p:nvPr/>
+        </p:nvSpPr>
+        <p:spPr>
+          <a:xfrm rot="5400000">
+            <a:off x="419100" y="6467475"/>
+            <a:ext cx="190849" cy="120314"/>
+          </a:xfrm>
+          <a:prstGeom prst="triangle">
+            <a:avLst>
+              <a:gd name="adj" fmla="val 50000"/>
+            </a:avLst>
+          </a:prstGeom>
+          <a:solidFill>
+            <a:schemeClr val="accent2"/>
+          </a:solidFill>
+          <a:ln w="25400" cap="rnd" cmpd="sng" algn="ctr">
+            <a:noFill/>
+            <a:prstDash val="solid"/>
+          </a:ln>
+          <a:effectLst/>
+        </p:spPr>
+        <p:style>
+          <a:lnRef idx="3">
+            <a:schemeClr val="lt1"/>
+          </a:lnRef>
+          <a:fillRef idx="1">
+            <a:schemeClr val="accent1"/>
+          </a:fillRef>
+          <a:effectRef idx="1">
+            <a:schemeClr val="accent1"/>
+          </a:effectRef>
+          <a:fontRef idx="minor">
+            <a:schemeClr val="lt1"/>
+          </a:fontRef>
+        </p:style>
+        <p:txBody>
+          <a:bodyPr anchor="ctr"/>
+          <a:lstStyle/>
+          <a:p>
+            <a:pPr algn="ctr" eaLnBrk="1" latinLnBrk="0" hangingPunct="1"/>
+            <a:endParaRPr kumimoji="0" lang="en-US"/>
+          </a:p>
+        </p:txBody>
+      </p:sp>
+      <p:sp>
+        <p:nvSpPr>
+          <p:cNvPr id="10" name="Rectangle 9"/>
+          <p:cNvSpPr/>
+          <p:nvPr/>
+        </p:nvSpPr>
+        <p:spPr>
+          <a:xfrm>
+            <a:off x="457200" y="500856"/>
+            <a:ext cx="182880" cy="685800"/>
+          </a:xfrm>
+          <a:prstGeom prst="rect">
+            <a:avLst/>
+          </a:prstGeom>
+          <a:solidFill>
+            <a:schemeClr val="accent1"/>
+          </a:solidFill>
+          <a:ln w="6350" cap="rnd" cmpd="sng" algn="ctr">
+            <a:noFill/>
+            <a:prstDash val="solid"/>
+          </a:ln>
+          <a:effectLst/>
+        </p:spPr>
+        <p:style>
+          <a:lnRef idx="3">
+            <a:schemeClr val="lt1"/>
+          </a:lnRef>
+          <a:fillRef idx="1">
+            <a:schemeClr val="accent1"/>
+          </a:fillRef>
+          <a:effectRef idx="1">
+            <a:schemeClr val="accent1"/>
+          </a:effectRef>
+          <a:fontRef idx="minor">
+            <a:schemeClr val="lt1"/>
+          </a:fontRef>
+        </p:style>
+        <p:txBody>
+          <a:bodyPr anchor="ctr"/>
+          <a:lstStyle/>
+          <a:p>
+            <a:pPr algn="ctr" eaLnBrk="1" latinLnBrk="0" hangingPunct="1"/>
+            <a:endParaRPr kumimoji="0" lang="en-US"/>
+          </a:p>
+        </p:txBody>
+      </p:sp>
     </p:spTree>
   </p:cSld>
   <p:clrMapOvr>
-    <a:masterClrMapping/>
+    <a:overrideClrMapping bg1="dk1" tx1="lt1" bg2="dk2" tx2="lt2" accent1="accent1" accent2="accent2" accent3="accent3" accent4="accent4" accent5="accent5" accent6="accent6" hlink="hlink" folHlink="folHlink"/>
   </p:clrMapOvr>
 </p:sldLayout>
 </file>
@@ -2581,7 +3171,7 @@
       </p:grpSpPr>
       <p:sp>
         <p:nvSpPr>
-          <p:cNvPr id="2" name="Title Placeholder 1"/>
+          <p:cNvPr id="22" name="Title Placeholder 21"/>
           <p:cNvSpPr>
             <a:spLocks noGrp="1"/>
           </p:cNvSpPr>
@@ -2591,30 +3181,30 @@
         </p:nvSpPr>
         <p:spPr>
           <a:xfrm>
-            <a:off x="457200" y="274638"/>
-            <a:ext cx="8229600" cy="1143000"/>
+            <a:off x="457200" y="152400"/>
+            <a:ext cx="8229600" cy="990600"/>
           </a:xfrm>
           <a:prstGeom prst="rect">
             <a:avLst/>
           </a:prstGeom>
         </p:spPr>
         <p:txBody>
-          <a:bodyPr vert="horz" lIns="91440" tIns="45720" rIns="91440" bIns="45720" rtlCol="0" anchor="ctr">
+          <a:bodyPr vert="horz" anchor="b" anchorCtr="0">
             <a:normAutofit/>
           </a:bodyPr>
           <a:lstStyle/>
           <a:p>
             <a:r>
-              <a:rPr lang="en-US" smtClean="0"/>
+              <a:rPr kumimoji="0" lang="en-US" smtClean="0"/>
               <a:t>Click to edit Master title style</a:t>
             </a:r>
-            <a:endParaRPr lang="en-US"/>
-          </a:p>
-        </p:txBody>
-      </p:sp>
-      <p:sp>
-        <p:nvSpPr>
-          <p:cNvPr id="3" name="Text Placeholder 2"/>
+            <a:endParaRPr kumimoji="0" lang="en-US"/>
+          </a:p>
+        </p:txBody>
+      </p:sp>
+      <p:sp>
+        <p:nvSpPr>
+          <p:cNvPr id="13" name="Text Placeholder 12"/>
           <p:cNvSpPr>
             <a:spLocks noGrp="1"/>
           </p:cNvSpPr>
@@ -2624,59 +3214,59 @@
         </p:nvSpPr>
         <p:spPr>
           <a:xfrm>
-            <a:off x="457200" y="1600200"/>
-            <a:ext cx="8229600" cy="4525963"/>
+            <a:off x="457200" y="1219200"/>
+            <a:ext cx="8229600" cy="4910328"/>
           </a:xfrm>
           <a:prstGeom prst="rect">
             <a:avLst/>
           </a:prstGeom>
         </p:spPr>
         <p:txBody>
-          <a:bodyPr vert="horz" lIns="91440" tIns="45720" rIns="91440" bIns="45720" rtlCol="0">
+          <a:bodyPr vert="horz">
             <a:normAutofit/>
           </a:bodyPr>
           <a:lstStyle/>
           <a:p>
-            <a:pPr lvl="0"/>
-            <a:r>
-              <a:rPr lang="en-US" smtClean="0"/>
+            <a:pPr lvl="0" eaLnBrk="1" latinLnBrk="0" hangingPunct="1"/>
+            <a:r>
+              <a:rPr kumimoji="0" lang="en-US" smtClean="0"/>
               <a:t>Click to edit Master text styles</a:t>
             </a:r>
           </a:p>
           <a:p>
-            <a:pPr lvl="1"/>
-            <a:r>
-              <a:rPr lang="en-US" smtClean="0"/>
+            <a:pPr lvl="1" eaLnBrk="1" latinLnBrk="0" hangingPunct="1"/>
+            <a:r>
+              <a:rPr kumimoji="0" lang="en-US" smtClean="0"/>
               <a:t>Second level</a:t>
             </a:r>
           </a:p>
           <a:p>
-            <a:pPr lvl="2"/>
-            <a:r>
-              <a:rPr lang="en-US" smtClean="0"/>
+            <a:pPr lvl="2" eaLnBrk="1" latinLnBrk="0" hangingPunct="1"/>
+            <a:r>
+              <a:rPr kumimoji="0" lang="en-US" smtClean="0"/>
               <a:t>Third level</a:t>
             </a:r>
           </a:p>
           <a:p>
-            <a:pPr lvl="3"/>
-            <a:r>
-              <a:rPr lang="en-US" smtClean="0"/>
+            <a:pPr lvl="3" eaLnBrk="1" latinLnBrk="0" hangingPunct="1"/>
+            <a:r>
+              <a:rPr kumimoji="0" lang="en-US" smtClean="0"/>
               <a:t>Fourth level</a:t>
             </a:r>
           </a:p>
           <a:p>
-            <a:pPr lvl="4"/>
-            <a:r>
-              <a:rPr lang="en-US" smtClean="0"/>
+            <a:pPr lvl="4" eaLnBrk="1" latinLnBrk="0" hangingPunct="1"/>
+            <a:r>
+              <a:rPr kumimoji="0" lang="en-US" smtClean="0"/>
               <a:t>Fifth level</a:t>
             </a:r>
-            <a:endParaRPr lang="en-US"/>
-          </a:p>
-        </p:txBody>
-      </p:sp>
-      <p:sp>
-        <p:nvSpPr>
-          <p:cNvPr id="4" name="Date Placeholder 3"/>
+            <a:endParaRPr kumimoji="0" lang="en-US"/>
+          </a:p>
+        </p:txBody>
+      </p:sp>
+      <p:sp>
+        <p:nvSpPr>
+          <p:cNvPr id="14" name="Date Placeholder 13"/>
           <p:cNvSpPr>
             <a:spLocks noGrp="1"/>
           </p:cNvSpPr>
@@ -2686,22 +3276,20 @@
         </p:nvSpPr>
         <p:spPr>
           <a:xfrm>
-            <a:off x="457200" y="6356350"/>
-            <a:ext cx="2133600" cy="365125"/>
+            <a:off x="6400800" y="6356350"/>
+            <a:ext cx="2289048" cy="365760"/>
           </a:xfrm>
           <a:prstGeom prst="rect">
             <a:avLst/>
           </a:prstGeom>
         </p:spPr>
         <p:txBody>
-          <a:bodyPr vert="horz" lIns="91440" tIns="45720" rIns="91440" bIns="45720" rtlCol="0" anchor="ctr"/>
+          <a:bodyPr vert="horz"/>
           <a:lstStyle>
-            <a:lvl1pPr algn="l">
-              <a:defRPr sz="1200">
+            <a:lvl1pPr algn="l" eaLnBrk="1" latinLnBrk="0" hangingPunct="1">
+              <a:defRPr kumimoji="0" sz="1400">
                 <a:solidFill>
-                  <a:schemeClr val="tx1">
-                    <a:tint val="75000"/>
-                  </a:schemeClr>
+                  <a:schemeClr val="tx2"/>
                 </a:solidFill>
               </a:defRPr>
             </a:lvl1pPr>
@@ -2718,7 +3306,7 @@
       </p:sp>
       <p:sp>
         <p:nvSpPr>
-          <p:cNvPr id="5" name="Footer Placeholder 4"/>
+          <p:cNvPr id="3" name="Footer Placeholder 2"/>
           <p:cNvSpPr>
             <a:spLocks noGrp="1"/>
           </p:cNvSpPr>
@@ -2728,22 +3316,20 @@
         </p:nvSpPr>
         <p:spPr>
           <a:xfrm>
-            <a:off x="3124200" y="6356350"/>
-            <a:ext cx="2895600" cy="365125"/>
+            <a:off x="2898648" y="6356350"/>
+            <a:ext cx="3505200" cy="365760"/>
           </a:xfrm>
           <a:prstGeom prst="rect">
             <a:avLst/>
           </a:prstGeom>
         </p:spPr>
         <p:txBody>
-          <a:bodyPr vert="horz" lIns="91440" tIns="45720" rIns="91440" bIns="45720" rtlCol="0" anchor="ctr"/>
+          <a:bodyPr vert="horz"/>
           <a:lstStyle>
-            <a:lvl1pPr algn="ctr">
-              <a:defRPr sz="1200">
+            <a:lvl1pPr algn="r" eaLnBrk="1" latinLnBrk="0" hangingPunct="1">
+              <a:defRPr kumimoji="0" sz="1400">
                 <a:solidFill>
-                  <a:schemeClr val="tx1">
-                    <a:tint val="75000"/>
-                  </a:schemeClr>
+                  <a:schemeClr val="tx2"/>
                 </a:solidFill>
               </a:defRPr>
             </a:lvl1pPr>
@@ -2755,7 +3341,7 @@
       </p:sp>
       <p:sp>
         <p:nvSpPr>
-          <p:cNvPr id="6" name="Slide Number Placeholder 5"/>
+          <p:cNvPr id="23" name="Slide Number Placeholder 22"/>
           <p:cNvSpPr>
             <a:spLocks noGrp="1"/>
           </p:cNvSpPr>
@@ -2765,22 +3351,20 @@
         </p:nvSpPr>
         <p:spPr>
           <a:xfrm>
-            <a:off x="6553200" y="6356350"/>
-            <a:ext cx="2133600" cy="365125"/>
+            <a:off x="612648" y="6356350"/>
+            <a:ext cx="1981200" cy="365760"/>
           </a:xfrm>
           <a:prstGeom prst="rect">
             <a:avLst/>
           </a:prstGeom>
         </p:spPr>
         <p:txBody>
-          <a:bodyPr vert="horz" lIns="91440" tIns="45720" rIns="91440" bIns="45720" rtlCol="0" anchor="ctr"/>
+          <a:bodyPr vert="horz"/>
           <a:lstStyle>
-            <a:lvl1pPr algn="r">
-              <a:defRPr sz="1200">
+            <a:lvl1pPr algn="l" eaLnBrk="1" latinLnBrk="0" hangingPunct="1">
+              <a:defRPr kumimoji="0" sz="1400">
                 <a:solidFill>
-                  <a:schemeClr val="tx1">
-                    <a:tint val="75000"/>
-                  </a:schemeClr>
+                  <a:schemeClr val="tx2"/>
                 </a:solidFill>
               </a:defRPr>
             </a:lvl1pPr>
@@ -2795,32 +3379,154 @@
           </a:p>
         </p:txBody>
       </p:sp>
+      <p:sp>
+        <p:nvSpPr>
+          <p:cNvPr id="28" name="Straight Connector 27"/>
+          <p:cNvSpPr>
+            <a:spLocks noChangeShapeType="1"/>
+          </p:cNvSpPr>
+          <p:nvPr/>
+        </p:nvSpPr>
+        <p:spPr bwMode="auto">
+          <a:xfrm>
+            <a:off x="457200" y="6353175"/>
+            <a:ext cx="8229600" cy="0"/>
+          </a:xfrm>
+          <a:prstGeom prst="line">
+            <a:avLst/>
+          </a:prstGeom>
+          <a:noFill/>
+          <a:ln w="9525" cap="flat" cmpd="sng" algn="ctr">
+            <a:solidFill>
+              <a:schemeClr val="accent2"/>
+            </a:solidFill>
+            <a:prstDash val="dash"/>
+            <a:round/>
+            <a:headEnd type="none" w="med" len="med"/>
+            <a:tailEnd type="none" w="med" len="med"/>
+          </a:ln>
+          <a:effectLst/>
+        </p:spPr>
+        <p:txBody>
+          <a:bodyPr vert="horz" wrap="square" lIns="91440" tIns="45720" rIns="91440" bIns="45720" anchor="t" compatLnSpc="1"/>
+          <a:lstStyle/>
+          <a:p>
+            <a:endParaRPr kumimoji="0" lang="en-US"/>
+          </a:p>
+        </p:txBody>
+      </p:sp>
+      <p:sp>
+        <p:nvSpPr>
+          <p:cNvPr id="29" name="Straight Connector 28"/>
+          <p:cNvSpPr>
+            <a:spLocks noChangeShapeType="1"/>
+          </p:cNvSpPr>
+          <p:nvPr/>
+        </p:nvSpPr>
+        <p:spPr bwMode="auto">
+          <a:xfrm>
+            <a:off x="457200" y="1143000"/>
+            <a:ext cx="8229600" cy="0"/>
+          </a:xfrm>
+          <a:prstGeom prst="line">
+            <a:avLst/>
+          </a:prstGeom>
+          <a:noFill/>
+          <a:ln w="9525" cap="flat" cmpd="sng" algn="ctr">
+            <a:solidFill>
+              <a:schemeClr val="accent2"/>
+            </a:solidFill>
+            <a:prstDash val="dash"/>
+            <a:round/>
+            <a:headEnd type="none" w="med" len="med"/>
+            <a:tailEnd type="none" w="med" len="med"/>
+          </a:ln>
+          <a:effectLst/>
+        </p:spPr>
+        <p:txBody>
+          <a:bodyPr vert="horz" wrap="square" lIns="91440" tIns="45720" rIns="91440" bIns="45720" anchor="t" compatLnSpc="1"/>
+          <a:lstStyle/>
+          <a:p>
+            <a:endParaRPr kumimoji="0" lang="en-US"/>
+          </a:p>
+        </p:txBody>
+      </p:sp>
+      <p:sp>
+        <p:nvSpPr>
+          <p:cNvPr id="10" name="Isosceles Triangle 9"/>
+          <p:cNvSpPr>
+            <a:spLocks noChangeAspect="1"/>
+          </p:cNvSpPr>
+          <p:nvPr/>
+        </p:nvSpPr>
+        <p:spPr>
+          <a:xfrm rot="5400000">
+            <a:off x="419100" y="6467475"/>
+            <a:ext cx="190849" cy="120314"/>
+          </a:xfrm>
+          <a:prstGeom prst="triangle">
+            <a:avLst>
+              <a:gd name="adj" fmla="val 50000"/>
+            </a:avLst>
+          </a:prstGeom>
+          <a:solidFill>
+            <a:schemeClr val="accent2"/>
+          </a:solidFill>
+          <a:ln w="25400" cap="rnd" cmpd="sng" algn="ctr">
+            <a:noFill/>
+            <a:prstDash val="solid"/>
+          </a:ln>
+          <a:effectLst/>
+        </p:spPr>
+        <p:style>
+          <a:lnRef idx="3">
+            <a:schemeClr val="lt1"/>
+          </a:lnRef>
+          <a:fillRef idx="1">
+            <a:schemeClr val="accent1"/>
+          </a:fillRef>
+          <a:effectRef idx="1">
+            <a:schemeClr val="accent1"/>
+          </a:effectRef>
+          <a:fontRef idx="minor">
+            <a:schemeClr val="lt1"/>
+          </a:fontRef>
+        </p:style>
+        <p:txBody>
+          <a:bodyPr anchor="ctr"/>
+          <a:lstStyle/>
+          <a:p>
+            <a:pPr algn="ctr" eaLnBrk="1" latinLnBrk="0" hangingPunct="1"/>
+            <a:endParaRPr kumimoji="0" lang="en-US"/>
+          </a:p>
+        </p:txBody>
+      </p:sp>
     </p:spTree>
   </p:cSld>
   <p:clrMap bg1="lt1" tx1="dk1" bg2="lt2" tx2="dk2" accent1="accent1" accent2="accent2" accent3="accent3" accent4="accent4" accent5="accent5" accent6="accent6" hlink="hlink" folHlink="folHlink"/>
   <p:sldLayoutIdLst>
-    <p:sldLayoutId id="2147483649" r:id="rId1"/>
-    <p:sldLayoutId id="2147483650" r:id="rId2"/>
-    <p:sldLayoutId id="2147483651" r:id="rId3"/>
-    <p:sldLayoutId id="2147483652" r:id="rId4"/>
-    <p:sldLayoutId id="2147483653" r:id="rId5"/>
-    <p:sldLayoutId id="2147483654" r:id="rId6"/>
-    <p:sldLayoutId id="2147483655" r:id="rId7"/>
-    <p:sldLayoutId id="2147483656" r:id="rId8"/>
-    <p:sldLayoutId id="2147483657" r:id="rId9"/>
-    <p:sldLayoutId id="2147483658" r:id="rId10"/>
-    <p:sldLayoutId id="2147483659" r:id="rId11"/>
+    <p:sldLayoutId id="2147483757" r:id="rId1"/>
+    <p:sldLayoutId id="2147483758" r:id="rId2"/>
+    <p:sldLayoutId id="2147483759" r:id="rId3"/>
+    <p:sldLayoutId id="2147483760" r:id="rId4"/>
+    <p:sldLayoutId id="2147483761" r:id="rId5"/>
+    <p:sldLayoutId id="2147483762" r:id="rId6"/>
+    <p:sldLayoutId id="2147483763" r:id="rId7"/>
+    <p:sldLayoutId id="2147483764" r:id="rId8"/>
+    <p:sldLayoutId id="2147483765" r:id="rId9"/>
+    <p:sldLayoutId id="2147483766" r:id="rId10"/>
+    <p:sldLayoutId id="2147483767" r:id="rId11"/>
   </p:sldLayoutIdLst>
   <p:txStyles>
     <p:titleStyle>
-      <a:lvl1pPr algn="ctr" defTabSz="914400" rtl="0" eaLnBrk="1" latinLnBrk="0" hangingPunct="1">
+      <a:lvl1pPr algn="l" rtl="0" eaLnBrk="1" latinLnBrk="0" hangingPunct="1">
         <a:spcBef>
           <a:spcPct val="0"/>
         </a:spcBef>
         <a:buNone/>
-        <a:defRPr sz="4400" kern="1200">
+        <a:defRPr kumimoji="0" sz="3200" kern="1200">
           <a:solidFill>
-            <a:schemeClr val="tx1"/>
+            <a:schemeClr val="tx2"/>
           </a:solidFill>
           <a:latin typeface="+mj-lt"/>
           <a:ea typeface="+mj-ea"/>
@@ -2829,13 +3535,17 @@
       </a:lvl1pPr>
     </p:titleStyle>
     <p:bodyStyle>
-      <a:lvl1pPr marL="342900" indent="-342900" algn="l" defTabSz="914400" rtl="0" eaLnBrk="1" latinLnBrk="0" hangingPunct="1">
+      <a:lvl1pPr marL="274320" indent="-274320" algn="l" rtl="0" eaLnBrk="1" latinLnBrk="0" hangingPunct="1">
         <a:spcBef>
-          <a:spcPct val="20000"/>
+          <a:spcPts val="600"/>
         </a:spcBef>
-        <a:buFont typeface="Arial" pitchFamily="34" charset="0"/>
-        <a:buChar char="•"/>
-        <a:defRPr sz="3200" kern="1200">
+        <a:buClr>
+          <a:schemeClr val="accent1"/>
+        </a:buClr>
+        <a:buSzPct val="76000"/>
+        <a:buFont typeface="Wingdings 3"/>
+        <a:buChar char=""/>
+        <a:defRPr kumimoji="0" sz="2600" kern="1200">
           <a:solidFill>
             <a:schemeClr val="tx1"/>
           </a:solidFill>
@@ -2844,28 +3554,38 @@
           <a:cs typeface="+mn-cs"/>
         </a:defRPr>
       </a:lvl1pPr>
-      <a:lvl2pPr marL="742950" indent="-285750" algn="l" defTabSz="914400" rtl="0" eaLnBrk="1" latinLnBrk="0" hangingPunct="1">
+      <a:lvl2pPr marL="548640" indent="-274320" algn="l" rtl="0" eaLnBrk="1" latinLnBrk="0" hangingPunct="1">
         <a:spcBef>
-          <a:spcPct val="20000"/>
+          <a:spcPts val="500"/>
         </a:spcBef>
-        <a:buFont typeface="Arial" pitchFamily="34" charset="0"/>
-        <a:buChar char="–"/>
-        <a:defRPr sz="2800" kern="1200">
+        <a:buClr>
+          <a:schemeClr val="accent2"/>
+        </a:buClr>
+        <a:buSzPct val="76000"/>
+        <a:buFont typeface="Wingdings 3"/>
+        <a:buChar char=""/>
+        <a:defRPr kumimoji="0" sz="2300" kern="1200">
           <a:solidFill>
-            <a:schemeClr val="tx1"/>
+            <a:schemeClr val="tx2"/>
           </a:solidFill>
           <a:latin typeface="+mn-lt"/>
           <a:ea typeface="+mn-ea"/>
           <a:cs typeface="+mn-cs"/>
         </a:defRPr>
       </a:lvl2pPr>
-      <a:lvl3pPr marL="1143000" indent="-228600" algn="l" defTabSz="914400" rtl="0" eaLnBrk="1" latinLnBrk="0" hangingPunct="1">
+      <a:lvl3pPr marL="822960" indent="-228600" algn="l" rtl="0" eaLnBrk="1" latinLnBrk="0" hangingPunct="1">
         <a:spcBef>
-          <a:spcPct val="20000"/>
+          <a:spcPts val="500"/>
         </a:spcBef>
-        <a:buFont typeface="Arial" pitchFamily="34" charset="0"/>
-        <a:buChar char="•"/>
-        <a:defRPr sz="2400" kern="1200">
+        <a:buClr>
+          <a:schemeClr val="bg1">
+            <a:shade val="50000"/>
+          </a:schemeClr>
+        </a:buClr>
+        <a:buSzPct val="76000"/>
+        <a:buFont typeface="Wingdings 3"/>
+        <a:buChar char=""/>
+        <a:defRPr kumimoji="0" sz="2000" kern="1200">
           <a:solidFill>
             <a:schemeClr val="tx1"/>
           </a:solidFill>
@@ -2874,13 +3594,19 @@
           <a:cs typeface="+mn-cs"/>
         </a:defRPr>
       </a:lvl3pPr>
-      <a:lvl4pPr marL="1600200" indent="-228600" algn="l" defTabSz="914400" rtl="0" eaLnBrk="1" latinLnBrk="0" hangingPunct="1">
+      <a:lvl4pPr marL="1097280" indent="-228600" algn="l" rtl="0" eaLnBrk="1" latinLnBrk="0" hangingPunct="1">
         <a:spcBef>
-          <a:spcPct val="20000"/>
+          <a:spcPts val="400"/>
         </a:spcBef>
-        <a:buFont typeface="Arial" pitchFamily="34" charset="0"/>
-        <a:buChar char="–"/>
-        <a:defRPr sz="2000" kern="1200">
+        <a:buClr>
+          <a:schemeClr val="accent2">
+            <a:shade val="75000"/>
+          </a:schemeClr>
+        </a:buClr>
+        <a:buSzPct val="70000"/>
+        <a:buFont typeface="Wingdings"/>
+        <a:buChar char=""/>
+        <a:defRPr kumimoji="0" sz="1800" kern="1200">
           <a:solidFill>
             <a:schemeClr val="tx1"/>
           </a:solidFill>
@@ -2889,13 +3615,17 @@
           <a:cs typeface="+mn-cs"/>
         </a:defRPr>
       </a:lvl4pPr>
-      <a:lvl5pPr marL="2057400" indent="-228600" algn="l" defTabSz="914400" rtl="0" eaLnBrk="1" latinLnBrk="0" hangingPunct="1">
+      <a:lvl5pPr marL="1371600" indent="-228600" algn="l" rtl="0" eaLnBrk="1" latinLnBrk="0" hangingPunct="1">
         <a:spcBef>
-          <a:spcPct val="20000"/>
+          <a:spcPts val="300"/>
         </a:spcBef>
-        <a:buFont typeface="Arial" pitchFamily="34" charset="0"/>
-        <a:buChar char="»"/>
-        <a:defRPr sz="2000" kern="1200">
+        <a:buClr>
+          <a:schemeClr val="accent2"/>
+        </a:buClr>
+        <a:buSzPct val="70000"/>
+        <a:buFont typeface="Wingdings"/>
+        <a:buChar char=""/>
+        <a:defRPr kumimoji="0" sz="1600" kern="1200">
           <a:solidFill>
             <a:schemeClr val="tx1"/>
           </a:solidFill>
@@ -2904,13 +3634,19 @@
           <a:cs typeface="+mn-cs"/>
         </a:defRPr>
       </a:lvl5pPr>
-      <a:lvl6pPr marL="2514600" indent="-228600" algn="l" defTabSz="914400" rtl="0" eaLnBrk="1" latinLnBrk="0" hangingPunct="1">
+      <a:lvl6pPr marL="1645920" indent="-182880" algn="l" rtl="0" eaLnBrk="1" latinLnBrk="0" hangingPunct="1">
         <a:spcBef>
-          <a:spcPct val="20000"/>
+          <a:spcPts val="300"/>
         </a:spcBef>
-        <a:buFont typeface="Arial" pitchFamily="34" charset="0"/>
-        <a:buChar char="•"/>
-        <a:defRPr sz="2000" kern="1200">
+        <a:buClr>
+          <a:srgbClr val="9FB8CD">
+            <a:shade val="75000"/>
+          </a:srgbClr>
+        </a:buClr>
+        <a:buSzPct val="75000"/>
+        <a:buFont typeface="Wingdings 3"/>
+        <a:buChar char=""/>
+        <a:defRPr kumimoji="0" lang="en-US" sz="1600" kern="1200" smtClean="0">
           <a:solidFill>
             <a:schemeClr val="tx1"/>
           </a:solidFill>
@@ -2919,13 +3655,19 @@
           <a:cs typeface="+mn-cs"/>
         </a:defRPr>
       </a:lvl6pPr>
-      <a:lvl7pPr marL="2971800" indent="-228600" algn="l" defTabSz="914400" rtl="0" eaLnBrk="1" latinLnBrk="0" hangingPunct="1">
+      <a:lvl7pPr marL="1828800" indent="-182880" algn="l" rtl="0" eaLnBrk="1" latinLnBrk="0" hangingPunct="1">
         <a:spcBef>
-          <a:spcPct val="20000"/>
+          <a:spcPts val="300"/>
         </a:spcBef>
-        <a:buFont typeface="Arial" pitchFamily="34" charset="0"/>
-        <a:buChar char="•"/>
-        <a:defRPr sz="2000" kern="1200">
+        <a:buClr>
+          <a:srgbClr val="727CA3">
+            <a:shade val="75000"/>
+          </a:srgbClr>
+        </a:buClr>
+        <a:buSzPct val="75000"/>
+        <a:buFont typeface="Wingdings 3"/>
+        <a:buChar char=""/>
+        <a:defRPr kumimoji="0" lang="en-US" sz="1400" kern="1200" smtClean="0">
           <a:solidFill>
             <a:schemeClr val="tx1"/>
           </a:solidFill>
@@ -2934,13 +3676,19 @@
           <a:cs typeface="+mn-cs"/>
         </a:defRPr>
       </a:lvl7pPr>
-      <a:lvl8pPr marL="3429000" indent="-228600" algn="l" defTabSz="914400" rtl="0" eaLnBrk="1" latinLnBrk="0" hangingPunct="1">
+      <a:lvl8pPr marL="2011680" indent="-182880" algn="l" rtl="0" eaLnBrk="1" latinLnBrk="0" hangingPunct="1">
         <a:spcBef>
-          <a:spcPct val="20000"/>
+          <a:spcPts val="300"/>
         </a:spcBef>
-        <a:buFont typeface="Arial" pitchFamily="34" charset="0"/>
-        <a:buChar char="•"/>
-        <a:defRPr sz="2000" kern="1200">
+        <a:buClr>
+          <a:prstClr val="white">
+            <a:shade val="50000"/>
+          </a:prstClr>
+        </a:buClr>
+        <a:buSzPct val="75000"/>
+        <a:buFont typeface="Wingdings 3"/>
+        <a:buChar char=""/>
+        <a:defRPr kumimoji="0" lang="en-US" sz="1400" kern="1200" smtClean="0">
           <a:solidFill>
             <a:schemeClr val="tx1"/>
           </a:solidFill>
@@ -2949,13 +3697,17 @@
           <a:cs typeface="+mn-cs"/>
         </a:defRPr>
       </a:lvl8pPr>
-      <a:lvl9pPr marL="3886200" indent="-228600" algn="l" defTabSz="914400" rtl="0" eaLnBrk="1" latinLnBrk="0" hangingPunct="1">
+      <a:lvl9pPr marL="2194560" indent="-182880" algn="l" rtl="0" eaLnBrk="1" latinLnBrk="0" hangingPunct="1">
         <a:spcBef>
-          <a:spcPct val="20000"/>
+          <a:spcPts val="300"/>
         </a:spcBef>
-        <a:buFont typeface="Arial" pitchFamily="34" charset="0"/>
-        <a:buChar char="•"/>
-        <a:defRPr sz="2000" kern="1200">
+        <a:buClr>
+          <a:srgbClr val="9FB8CD"/>
+        </a:buClr>
+        <a:buSzPct val="75000"/>
+        <a:buFont typeface="Wingdings 3"/>
+        <a:buChar char=""/>
+        <a:defRPr kumimoji="0" lang="en-US" sz="1200" kern="1200" smtClean="0">
           <a:solidFill>
             <a:schemeClr val="tx1"/>
           </a:solidFill>
@@ -2966,11 +3718,8 @@
       </a:lvl9pPr>
     </p:bodyStyle>
     <p:otherStyle>
-      <a:defPPr>
-        <a:defRPr lang="en-US"/>
-      </a:defPPr>
-      <a:lvl1pPr marL="0" algn="l" defTabSz="914400" rtl="0" eaLnBrk="1" latinLnBrk="0" hangingPunct="1">
-        <a:defRPr sz="1800" kern="1200">
+      <a:lvl1pPr marL="0" algn="l" rtl="0" eaLnBrk="1" latinLnBrk="0" hangingPunct="1">
+        <a:defRPr kumimoji="0" kern="1200">
           <a:solidFill>
             <a:schemeClr val="tx1"/>
           </a:solidFill>
@@ -2979,8 +3728,8 @@
           <a:cs typeface="+mn-cs"/>
         </a:defRPr>
       </a:lvl1pPr>
-      <a:lvl2pPr marL="457200" algn="l" defTabSz="914400" rtl="0" eaLnBrk="1" latinLnBrk="0" hangingPunct="1">
-        <a:defRPr sz="1800" kern="1200">
+      <a:lvl2pPr marL="457200" algn="l" rtl="0" eaLnBrk="1" latinLnBrk="0" hangingPunct="1">
+        <a:defRPr kumimoji="0" kern="1200">
           <a:solidFill>
             <a:schemeClr val="tx1"/>
           </a:solidFill>
@@ -2989,8 +3738,8 @@
           <a:cs typeface="+mn-cs"/>
         </a:defRPr>
       </a:lvl2pPr>
-      <a:lvl3pPr marL="914400" algn="l" defTabSz="914400" rtl="0" eaLnBrk="1" latinLnBrk="0" hangingPunct="1">
-        <a:defRPr sz="1800" kern="1200">
+      <a:lvl3pPr marL="914400" algn="l" rtl="0" eaLnBrk="1" latinLnBrk="0" hangingPunct="1">
+        <a:defRPr kumimoji="0" kern="1200">
           <a:solidFill>
             <a:schemeClr val="tx1"/>
           </a:solidFill>
@@ -2999,8 +3748,8 @@
           <a:cs typeface="+mn-cs"/>
         </a:defRPr>
       </a:lvl3pPr>
-      <a:lvl4pPr marL="1371600" algn="l" defTabSz="914400" rtl="0" eaLnBrk="1" latinLnBrk="0" hangingPunct="1">
-        <a:defRPr sz="1800" kern="1200">
+      <a:lvl4pPr marL="1371600" algn="l" rtl="0" eaLnBrk="1" latinLnBrk="0" hangingPunct="1">
+        <a:defRPr kumimoji="0" kern="1200">
           <a:solidFill>
             <a:schemeClr val="tx1"/>
           </a:solidFill>
@@ -3009,8 +3758,8 @@
           <a:cs typeface="+mn-cs"/>
         </a:defRPr>
       </a:lvl4pPr>
-      <a:lvl5pPr marL="1828800" algn="l" defTabSz="914400" rtl="0" eaLnBrk="1" latinLnBrk="0" hangingPunct="1">
-        <a:defRPr sz="1800" kern="1200">
+      <a:lvl5pPr marL="1828800" algn="l" rtl="0" eaLnBrk="1" latinLnBrk="0" hangingPunct="1">
+        <a:defRPr kumimoji="0" kern="1200">
           <a:solidFill>
             <a:schemeClr val="tx1"/>
           </a:solidFill>
@@ -3019,8 +3768,8 @@
           <a:cs typeface="+mn-cs"/>
         </a:defRPr>
       </a:lvl5pPr>
-      <a:lvl6pPr marL="2286000" algn="l" defTabSz="914400" rtl="0" eaLnBrk="1" latinLnBrk="0" hangingPunct="1">
-        <a:defRPr sz="1800" kern="1200">
+      <a:lvl6pPr marL="2286000" algn="l" rtl="0" eaLnBrk="1" latinLnBrk="0" hangingPunct="1">
+        <a:defRPr kumimoji="0" kern="1200">
           <a:solidFill>
             <a:schemeClr val="tx1"/>
           </a:solidFill>
@@ -3029,8 +3778,8 @@
           <a:cs typeface="+mn-cs"/>
         </a:defRPr>
       </a:lvl6pPr>
-      <a:lvl7pPr marL="2743200" algn="l" defTabSz="914400" rtl="0" eaLnBrk="1" latinLnBrk="0" hangingPunct="1">
-        <a:defRPr sz="1800" kern="1200">
+      <a:lvl7pPr marL="2743200" algn="l" rtl="0" eaLnBrk="1" latinLnBrk="0" hangingPunct="1">
+        <a:defRPr kumimoji="0" kern="1200">
           <a:solidFill>
             <a:schemeClr val="tx1"/>
           </a:solidFill>
@@ -3039,8 +3788,8 @@
           <a:cs typeface="+mn-cs"/>
         </a:defRPr>
       </a:lvl7pPr>
-      <a:lvl8pPr marL="3200400" algn="l" defTabSz="914400" rtl="0" eaLnBrk="1" latinLnBrk="0" hangingPunct="1">
-        <a:defRPr sz="1800" kern="1200">
+      <a:lvl8pPr marL="3200400" algn="l" rtl="0" eaLnBrk="1" latinLnBrk="0" hangingPunct="1">
+        <a:defRPr kumimoji="0" kern="1200">
           <a:solidFill>
             <a:schemeClr val="tx1"/>
           </a:solidFill>
@@ -3049,8 +3798,8 @@
           <a:cs typeface="+mn-cs"/>
         </a:defRPr>
       </a:lvl8pPr>
-      <a:lvl9pPr marL="3657600" algn="l" defTabSz="914400" rtl="0" eaLnBrk="1" latinLnBrk="0" hangingPunct="1">
-        <a:defRPr sz="1800" kern="1200">
+      <a:lvl9pPr marL="3657600" algn="l" rtl="0" eaLnBrk="1" latinLnBrk="0" hangingPunct="1">
+        <a:defRPr kumimoji="0" kern="1200">
           <a:solidFill>
             <a:schemeClr val="tx1"/>
           </a:solidFill>
@@ -3091,7 +3840,12 @@
             <p:ph type="ctrTitle"/>
           </p:nvPr>
         </p:nvSpPr>
-        <p:spPr/>
+        <p:spPr>
+          <a:xfrm>
+            <a:off x="1219200" y="3581400"/>
+            <a:ext cx="6858000" cy="990600"/>
+          </a:xfrm>
+        </p:spPr>
         <p:txBody>
           <a:bodyPr>
             <a:normAutofit fontScale="90000"/>
@@ -3156,7 +3910,7 @@
       </p:grpSpPr>
       <p:sp>
         <p:nvSpPr>
-          <p:cNvPr id="2" name="Title 1"/>
+          <p:cNvPr id="4" name="Title 3"/>
           <p:cNvSpPr>
             <a:spLocks noGrp="1"/>
           </p:cNvSpPr>
@@ -3169,33 +3923,56 @@
           <a:bodyPr/>
           <a:lstStyle/>
           <a:p>
-            <a:r>
-              <a:rPr lang="en-US" dirty="0" smtClean="0"/>
-              <a:t>VLM2</a:t>
-            </a:r>
-            <a:endParaRPr lang="en-US" dirty="0"/>
-          </a:p>
-        </p:txBody>
-      </p:sp>
-      <p:sp>
-        <p:nvSpPr>
-          <p:cNvPr id="3" name="Content Placeholder 2"/>
-          <p:cNvSpPr>
-            <a:spLocks noGrp="1"/>
-          </p:cNvSpPr>
-          <p:nvPr>
-            <p:ph idx="1"/>
-          </p:nvPr>
-        </p:nvSpPr>
-        <p:spPr/>
-        <p:txBody>
-          <a:bodyPr/>
-          <a:lstStyle/>
-          <a:p>
             <a:endParaRPr lang="en-US"/>
           </a:p>
         </p:txBody>
       </p:sp>
+      <p:pic>
+        <p:nvPicPr>
+          <p:cNvPr id="7" name="Content Placeholder 6" descr="VLM1vortex.png"/>
+          <p:cNvPicPr>
+            <a:picLocks noGrp="1" noChangeAspect="1"/>
+          </p:cNvPicPr>
+          <p:nvPr>
+            <p:ph sz="quarter" idx="1"/>
+          </p:nvPr>
+        </p:nvPicPr>
+        <p:blipFill>
+          <a:blip r:embed="rId2" cstate="print"/>
+          <a:stretch>
+            <a:fillRect/>
+          </a:stretch>
+        </p:blipFill>
+        <p:spPr>
+          <a:xfrm>
+            <a:off x="304800" y="1676400"/>
+            <a:ext cx="4863502" cy="2286000"/>
+          </a:xfrm>
+        </p:spPr>
+      </p:pic>
+      <p:pic>
+        <p:nvPicPr>
+          <p:cNvPr id="8" name="Content Placeholder 7" descr="VLM2vortex.png"/>
+          <p:cNvPicPr>
+            <a:picLocks noGrp="1" noChangeAspect="1"/>
+          </p:cNvPicPr>
+          <p:nvPr>
+            <p:ph sz="quarter" idx="2"/>
+          </p:nvPr>
+        </p:nvPicPr>
+        <p:blipFill>
+          <a:blip r:embed="rId3" cstate="print"/>
+          <a:stretch>
+            <a:fillRect/>
+          </a:stretch>
+        </p:blipFill>
+        <p:spPr>
+          <a:xfrm>
+            <a:off x="4038600" y="4038600"/>
+            <a:ext cx="4863504" cy="2286000"/>
+          </a:xfrm>
+        </p:spPr>
+      </p:pic>
     </p:spTree>
   </p:cSld>
   <p:clrMapOvr>
@@ -3236,7 +4013,11 @@
           <a:bodyPr/>
           <a:lstStyle/>
           <a:p>
-            <a:endParaRPr lang="en-US"/>
+            <a:r>
+              <a:rPr lang="en-US" dirty="0" smtClean="0"/>
+              <a:t>3D Panel Method</a:t>
+            </a:r>
+            <a:endParaRPr lang="en-US" dirty="0"/>
           </a:p>
         </p:txBody>
       </p:sp>
@@ -3247,7 +4028,7 @@
             <a:spLocks noGrp="1"/>
           </p:cNvSpPr>
           <p:nvPr>
-            <p:ph idx="1"/>
+            <p:ph sz="quarter" idx="1"/>
           </p:nvPr>
         </p:nvSpPr>
         <p:spPr/>
@@ -3299,33 +4080,33 @@
           <a:bodyPr/>
           <a:lstStyle/>
           <a:p>
-            <a:r>
-              <a:rPr lang="en-US" dirty="0" smtClean="0"/>
-              <a:t>3D Panel Method</a:t>
-            </a:r>
-            <a:endParaRPr lang="en-US" dirty="0"/>
-          </a:p>
-        </p:txBody>
-      </p:sp>
-      <p:sp>
-        <p:nvSpPr>
-          <p:cNvPr id="3" name="Content Placeholder 2"/>
-          <p:cNvSpPr>
-            <a:spLocks noGrp="1"/>
-          </p:cNvSpPr>
-          <p:nvPr>
-            <p:ph idx="1"/>
-          </p:nvPr>
-        </p:nvSpPr>
-        <p:spPr/>
-        <p:txBody>
-          <a:bodyPr/>
-          <a:lstStyle/>
-          <a:p>
             <a:endParaRPr lang="en-US"/>
           </a:p>
         </p:txBody>
       </p:sp>
+      <p:pic>
+        <p:nvPicPr>
+          <p:cNvPr id="4" name="Content Placeholder 3" descr="compare.PNG"/>
+          <p:cNvPicPr>
+            <a:picLocks noGrp="1" noChangeAspect="1"/>
+          </p:cNvPicPr>
+          <p:nvPr>
+            <p:ph sz="quarter" idx="1"/>
+          </p:nvPr>
+        </p:nvPicPr>
+        <p:blipFill>
+          <a:blip r:embed="rId2" cstate="print"/>
+          <a:stretch>
+            <a:fillRect/>
+          </a:stretch>
+        </p:blipFill>
+        <p:spPr>
+          <a:xfrm>
+            <a:off x="457200" y="1962101"/>
+            <a:ext cx="8229600" cy="3451323"/>
+          </a:xfrm>
+        </p:spPr>
+      </p:pic>
     </p:spTree>
   </p:cSld>
   <p:clrMapOvr>
@@ -3372,12 +4153,12 @@
       </p:sp>
       <p:pic>
         <p:nvPicPr>
-          <p:cNvPr id="4" name="Content Placeholder 3" descr="compare.PNG"/>
+          <p:cNvPr id="6" name="Content Placeholder 5" descr="LLT.PNG"/>
           <p:cNvPicPr>
             <a:picLocks noGrp="1" noChangeAspect="1"/>
           </p:cNvPicPr>
           <p:nvPr>
-            <p:ph idx="1"/>
+            <p:ph sz="quarter" idx="1"/>
           </p:nvPr>
         </p:nvPicPr>
         <p:blipFill>
@@ -3388,8 +4169,8 @@
         </p:blipFill>
         <p:spPr>
           <a:xfrm>
-            <a:off x="152400" y="2133600"/>
-            <a:ext cx="8893813" cy="3729880"/>
+            <a:off x="304800" y="2128347"/>
+            <a:ext cx="8382000" cy="3533922"/>
           </a:xfrm>
         </p:spPr>
       </p:pic>
@@ -3439,12 +4220,12 @@
       </p:sp>
       <p:pic>
         <p:nvPicPr>
-          <p:cNvPr id="6" name="Content Placeholder 5" descr="LLT.PNG"/>
+          <p:cNvPr id="4" name="Content Placeholder 3" descr="RVLM2.PNG"/>
           <p:cNvPicPr>
             <a:picLocks noGrp="1" noChangeAspect="1"/>
           </p:cNvPicPr>
           <p:nvPr>
-            <p:ph idx="1"/>
+            <p:ph sz="quarter" idx="1"/>
           </p:nvPr>
         </p:nvPicPr>
         <p:blipFill>
@@ -3455,8 +4236,8 @@
         </p:blipFill>
         <p:spPr>
           <a:xfrm>
-            <a:off x="304800" y="2128347"/>
-            <a:ext cx="8382000" cy="3533922"/>
+            <a:off x="381000" y="2114565"/>
+            <a:ext cx="8305800" cy="3529615"/>
           </a:xfrm>
         </p:spPr>
       </p:pic>
@@ -3506,12 +4287,12 @@
       </p:sp>
       <p:pic>
         <p:nvPicPr>
-          <p:cNvPr id="4" name="Content Placeholder 3" descr="RVLM2.PNG"/>
+          <p:cNvPr id="4" name="Content Placeholder 3" descr="Panel.PNG"/>
           <p:cNvPicPr>
             <a:picLocks noGrp="1" noChangeAspect="1"/>
           </p:cNvPicPr>
           <p:nvPr>
-            <p:ph idx="1"/>
+            <p:ph sz="quarter" idx="1"/>
           </p:nvPr>
         </p:nvPicPr>
         <p:blipFill>
@@ -3522,8 +4303,8 @@
         </p:blipFill>
         <p:spPr>
           <a:xfrm>
-            <a:off x="381000" y="2114565"/>
-            <a:ext cx="8305800" cy="3529615"/>
+            <a:off x="457200" y="1952928"/>
+            <a:ext cx="8229600" cy="3469669"/>
           </a:xfrm>
         </p:spPr>
       </p:pic>
@@ -3567,18 +4348,22 @@
           <a:bodyPr/>
           <a:lstStyle/>
           <a:p>
-            <a:endParaRPr lang="en-US"/>
+            <a:r>
+              <a:rPr lang="en-US" dirty="0" smtClean="0"/>
+              <a:t>Airfoil Shape</a:t>
+            </a:r>
+            <a:endParaRPr lang="en-US" dirty="0"/>
           </a:p>
         </p:txBody>
       </p:sp>
       <p:pic>
         <p:nvPicPr>
-          <p:cNvPr id="4" name="Content Placeholder 3" descr="Panel.PNG"/>
+          <p:cNvPr id="6" name="Content Placeholder 5" descr="green.png"/>
           <p:cNvPicPr>
             <a:picLocks noGrp="1" noChangeAspect="1"/>
           </p:cNvPicPr>
           <p:nvPr>
-            <p:ph idx="1"/>
+            <p:ph sz="quarter" idx="1"/>
           </p:nvPr>
         </p:nvPicPr>
         <p:blipFill>
@@ -3589,8 +4374,8 @@
         </p:blipFill>
         <p:spPr>
           <a:xfrm>
-            <a:off x="457200" y="2128347"/>
-            <a:ext cx="8229600" cy="3469669"/>
+            <a:off x="457200" y="2258298"/>
+            <a:ext cx="8229600" cy="2858929"/>
           </a:xfrm>
         </p:spPr>
       </p:pic>
@@ -3636,7 +4421,7 @@
           <a:p>
             <a:r>
               <a:rPr lang="en-US" dirty="0" smtClean="0"/>
-              <a:t>Airfoil Shape</a:t>
+              <a:t>Cp Distribution</a:t>
             </a:r>
             <a:endParaRPr lang="en-US" dirty="0"/>
           </a:p>
@@ -3644,12 +4429,12 @@
       </p:sp>
       <p:pic>
         <p:nvPicPr>
-          <p:cNvPr id="6" name="Content Placeholder 5" descr="green.png"/>
+          <p:cNvPr id="4" name="Content Placeholder 3" descr="bottompanel.png"/>
           <p:cNvPicPr>
             <a:picLocks noGrp="1" noChangeAspect="1"/>
           </p:cNvPicPr>
           <p:nvPr>
-            <p:ph idx="1"/>
+            <p:ph sz="quarter" idx="1"/>
           </p:nvPr>
         </p:nvPicPr>
         <p:blipFill>
@@ -3660,11 +4445,143 @@
         </p:blipFill>
         <p:spPr>
           <a:xfrm>
-            <a:off x="457200" y="2433717"/>
-            <a:ext cx="8229600" cy="2858929"/>
+            <a:off x="533400" y="2057400"/>
+            <a:ext cx="3850105" cy="1828800"/>
           </a:xfrm>
         </p:spPr>
       </p:pic>
+      <p:pic>
+        <p:nvPicPr>
+          <p:cNvPr id="5" name="Picture 4" descr="toppanel.png"/>
+          <p:cNvPicPr>
+            <a:picLocks noChangeAspect="1"/>
+          </p:cNvPicPr>
+          <p:nvPr/>
+        </p:nvPicPr>
+        <p:blipFill>
+          <a:blip r:embed="rId3" cstate="print"/>
+          <a:stretch>
+            <a:fillRect/>
+          </a:stretch>
+        </p:blipFill>
+        <p:spPr>
+          <a:xfrm>
+            <a:off x="4800601" y="2057400"/>
+            <a:ext cx="3850105" cy="1828800"/>
+          </a:xfrm>
+          <a:prstGeom prst="rect">
+            <a:avLst/>
+          </a:prstGeom>
+        </p:spPr>
+      </p:pic>
+      <p:pic>
+        <p:nvPicPr>
+          <p:cNvPr id="6" name="Picture 5" descr="bottomvlm.png"/>
+          <p:cNvPicPr>
+            <a:picLocks noChangeAspect="1"/>
+          </p:cNvPicPr>
+          <p:nvPr/>
+        </p:nvPicPr>
+        <p:blipFill>
+          <a:blip r:embed="rId4" cstate="print"/>
+          <a:stretch>
+            <a:fillRect/>
+          </a:stretch>
+        </p:blipFill>
+        <p:spPr>
+          <a:xfrm>
+            <a:off x="533399" y="4419600"/>
+            <a:ext cx="3850105" cy="1828800"/>
+          </a:xfrm>
+          <a:prstGeom prst="rect">
+            <a:avLst/>
+          </a:prstGeom>
+        </p:spPr>
+      </p:pic>
+      <p:pic>
+        <p:nvPicPr>
+          <p:cNvPr id="7" name="Picture 6" descr="topvlm.png"/>
+          <p:cNvPicPr>
+            <a:picLocks noChangeAspect="1"/>
+          </p:cNvPicPr>
+          <p:nvPr/>
+        </p:nvPicPr>
+        <p:blipFill>
+          <a:blip r:embed="rId5" cstate="print"/>
+          <a:stretch>
+            <a:fillRect/>
+          </a:stretch>
+        </p:blipFill>
+        <p:spPr>
+          <a:xfrm>
+            <a:off x="4724400" y="4419600"/>
+            <a:ext cx="3850106" cy="1828800"/>
+          </a:xfrm>
+          <a:prstGeom prst="rect">
+            <a:avLst/>
+          </a:prstGeom>
+        </p:spPr>
+      </p:pic>
+      <p:sp>
+        <p:nvSpPr>
+          <p:cNvPr id="8" name="TextBox 7"/>
+          <p:cNvSpPr txBox="1"/>
+          <p:nvPr/>
+        </p:nvSpPr>
+        <p:spPr>
+          <a:xfrm>
+            <a:off x="4038600" y="1524000"/>
+            <a:ext cx="4343400" cy="369332"/>
+          </a:xfrm>
+          <a:prstGeom prst="rect">
+            <a:avLst/>
+          </a:prstGeom>
+          <a:noFill/>
+        </p:spPr>
+        <p:txBody>
+          <a:bodyPr wrap="square" rtlCol="0">
+            <a:spAutoFit/>
+          </a:bodyPr>
+          <a:lstStyle/>
+          <a:p>
+            <a:r>
+              <a:rPr lang="en-US" dirty="0" smtClean="0"/>
+              <a:t>3D Panel</a:t>
+            </a:r>
+            <a:endParaRPr lang="en-US" dirty="0"/>
+          </a:p>
+        </p:txBody>
+      </p:sp>
+      <p:sp>
+        <p:nvSpPr>
+          <p:cNvPr id="9" name="TextBox 8"/>
+          <p:cNvSpPr txBox="1"/>
+          <p:nvPr/>
+        </p:nvSpPr>
+        <p:spPr>
+          <a:xfrm>
+            <a:off x="4191000" y="3962400"/>
+            <a:ext cx="1447800" cy="369332"/>
+          </a:xfrm>
+          <a:prstGeom prst="rect">
+            <a:avLst/>
+          </a:prstGeom>
+          <a:noFill/>
+        </p:spPr>
+        <p:txBody>
+          <a:bodyPr wrap="square" rtlCol="0">
+            <a:spAutoFit/>
+          </a:bodyPr>
+          <a:lstStyle/>
+          <a:p>
+            <a:r>
+              <a:rPr lang="en-US" dirty="0" smtClean="0"/>
+              <a:t>VLM1</a:t>
+            </a:r>
+            <a:endParaRPr lang="en-US" dirty="0"/>
+          </a:p>
+        </p:txBody>
+      </p:sp>
     </p:spTree>
   </p:cSld>
   <p:clrMapOvr>
@@ -3707,163 +4624,27 @@
           <a:p>
             <a:r>
               <a:rPr lang="en-US" dirty="0" smtClean="0"/>
-              <a:t>Cp Distribution</a:t>
+              <a:t>Conclusions</a:t>
             </a:r>
             <a:endParaRPr lang="en-US" dirty="0"/>
           </a:p>
         </p:txBody>
       </p:sp>
-      <p:pic>
-        <p:nvPicPr>
-          <p:cNvPr id="4" name="Content Placeholder 3" descr="bottompanel.png"/>
-          <p:cNvPicPr>
-            <a:picLocks noGrp="1" noChangeAspect="1"/>
-          </p:cNvPicPr>
-          <p:nvPr>
-            <p:ph idx="1"/>
-          </p:nvPr>
-        </p:nvPicPr>
-        <p:blipFill>
-          <a:blip r:embed="rId2" cstate="print"/>
-          <a:stretch>
-            <a:fillRect/>
-          </a:stretch>
-        </p:blipFill>
-        <p:spPr>
-          <a:xfrm>
-            <a:off x="533400" y="2057400"/>
-            <a:ext cx="3850105" cy="1828800"/>
-          </a:xfrm>
-        </p:spPr>
-      </p:pic>
-      <p:pic>
-        <p:nvPicPr>
-          <p:cNvPr id="5" name="Picture 4" descr="toppanel.png"/>
-          <p:cNvPicPr>
-            <a:picLocks noChangeAspect="1"/>
-          </p:cNvPicPr>
-          <p:nvPr/>
-        </p:nvPicPr>
-        <p:blipFill>
-          <a:blip r:embed="rId3" cstate="print"/>
-          <a:stretch>
-            <a:fillRect/>
-          </a:stretch>
-        </p:blipFill>
-        <p:spPr>
-          <a:xfrm>
-            <a:off x="4800601" y="2057400"/>
-            <a:ext cx="3850105" cy="1828800"/>
-          </a:xfrm>
-          <a:prstGeom prst="rect">
-            <a:avLst/>
-          </a:prstGeom>
-        </p:spPr>
-      </p:pic>
-      <p:pic>
-        <p:nvPicPr>
-          <p:cNvPr id="6" name="Picture 5" descr="bottomvlm.png"/>
-          <p:cNvPicPr>
-            <a:picLocks noChangeAspect="1"/>
-          </p:cNvPicPr>
-          <p:nvPr/>
-        </p:nvPicPr>
-        <p:blipFill>
-          <a:blip r:embed="rId4" cstate="print"/>
-          <a:stretch>
-            <a:fillRect/>
-          </a:stretch>
-        </p:blipFill>
-        <p:spPr>
-          <a:xfrm>
-            <a:off x="533399" y="4419600"/>
-            <a:ext cx="3850105" cy="1828800"/>
-          </a:xfrm>
-          <a:prstGeom prst="rect">
-            <a:avLst/>
-          </a:prstGeom>
-        </p:spPr>
-      </p:pic>
-      <p:pic>
-        <p:nvPicPr>
-          <p:cNvPr id="7" name="Picture 6" descr="topvlm.png"/>
-          <p:cNvPicPr>
-            <a:picLocks noChangeAspect="1"/>
-          </p:cNvPicPr>
-          <p:nvPr/>
-        </p:nvPicPr>
-        <p:blipFill>
-          <a:blip r:embed="rId5" cstate="print"/>
-          <a:stretch>
-            <a:fillRect/>
-          </a:stretch>
-        </p:blipFill>
-        <p:spPr>
-          <a:xfrm>
-            <a:off x="4724400" y="4419600"/>
-            <a:ext cx="3850106" cy="1828800"/>
-          </a:xfrm>
-          <a:prstGeom prst="rect">
-            <a:avLst/>
-          </a:prstGeom>
-        </p:spPr>
-      </p:pic>
-      <p:sp>
-        <p:nvSpPr>
-          <p:cNvPr id="8" name="TextBox 7"/>
-          <p:cNvSpPr txBox="1"/>
-          <p:nvPr/>
-        </p:nvSpPr>
-        <p:spPr>
-          <a:xfrm>
-            <a:off x="4038600" y="1524000"/>
-            <a:ext cx="4343400" cy="369332"/>
-          </a:xfrm>
-          <a:prstGeom prst="rect">
-            <a:avLst/>
-          </a:prstGeom>
-          <a:noFill/>
-        </p:spPr>
-        <p:txBody>
-          <a:bodyPr wrap="square" rtlCol="0">
-            <a:spAutoFit/>
-          </a:bodyPr>
-          <a:lstStyle/>
-          <a:p>
-            <a:r>
-              <a:rPr lang="en-US" dirty="0" smtClean="0"/>
-              <a:t>3D Panel</a:t>
-            </a:r>
-            <a:endParaRPr lang="en-US" dirty="0"/>
-          </a:p>
-        </p:txBody>
-      </p:sp>
-      <p:sp>
-        <p:nvSpPr>
-          <p:cNvPr id="9" name="TextBox 8"/>
-          <p:cNvSpPr txBox="1"/>
-          <p:nvPr/>
-        </p:nvSpPr>
-        <p:spPr>
-          <a:xfrm>
-            <a:off x="4191000" y="3962400"/>
-            <a:ext cx="1447800" cy="369332"/>
-          </a:xfrm>
-          <a:prstGeom prst="rect">
-            <a:avLst/>
-          </a:prstGeom>
-          <a:noFill/>
-        </p:spPr>
-        <p:txBody>
-          <a:bodyPr wrap="square" rtlCol="0">
-            <a:spAutoFit/>
-          </a:bodyPr>
-          <a:lstStyle/>
-          <a:p>
-            <a:r>
-              <a:rPr lang="en-US" dirty="0" smtClean="0"/>
-              <a:t>VLM1</a:t>
-            </a:r>
+      <p:sp>
+        <p:nvSpPr>
+          <p:cNvPr id="3" name="Content Placeholder 2"/>
+          <p:cNvSpPr>
+            <a:spLocks noGrp="1"/>
+          </p:cNvSpPr>
+          <p:nvPr>
+            <p:ph sz="quarter" idx="1"/>
+          </p:nvPr>
+        </p:nvSpPr>
+        <p:spPr/>
+        <p:txBody>
+          <a:bodyPr/>
+          <a:lstStyle/>
+          <a:p>
             <a:endParaRPr lang="en-US" dirty="0"/>
           </a:p>
         </p:txBody>
@@ -3910,7 +4691,7 @@
           <a:p>
             <a:r>
               <a:rPr lang="en-US" dirty="0" smtClean="0"/>
-              <a:t>Conclusions</a:t>
+              <a:t>Question?</a:t>
             </a:r>
             <a:endParaRPr lang="en-US" dirty="0"/>
           </a:p>
@@ -3923,7 +4704,7 @@
             <a:spLocks noGrp="1"/>
           </p:cNvSpPr>
           <p:nvPr>
-            <p:ph idx="1"/>
+            <p:ph sz="quarter" idx="1"/>
           </p:nvPr>
         </p:nvSpPr>
         <p:spPr/>
@@ -3972,7 +4753,9 @@
         </p:nvSpPr>
         <p:spPr/>
         <p:txBody>
-          <a:bodyPr/>
+          <a:bodyPr>
+            <a:normAutofit/>
+          </a:bodyPr>
           <a:lstStyle/>
           <a:p>
             <a:r>
@@ -3990,7 +4773,7 @@
             <a:picLocks noGrp="1" noChangeAspect="1"/>
           </p:cNvPicPr>
           <p:nvPr>
-            <p:ph idx="1"/>
+            <p:ph sz="quarter" idx="1"/>
           </p:nvPr>
         </p:nvPicPr>
         <p:blipFill>
@@ -4001,78 +4784,11 @@
         </p:blipFill>
         <p:spPr>
           <a:xfrm>
-            <a:off x="2716971" y="1600200"/>
-            <a:ext cx="3710058" cy="4525963"/>
+            <a:off x="2548450" y="1219200"/>
+            <a:ext cx="4047099" cy="4937125"/>
           </a:xfrm>
         </p:spPr>
       </p:pic>
-    </p:spTree>
-  </p:cSld>
-  <p:clrMapOvr>
-    <a:masterClrMapping/>
-  </p:clrMapOvr>
-</p:sld>
-</file>
-
-<file path=ppt/slides/slide20.xml><?xml version="1.0" encoding="utf-8"?>
-<p:sld xmlns:a="http://schemas.openxmlformats.org/drawingml/2006/main" xmlns:r="http://schemas.openxmlformats.org/officeDocument/2006/relationships" xmlns:p="http://schemas.openxmlformats.org/presentationml/2006/main">
-  <p:cSld>
-    <p:spTree>
-      <p:nvGrpSpPr>
-        <p:cNvPr id="1" name=""/>
-        <p:cNvGrpSpPr/>
-        <p:nvPr/>
-      </p:nvGrpSpPr>
-      <p:grpSpPr>
-        <a:xfrm>
-          <a:off x="0" y="0"/>
-          <a:ext cx="0" cy="0"/>
-          <a:chOff x="0" y="0"/>
-          <a:chExt cx="0" cy="0"/>
-        </a:xfrm>
-      </p:grpSpPr>
-      <p:sp>
-        <p:nvSpPr>
-          <p:cNvPr id="2" name="Title 1"/>
-          <p:cNvSpPr>
-            <a:spLocks noGrp="1"/>
-          </p:cNvSpPr>
-          <p:nvPr>
-            <p:ph type="title"/>
-          </p:nvPr>
-        </p:nvSpPr>
-        <p:spPr/>
-        <p:txBody>
-          <a:bodyPr/>
-          <a:lstStyle/>
-          <a:p>
-            <a:r>
-              <a:rPr lang="en-US" dirty="0" smtClean="0"/>
-              <a:t>Question?</a:t>
-            </a:r>
-            <a:endParaRPr lang="en-US" dirty="0"/>
-          </a:p>
-        </p:txBody>
-      </p:sp>
-      <p:sp>
-        <p:nvSpPr>
-          <p:cNvPr id="3" name="Content Placeholder 2"/>
-          <p:cNvSpPr>
-            <a:spLocks noGrp="1"/>
-          </p:cNvSpPr>
-          <p:nvPr>
-            <p:ph idx="1"/>
-          </p:nvPr>
-        </p:nvSpPr>
-        <p:spPr/>
-        <p:txBody>
-          <a:bodyPr/>
-          <a:lstStyle/>
-          <a:p>
-            <a:endParaRPr lang="en-US" dirty="0"/>
-          </a:p>
-        </p:txBody>
-      </p:sp>
     </p:spTree>
   </p:cSld>
   <p:clrMapOvr>
@@ -4128,7 +4844,7 @@
             <a:picLocks noGrp="1" noChangeAspect="1"/>
           </p:cNvPicPr>
           <p:nvPr>
-            <p:ph idx="1"/>
+            <p:ph sz="quarter" idx="1"/>
           </p:nvPr>
         </p:nvPicPr>
         <p:blipFill>
@@ -4139,8 +4855,8 @@
         </p:blipFill>
         <p:spPr>
           <a:xfrm>
-            <a:off x="1600200" y="1828800"/>
-            <a:ext cx="5921720" cy="4328474"/>
+            <a:off x="2121957" y="1896907"/>
+            <a:ext cx="4900085" cy="3581711"/>
           </a:xfrm>
         </p:spPr>
       </p:pic>
@@ -4199,7 +4915,7 @@
             <a:picLocks noGrp="1" noChangeAspect="1"/>
           </p:cNvPicPr>
           <p:nvPr>
-            <p:ph idx="1"/>
+            <p:ph sz="quarter" idx="1"/>
           </p:nvPr>
         </p:nvPicPr>
         <p:blipFill>
@@ -4210,8 +4926,8 @@
         </p:blipFill>
         <p:spPr>
           <a:xfrm>
-            <a:off x="1097725" y="1600200"/>
-            <a:ext cx="6948550" cy="4525963"/>
+            <a:off x="782103" y="1219200"/>
+            <a:ext cx="7579793" cy="4937125"/>
           </a:xfrm>
         </p:spPr>
       </p:pic>
@@ -4270,7 +4986,7 @@
             <a:picLocks noGrp="1" noChangeAspect="1"/>
           </p:cNvPicPr>
           <p:nvPr>
-            <p:ph sz="half" idx="1"/>
+            <p:ph sz="quarter" idx="1"/>
           </p:nvPr>
         </p:nvPicPr>
         <p:blipFill>
@@ -4281,8 +4997,8 @@
         </p:blipFill>
         <p:spPr>
           <a:xfrm>
-            <a:off x="3810000" y="1676399"/>
-            <a:ext cx="5105400" cy="3822669"/>
+            <a:off x="2971800" y="1676400"/>
+            <a:ext cx="5495559" cy="4114800"/>
           </a:xfrm>
         </p:spPr>
       </p:pic>
@@ -4293,12 +5009,12 @@
             <a:spLocks noGrp="1"/>
           </p:cNvSpPr>
           <p:nvPr>
-            <p:ph sz="half" idx="2"/>
-          </p:nvPr>
-        </p:nvSpPr>
-        <p:spPr>
-          <a:xfrm>
-            <a:off x="609600" y="1600200"/>
+            <p:ph sz="quarter" idx="2"/>
+          </p:nvPr>
+        </p:nvSpPr>
+        <p:spPr>
+          <a:xfrm>
+            <a:off x="304800" y="1676400"/>
             <a:ext cx="4038600" cy="4525963"/>
           </a:xfrm>
         </p:spPr>
@@ -4469,7 +5185,7 @@
             <a:spLocks noGrp="1"/>
           </p:cNvSpPr>
           <p:nvPr>
-            <p:ph sz="half" idx="2"/>
+            <p:ph sz="quarter" idx="2"/>
           </p:nvPr>
         </p:nvSpPr>
         <p:spPr/>
@@ -4522,7 +5238,7 @@
         </p:blipFill>
         <p:spPr>
           <a:xfrm>
-            <a:off x="3276600" y="1447800"/>
+            <a:off x="3048000" y="990600"/>
             <a:ext cx="5699098" cy="4267200"/>
           </a:xfrm>
         </p:spPr>
@@ -4569,7 +5285,7 @@
           <a:p>
             <a:r>
               <a:rPr lang="en-US" dirty="0" smtClean="0"/>
-              <a:t>VLM Vortex Lattice Method</a:t>
+              <a:t>Lifting Surface Theory</a:t>
             </a:r>
             <a:endParaRPr lang="en-US" dirty="0"/>
           </a:p>
@@ -4577,12 +5293,12 @@
       </p:sp>
       <p:sp>
         <p:nvSpPr>
-          <p:cNvPr id="3" name="Content Placeholder 2"/>
-          <p:cNvSpPr>
-            <a:spLocks noGrp="1"/>
-          </p:cNvSpPr>
-          <p:nvPr>
-            <p:ph idx="1"/>
+          <p:cNvPr id="4" name="Content Placeholder 3"/>
+          <p:cNvSpPr>
+            <a:spLocks noGrp="1"/>
+          </p:cNvSpPr>
+          <p:nvPr>
+            <p:ph sz="quarter" idx="1"/>
           </p:nvPr>
         </p:nvSpPr>
         <p:spPr/>
@@ -4590,10 +5306,92 @@
           <a:bodyPr/>
           <a:lstStyle/>
           <a:p>
-            <a:endParaRPr lang="en-US"/>
-          </a:p>
-        </p:txBody>
-      </p:sp>
+            <a:r>
+              <a:rPr lang="en-US" dirty="0" smtClean="0"/>
+              <a:t>Series of lifting lines</a:t>
+            </a:r>
+          </a:p>
+          <a:p>
+            <a:r>
+              <a:rPr lang="en-US" dirty="0" smtClean="0"/>
+              <a:t>Circulation varies in both</a:t>
+            </a:r>
+          </a:p>
+          <a:p>
+            <a:pPr lvl="1"/>
+            <a:r>
+              <a:rPr lang="en-US" dirty="0" smtClean="0">
+                <a:solidFill>
+                  <a:schemeClr val="tx1"/>
+                </a:solidFill>
+              </a:rPr>
+              <a:t>Span wise lifting line</a:t>
+            </a:r>
+          </a:p>
+          <a:p>
+            <a:pPr lvl="1"/>
+            <a:r>
+              <a:rPr lang="en-US" dirty="0" smtClean="0">
+                <a:solidFill>
+                  <a:schemeClr val="tx1"/>
+                </a:solidFill>
+              </a:rPr>
+              <a:t>Chord wise </a:t>
+            </a:r>
+            <a:r>
+              <a:rPr lang="en-US" dirty="0" smtClean="0">
+                <a:solidFill>
+                  <a:schemeClr val="tx1"/>
+                </a:solidFill>
+              </a:rPr>
+              <a:t>vortices</a:t>
+            </a:r>
+            <a:endParaRPr lang="en-US" dirty="0" smtClean="0"/>
+          </a:p>
+          <a:p>
+            <a:r>
+              <a:rPr lang="en-US" dirty="0" smtClean="0"/>
+              <a:t>Chord wise vortices extend into wake.</a:t>
+            </a:r>
+          </a:p>
+          <a:p>
+            <a:r>
+              <a:rPr lang="en-US" dirty="0" err="1" smtClean="0"/>
+              <a:t>Biot-Savart</a:t>
+            </a:r>
+            <a:endParaRPr lang="en-US" dirty="0" smtClean="0"/>
+          </a:p>
+          <a:p>
+            <a:r>
+              <a:rPr lang="en-US" dirty="0" smtClean="0"/>
+              <a:t>Flow tangency condition</a:t>
+            </a:r>
+          </a:p>
+        </p:txBody>
+      </p:sp>
+      <p:pic>
+        <p:nvPicPr>
+          <p:cNvPr id="8" name="Content Placeholder 7" descr="lsurface.PNG"/>
+          <p:cNvPicPr>
+            <a:picLocks noGrp="1" noChangeAspect="1"/>
+          </p:cNvPicPr>
+          <p:nvPr>
+            <p:ph sz="quarter" idx="2"/>
+          </p:nvPr>
+        </p:nvPicPr>
+        <p:blipFill>
+          <a:blip r:embed="rId2" cstate="print"/>
+          <a:stretch>
+            <a:fillRect/>
+          </a:stretch>
+        </p:blipFill>
+        <p:spPr>
+          <a:xfrm>
+            <a:off x="4267200" y="1371600"/>
+            <a:ext cx="4657603" cy="4343400"/>
+          </a:xfrm>
+        </p:spPr>
+      </p:pic>
     </p:spTree>
   </p:cSld>
   <p:clrMapOvr>
@@ -4636,7 +5434,7 @@
           <a:p>
             <a:r>
               <a:rPr lang="en-US" dirty="0" smtClean="0"/>
-              <a:t>VLM 1</a:t>
+              <a:t>VLM Vortex Lattice Method</a:t>
             </a:r>
             <a:endParaRPr lang="en-US" dirty="0"/>
           </a:p>
@@ -4644,12 +5442,12 @@
       </p:sp>
       <p:sp>
         <p:nvSpPr>
-          <p:cNvPr id="3" name="Content Placeholder 2"/>
-          <p:cNvSpPr>
-            <a:spLocks noGrp="1"/>
-          </p:cNvSpPr>
-          <p:nvPr>
-            <p:ph idx="1"/>
+          <p:cNvPr id="4" name="Content Placeholder 3"/>
+          <p:cNvSpPr>
+            <a:spLocks noGrp="1"/>
+          </p:cNvSpPr>
+          <p:nvPr>
+            <p:ph sz="quarter" idx="1"/>
           </p:nvPr>
         </p:nvSpPr>
         <p:spPr/>
@@ -4657,10 +5455,53 @@
           <a:bodyPr/>
           <a:lstStyle/>
           <a:p>
-            <a:endParaRPr lang="en-US"/>
-          </a:p>
-        </p:txBody>
-      </p:sp>
+            <a:r>
+              <a:rPr lang="en-US" dirty="0" smtClean="0"/>
+              <a:t>Assign circulation at control points</a:t>
+            </a:r>
+          </a:p>
+          <a:p>
+            <a:r>
+              <a:rPr lang="en-US" dirty="0" err="1" smtClean="0"/>
+              <a:t>Biot-Savart</a:t>
+            </a:r>
+            <a:r>
+              <a:rPr lang="en-US" dirty="0" smtClean="0"/>
+              <a:t> Law</a:t>
+            </a:r>
+          </a:p>
+          <a:p>
+            <a:r>
+              <a:rPr lang="en-US" dirty="0" smtClean="0"/>
+              <a:t>Flow tangency</a:t>
+            </a:r>
+            <a:endParaRPr lang="en-US" dirty="0"/>
+          </a:p>
+        </p:txBody>
+      </p:sp>
+      <p:pic>
+        <p:nvPicPr>
+          <p:cNvPr id="6" name="Content Placeholder 5" descr="VLM1.PNG"/>
+          <p:cNvPicPr>
+            <a:picLocks noGrp="1" noChangeAspect="1"/>
+          </p:cNvPicPr>
+          <p:nvPr>
+            <p:ph sz="quarter" idx="2"/>
+          </p:nvPr>
+        </p:nvPicPr>
+        <p:blipFill>
+          <a:blip r:embed="rId2" cstate="print"/>
+          <a:stretch>
+            <a:fillRect/>
+          </a:stretch>
+        </p:blipFill>
+        <p:spPr>
+          <a:xfrm>
+            <a:off x="4572000" y="1524000"/>
+            <a:ext cx="4466420" cy="4576578"/>
+          </a:xfrm>
+        </p:spPr>
+      </p:pic>
     </p:spTree>
   </p:cSld>
   <p:clrMapOvr>
@@ -4701,18 +5542,22 @@
           <a:bodyPr/>
           <a:lstStyle/>
           <a:p>
-            <a:endParaRPr lang="en-US"/>
-          </a:p>
-        </p:txBody>
-      </p:sp>
-      <p:sp>
-        <p:nvSpPr>
-          <p:cNvPr id="3" name="Content Placeholder 2"/>
-          <p:cNvSpPr>
-            <a:spLocks noGrp="1"/>
-          </p:cNvSpPr>
-          <p:nvPr>
-            <p:ph idx="1"/>
+            <a:r>
+              <a:rPr lang="en-US" dirty="0" smtClean="0"/>
+              <a:t>VLM2</a:t>
+            </a:r>
+            <a:endParaRPr lang="en-US" dirty="0"/>
+          </a:p>
+        </p:txBody>
+      </p:sp>
+      <p:sp>
+        <p:nvSpPr>
+          <p:cNvPr id="4" name="Content Placeholder 3"/>
+          <p:cNvSpPr>
+            <a:spLocks noGrp="1"/>
+          </p:cNvSpPr>
+          <p:nvPr>
+            <p:ph sz="quarter" idx="1"/>
           </p:nvPr>
         </p:nvSpPr>
         <p:spPr/>
@@ -4720,10 +5565,53 @@
           <a:bodyPr/>
           <a:lstStyle/>
           <a:p>
-            <a:endParaRPr lang="en-US"/>
-          </a:p>
-        </p:txBody>
-      </p:sp>
+            <a:r>
+              <a:rPr lang="en-US" dirty="0" smtClean="0"/>
+              <a:t>Uses quad or ring vortices on surface</a:t>
+            </a:r>
+          </a:p>
+          <a:p>
+            <a:r>
+              <a:rPr lang="en-US" dirty="0" smtClean="0"/>
+              <a:t>Uses horseshoe vortices on trailing edge to model wake</a:t>
+            </a:r>
+          </a:p>
+          <a:p>
+            <a:r>
+              <a:rPr lang="en-US" dirty="0" err="1" smtClean="0"/>
+              <a:t>Biot-Savart</a:t>
+            </a:r>
+            <a:r>
+              <a:rPr lang="en-US" dirty="0" smtClean="0"/>
+              <a:t> has V~1/r^3 so difference in trailing vortices is typically minor</a:t>
+            </a:r>
+            <a:endParaRPr lang="en-US" dirty="0"/>
+          </a:p>
+        </p:txBody>
+      </p:sp>
+      <p:pic>
+        <p:nvPicPr>
+          <p:cNvPr id="6" name="Content Placeholder 5" descr="VLM2.PNG"/>
+          <p:cNvPicPr>
+            <a:picLocks noGrp="1" noChangeAspect="1"/>
+          </p:cNvPicPr>
+          <p:nvPr>
+            <p:ph sz="quarter" idx="2"/>
+          </p:nvPr>
+        </p:nvPicPr>
+        <p:blipFill>
+          <a:blip r:embed="rId2" cstate="print"/>
+          <a:stretch>
+            <a:fillRect/>
+          </a:stretch>
+        </p:blipFill>
+        <p:spPr>
+          <a:xfrm>
+            <a:off x="4648200" y="1676400"/>
+            <a:ext cx="4347012" cy="3962400"/>
+          </a:xfrm>
+        </p:spPr>
+      </p:pic>
     </p:spTree>
   </p:cSld>
   <p:clrMapOvr>
@@ -4739,9 +5627,9 @@
 </file>
 
 <file path=ppt/theme/theme1.xml><?xml version="1.0" encoding="utf-8"?>
-<a:theme xmlns:a="http://schemas.openxmlformats.org/drawingml/2006/main" name="Office Theme">
+<a:theme xmlns:a="http://schemas.openxmlformats.org/drawingml/2006/main" name="Origin">
   <a:themeElements>
-    <a:clrScheme name="Office">
+    <a:clrScheme name="Origin">
       <a:dk1>
         <a:sysClr val="windowText" lastClr="000000"/>
       </a:dk1>
@@ -4749,48 +5637,50 @@
         <a:sysClr val="window" lastClr="FFFFFF"/>
       </a:lt1>
       <a:dk2>
-        <a:srgbClr val="1F497D"/>
+        <a:srgbClr val="464653"/>
       </a:dk2>
       <a:lt2>
-        <a:srgbClr val="EEECE1"/>
+        <a:srgbClr val="DDE9EC"/>
       </a:lt2>
       <a:accent1>
-        <a:srgbClr val="4F81BD"/>
+        <a:srgbClr val="727CA3"/>
       </a:accent1>
       <a:accent2>
-        <a:srgbClr val="C0504D"/>
+        <a:srgbClr val="9FB8CD"/>
       </a:accent2>
       <a:accent3>
-        <a:srgbClr val="9BBB59"/>
+        <a:srgbClr val="D2DA7A"/>
       </a:accent3>
       <a:accent4>
-        <a:srgbClr val="8064A2"/>
+        <a:srgbClr val="FADA7A"/>
       </a:accent4>
       <a:accent5>
-        <a:srgbClr val="4BACC6"/>
+        <a:srgbClr val="B88472"/>
       </a:accent5>
       <a:accent6>
-        <a:srgbClr val="F79646"/>
+        <a:srgbClr val="8E736A"/>
       </a:accent6>
       <a:hlink>
-        <a:srgbClr val="0000FF"/>
+        <a:srgbClr val="B292CA"/>
       </a:hlink>
       <a:folHlink>
-        <a:srgbClr val="800080"/>
+        <a:srgbClr val="6B5680"/>
       </a:folHlink>
     </a:clrScheme>
-    <a:fontScheme name="Office">
+    <a:fontScheme name="Origin">
       <a:majorFont>
-        <a:latin typeface="Calibri"/>
+        <a:latin typeface="Bookman Old Style"/>
         <a:ea typeface=""/>
         <a:cs typeface=""/>
-        <a:font script="Jpan" typeface="ＭＳ Ｐゴシック"/>
-        <a:font script="Hang" typeface="맑은 고딕"/>
+        <a:font script="Grek" typeface="Cambria"/>
+        <a:font script="Cyrl" typeface="Cambria"/>
+        <a:font script="Jpan" typeface="HG明朝E"/>
+        <a:font script="Hang" typeface="돋움"/>
         <a:font script="Hans" typeface="宋体"/>
-        <a:font script="Hant" typeface="新細明體"/>
+        <a:font script="Hant" typeface="標楷體"/>
         <a:font script="Arab" typeface="Times New Roman"/>
         <a:font script="Hebr" typeface="Times New Roman"/>
-        <a:font script="Thai" typeface="Angsana New"/>
+        <a:font script="Thai" typeface="Browallia New"/>
         <a:font script="Ethi" typeface="Nyala"/>
         <a:font script="Beng" typeface="Vrinda"/>
         <a:font script="Gujr" typeface="Shruti"/>
@@ -4815,12 +5705,14 @@
         <a:font script="Uigh" typeface="Microsoft Uighur"/>
       </a:majorFont>
       <a:minorFont>
-        <a:latin typeface="Calibri"/>
+        <a:latin typeface="Gill Sans MT"/>
         <a:ea typeface=""/>
         <a:cs typeface=""/>
+        <a:font script="Grek" typeface="Calibri"/>
+        <a:font script="Cyrl" typeface="Calibri"/>
         <a:font script="Jpan" typeface="ＭＳ Ｐゴシック"/>
         <a:font script="Hang" typeface="맑은 고딕"/>
-        <a:font script="Hans" typeface="宋体"/>
+        <a:font script="Hans" typeface="华文新魏"/>
         <a:font script="Hant" typeface="新細明體"/>
         <a:font script="Arab" typeface="Arial"/>
         <a:font script="Hebr" typeface="Arial"/>
@@ -4849,7 +5741,7 @@
         <a:font script="Uigh" typeface="Microsoft Uighur"/>
       </a:minorFont>
     </a:fontScheme>
-    <a:fmtScheme name="Office">
+    <a:fmtScheme name="Origin">
       <a:fillStyleLst>
         <a:solidFill>
           <a:schemeClr val="phClr"/>
@@ -4858,56 +5750,93 @@
           <a:gsLst>
             <a:gs pos="0">
               <a:schemeClr val="phClr">
-                <a:tint val="50000"/>
-                <a:satMod val="300000"/>
+                <a:tint val="45000"/>
+                <a:satMod val="200000"/>
               </a:schemeClr>
             </a:gs>
-            <a:gs pos="35000">
+            <a:gs pos="30000">
               <a:schemeClr val="phClr">
-                <a:tint val="37000"/>
-                <a:satMod val="300000"/>
+                <a:tint val="61000"/>
+                <a:satMod val="200000"/>
+              </a:schemeClr>
+            </a:gs>
+            <a:gs pos="45000">
+              <a:schemeClr val="phClr">
+                <a:tint val="66000"/>
+                <a:satMod val="200000"/>
+              </a:schemeClr>
+            </a:gs>
+            <a:gs pos="55000">
+              <a:schemeClr val="phClr">
+                <a:tint val="66000"/>
+                <a:satMod val="200000"/>
+              </a:schemeClr>
+            </a:gs>
+            <a:gs pos="73000">
+              <a:schemeClr val="phClr">
+                <a:tint val="61000"/>
+                <a:satMod val="200000"/>
               </a:schemeClr>
             </a:gs>
             <a:gs pos="100000">
               <a:schemeClr val="phClr">
-                <a:tint val="15000"/>
-                <a:satMod val="350000"/>
+                <a:tint val="45000"/>
+                <a:satMod val="200000"/>
               </a:schemeClr>
             </a:gs>
           </a:gsLst>
-          <a:lin ang="16200000" scaled="1"/>
+          <a:lin ang="950000" scaled="1"/>
         </a:gradFill>
         <a:gradFill rotWithShape="1">
           <a:gsLst>
             <a:gs pos="0">
               <a:schemeClr val="phClr">
-                <a:shade val="51000"/>
-                <a:satMod val="130000"/>
+                <a:shade val="63000"/>
               </a:schemeClr>
             </a:gs>
-            <a:gs pos="80000">
+            <a:gs pos="30000">
               <a:schemeClr val="phClr">
-                <a:shade val="93000"/>
-                <a:satMod val="130000"/>
+                <a:shade val="90000"/>
+                <a:satMod val="110000"/>
+              </a:schemeClr>
+            </a:gs>
+            <a:gs pos="45000">
+              <a:schemeClr val="phClr">
+                <a:shade val="100000"/>
+                <a:satMod val="118000"/>
+              </a:schemeClr>
+            </a:gs>
+            <a:gs pos="55000">
+              <a:schemeClr val="phClr">
+                <a:shade val="100000"/>
+                <a:satMod val="118000"/>
+              </a:schemeClr>
+            </a:gs>
+            <a:gs pos="73000">
+              <a:schemeClr val="phClr">
+                <a:shade val="90000"/>
+                <a:satMod val="110000"/>
               </a:schemeClr>
             </a:gs>
             <a:gs pos="100000">
               <a:schemeClr val="phClr">
-                <a:shade val="94000"/>
-                <a:satMod val="135000"/>
+                <a:shade val="63000"/>
               </a:schemeClr>
             </a:gs>
           </a:gsLst>
-          <a:lin ang="16200000" scaled="0"/>
+          <a:lin ang="950000" scaled="1"/>
         </a:gradFill>
       </a:fillStyleLst>
       <a:lnStyleLst>
         <a:ln w="9525" cap="flat" cmpd="sng" algn="ctr">
           <a:solidFill>
-            <a:schemeClr val="phClr">
-              <a:shade val="95000"/>
-              <a:satMod val="105000"/>
-            </a:schemeClr>
+            <a:schemeClr val="phClr"/>
+          </a:solidFill>
+          <a:prstDash val="solid"/>
+        </a:ln>
+        <a:ln w="19050" cap="flat" cmpd="sng" algn="ctr">
+          <a:solidFill>
+            <a:schemeClr val="phClr"/>
           </a:solidFill>
           <a:prstDash val="solid"/>
         </a:ln>
@@ -4917,50 +5846,66 @@
           </a:solidFill>
           <a:prstDash val="solid"/>
         </a:ln>
-        <a:ln w="38100" cap="flat" cmpd="sng" algn="ctr">
-          <a:solidFill>
-            <a:schemeClr val="phClr"/>
-          </a:solidFill>
-          <a:prstDash val="solid"/>
-        </a:ln>
       </a:lnStyleLst>
       <a:effectStyleLst>
         <a:effectStyle>
           <a:effectLst>
-            <a:outerShdw blurRad="40000" dist="20000" dir="5400000" rotWithShape="0">
+            <a:outerShdw blurRad="38100" dist="25400" dir="5400000" rotWithShape="0">
               <a:srgbClr val="000000">
-                <a:alpha val="38000"/>
+                <a:alpha val="40000"/>
               </a:srgbClr>
             </a:outerShdw>
           </a:effectLst>
         </a:effectStyle>
         <a:effectStyle>
           <a:effectLst>
-            <a:outerShdw blurRad="40000" dist="23000" dir="5400000" rotWithShape="0">
+            <a:outerShdw blurRad="50800" dist="43000" dir="5400000" rotWithShape="0">
               <a:srgbClr val="000000">
-                <a:alpha val="35000"/>
-              </a:srgbClr>
-            </a:outerShdw>
-          </a:effectLst>
-        </a:effectStyle>
-        <a:effectStyle>
-          <a:effectLst>
-            <a:outerShdw blurRad="40000" dist="23000" dir="5400000" rotWithShape="0">
-              <a:srgbClr val="000000">
-                <a:alpha val="35000"/>
+                <a:alpha val="40000"/>
               </a:srgbClr>
             </a:outerShdw>
           </a:effectLst>
           <a:scene3d>
-            <a:camera prst="orthographicFront">
+            <a:camera prst="orthographicFront" fov="0">
               <a:rot lat="0" lon="0" rev="0"/>
             </a:camera>
-            <a:lightRig rig="threePt" dir="t">
-              <a:rot lat="0" lon="0" rev="1200000"/>
+            <a:lightRig rig="balanced" dir="t">
+              <a:rot lat="0" lon="0" rev="0"/>
             </a:lightRig>
           </a:scene3d>
-          <a:sp3d>
-            <a:bevelT w="63500" h="25400"/>
+          <a:sp3d prstMaterial="matte">
+            <a:bevelT w="0" h="0"/>
+            <a:contourClr>
+              <a:schemeClr val="phClr">
+                <a:tint val="100000"/>
+                <a:shade val="100000"/>
+                <a:hueMod val="100000"/>
+                <a:satMod val="100000"/>
+              </a:schemeClr>
+            </a:contourClr>
+          </a:sp3d>
+        </a:effectStyle>
+        <a:effectStyle>
+          <a:effectLst>
+            <a:outerShdw blurRad="50800" dist="25400" dir="5400000" rotWithShape="0">
+              <a:srgbClr val="000000">
+                <a:alpha val="50000"/>
+              </a:srgbClr>
+            </a:outerShdw>
+          </a:effectLst>
+          <a:scene3d>
+            <a:camera prst="orthographicFront" fov="0">
+              <a:rot lat="0" lon="0" rev="0"/>
+            </a:camera>
+            <a:lightRig rig="soft" dir="t">
+              <a:rot lat="0" lon="0" rev="2700000"/>
+            </a:lightRig>
+          </a:scene3d>
+          <a:sp3d prstMaterial="matte">
+            <a:bevelT w="50800" h="50800"/>
+            <a:contourClr>
+              <a:schemeClr val="phClr"/>
+            </a:contourClr>
           </a:sp3d>
         </a:effectStyle>
       </a:effectStyleLst>
@@ -4972,47 +5917,39 @@
           <a:gsLst>
             <a:gs pos="0">
               <a:schemeClr val="phClr">
-                <a:tint val="40000"/>
-                <a:satMod val="350000"/>
+                <a:shade val="60000"/>
+                <a:satMod val="300000"/>
               </a:schemeClr>
             </a:gs>
-            <a:gs pos="40000">
+            <a:gs pos="30000">
               <a:schemeClr val="phClr">
-                <a:tint val="45000"/>
-                <a:shade val="99000"/>
-                <a:satMod val="350000"/>
+                <a:shade val="80000"/>
+                <a:satMod val="230000"/>
               </a:schemeClr>
             </a:gs>
             <a:gs pos="100000">
               <a:schemeClr val="phClr">
-                <a:shade val="20000"/>
-                <a:satMod val="255000"/>
+                <a:tint val="97000"/>
+                <a:satMod val="220000"/>
               </a:schemeClr>
             </a:gs>
           </a:gsLst>
-          <a:path path="circle">
-            <a:fillToRect l="50000" t="-80000" r="50000" b="180000"/>
-          </a:path>
+          <a:lin ang="16200000" scaled="1"/>
         </a:gradFill>
-        <a:gradFill rotWithShape="1">
-          <a:gsLst>
-            <a:gs pos="0">
+        <a:blipFill>
+          <a:blip xmlns:r="http://schemas.openxmlformats.org/officeDocument/2006/relationships" r:embed="rId1">
+            <a:duotone>
               <a:schemeClr val="phClr">
-                <a:tint val="80000"/>
-                <a:satMod val="300000"/>
+                <a:shade val="6000"/>
+                <a:satMod val="120000"/>
               </a:schemeClr>
-            </a:gs>
-            <a:gs pos="100000">
               <a:schemeClr val="phClr">
-                <a:shade val="30000"/>
-                <a:satMod val="200000"/>
+                <a:tint val="90000"/>
               </a:schemeClr>
-            </a:gs>
-          </a:gsLst>
-          <a:path path="circle">
-            <a:fillToRect l="50000" t="50000" r="50000" b="50000"/>
-          </a:path>
-        </a:gradFill>
+            </a:duotone>
+          </a:blip>
+          <a:tile tx="0" ty="0" sx="35000" sy="40000" flip="x" algn="tl"/>
+        </a:blipFill>
       </a:bgFillStyleLst>
     </a:fmtScheme>
   </a:themeElements>

--- a/XFLR5 Methods and Their Application in.pptx
+++ b/XFLR5 Methods and Their Application in.pptx
@@ -6,29 +6,31 @@
   </p:sldMasterIdLst>
   <p:sldIdLst>
     <p:sldId id="256" r:id="rId2"/>
-    <p:sldId id="257" r:id="rId3"/>
-    <p:sldId id="258" r:id="rId4"/>
-    <p:sldId id="259" r:id="rId5"/>
-    <p:sldId id="260" r:id="rId6"/>
-    <p:sldId id="279" r:id="rId7"/>
-    <p:sldId id="261" r:id="rId8"/>
-    <p:sldId id="263" r:id="rId9"/>
-    <p:sldId id="262" r:id="rId10"/>
-    <p:sldId id="277" r:id="rId11"/>
-    <p:sldId id="264" r:id="rId12"/>
-    <p:sldId id="265" r:id="rId13"/>
-    <p:sldId id="266" r:id="rId14"/>
-    <p:sldId id="267" r:id="rId15"/>
-    <p:sldId id="268" r:id="rId16"/>
-    <p:sldId id="278" r:id="rId17"/>
-    <p:sldId id="269" r:id="rId18"/>
-    <p:sldId id="271" r:id="rId19"/>
-    <p:sldId id="275" r:id="rId20"/>
+    <p:sldId id="282" r:id="rId3"/>
+    <p:sldId id="257" r:id="rId4"/>
+    <p:sldId id="258" r:id="rId5"/>
+    <p:sldId id="259" r:id="rId6"/>
+    <p:sldId id="283" r:id="rId7"/>
+    <p:sldId id="260" r:id="rId8"/>
+    <p:sldId id="279" r:id="rId9"/>
+    <p:sldId id="261" r:id="rId10"/>
+    <p:sldId id="263" r:id="rId11"/>
+    <p:sldId id="262" r:id="rId12"/>
+    <p:sldId id="264" r:id="rId13"/>
+    <p:sldId id="281" r:id="rId14"/>
+    <p:sldId id="265" r:id="rId15"/>
+    <p:sldId id="266" r:id="rId16"/>
+    <p:sldId id="267" r:id="rId17"/>
+    <p:sldId id="268" r:id="rId18"/>
+    <p:sldId id="278" r:id="rId19"/>
+    <p:sldId id="269" r:id="rId20"/>
+    <p:sldId id="271" r:id="rId21"/>
+    <p:sldId id="275" r:id="rId22"/>
   </p:sldIdLst>
   <p:sldSz cx="9144000" cy="6858000" type="screen4x3"/>
   <p:notesSz cx="6858000" cy="9144000"/>
   <p:custDataLst>
-    <p:tags r:id="rId21"/>
+    <p:tags r:id="rId23"/>
   </p:custDataLst>
   <p:defaultTextStyle>
     <a:defPPr>
@@ -3830,6 +3832,30 @@
           <a:chExt cx="0" cy="0"/>
         </a:xfrm>
       </p:grpSpPr>
+      <p:pic>
+        <p:nvPicPr>
+          <p:cNvPr id="4" name="Picture 3" descr="Life_restoration_of_a_group_of_giant_azhdarchids,_Quetzalcoatlus_northropi,_foraging_on_a_Cretaceous_fern_prairie.png"/>
+          <p:cNvPicPr>
+            <a:picLocks noChangeAspect="1"/>
+          </p:cNvPicPr>
+          <p:nvPr/>
+        </p:nvPicPr>
+        <p:blipFill>
+          <a:blip r:embed="rId2" cstate="print"/>
+          <a:stretch>
+            <a:fillRect/>
+          </a:stretch>
+        </p:blipFill>
+        <p:spPr>
+          <a:xfrm>
+            <a:off x="0" y="-92908"/>
+            <a:ext cx="9144000" cy="6950908"/>
+          </a:xfrm>
+          <a:prstGeom prst="rect">
+            <a:avLst/>
+          </a:prstGeom>
+        </p:spPr>
+      </p:pic>
       <p:sp>
         <p:nvSpPr>
           <p:cNvPr id="2" name="Title 1"/>
@@ -3842,21 +3868,39 @@
         </p:nvSpPr>
         <p:spPr>
           <a:xfrm>
-            <a:off x="1219200" y="3581400"/>
+            <a:off x="1905000" y="2133600"/>
             <a:ext cx="6858000" cy="990600"/>
           </a:xfrm>
         </p:spPr>
         <p:txBody>
           <a:bodyPr>
-            <a:normAutofit fontScale="90000"/>
+            <a:noAutofit/>
           </a:bodyPr>
           <a:lstStyle/>
           <a:p>
             <a:r>
-              <a:rPr lang="en-US" dirty="0" smtClean="0"/>
+              <a:rPr lang="en-US" dirty="0" smtClean="0">
+                <a:ln>
+                  <a:solidFill>
+                    <a:schemeClr val="tx1"/>
+                  </a:solidFill>
+                </a:ln>
+                <a:solidFill>
+                  <a:schemeClr val="bg1"/>
+                </a:solidFill>
+              </a:rPr>
               <a:t>XFLR5 Methods and Their Application in “Constraints on the Wing Morphology of Pterosaurs”</a:t>
             </a:r>
-            <a:endParaRPr lang="en-US" dirty="0"/>
+            <a:endParaRPr lang="en-US" dirty="0">
+              <a:ln>
+                <a:solidFill>
+                  <a:schemeClr val="tx1"/>
+                </a:solidFill>
+              </a:ln>
+              <a:solidFill>
+                <a:schemeClr val="bg1"/>
+              </a:solidFill>
+            </a:endParaRPr>
           </a:p>
         </p:txBody>
       </p:sp>
@@ -3870,7 +3914,12 @@
             <p:ph type="subTitle" idx="1"/>
           </p:nvPr>
         </p:nvSpPr>
-        <p:spPr/>
+        <p:spPr>
+          <a:xfrm>
+            <a:off x="1981200" y="6172200"/>
+            <a:ext cx="6858000" cy="533400"/>
+          </a:xfrm>
+        </p:spPr>
         <p:txBody>
           <a:bodyPr/>
           <a:lstStyle/>
@@ -3910,7 +3959,7 @@
       </p:grpSpPr>
       <p:sp>
         <p:nvSpPr>
-          <p:cNvPr id="4" name="Title 3"/>
+          <p:cNvPr id="2" name="Title 1"/>
           <p:cNvSpPr>
             <a:spLocks noGrp="1"/>
           </p:cNvSpPr>
@@ -3923,18 +3972,61 @@
           <a:bodyPr/>
           <a:lstStyle/>
           <a:p>
-            <a:endParaRPr lang="en-US"/>
+            <a:r>
+              <a:rPr lang="en-US" dirty="0" smtClean="0"/>
+              <a:t>VLM Vortex Lattice Method</a:t>
+            </a:r>
+            <a:endParaRPr lang="en-US" dirty="0"/>
+          </a:p>
+        </p:txBody>
+      </p:sp>
+      <p:sp>
+        <p:nvSpPr>
+          <p:cNvPr id="4" name="Content Placeholder 3"/>
+          <p:cNvSpPr>
+            <a:spLocks noGrp="1"/>
+          </p:cNvSpPr>
+          <p:nvPr>
+            <p:ph sz="quarter" idx="1"/>
+          </p:nvPr>
+        </p:nvSpPr>
+        <p:spPr/>
+        <p:txBody>
+          <a:bodyPr/>
+          <a:lstStyle/>
+          <a:p>
+            <a:r>
+              <a:rPr lang="en-US" dirty="0" smtClean="0"/>
+              <a:t>Assign circulation at control points</a:t>
+            </a:r>
+          </a:p>
+          <a:p>
+            <a:r>
+              <a:rPr lang="en-US" dirty="0" err="1" smtClean="0"/>
+              <a:t>Biot-Savart</a:t>
+            </a:r>
+            <a:r>
+              <a:rPr lang="en-US" dirty="0" smtClean="0"/>
+              <a:t> Law</a:t>
+            </a:r>
+          </a:p>
+          <a:p>
+            <a:r>
+              <a:rPr lang="en-US" dirty="0" smtClean="0"/>
+              <a:t>Flow tangency</a:t>
+            </a:r>
+            <a:endParaRPr lang="en-US" dirty="0"/>
           </a:p>
         </p:txBody>
       </p:sp>
       <p:pic>
         <p:nvPicPr>
-          <p:cNvPr id="7" name="Content Placeholder 6" descr="VLM1vortex.png"/>
+          <p:cNvPr id="6" name="Content Placeholder 5" descr="VLM1.PNG"/>
           <p:cNvPicPr>
             <a:picLocks noGrp="1" noChangeAspect="1"/>
           </p:cNvPicPr>
           <p:nvPr>
-            <p:ph sz="quarter" idx="1"/>
+            <p:ph sz="quarter" idx="2"/>
           </p:nvPr>
         </p:nvPicPr>
         <p:blipFill>
@@ -3945,31 +4037,8 @@
         </p:blipFill>
         <p:spPr>
           <a:xfrm>
-            <a:off x="304800" y="1676400"/>
-            <a:ext cx="4863502" cy="2286000"/>
-          </a:xfrm>
-        </p:spPr>
-      </p:pic>
-      <p:pic>
-        <p:nvPicPr>
-          <p:cNvPr id="8" name="Content Placeholder 7" descr="VLM2vortex.png"/>
-          <p:cNvPicPr>
-            <a:picLocks noGrp="1" noChangeAspect="1"/>
-          </p:cNvPicPr>
-          <p:nvPr>
-            <p:ph sz="quarter" idx="2"/>
-          </p:nvPr>
-        </p:nvPicPr>
-        <p:blipFill>
-          <a:blip r:embed="rId3" cstate="print"/>
-          <a:stretch>
-            <a:fillRect/>
-          </a:stretch>
-        </p:blipFill>
-        <p:spPr>
-          <a:xfrm>
-            <a:off x="4038600" y="4038600"/>
-            <a:ext cx="4863504" cy="2286000"/>
+            <a:off x="4572000" y="1524000"/>
+            <a:ext cx="4466420" cy="4576578"/>
           </a:xfrm>
         </p:spPr>
       </p:pic>
@@ -4015,15 +4084,15 @@
           <a:p>
             <a:r>
               <a:rPr lang="en-US" dirty="0" smtClean="0"/>
-              <a:t>3D Panel Method</a:t>
-            </a:r>
-            <a:endParaRPr lang="en-US" dirty="0"/>
-          </a:p>
-        </p:txBody>
-      </p:sp>
-      <p:sp>
-        <p:nvSpPr>
-          <p:cNvPr id="3" name="Content Placeholder 2"/>
+              <a:t>VLM2</a:t>
+            </a:r>
+            <a:endParaRPr lang="en-US" dirty="0"/>
+          </a:p>
+        </p:txBody>
+      </p:sp>
+      <p:sp>
+        <p:nvSpPr>
+          <p:cNvPr id="4" name="Content Placeholder 3"/>
           <p:cNvSpPr>
             <a:spLocks noGrp="1"/>
           </p:cNvSpPr>
@@ -4036,10 +4105,53 @@
           <a:bodyPr/>
           <a:lstStyle/>
           <a:p>
-            <a:endParaRPr lang="en-US"/>
-          </a:p>
-        </p:txBody>
-      </p:sp>
+            <a:r>
+              <a:rPr lang="en-US" dirty="0" smtClean="0"/>
+              <a:t>Uses quad or ring vortices on surface</a:t>
+            </a:r>
+          </a:p>
+          <a:p>
+            <a:r>
+              <a:rPr lang="en-US" dirty="0" smtClean="0"/>
+              <a:t>Uses horseshoe vortices on trailing edge to model wake</a:t>
+            </a:r>
+          </a:p>
+          <a:p>
+            <a:r>
+              <a:rPr lang="en-US" dirty="0" err="1" smtClean="0"/>
+              <a:t>Biot-Savart</a:t>
+            </a:r>
+            <a:r>
+              <a:rPr lang="en-US" dirty="0" smtClean="0"/>
+              <a:t> has V~1/r^3 so difference in trailing vortices is typically minor</a:t>
+            </a:r>
+            <a:endParaRPr lang="en-US" dirty="0"/>
+          </a:p>
+        </p:txBody>
+      </p:sp>
+      <p:pic>
+        <p:nvPicPr>
+          <p:cNvPr id="6" name="Content Placeholder 5" descr="VLM2.PNG"/>
+          <p:cNvPicPr>
+            <a:picLocks noGrp="1" noChangeAspect="1"/>
+          </p:cNvPicPr>
+          <p:nvPr>
+            <p:ph sz="quarter" idx="2"/>
+          </p:nvPr>
+        </p:nvPicPr>
+        <p:blipFill>
+          <a:blip r:embed="rId2" cstate="print"/>
+          <a:stretch>
+            <a:fillRect/>
+          </a:stretch>
+        </p:blipFill>
+        <p:spPr>
+          <a:xfrm>
+            <a:off x="4648200" y="1676400"/>
+            <a:ext cx="4347012" cy="3962400"/>
+          </a:xfrm>
+        </p:spPr>
+      </p:pic>
     </p:spTree>
   </p:cSld>
   <p:clrMapOvr>
@@ -4080,18 +4192,90 @@
           <a:bodyPr/>
           <a:lstStyle/>
           <a:p>
-            <a:endParaRPr lang="en-US"/>
+            <a:r>
+              <a:rPr lang="en-US" dirty="0" smtClean="0"/>
+              <a:t>3D Panel Method</a:t>
+            </a:r>
+            <a:endParaRPr lang="en-US" dirty="0"/>
+          </a:p>
+        </p:txBody>
+      </p:sp>
+      <p:sp>
+        <p:nvSpPr>
+          <p:cNvPr id="3" name="Content Placeholder 2"/>
+          <p:cNvSpPr>
+            <a:spLocks noGrp="1"/>
+          </p:cNvSpPr>
+          <p:nvPr>
+            <p:ph sz="quarter" idx="1"/>
+          </p:nvPr>
+        </p:nvSpPr>
+        <p:spPr>
+          <a:xfrm>
+            <a:off x="457200" y="3886200"/>
+            <a:ext cx="8382000" cy="2423160"/>
+          </a:xfrm>
+        </p:spPr>
+        <p:txBody>
+          <a:bodyPr/>
+          <a:lstStyle/>
+          <a:p>
+            <a:r>
+              <a:rPr lang="en-US" dirty="0" smtClean="0"/>
+              <a:t>Sources and Doublets distributed evenly across each panel</a:t>
+            </a:r>
+          </a:p>
+          <a:p>
+            <a:r>
+              <a:rPr lang="en-US" dirty="0" smtClean="0"/>
+              <a:t>Potential calculated at control points</a:t>
+            </a:r>
+          </a:p>
+          <a:p>
+            <a:pPr lvl="1"/>
+            <a:r>
+              <a:rPr lang="en-US" dirty="0" smtClean="0"/>
+              <a:t>Boundary layer analysis</a:t>
+            </a:r>
+          </a:p>
+          <a:p>
+            <a:pPr lvl="1"/>
+            <a:r>
+              <a:rPr lang="en-US" dirty="0" smtClean="0"/>
+              <a:t>Recalculation of potential at control points</a:t>
+            </a:r>
+          </a:p>
+          <a:p>
+            <a:r>
+              <a:rPr lang="en-US" dirty="0" smtClean="0"/>
+              <a:t>Full field calculated with potential field</a:t>
+            </a:r>
+          </a:p>
+          <a:p>
+            <a:endParaRPr lang="en-US" dirty="0" smtClean="0"/>
+          </a:p>
+          <a:p>
+            <a:endParaRPr lang="en-US" dirty="0" smtClean="0"/>
+          </a:p>
+          <a:p>
+            <a:endParaRPr lang="en-US" dirty="0" smtClean="0"/>
+          </a:p>
+          <a:p>
+            <a:endParaRPr lang="en-US" dirty="0" smtClean="0"/>
+          </a:p>
+          <a:p>
+            <a:endParaRPr lang="en-US" dirty="0"/>
           </a:p>
         </p:txBody>
       </p:sp>
       <p:pic>
         <p:nvPicPr>
-          <p:cNvPr id="4" name="Content Placeholder 3" descr="compare.PNG"/>
+          <p:cNvPr id="5" name="Content Placeholder 4" descr="panels.png"/>
           <p:cNvPicPr>
             <a:picLocks noGrp="1" noChangeAspect="1"/>
           </p:cNvPicPr>
           <p:nvPr>
-            <p:ph sz="quarter" idx="1"/>
+            <p:ph sz="quarter" idx="2"/>
           </p:nvPr>
         </p:nvPicPr>
         <p:blipFill>
@@ -4102,8 +4286,8 @@
         </p:blipFill>
         <p:spPr>
           <a:xfrm>
-            <a:off x="457200" y="1962101"/>
-            <a:ext cx="8229600" cy="3451323"/>
+            <a:off x="1676400" y="1219200"/>
+            <a:ext cx="5614738" cy="2667000"/>
           </a:xfrm>
         </p:spPr>
       </p:pic>
@@ -4147,33 +4331,155 @@
           <a:bodyPr/>
           <a:lstStyle/>
           <a:p>
-            <a:endParaRPr lang="en-US"/>
-          </a:p>
-        </p:txBody>
-      </p:sp>
-      <p:pic>
-        <p:nvPicPr>
-          <p:cNvPr id="6" name="Content Placeholder 5" descr="LLT.PNG"/>
-          <p:cNvPicPr>
-            <a:picLocks noGrp="1" noChangeAspect="1"/>
-          </p:cNvPicPr>
-          <p:nvPr>
-            <p:ph sz="quarter" idx="1"/>
-          </p:nvPr>
-        </p:nvPicPr>
-        <p:blipFill>
-          <a:blip r:embed="rId2" cstate="print"/>
-          <a:stretch>
-            <a:fillRect/>
-          </a:stretch>
-        </p:blipFill>
-        <p:spPr>
-          <a:xfrm>
-            <a:off x="304800" y="2128347"/>
-            <a:ext cx="8382000" cy="3533922"/>
-          </a:xfrm>
-        </p:spPr>
-      </p:pic>
+            <a:r>
+              <a:rPr lang="en-US" dirty="0" smtClean="0"/>
+              <a:t>3D Panel Method</a:t>
+            </a:r>
+            <a:endParaRPr lang="en-US" dirty="0"/>
+          </a:p>
+        </p:txBody>
+      </p:sp>
+      <p:sp>
+        <p:nvSpPr>
+          <p:cNvPr id="3" name="Text Placeholder 2"/>
+          <p:cNvSpPr>
+            <a:spLocks noGrp="1"/>
+          </p:cNvSpPr>
+          <p:nvPr>
+            <p:ph type="body" idx="1"/>
+          </p:nvPr>
+        </p:nvSpPr>
+        <p:spPr/>
+        <p:txBody>
+          <a:bodyPr/>
+          <a:lstStyle/>
+          <a:p>
+            <a:r>
+              <a:rPr lang="en-US" dirty="0" smtClean="0"/>
+              <a:t>Advantages</a:t>
+            </a:r>
+            <a:endParaRPr lang="en-US" dirty="0"/>
+          </a:p>
+        </p:txBody>
+      </p:sp>
+      <p:sp>
+        <p:nvSpPr>
+          <p:cNvPr id="4" name="Text Placeholder 3"/>
+          <p:cNvSpPr>
+            <a:spLocks noGrp="1"/>
+          </p:cNvSpPr>
+          <p:nvPr>
+            <p:ph type="body" sz="half" idx="3"/>
+          </p:nvPr>
+        </p:nvSpPr>
+        <p:spPr/>
+        <p:txBody>
+          <a:bodyPr/>
+          <a:lstStyle/>
+          <a:p>
+            <a:r>
+              <a:rPr lang="en-US" dirty="0" smtClean="0"/>
+              <a:t>Boundary Conditions</a:t>
+            </a:r>
+            <a:endParaRPr lang="en-US" dirty="0"/>
+          </a:p>
+        </p:txBody>
+      </p:sp>
+      <p:sp>
+        <p:nvSpPr>
+          <p:cNvPr id="5" name="Content Placeholder 4"/>
+          <p:cNvSpPr>
+            <a:spLocks noGrp="1"/>
+          </p:cNvSpPr>
+          <p:nvPr>
+            <p:ph sz="quarter" idx="2"/>
+          </p:nvPr>
+        </p:nvSpPr>
+        <p:spPr/>
+        <p:txBody>
+          <a:bodyPr/>
+          <a:lstStyle/>
+          <a:p>
+            <a:r>
+              <a:rPr lang="en-US" dirty="0" smtClean="0"/>
+              <a:t>Takes into account wing thickness</a:t>
+            </a:r>
+          </a:p>
+          <a:p>
+            <a:r>
+              <a:rPr lang="en-US" dirty="0" smtClean="0"/>
+              <a:t>Maps Cp over top and </a:t>
+            </a:r>
+            <a:r>
+              <a:rPr lang="en-US" dirty="0" smtClean="0"/>
+              <a:t>bottom</a:t>
+            </a:r>
+          </a:p>
+          <a:p>
+            <a:endParaRPr lang="en-US" dirty="0" smtClean="0"/>
+          </a:p>
+          <a:p>
+            <a:endParaRPr lang="en-US" dirty="0"/>
+          </a:p>
+        </p:txBody>
+      </p:sp>
+      <p:sp>
+        <p:nvSpPr>
+          <p:cNvPr id="6" name="Content Placeholder 5"/>
+          <p:cNvSpPr>
+            <a:spLocks noGrp="1"/>
+          </p:cNvSpPr>
+          <p:nvPr>
+            <p:ph sz="quarter" idx="4"/>
+          </p:nvPr>
+        </p:nvSpPr>
+        <p:spPr/>
+        <p:txBody>
+          <a:bodyPr/>
+          <a:lstStyle/>
+          <a:p>
+            <a:r>
+              <a:rPr lang="en-US" dirty="0" smtClean="0"/>
+              <a:t>Von </a:t>
+            </a:r>
+            <a:r>
+              <a:rPr lang="en-US" dirty="0" err="1" smtClean="0"/>
+              <a:t>Nuemann</a:t>
+            </a:r>
+            <a:endParaRPr lang="en-US" dirty="0" smtClean="0"/>
+          </a:p>
+          <a:p>
+            <a:pPr lvl="1"/>
+            <a:r>
+              <a:rPr lang="en-US" dirty="0" smtClean="0"/>
+              <a:t>Tangential flow condition</a:t>
+            </a:r>
+          </a:p>
+          <a:p>
+            <a:r>
+              <a:rPr lang="en-US" dirty="0" err="1" smtClean="0"/>
+              <a:t>Dirichlet</a:t>
+            </a:r>
+            <a:endParaRPr lang="en-US" dirty="0" smtClean="0"/>
+          </a:p>
+          <a:p>
+            <a:pPr lvl="1"/>
+            <a:r>
+              <a:rPr lang="en-US" dirty="0" smtClean="0"/>
+              <a:t>Potential inside body = </a:t>
+            </a:r>
+            <a:r>
+              <a:rPr lang="en-US" dirty="0" err="1" smtClean="0"/>
+              <a:t>Freestreem</a:t>
+            </a:r>
+            <a:r>
+              <a:rPr lang="en-US" dirty="0" smtClean="0"/>
+              <a:t> potential</a:t>
+            </a:r>
+            <a:endParaRPr lang="en-US" dirty="0"/>
+          </a:p>
+        </p:txBody>
+      </p:sp>
     </p:spTree>
   </p:cSld>
   <p:clrMapOvr>
@@ -4211,16 +4517,30 @@
         </p:nvSpPr>
         <p:spPr/>
         <p:txBody>
-          <a:bodyPr/>
-          <a:lstStyle/>
-          <a:p>
-            <a:endParaRPr lang="en-US"/>
+          <a:bodyPr>
+            <a:normAutofit fontScale="90000"/>
+          </a:bodyPr>
+          <a:lstStyle/>
+          <a:p>
+            <a:r>
+              <a:rPr lang="en-US" dirty="0" smtClean="0"/>
+              <a:t>Created Wings </a:t>
+            </a:r>
+            <a:r>
+              <a:rPr lang="en-US" dirty="0" smtClean="0"/>
+              <a:t>C</a:t>
+            </a:r>
+            <a:r>
+              <a:rPr lang="en-US" dirty="0" smtClean="0"/>
+              <a:t>ompared to Results in the Paper</a:t>
+            </a:r>
+            <a:endParaRPr lang="en-US" dirty="0"/>
           </a:p>
         </p:txBody>
       </p:sp>
       <p:pic>
         <p:nvPicPr>
-          <p:cNvPr id="4" name="Content Placeholder 3" descr="RVLM2.PNG"/>
+          <p:cNvPr id="4" name="Content Placeholder 3" descr="compare.PNG"/>
           <p:cNvPicPr>
             <a:picLocks noGrp="1" noChangeAspect="1"/>
           </p:cNvPicPr>
@@ -4236,8 +4556,8 @@
         </p:blipFill>
         <p:spPr>
           <a:xfrm>
-            <a:off x="381000" y="2114565"/>
-            <a:ext cx="8305800" cy="3529615"/>
+            <a:off x="457200" y="1962101"/>
+            <a:ext cx="8229600" cy="3451323"/>
           </a:xfrm>
         </p:spPr>
       </p:pic>
@@ -4281,13 +4601,17 @@
           <a:bodyPr/>
           <a:lstStyle/>
           <a:p>
-            <a:endParaRPr lang="en-US"/>
+            <a:r>
+              <a:rPr lang="en-US" dirty="0" smtClean="0"/>
+              <a:t>LLT Compared to VLM1 Results</a:t>
+            </a:r>
+            <a:endParaRPr lang="en-US" dirty="0"/>
           </a:p>
         </p:txBody>
       </p:sp>
       <p:pic>
         <p:nvPicPr>
-          <p:cNvPr id="4" name="Content Placeholder 3" descr="Panel.PNG"/>
+          <p:cNvPr id="6" name="Content Placeholder 5" descr="LLT.PNG"/>
           <p:cNvPicPr>
             <a:picLocks noGrp="1" noChangeAspect="1"/>
           </p:cNvPicPr>
@@ -4303,8 +4627,8 @@
         </p:blipFill>
         <p:spPr>
           <a:xfrm>
-            <a:off x="457200" y="1952928"/>
-            <a:ext cx="8229600" cy="3469669"/>
+            <a:off x="304800" y="2128347"/>
+            <a:ext cx="8382000" cy="3533922"/>
           </a:xfrm>
         </p:spPr>
       </p:pic>
@@ -4350,7 +4674,7 @@
           <a:p>
             <a:r>
               <a:rPr lang="en-US" dirty="0" smtClean="0"/>
-              <a:t>Airfoil Shape</a:t>
+              <a:t>VLM2 Compared to VLM1</a:t>
             </a:r>
             <a:endParaRPr lang="en-US" dirty="0"/>
           </a:p>
@@ -4358,7 +4682,7 @@
       </p:sp>
       <p:pic>
         <p:nvPicPr>
-          <p:cNvPr id="6" name="Content Placeholder 5" descr="green.png"/>
+          <p:cNvPr id="4" name="Content Placeholder 3" descr="RVLM2.PNG"/>
           <p:cNvPicPr>
             <a:picLocks noGrp="1" noChangeAspect="1"/>
           </p:cNvPicPr>
@@ -4374,8 +4698,8 @@
         </p:blipFill>
         <p:spPr>
           <a:xfrm>
-            <a:off x="457200" y="2258298"/>
-            <a:ext cx="8229600" cy="2858929"/>
+            <a:off x="381000" y="2114565"/>
+            <a:ext cx="8305800" cy="3529615"/>
           </a:xfrm>
         </p:spPr>
       </p:pic>
@@ -4421,7 +4745,7 @@
           <a:p>
             <a:r>
               <a:rPr lang="en-US" dirty="0" smtClean="0"/>
-              <a:t>Cp Distribution</a:t>
+              <a:t>3D Panel Compared to VLM1</a:t>
             </a:r>
             <a:endParaRPr lang="en-US" dirty="0"/>
           </a:p>
@@ -4429,7 +4753,7 @@
       </p:sp>
       <p:pic>
         <p:nvPicPr>
-          <p:cNvPr id="4" name="Content Placeholder 3" descr="bottompanel.png"/>
+          <p:cNvPr id="4" name="Content Placeholder 3" descr="Panel.PNG"/>
           <p:cNvPicPr>
             <a:picLocks noGrp="1" noChangeAspect="1"/>
           </p:cNvPicPr>
@@ -4445,143 +4769,11 @@
         </p:blipFill>
         <p:spPr>
           <a:xfrm>
-            <a:off x="533400" y="2057400"/>
-            <a:ext cx="3850105" cy="1828800"/>
+            <a:off x="457200" y="1952928"/>
+            <a:ext cx="8229600" cy="3469669"/>
           </a:xfrm>
         </p:spPr>
       </p:pic>
-      <p:pic>
-        <p:nvPicPr>
-          <p:cNvPr id="5" name="Picture 4" descr="toppanel.png"/>
-          <p:cNvPicPr>
-            <a:picLocks noChangeAspect="1"/>
-          </p:cNvPicPr>
-          <p:nvPr/>
-        </p:nvPicPr>
-        <p:blipFill>
-          <a:blip r:embed="rId3" cstate="print"/>
-          <a:stretch>
-            <a:fillRect/>
-          </a:stretch>
-        </p:blipFill>
-        <p:spPr>
-          <a:xfrm>
-            <a:off x="4800601" y="2057400"/>
-            <a:ext cx="3850105" cy="1828800"/>
-          </a:xfrm>
-          <a:prstGeom prst="rect">
-            <a:avLst/>
-          </a:prstGeom>
-        </p:spPr>
-      </p:pic>
-      <p:pic>
-        <p:nvPicPr>
-          <p:cNvPr id="6" name="Picture 5" descr="bottomvlm.png"/>
-          <p:cNvPicPr>
-            <a:picLocks noChangeAspect="1"/>
-          </p:cNvPicPr>
-          <p:nvPr/>
-        </p:nvPicPr>
-        <p:blipFill>
-          <a:blip r:embed="rId4" cstate="print"/>
-          <a:stretch>
-            <a:fillRect/>
-          </a:stretch>
-        </p:blipFill>
-        <p:spPr>
-          <a:xfrm>
-            <a:off x="533399" y="4419600"/>
-            <a:ext cx="3850105" cy="1828800"/>
-          </a:xfrm>
-          <a:prstGeom prst="rect">
-            <a:avLst/>
-          </a:prstGeom>
-        </p:spPr>
-      </p:pic>
-      <p:pic>
-        <p:nvPicPr>
-          <p:cNvPr id="7" name="Picture 6" descr="topvlm.png"/>
-          <p:cNvPicPr>
-            <a:picLocks noChangeAspect="1"/>
-          </p:cNvPicPr>
-          <p:nvPr/>
-        </p:nvPicPr>
-        <p:blipFill>
-          <a:blip r:embed="rId5" cstate="print"/>
-          <a:stretch>
-            <a:fillRect/>
-          </a:stretch>
-        </p:blipFill>
-        <p:spPr>
-          <a:xfrm>
-            <a:off x="4724400" y="4419600"/>
-            <a:ext cx="3850106" cy="1828800"/>
-          </a:xfrm>
-          <a:prstGeom prst="rect">
-            <a:avLst/>
-          </a:prstGeom>
-        </p:spPr>
-      </p:pic>
-      <p:sp>
-        <p:nvSpPr>
-          <p:cNvPr id="8" name="TextBox 7"/>
-          <p:cNvSpPr txBox="1"/>
-          <p:nvPr/>
-        </p:nvSpPr>
-        <p:spPr>
-          <a:xfrm>
-            <a:off x="4038600" y="1524000"/>
-            <a:ext cx="4343400" cy="369332"/>
-          </a:xfrm>
-          <a:prstGeom prst="rect">
-            <a:avLst/>
-          </a:prstGeom>
-          <a:noFill/>
-        </p:spPr>
-        <p:txBody>
-          <a:bodyPr wrap="square" rtlCol="0">
-            <a:spAutoFit/>
-          </a:bodyPr>
-          <a:lstStyle/>
-          <a:p>
-            <a:r>
-              <a:rPr lang="en-US" dirty="0" smtClean="0"/>
-              <a:t>3D Panel</a:t>
-            </a:r>
-            <a:endParaRPr lang="en-US" dirty="0"/>
-          </a:p>
-        </p:txBody>
-      </p:sp>
-      <p:sp>
-        <p:nvSpPr>
-          <p:cNvPr id="9" name="TextBox 8"/>
-          <p:cNvSpPr txBox="1"/>
-          <p:nvPr/>
-        </p:nvSpPr>
-        <p:spPr>
-          <a:xfrm>
-            <a:off x="4191000" y="3962400"/>
-            <a:ext cx="1447800" cy="369332"/>
-          </a:xfrm>
-          <a:prstGeom prst="rect">
-            <a:avLst/>
-          </a:prstGeom>
-          <a:noFill/>
-        </p:spPr>
-        <p:txBody>
-          <a:bodyPr wrap="square" rtlCol="0">
-            <a:spAutoFit/>
-          </a:bodyPr>
-          <a:lstStyle/>
-          <a:p>
-            <a:r>
-              <a:rPr lang="en-US" dirty="0" smtClean="0"/>
-              <a:t>VLM1</a:t>
-            </a:r>
-            <a:endParaRPr lang="en-US" dirty="0"/>
-          </a:p>
-        </p:txBody>
-      </p:sp>
     </p:spTree>
   </p:cSld>
   <p:clrMapOvr>
@@ -4624,31 +4816,35 @@
           <a:p>
             <a:r>
               <a:rPr lang="en-US" dirty="0" smtClean="0"/>
-              <a:t>Conclusions</a:t>
-            </a:r>
-            <a:endParaRPr lang="en-US" dirty="0"/>
-          </a:p>
-        </p:txBody>
-      </p:sp>
-      <p:sp>
-        <p:nvSpPr>
-          <p:cNvPr id="3" name="Content Placeholder 2"/>
-          <p:cNvSpPr>
-            <a:spLocks noGrp="1"/>
-          </p:cNvSpPr>
+              <a:t>Airfoil Shape</a:t>
+            </a:r>
+            <a:endParaRPr lang="en-US" dirty="0"/>
+          </a:p>
+        </p:txBody>
+      </p:sp>
+      <p:pic>
+        <p:nvPicPr>
+          <p:cNvPr id="6" name="Content Placeholder 5" descr="green.png"/>
+          <p:cNvPicPr>
+            <a:picLocks noGrp="1" noChangeAspect="1"/>
+          </p:cNvPicPr>
           <p:nvPr>
             <p:ph sz="quarter" idx="1"/>
           </p:nvPr>
-        </p:nvSpPr>
-        <p:spPr/>
-        <p:txBody>
-          <a:bodyPr/>
-          <a:lstStyle/>
-          <a:p>
-            <a:endParaRPr lang="en-US" dirty="0"/>
-          </a:p>
-        </p:txBody>
-      </p:sp>
+        </p:nvPicPr>
+        <p:blipFill>
+          <a:blip r:embed="rId2" cstate="print"/>
+          <a:stretch>
+            <a:fillRect/>
+          </a:stretch>
+        </p:blipFill>
+        <p:spPr>
+          <a:xfrm>
+            <a:off x="457200" y="2258298"/>
+            <a:ext cx="8229600" cy="2858929"/>
+          </a:xfrm>
+        </p:spPr>
+      </p:pic>
     </p:spTree>
   </p:cSld>
   <p:clrMapOvr>
@@ -4691,27 +4887,163 @@
           <a:p>
             <a:r>
               <a:rPr lang="en-US" dirty="0" smtClean="0"/>
-              <a:t>Question?</a:t>
-            </a:r>
-            <a:endParaRPr lang="en-US" dirty="0"/>
-          </a:p>
-        </p:txBody>
-      </p:sp>
-      <p:sp>
-        <p:nvSpPr>
-          <p:cNvPr id="3" name="Content Placeholder 2"/>
-          <p:cNvSpPr>
-            <a:spLocks noGrp="1"/>
-          </p:cNvSpPr>
+              <a:t>Cp Distribution</a:t>
+            </a:r>
+            <a:endParaRPr lang="en-US" dirty="0"/>
+          </a:p>
+        </p:txBody>
+      </p:sp>
+      <p:pic>
+        <p:nvPicPr>
+          <p:cNvPr id="4" name="Content Placeholder 3" descr="bottompanel.png"/>
+          <p:cNvPicPr>
+            <a:picLocks noGrp="1" noChangeAspect="1"/>
+          </p:cNvPicPr>
           <p:nvPr>
             <p:ph sz="quarter" idx="1"/>
           </p:nvPr>
-        </p:nvSpPr>
-        <p:spPr/>
-        <p:txBody>
-          <a:bodyPr/>
-          <a:lstStyle/>
-          <a:p>
+        </p:nvPicPr>
+        <p:blipFill>
+          <a:blip r:embed="rId2" cstate="print"/>
+          <a:stretch>
+            <a:fillRect/>
+          </a:stretch>
+        </p:blipFill>
+        <p:spPr>
+          <a:xfrm>
+            <a:off x="533400" y="2057400"/>
+            <a:ext cx="3850105" cy="1828800"/>
+          </a:xfrm>
+        </p:spPr>
+      </p:pic>
+      <p:pic>
+        <p:nvPicPr>
+          <p:cNvPr id="5" name="Picture 4" descr="toppanel.png"/>
+          <p:cNvPicPr>
+            <a:picLocks noChangeAspect="1"/>
+          </p:cNvPicPr>
+          <p:nvPr/>
+        </p:nvPicPr>
+        <p:blipFill>
+          <a:blip r:embed="rId3" cstate="print"/>
+          <a:stretch>
+            <a:fillRect/>
+          </a:stretch>
+        </p:blipFill>
+        <p:spPr>
+          <a:xfrm>
+            <a:off x="4800601" y="2057400"/>
+            <a:ext cx="3850105" cy="1828800"/>
+          </a:xfrm>
+          <a:prstGeom prst="rect">
+            <a:avLst/>
+          </a:prstGeom>
+        </p:spPr>
+      </p:pic>
+      <p:pic>
+        <p:nvPicPr>
+          <p:cNvPr id="6" name="Picture 5" descr="bottomvlm.png"/>
+          <p:cNvPicPr>
+            <a:picLocks noChangeAspect="1"/>
+          </p:cNvPicPr>
+          <p:nvPr/>
+        </p:nvPicPr>
+        <p:blipFill>
+          <a:blip r:embed="rId4" cstate="print"/>
+          <a:stretch>
+            <a:fillRect/>
+          </a:stretch>
+        </p:blipFill>
+        <p:spPr>
+          <a:xfrm>
+            <a:off x="533399" y="4419600"/>
+            <a:ext cx="3850105" cy="1828800"/>
+          </a:xfrm>
+          <a:prstGeom prst="rect">
+            <a:avLst/>
+          </a:prstGeom>
+        </p:spPr>
+      </p:pic>
+      <p:pic>
+        <p:nvPicPr>
+          <p:cNvPr id="7" name="Picture 6" descr="topvlm.png"/>
+          <p:cNvPicPr>
+            <a:picLocks noChangeAspect="1"/>
+          </p:cNvPicPr>
+          <p:nvPr/>
+        </p:nvPicPr>
+        <p:blipFill>
+          <a:blip r:embed="rId5" cstate="print"/>
+          <a:stretch>
+            <a:fillRect/>
+          </a:stretch>
+        </p:blipFill>
+        <p:spPr>
+          <a:xfrm>
+            <a:off x="4724400" y="4419600"/>
+            <a:ext cx="3850106" cy="1828800"/>
+          </a:xfrm>
+          <a:prstGeom prst="rect">
+            <a:avLst/>
+          </a:prstGeom>
+        </p:spPr>
+      </p:pic>
+      <p:sp>
+        <p:nvSpPr>
+          <p:cNvPr id="8" name="TextBox 7"/>
+          <p:cNvSpPr txBox="1"/>
+          <p:nvPr/>
+        </p:nvSpPr>
+        <p:spPr>
+          <a:xfrm>
+            <a:off x="4038600" y="1524000"/>
+            <a:ext cx="4343400" cy="369332"/>
+          </a:xfrm>
+          <a:prstGeom prst="rect">
+            <a:avLst/>
+          </a:prstGeom>
+          <a:noFill/>
+        </p:spPr>
+        <p:txBody>
+          <a:bodyPr wrap="square" rtlCol="0">
+            <a:spAutoFit/>
+          </a:bodyPr>
+          <a:lstStyle/>
+          <a:p>
+            <a:r>
+              <a:rPr lang="en-US" dirty="0" smtClean="0"/>
+              <a:t>3D Panel</a:t>
+            </a:r>
+            <a:endParaRPr lang="en-US" dirty="0"/>
+          </a:p>
+        </p:txBody>
+      </p:sp>
+      <p:sp>
+        <p:nvSpPr>
+          <p:cNvPr id="9" name="TextBox 8"/>
+          <p:cNvSpPr txBox="1"/>
+          <p:nvPr/>
+        </p:nvSpPr>
+        <p:spPr>
+          <a:xfrm>
+            <a:off x="4191000" y="3962400"/>
+            <a:ext cx="1447800" cy="369332"/>
+          </a:xfrm>
+          <a:prstGeom prst="rect">
+            <a:avLst/>
+          </a:prstGeom>
+          <a:noFill/>
+        </p:spPr>
+        <p:txBody>
+          <a:bodyPr wrap="square" rtlCol="0">
+            <a:spAutoFit/>
+          </a:bodyPr>
+          <a:lstStyle/>
+          <a:p>
+            <a:r>
+              <a:rPr lang="en-US" dirty="0" smtClean="0"/>
+              <a:t>VLM1</a:t>
+            </a:r>
             <a:endParaRPr lang="en-US" dirty="0"/>
           </a:p>
         </p:txBody>
@@ -4754,26 +5086,82 @@
         <p:spPr/>
         <p:txBody>
           <a:bodyPr>
-            <a:normAutofit/>
+            <a:normAutofit fontScale="90000"/>
           </a:bodyPr>
           <a:lstStyle/>
           <a:p>
             <a:r>
               <a:rPr lang="en-US" dirty="0" smtClean="0"/>
-              <a:t>Longitudinal Stability Analysis</a:t>
-            </a:r>
+              <a:t>Constraints on the wing morphology</a:t>
+            </a:r>
+            <a:br>
+              <a:rPr lang="en-US" dirty="0" smtClean="0"/>
+            </a:br>
+            <a:r>
+              <a:rPr lang="en-US" dirty="0" smtClean="0"/>
+              <a:t>of pterosaurs</a:t>
+            </a:r>
+            <a:endParaRPr lang="en-US" dirty="0"/>
+          </a:p>
+        </p:txBody>
+      </p:sp>
+      <p:sp>
+        <p:nvSpPr>
+          <p:cNvPr id="3" name="Content Placeholder 2"/>
+          <p:cNvSpPr>
+            <a:spLocks noGrp="1"/>
+          </p:cNvSpPr>
+          <p:nvPr>
+            <p:ph sz="quarter" idx="1"/>
+          </p:nvPr>
+        </p:nvSpPr>
+        <p:spPr/>
+        <p:txBody>
+          <a:bodyPr/>
+          <a:lstStyle/>
+          <a:p>
+            <a:r>
+              <a:rPr lang="en-US" dirty="0" smtClean="0"/>
+              <a:t>Wing shape is a mystery</a:t>
+            </a:r>
+          </a:p>
+          <a:p>
+            <a:pPr lvl="1"/>
+            <a:r>
+              <a:rPr lang="en-US" dirty="0" smtClean="0"/>
+              <a:t>Few soft tissue </a:t>
+            </a:r>
+            <a:r>
+              <a:rPr lang="en-US" dirty="0" smtClean="0"/>
+              <a:t>fossils</a:t>
+            </a:r>
+          </a:p>
+          <a:p>
+            <a:r>
+              <a:rPr lang="en-US" dirty="0" smtClean="0"/>
+              <a:t>No studies looking at the aerodynamic components</a:t>
+            </a:r>
+          </a:p>
+          <a:p>
+            <a:r>
+              <a:rPr lang="en-US" dirty="0" smtClean="0"/>
+              <a:t>Want to combine biomechanical and aerodynamic constraints to predict shape</a:t>
+            </a:r>
+          </a:p>
+          <a:p>
+            <a:pPr lvl="1"/>
             <a:endParaRPr lang="en-US" dirty="0"/>
           </a:p>
         </p:txBody>
       </p:sp>
       <p:pic>
         <p:nvPicPr>
-          <p:cNvPr id="4" name="Content Placeholder 3" descr="unstable.PNG"/>
+          <p:cNvPr id="5" name="Content Placeholder 4" descr="wingshapes.PNG"/>
           <p:cNvPicPr>
             <a:picLocks noGrp="1" noChangeAspect="1"/>
           </p:cNvPicPr>
           <p:nvPr>
-            <p:ph sz="quarter" idx="1"/>
+            <p:ph sz="quarter" idx="2"/>
           </p:nvPr>
         </p:nvPicPr>
         <p:blipFill>
@@ -4784,8 +5172,172 @@
         </p:blipFill>
         <p:spPr>
           <a:xfrm>
-            <a:off x="2548450" y="1219200"/>
-            <a:ext cx="4047099" cy="4937125"/>
+            <a:off x="4632325" y="1317175"/>
+            <a:ext cx="4041775" cy="4734825"/>
+          </a:xfrm>
+        </p:spPr>
+      </p:pic>
+    </p:spTree>
+  </p:cSld>
+  <p:clrMapOvr>
+    <a:masterClrMapping/>
+  </p:clrMapOvr>
+</p:sld>
+</file>
+
+<file path=ppt/slides/slide20.xml><?xml version="1.0" encoding="utf-8"?>
+<p:sld xmlns:a="http://schemas.openxmlformats.org/drawingml/2006/main" xmlns:r="http://schemas.openxmlformats.org/officeDocument/2006/relationships" xmlns:p="http://schemas.openxmlformats.org/presentationml/2006/main">
+  <p:cSld>
+    <p:spTree>
+      <p:nvGrpSpPr>
+        <p:cNvPr id="1" name=""/>
+        <p:cNvGrpSpPr/>
+        <p:nvPr/>
+      </p:nvGrpSpPr>
+      <p:grpSpPr>
+        <a:xfrm>
+          <a:off x="0" y="0"/>
+          <a:ext cx="0" cy="0"/>
+          <a:chOff x="0" y="0"/>
+          <a:chExt cx="0" cy="0"/>
+        </a:xfrm>
+      </p:grpSpPr>
+      <p:sp>
+        <p:nvSpPr>
+          <p:cNvPr id="2" name="Title 1"/>
+          <p:cNvSpPr>
+            <a:spLocks noGrp="1"/>
+          </p:cNvSpPr>
+          <p:nvPr>
+            <p:ph type="title"/>
+          </p:nvPr>
+        </p:nvSpPr>
+        <p:spPr/>
+        <p:txBody>
+          <a:bodyPr/>
+          <a:lstStyle/>
+          <a:p>
+            <a:r>
+              <a:rPr lang="en-US" dirty="0" smtClean="0"/>
+              <a:t>Conclusions</a:t>
+            </a:r>
+            <a:endParaRPr lang="en-US" dirty="0"/>
+          </a:p>
+        </p:txBody>
+      </p:sp>
+      <p:sp>
+        <p:nvSpPr>
+          <p:cNvPr id="3" name="Content Placeholder 2"/>
+          <p:cNvSpPr>
+            <a:spLocks noGrp="1"/>
+          </p:cNvSpPr>
+          <p:nvPr>
+            <p:ph sz="quarter" idx="1"/>
+          </p:nvPr>
+        </p:nvSpPr>
+        <p:spPr/>
+        <p:txBody>
+          <a:bodyPr/>
+          <a:lstStyle/>
+          <a:p>
+            <a:r>
+              <a:rPr lang="en-US" dirty="0" smtClean="0"/>
+              <a:t>VLM and 3D panel method yield different results</a:t>
+            </a:r>
+          </a:p>
+          <a:p>
+            <a:r>
+              <a:rPr lang="en-US" dirty="0" smtClean="0"/>
+              <a:t>Due to the variable thickness, 3D Panel method may yield more accurate results</a:t>
+            </a:r>
+          </a:p>
+          <a:p>
+            <a:r>
+              <a:rPr lang="en-US" dirty="0" smtClean="0"/>
+              <a:t>Potential flow models may be limited in flapping flight applications</a:t>
+            </a:r>
+          </a:p>
+          <a:p>
+            <a:r>
+              <a:rPr lang="en-US" dirty="0" smtClean="0"/>
+              <a:t>Trends shown are repeatable</a:t>
+            </a:r>
+          </a:p>
+        </p:txBody>
+      </p:sp>
+    </p:spTree>
+  </p:cSld>
+  <p:clrMapOvr>
+    <a:masterClrMapping/>
+  </p:clrMapOvr>
+</p:sld>
+</file>
+
+<file path=ppt/slides/slide21.xml><?xml version="1.0" encoding="utf-8"?>
+<p:sld xmlns:a="http://schemas.openxmlformats.org/drawingml/2006/main" xmlns:r="http://schemas.openxmlformats.org/officeDocument/2006/relationships" xmlns:p="http://schemas.openxmlformats.org/presentationml/2006/main">
+  <p:cSld>
+    <p:spTree>
+      <p:nvGrpSpPr>
+        <p:cNvPr id="1" name=""/>
+        <p:cNvGrpSpPr/>
+        <p:nvPr/>
+      </p:nvGrpSpPr>
+      <p:grpSpPr>
+        <a:xfrm>
+          <a:off x="0" y="0"/>
+          <a:ext cx="0" cy="0"/>
+          <a:chOff x="0" y="0"/>
+          <a:chExt cx="0" cy="0"/>
+        </a:xfrm>
+      </p:grpSpPr>
+      <p:sp>
+        <p:nvSpPr>
+          <p:cNvPr id="2" name="Title 1"/>
+          <p:cNvSpPr>
+            <a:spLocks noGrp="1"/>
+          </p:cNvSpPr>
+          <p:nvPr>
+            <p:ph type="title" idx="4294967295"/>
+          </p:nvPr>
+        </p:nvSpPr>
+        <p:spPr>
+          <a:xfrm>
+            <a:off x="0" y="152400"/>
+            <a:ext cx="8229600" cy="990600"/>
+          </a:xfrm>
+        </p:spPr>
+        <p:txBody>
+          <a:bodyPr/>
+          <a:lstStyle/>
+          <a:p>
+            <a:r>
+              <a:rPr lang="en-US" dirty="0" smtClean="0"/>
+              <a:t>Question?</a:t>
+            </a:r>
+            <a:endParaRPr lang="en-US" dirty="0"/>
+          </a:p>
+        </p:txBody>
+      </p:sp>
+      <p:pic>
+        <p:nvPicPr>
+          <p:cNvPr id="4" name="Content Placeholder 3" descr="090107-pterosaur-picture_big.jpg"/>
+          <p:cNvPicPr>
+            <a:picLocks noGrp="1" noChangeAspect="1"/>
+          </p:cNvPicPr>
+          <p:nvPr>
+            <p:ph sz="quarter" idx="4294967295"/>
+          </p:nvPr>
+        </p:nvPicPr>
+        <p:blipFill>
+          <a:blip r:embed="rId2" cstate="print"/>
+          <a:stretch>
+            <a:fillRect/>
+          </a:stretch>
+        </p:blipFill>
+        <p:spPr>
+          <a:xfrm>
+            <a:off x="2438400" y="228600"/>
+            <a:ext cx="6096000" cy="5950238"/>
           </a:xfrm>
         </p:spPr>
       </p:pic>
@@ -4826,12 +5378,14 @@
         </p:nvSpPr>
         <p:spPr/>
         <p:txBody>
-          <a:bodyPr/>
-          <a:lstStyle/>
-          <a:p>
-            <a:r>
-              <a:rPr lang="en-US" dirty="0" smtClean="0"/>
-              <a:t>Effects of Washout</a:t>
+          <a:bodyPr>
+            <a:normAutofit/>
+          </a:bodyPr>
+          <a:lstStyle/>
+          <a:p>
+            <a:r>
+              <a:rPr lang="en-US" dirty="0" smtClean="0"/>
+              <a:t>Longitudinal Stability Analysis</a:t>
             </a:r>
             <a:endParaRPr lang="en-US" dirty="0"/>
           </a:p>
@@ -4839,7 +5393,7 @@
       </p:sp>
       <p:pic>
         <p:nvPicPr>
-          <p:cNvPr id="4" name="Content Placeholder 3" descr="figure8.PNG"/>
+          <p:cNvPr id="4" name="Content Placeholder 3" descr="unstable.PNG"/>
           <p:cNvPicPr>
             <a:picLocks noGrp="1" noChangeAspect="1"/>
           </p:cNvPicPr>
@@ -4855,8 +5409,8 @@
         </p:blipFill>
         <p:spPr>
           <a:xfrm>
-            <a:off x="2121957" y="1896907"/>
-            <a:ext cx="4900085" cy="3581711"/>
+            <a:off x="2590800" y="1295400"/>
+            <a:ext cx="4041775" cy="4930630"/>
           </a:xfrm>
         </p:spPr>
       </p:pic>
@@ -4902,7 +5456,7 @@
           <a:p>
             <a:r>
               <a:rPr lang="en-US" dirty="0" smtClean="0"/>
-              <a:t>XFLR5</a:t>
+              <a:t>Effects of Washout</a:t>
             </a:r>
             <a:endParaRPr lang="en-US" dirty="0"/>
           </a:p>
@@ -4910,7 +5464,7 @@
       </p:sp>
       <p:pic>
         <p:nvPicPr>
-          <p:cNvPr id="4" name="Content Placeholder 3" descr="XFLR5wing.PNG"/>
+          <p:cNvPr id="4" name="Content Placeholder 3" descr="figure8.PNG"/>
           <p:cNvPicPr>
             <a:picLocks noGrp="1" noChangeAspect="1"/>
           </p:cNvPicPr>
@@ -4926,8 +5480,8 @@
         </p:blipFill>
         <p:spPr>
           <a:xfrm>
-            <a:off x="782103" y="1219200"/>
-            <a:ext cx="7579793" cy="4937125"/>
+            <a:off x="1295400" y="1219200"/>
+            <a:ext cx="6564842" cy="4798563"/>
           </a:xfrm>
         </p:spPr>
       </p:pic>
@@ -4973,7 +5527,7 @@
           <a:p>
             <a:r>
               <a:rPr lang="en-US" dirty="0" smtClean="0"/>
-              <a:t>LLT Lifting Line Theory</a:t>
+              <a:t>XFLR5</a:t>
             </a:r>
             <a:endParaRPr lang="en-US" dirty="0"/>
           </a:p>
@@ -4981,7 +5535,7 @@
       </p:sp>
       <p:pic>
         <p:nvPicPr>
-          <p:cNvPr id="4" name="Content Placeholder 3" descr="800px-Lifting_line_theory_illustration_(2).svg.png"/>
+          <p:cNvPr id="4" name="Content Placeholder 3" descr="XFLR5wing.PNG"/>
           <p:cNvPicPr>
             <a:picLocks noGrp="1" noChangeAspect="1"/>
           </p:cNvPicPr>
@@ -4997,116 +5551,11 @@
         </p:blipFill>
         <p:spPr>
           <a:xfrm>
-            <a:off x="2971800" y="1676400"/>
-            <a:ext cx="5495559" cy="4114800"/>
+            <a:off x="782103" y="1219200"/>
+            <a:ext cx="7579793" cy="4937125"/>
           </a:xfrm>
         </p:spPr>
       </p:pic>
-      <p:sp>
-        <p:nvSpPr>
-          <p:cNvPr id="5" name="Content Placeholder 4"/>
-          <p:cNvSpPr>
-            <a:spLocks noGrp="1"/>
-          </p:cNvSpPr>
-          <p:nvPr>
-            <p:ph sz="quarter" idx="2"/>
-          </p:nvPr>
-        </p:nvSpPr>
-        <p:spPr>
-          <a:xfrm>
-            <a:off x="304800" y="1676400"/>
-            <a:ext cx="4038600" cy="4525963"/>
-          </a:xfrm>
-        </p:spPr>
-        <p:txBody>
-          <a:bodyPr>
-            <a:normAutofit fontScale="77500" lnSpcReduction="20000"/>
-          </a:bodyPr>
-          <a:lstStyle/>
-          <a:p>
-            <a:r>
-              <a:rPr lang="en-US" i="1" dirty="0" err="1" smtClean="0"/>
-              <a:t>Kutta_Joukowski</a:t>
-            </a:r>
-            <a:endParaRPr lang="en-US" i="1" dirty="0" smtClean="0"/>
-          </a:p>
-          <a:p>
-            <a:r>
-              <a:rPr lang="en-US" i="1" dirty="0" err="1" smtClean="0"/>
-              <a:t>Biot-Savart</a:t>
-            </a:r>
-            <a:endParaRPr lang="en-US" i="1" dirty="0" smtClean="0"/>
-          </a:p>
-          <a:p>
-            <a:r>
-              <a:rPr lang="en-US" i="1" dirty="0" smtClean="0"/>
-              <a:t>Helmholtz Theorem</a:t>
-            </a:r>
-          </a:p>
-          <a:p>
-            <a:pPr lvl="1"/>
-            <a:r>
-              <a:rPr lang="en-US" dirty="0" smtClean="0"/>
-              <a:t>The strength of a vortex filament is constant </a:t>
-            </a:r>
-            <a:r>
-              <a:rPr lang="en-US" dirty="0" smtClean="0"/>
-              <a:t>along </a:t>
-            </a:r>
-            <a:r>
-              <a:rPr lang="en-US" dirty="0" smtClean="0"/>
-              <a:t>its length</a:t>
-            </a:r>
-          </a:p>
-          <a:p>
-            <a:pPr lvl="1"/>
-            <a:r>
-              <a:rPr lang="en-US" dirty="0" smtClean="0"/>
-              <a:t>A vortex filament cannot end in a fluid: must extend to infinity or form a closed </a:t>
-            </a:r>
-            <a:r>
-              <a:rPr lang="en-US" dirty="0" smtClean="0"/>
-              <a:t>path</a:t>
-            </a:r>
-            <a:endParaRPr lang="en-US" i="1" dirty="0" smtClean="0"/>
-          </a:p>
-          <a:p>
-            <a:r>
-              <a:rPr lang="en-US" i="1" dirty="0" smtClean="0"/>
-              <a:t>Effective angle of attack</a:t>
-            </a:r>
-          </a:p>
-          <a:p>
-            <a:r>
-              <a:rPr lang="en-US" i="1" dirty="0" smtClean="0"/>
-              <a:t>Repeat</a:t>
-            </a:r>
-          </a:p>
-          <a:p>
-            <a:pPr lvl="1"/>
-            <a:endParaRPr lang="en-US" i="1" dirty="0" smtClean="0"/>
-          </a:p>
-          <a:p>
-            <a:pPr>
-              <a:buNone/>
-            </a:pPr>
-            <a:endParaRPr lang="en-US" i="1" dirty="0" smtClean="0"/>
-          </a:p>
-          <a:p>
-            <a:pPr lvl="1">
-              <a:buNone/>
-            </a:pPr>
-            <a:r>
-              <a:rPr lang="el-GR" dirty="0" smtClean="0"/>
-              <a:t/>
-            </a:r>
-            <a:br>
-              <a:rPr lang="el-GR" dirty="0" smtClean="0"/>
-            </a:br>
-            <a:endParaRPr lang="en-US" dirty="0"/>
-          </a:p>
-        </p:txBody>
-      </p:sp>
     </p:spTree>
   </p:cSld>
   <p:clrMapOvr>
@@ -5149,20 +5598,20 @@
           <a:p>
             <a:r>
               <a:rPr lang="en-US" dirty="0" smtClean="0"/>
-              <a:t>LLT</a:t>
-            </a:r>
-            <a:endParaRPr lang="en-US" dirty="0"/>
-          </a:p>
-        </p:txBody>
-      </p:sp>
-      <p:sp>
-        <p:nvSpPr>
-          <p:cNvPr id="6" name="Text Placeholder 5"/>
-          <p:cNvSpPr>
-            <a:spLocks noGrp="1"/>
-          </p:cNvSpPr>
-          <p:nvPr>
-            <p:ph type="body" idx="1"/>
+              <a:t>Python Coding</a:t>
+            </a:r>
+            <a:endParaRPr lang="en-US" dirty="0"/>
+          </a:p>
+        </p:txBody>
+      </p:sp>
+      <p:sp>
+        <p:nvSpPr>
+          <p:cNvPr id="3" name="Content Placeholder 2"/>
+          <p:cNvSpPr>
+            <a:spLocks noGrp="1"/>
+          </p:cNvSpPr>
+          <p:nvPr>
+            <p:ph sz="quarter" idx="1"/>
           </p:nvPr>
         </p:nvSpPr>
         <p:spPr/>
@@ -5172,49 +5621,13 @@
           <a:p>
             <a:r>
               <a:rPr lang="en-US" dirty="0" smtClean="0"/>
-              <a:t>Limitations</a:t>
-            </a:r>
-            <a:endParaRPr lang="en-US" dirty="0"/>
-          </a:p>
-        </p:txBody>
-      </p:sp>
-      <p:sp>
-        <p:nvSpPr>
-          <p:cNvPr id="7" name="Content Placeholder 6"/>
-          <p:cNvSpPr>
-            <a:spLocks noGrp="1"/>
-          </p:cNvSpPr>
-          <p:nvPr>
-            <p:ph sz="quarter" idx="2"/>
-          </p:nvPr>
-        </p:nvSpPr>
-        <p:spPr/>
-        <p:txBody>
-          <a:bodyPr/>
-          <a:lstStyle/>
-          <a:p>
-            <a:r>
-              <a:rPr lang="en-US" dirty="0" smtClean="0"/>
-              <a:t>Does not account for sweep</a:t>
-            </a:r>
-          </a:p>
-          <a:p>
-            <a:r>
-              <a:rPr lang="en-US" dirty="0" smtClean="0"/>
-              <a:t>Does not account for dihedral </a:t>
-            </a:r>
-          </a:p>
-          <a:p>
-            <a:r>
-              <a:rPr lang="en-US" dirty="0" err="1" smtClean="0"/>
-              <a:t>Inviscid</a:t>
-            </a:r>
-            <a:endParaRPr lang="en-US" dirty="0" smtClean="0"/>
-          </a:p>
-          <a:p>
-            <a:r>
-              <a:rPr lang="en-US" dirty="0" smtClean="0"/>
-              <a:t>Must have high Aspect Ratio</a:t>
+              <a:t>Create dictionary that includes each wings class</a:t>
+            </a:r>
+          </a:p>
+          <a:p>
+            <a:r>
+              <a:rPr lang="en-US" dirty="0" smtClean="0"/>
+              <a:t>Allows the calling of a specific wing class without storing different variables</a:t>
             </a:r>
             <a:endParaRPr lang="en-US" dirty="0"/>
           </a:p>
@@ -5222,12 +5635,12 @@
       </p:sp>
       <p:pic>
         <p:nvPicPr>
-          <p:cNvPr id="10" name="Content Placeholder 9" descr="800px-Lifting_line_theory_illustration_(2).svg.png"/>
+          <p:cNvPr id="5" name="Content Placeholder 4" descr="dict.PNG"/>
           <p:cNvPicPr>
             <a:picLocks noGrp="1" noChangeAspect="1"/>
           </p:cNvPicPr>
           <p:nvPr>
-            <p:ph sz="quarter" idx="4"/>
+            <p:ph sz="quarter" idx="2"/>
           </p:nvPr>
         </p:nvPicPr>
         <p:blipFill>
@@ -5238,8 +5651,8 @@
         </p:blipFill>
         <p:spPr>
           <a:xfrm>
-            <a:off x="3048000" y="990600"/>
-            <a:ext cx="5699098" cy="4267200"/>
+            <a:off x="4495800" y="1600200"/>
+            <a:ext cx="4267200" cy="1153574"/>
           </a:xfrm>
         </p:spPr>
       </p:pic>
@@ -5285,98 +5698,20 @@
           <a:p>
             <a:r>
               <a:rPr lang="en-US" dirty="0" smtClean="0"/>
-              <a:t>Lifting Surface Theory</a:t>
-            </a:r>
-            <a:endParaRPr lang="en-US" dirty="0"/>
-          </a:p>
-        </p:txBody>
-      </p:sp>
-      <p:sp>
-        <p:nvSpPr>
-          <p:cNvPr id="4" name="Content Placeholder 3"/>
-          <p:cNvSpPr>
-            <a:spLocks noGrp="1"/>
-          </p:cNvSpPr>
-          <p:nvPr>
-            <p:ph sz="quarter" idx="1"/>
-          </p:nvPr>
-        </p:nvSpPr>
-        <p:spPr/>
-        <p:txBody>
-          <a:bodyPr/>
-          <a:lstStyle/>
-          <a:p>
-            <a:r>
-              <a:rPr lang="en-US" dirty="0" smtClean="0"/>
-              <a:t>Series of lifting lines</a:t>
-            </a:r>
-          </a:p>
-          <a:p>
-            <a:r>
-              <a:rPr lang="en-US" dirty="0" smtClean="0"/>
-              <a:t>Circulation varies in both</a:t>
-            </a:r>
-          </a:p>
-          <a:p>
-            <a:pPr lvl="1"/>
-            <a:r>
-              <a:rPr lang="en-US" dirty="0" smtClean="0">
-                <a:solidFill>
-                  <a:schemeClr val="tx1"/>
-                </a:solidFill>
-              </a:rPr>
-              <a:t>Span wise lifting line</a:t>
-            </a:r>
-          </a:p>
-          <a:p>
-            <a:pPr lvl="1"/>
-            <a:r>
-              <a:rPr lang="en-US" dirty="0" smtClean="0">
-                <a:solidFill>
-                  <a:schemeClr val="tx1"/>
-                </a:solidFill>
-              </a:rPr>
-              <a:t>Chord wise </a:t>
-            </a:r>
-            <a:r>
-              <a:rPr lang="en-US" dirty="0" smtClean="0">
-                <a:solidFill>
-                  <a:schemeClr val="tx1"/>
-                </a:solidFill>
-              </a:rPr>
-              <a:t>vortices</a:t>
-            </a:r>
-            <a:endParaRPr lang="en-US" dirty="0" smtClean="0"/>
-          </a:p>
-          <a:p>
-            <a:r>
-              <a:rPr lang="en-US" dirty="0" smtClean="0"/>
-              <a:t>Chord wise vortices extend into wake.</a:t>
-            </a:r>
-          </a:p>
-          <a:p>
-            <a:r>
-              <a:rPr lang="en-US" dirty="0" err="1" smtClean="0"/>
-              <a:t>Biot-Savart</a:t>
-            </a:r>
-            <a:endParaRPr lang="en-US" dirty="0" smtClean="0"/>
-          </a:p>
-          <a:p>
-            <a:r>
-              <a:rPr lang="en-US" dirty="0" smtClean="0"/>
-              <a:t>Flow tangency condition</a:t>
-            </a:r>
+              <a:t>LLT Lifting Line Theory</a:t>
+            </a:r>
+            <a:endParaRPr lang="en-US" dirty="0"/>
           </a:p>
         </p:txBody>
       </p:sp>
       <p:pic>
         <p:nvPicPr>
-          <p:cNvPr id="8" name="Content Placeholder 7" descr="lsurface.PNG"/>
+          <p:cNvPr id="4" name="Content Placeholder 3" descr="800px-Lifting_line_theory_illustration_(2).svg.png"/>
           <p:cNvPicPr>
             <a:picLocks noGrp="1" noChangeAspect="1"/>
           </p:cNvPicPr>
           <p:nvPr>
-            <p:ph sz="quarter" idx="2"/>
+            <p:ph sz="quarter" idx="1"/>
           </p:nvPr>
         </p:nvPicPr>
         <p:blipFill>
@@ -5387,11 +5722,116 @@
         </p:blipFill>
         <p:spPr>
           <a:xfrm>
-            <a:off x="4267200" y="1371600"/>
-            <a:ext cx="4657603" cy="4343400"/>
+            <a:off x="2971800" y="1676400"/>
+            <a:ext cx="5495559" cy="4114800"/>
           </a:xfrm>
         </p:spPr>
       </p:pic>
+      <p:sp>
+        <p:nvSpPr>
+          <p:cNvPr id="5" name="Content Placeholder 4"/>
+          <p:cNvSpPr>
+            <a:spLocks noGrp="1"/>
+          </p:cNvSpPr>
+          <p:nvPr>
+            <p:ph sz="quarter" idx="2"/>
+          </p:nvPr>
+        </p:nvSpPr>
+        <p:spPr>
+          <a:xfrm>
+            <a:off x="304800" y="1676400"/>
+            <a:ext cx="4038600" cy="4525963"/>
+          </a:xfrm>
+        </p:spPr>
+        <p:txBody>
+          <a:bodyPr>
+            <a:normAutofit fontScale="77500" lnSpcReduction="20000"/>
+          </a:bodyPr>
+          <a:lstStyle/>
+          <a:p>
+            <a:r>
+              <a:rPr lang="en-US" i="1" dirty="0" err="1" smtClean="0"/>
+              <a:t>Kutta_Joukowski</a:t>
+            </a:r>
+            <a:endParaRPr lang="en-US" i="1" dirty="0" smtClean="0"/>
+          </a:p>
+          <a:p>
+            <a:r>
+              <a:rPr lang="en-US" i="1" dirty="0" err="1" smtClean="0"/>
+              <a:t>Biot-Savart</a:t>
+            </a:r>
+            <a:endParaRPr lang="en-US" i="1" dirty="0" smtClean="0"/>
+          </a:p>
+          <a:p>
+            <a:r>
+              <a:rPr lang="en-US" i="1" dirty="0" smtClean="0"/>
+              <a:t>Helmholtz Theorem</a:t>
+            </a:r>
+          </a:p>
+          <a:p>
+            <a:pPr lvl="1"/>
+            <a:r>
+              <a:rPr lang="en-US" dirty="0" smtClean="0"/>
+              <a:t>The strength of a vortex filament is constant </a:t>
+            </a:r>
+            <a:r>
+              <a:rPr lang="en-US" dirty="0" smtClean="0"/>
+              <a:t>along </a:t>
+            </a:r>
+            <a:r>
+              <a:rPr lang="en-US" dirty="0" smtClean="0"/>
+              <a:t>its length</a:t>
+            </a:r>
+          </a:p>
+          <a:p>
+            <a:pPr lvl="1"/>
+            <a:r>
+              <a:rPr lang="en-US" dirty="0" smtClean="0"/>
+              <a:t>A vortex filament cannot end in a fluid: must extend to infinity or form a closed </a:t>
+            </a:r>
+            <a:r>
+              <a:rPr lang="en-US" dirty="0" smtClean="0"/>
+              <a:t>path</a:t>
+            </a:r>
+            <a:endParaRPr lang="en-US" i="1" dirty="0" smtClean="0"/>
+          </a:p>
+          <a:p>
+            <a:r>
+              <a:rPr lang="en-US" i="1" dirty="0" smtClean="0"/>
+              <a:t>Effective angle of attack</a:t>
+            </a:r>
+          </a:p>
+          <a:p>
+            <a:r>
+              <a:rPr lang="en-US" i="1" dirty="0" smtClean="0"/>
+              <a:t>Repeat</a:t>
+            </a:r>
+          </a:p>
+          <a:p>
+            <a:pPr lvl="1"/>
+            <a:endParaRPr lang="en-US" i="1" dirty="0" smtClean="0"/>
+          </a:p>
+          <a:p>
+            <a:pPr>
+              <a:buNone/>
+            </a:pPr>
+            <a:endParaRPr lang="en-US" i="1" dirty="0" smtClean="0"/>
+          </a:p>
+          <a:p>
+            <a:pPr lvl="1">
+              <a:buNone/>
+            </a:pPr>
+            <a:r>
+              <a:rPr lang="el-GR" dirty="0" smtClean="0"/>
+              <a:t/>
+            </a:r>
+            <a:br>
+              <a:rPr lang="el-GR" dirty="0" smtClean="0"/>
+            </a:br>
+            <a:endParaRPr lang="en-US" dirty="0"/>
+          </a:p>
+        </p:txBody>
+      </p:sp>
     </p:spTree>
   </p:cSld>
   <p:clrMapOvr>
@@ -5434,20 +5874,20 @@
           <a:p>
             <a:r>
               <a:rPr lang="en-US" dirty="0" smtClean="0"/>
-              <a:t>VLM Vortex Lattice Method</a:t>
-            </a:r>
-            <a:endParaRPr lang="en-US" dirty="0"/>
-          </a:p>
-        </p:txBody>
-      </p:sp>
-      <p:sp>
-        <p:nvSpPr>
-          <p:cNvPr id="4" name="Content Placeholder 3"/>
-          <p:cNvSpPr>
-            <a:spLocks noGrp="1"/>
-          </p:cNvSpPr>
-          <p:nvPr>
-            <p:ph sz="quarter" idx="1"/>
+              <a:t>LLT</a:t>
+            </a:r>
+            <a:endParaRPr lang="en-US" dirty="0"/>
+          </a:p>
+        </p:txBody>
+      </p:sp>
+      <p:sp>
+        <p:nvSpPr>
+          <p:cNvPr id="6" name="Text Placeholder 5"/>
+          <p:cNvSpPr>
+            <a:spLocks noGrp="1"/>
+          </p:cNvSpPr>
+          <p:nvPr>
+            <p:ph type="body" idx="1"/>
           </p:nvPr>
         </p:nvSpPr>
         <p:spPr/>
@@ -5457,23 +5897,49 @@
           <a:p>
             <a:r>
               <a:rPr lang="en-US" dirty="0" smtClean="0"/>
-              <a:t>Assign circulation at control points</a:t>
+              <a:t>Limitations</a:t>
+            </a:r>
+            <a:endParaRPr lang="en-US" dirty="0"/>
+          </a:p>
+        </p:txBody>
+      </p:sp>
+      <p:sp>
+        <p:nvSpPr>
+          <p:cNvPr id="7" name="Content Placeholder 6"/>
+          <p:cNvSpPr>
+            <a:spLocks noGrp="1"/>
+          </p:cNvSpPr>
+          <p:nvPr>
+            <p:ph sz="quarter" idx="2"/>
+          </p:nvPr>
+        </p:nvSpPr>
+        <p:spPr/>
+        <p:txBody>
+          <a:bodyPr/>
+          <a:lstStyle/>
+          <a:p>
+            <a:r>
+              <a:rPr lang="en-US" dirty="0" smtClean="0"/>
+              <a:t>Does not account for sweep</a:t>
+            </a:r>
+          </a:p>
+          <a:p>
+            <a:r>
+              <a:rPr lang="en-US" dirty="0" smtClean="0"/>
+              <a:t>Does not account for dihedral </a:t>
             </a:r>
           </a:p>
           <a:p>
             <a:r>
               <a:rPr lang="en-US" dirty="0" err="1" smtClean="0"/>
-              <a:t>Biot-Savart</a:t>
-            </a:r>
-            <a:r>
-              <a:rPr lang="en-US" dirty="0" smtClean="0"/>
-              <a:t> Law</a:t>
-            </a:r>
-          </a:p>
-          <a:p>
-            <a:r>
-              <a:rPr lang="en-US" dirty="0" smtClean="0"/>
-              <a:t>Flow tangency</a:t>
+              <a:t>Inviscid</a:t>
+            </a:r>
+            <a:endParaRPr lang="en-US" dirty="0" smtClean="0"/>
+          </a:p>
+          <a:p>
+            <a:r>
+              <a:rPr lang="en-US" dirty="0" smtClean="0"/>
+              <a:t>Must have high Aspect Ratio</a:t>
             </a:r>
             <a:endParaRPr lang="en-US" dirty="0"/>
           </a:p>
@@ -5481,12 +5947,12 @@
       </p:sp>
       <p:pic>
         <p:nvPicPr>
-          <p:cNvPr id="6" name="Content Placeholder 5" descr="VLM1.PNG"/>
+          <p:cNvPr id="10" name="Content Placeholder 9" descr="800px-Lifting_line_theory_illustration_(2).svg.png"/>
           <p:cNvPicPr>
             <a:picLocks noGrp="1" noChangeAspect="1"/>
           </p:cNvPicPr>
           <p:nvPr>
-            <p:ph sz="quarter" idx="2"/>
+            <p:ph sz="quarter" idx="4"/>
           </p:nvPr>
         </p:nvPicPr>
         <p:blipFill>
@@ -5497,8 +5963,8 @@
         </p:blipFill>
         <p:spPr>
           <a:xfrm>
-            <a:off x="4572000" y="1524000"/>
-            <a:ext cx="4466420" cy="4576578"/>
+            <a:off x="3048000" y="990600"/>
+            <a:ext cx="5699098" cy="4267200"/>
           </a:xfrm>
         </p:spPr>
       </p:pic>
@@ -5544,7 +6010,7 @@
           <a:p>
             <a:r>
               <a:rPr lang="en-US" dirty="0" smtClean="0"/>
-              <a:t>VLM2</a:t>
+              <a:t>Lifting Surface Theory</a:t>
             </a:r>
             <a:endParaRPr lang="en-US" dirty="0"/>
           </a:p>
@@ -5567,13 +6033,50 @@
           <a:p>
             <a:r>
               <a:rPr lang="en-US" dirty="0" smtClean="0"/>
-              <a:t>Uses quad or ring vortices on surface</a:t>
-            </a:r>
-          </a:p>
-          <a:p>
-            <a:r>
-              <a:rPr lang="en-US" dirty="0" smtClean="0"/>
-              <a:t>Uses horseshoe vortices on trailing edge to model wake</a:t>
+              <a:t>Series of lifting lines</a:t>
+            </a:r>
+          </a:p>
+          <a:p>
+            <a:r>
+              <a:rPr lang="en-US" dirty="0" smtClean="0"/>
+              <a:t>Circulation varies in both</a:t>
+            </a:r>
+          </a:p>
+          <a:p>
+            <a:pPr lvl="1"/>
+            <a:r>
+              <a:rPr lang="en-US" dirty="0" smtClean="0">
+                <a:solidFill>
+                  <a:schemeClr val="tx1"/>
+                </a:solidFill>
+              </a:rPr>
+              <a:t>Span wise lifting line</a:t>
+            </a:r>
+          </a:p>
+          <a:p>
+            <a:pPr lvl="1"/>
+            <a:r>
+              <a:rPr lang="en-US" dirty="0" smtClean="0">
+                <a:solidFill>
+                  <a:schemeClr val="tx1"/>
+                </a:solidFill>
+              </a:rPr>
+              <a:t>Chord wise </a:t>
+            </a:r>
+            <a:r>
+              <a:rPr lang="en-US" dirty="0" smtClean="0">
+                <a:solidFill>
+                  <a:schemeClr val="tx1"/>
+                </a:solidFill>
+              </a:rPr>
+              <a:t>vortices</a:t>
+            </a:r>
+            <a:endParaRPr lang="en-US" dirty="0" smtClean="0"/>
+          </a:p>
+          <a:p>
+            <a:r>
+              <a:rPr lang="en-US" dirty="0" smtClean="0"/>
+              <a:t>Chord wise vortices extend into wake.</a:t>
             </a:r>
           </a:p>
           <a:p>
@@ -5581,17 +6084,19 @@
               <a:rPr lang="en-US" dirty="0" err="1" smtClean="0"/>
               <a:t>Biot-Savart</a:t>
             </a:r>
-            <a:r>
-              <a:rPr lang="en-US" dirty="0" smtClean="0"/>
-              <a:t> has V~1/r^3 so difference in trailing vortices is typically minor</a:t>
-            </a:r>
-            <a:endParaRPr lang="en-US" dirty="0"/>
+            <a:endParaRPr lang="en-US" dirty="0" smtClean="0"/>
+          </a:p>
+          <a:p>
+            <a:r>
+              <a:rPr lang="en-US" dirty="0" smtClean="0"/>
+              <a:t>Flow tangency condition</a:t>
+            </a:r>
           </a:p>
         </p:txBody>
       </p:sp>
       <p:pic>
         <p:nvPicPr>
-          <p:cNvPr id="6" name="Content Placeholder 5" descr="VLM2.PNG"/>
+          <p:cNvPr id="8" name="Content Placeholder 7" descr="lsurface.PNG"/>
           <p:cNvPicPr>
             <a:picLocks noGrp="1" noChangeAspect="1"/>
           </p:cNvPicPr>
@@ -5607,8 +6112,8 @@
         </p:blipFill>
         <p:spPr>
           <a:xfrm>
-            <a:off x="4648200" y="1676400"/>
-            <a:ext cx="4347012" cy="3962400"/>
+            <a:off x="4267200" y="1371600"/>
+            <a:ext cx="4657603" cy="4343400"/>
           </a:xfrm>
         </p:spPr>
       </p:pic>

--- a/XFLR5 Methods and Their Application in.pptx
+++ b/XFLR5 Methods and Their Application in.pptx
@@ -4,28 +4,30 @@
   <p:sldMasterIdLst>
     <p:sldMasterId id="2147483756" r:id="rId1"/>
   </p:sldMasterIdLst>
+  <p:notesMasterIdLst>
+    <p:notesMasterId r:id="rId22"/>
+  </p:notesMasterIdLst>
   <p:sldIdLst>
     <p:sldId id="256" r:id="rId2"/>
     <p:sldId id="282" r:id="rId3"/>
     <p:sldId id="257" r:id="rId4"/>
     <p:sldId id="258" r:id="rId5"/>
     <p:sldId id="259" r:id="rId6"/>
-    <p:sldId id="283" r:id="rId7"/>
-    <p:sldId id="260" r:id="rId8"/>
-    <p:sldId id="279" r:id="rId9"/>
-    <p:sldId id="261" r:id="rId10"/>
-    <p:sldId id="263" r:id="rId11"/>
-    <p:sldId id="262" r:id="rId12"/>
-    <p:sldId id="264" r:id="rId13"/>
-    <p:sldId id="281" r:id="rId14"/>
-    <p:sldId id="265" r:id="rId15"/>
-    <p:sldId id="266" r:id="rId16"/>
-    <p:sldId id="267" r:id="rId17"/>
-    <p:sldId id="268" r:id="rId18"/>
-    <p:sldId id="278" r:id="rId19"/>
-    <p:sldId id="269" r:id="rId20"/>
-    <p:sldId id="271" r:id="rId21"/>
-    <p:sldId id="275" r:id="rId22"/>
+    <p:sldId id="260" r:id="rId7"/>
+    <p:sldId id="279" r:id="rId8"/>
+    <p:sldId id="261" r:id="rId9"/>
+    <p:sldId id="263" r:id="rId10"/>
+    <p:sldId id="262" r:id="rId11"/>
+    <p:sldId id="264" r:id="rId12"/>
+    <p:sldId id="281" r:id="rId13"/>
+    <p:sldId id="265" r:id="rId14"/>
+    <p:sldId id="266" r:id="rId15"/>
+    <p:sldId id="267" r:id="rId16"/>
+    <p:sldId id="268" r:id="rId17"/>
+    <p:sldId id="278" r:id="rId18"/>
+    <p:sldId id="269" r:id="rId19"/>
+    <p:sldId id="271" r:id="rId20"/>
+    <p:sldId id="275" r:id="rId21"/>
   </p:sldIdLst>
   <p:sldSz cx="9144000" cy="6858000" type="screen4x3"/>
   <p:notesSz cx="6858000" cy="9144000"/>
@@ -128,6 +130,693 @@
     </a:lvl9pPr>
   </p:defaultTextStyle>
 </p:presentation>
+</file>
+
+<file path=ppt/notesMasters/notesMaster1.xml><?xml version="1.0" encoding="utf-8"?>
+<p:notesMaster xmlns:a="http://schemas.openxmlformats.org/drawingml/2006/main" xmlns:r="http://schemas.openxmlformats.org/officeDocument/2006/relationships" xmlns:p="http://schemas.openxmlformats.org/presentationml/2006/main">
+  <p:cSld>
+    <p:bg>
+      <p:bgRef idx="1001">
+        <a:schemeClr val="bg1"/>
+      </p:bgRef>
+    </p:bg>
+    <p:spTree>
+      <p:nvGrpSpPr>
+        <p:cNvPr id="1" name=""/>
+        <p:cNvGrpSpPr/>
+        <p:nvPr/>
+      </p:nvGrpSpPr>
+      <p:grpSpPr>
+        <a:xfrm>
+          <a:off x="0" y="0"/>
+          <a:ext cx="0" cy="0"/>
+          <a:chOff x="0" y="0"/>
+          <a:chExt cx="0" cy="0"/>
+        </a:xfrm>
+      </p:grpSpPr>
+      <p:sp>
+        <p:nvSpPr>
+          <p:cNvPr id="2" name="Header Placeholder 1"/>
+          <p:cNvSpPr>
+            <a:spLocks noGrp="1"/>
+          </p:cNvSpPr>
+          <p:nvPr>
+            <p:ph type="hdr" sz="quarter"/>
+          </p:nvPr>
+        </p:nvSpPr>
+        <p:spPr>
+          <a:xfrm>
+            <a:off x="0" y="0"/>
+            <a:ext cx="2971800" cy="457200"/>
+          </a:xfrm>
+          <a:prstGeom prst="rect">
+            <a:avLst/>
+          </a:prstGeom>
+        </p:spPr>
+        <p:txBody>
+          <a:bodyPr vert="horz" lIns="91440" tIns="45720" rIns="91440" bIns="45720" rtlCol="0"/>
+          <a:lstStyle>
+            <a:lvl1pPr algn="l">
+              <a:defRPr sz="1200"/>
+            </a:lvl1pPr>
+          </a:lstStyle>
+          <a:p>
+            <a:endParaRPr lang="en-US"/>
+          </a:p>
+        </p:txBody>
+      </p:sp>
+      <p:sp>
+        <p:nvSpPr>
+          <p:cNvPr id="3" name="Date Placeholder 2"/>
+          <p:cNvSpPr>
+            <a:spLocks noGrp="1"/>
+          </p:cNvSpPr>
+          <p:nvPr>
+            <p:ph type="dt" idx="1"/>
+          </p:nvPr>
+        </p:nvSpPr>
+        <p:spPr>
+          <a:xfrm>
+            <a:off x="3884613" y="0"/>
+            <a:ext cx="2971800" cy="457200"/>
+          </a:xfrm>
+          <a:prstGeom prst="rect">
+            <a:avLst/>
+          </a:prstGeom>
+        </p:spPr>
+        <p:txBody>
+          <a:bodyPr vert="horz" lIns="91440" tIns="45720" rIns="91440" bIns="45720" rtlCol="0"/>
+          <a:lstStyle>
+            <a:lvl1pPr algn="r">
+              <a:defRPr sz="1200"/>
+            </a:lvl1pPr>
+          </a:lstStyle>
+          <a:p>
+            <a:fld id="{08FC759C-48B8-4757-BED2-FC1249070998}" type="datetimeFigureOut">
+              <a:rPr lang="en-US" smtClean="0"/>
+              <a:t>4/30/2014</a:t>
+            </a:fld>
+            <a:endParaRPr lang="en-US"/>
+          </a:p>
+        </p:txBody>
+      </p:sp>
+      <p:sp>
+        <p:nvSpPr>
+          <p:cNvPr id="4" name="Slide Image Placeholder 3"/>
+          <p:cNvSpPr>
+            <a:spLocks noGrp="1" noRot="1" noChangeAspect="1"/>
+          </p:cNvSpPr>
+          <p:nvPr>
+            <p:ph type="sldImg" idx="2"/>
+          </p:nvPr>
+        </p:nvSpPr>
+        <p:spPr>
+          <a:xfrm>
+            <a:off x="1143000" y="685800"/>
+            <a:ext cx="4572000" cy="3429000"/>
+          </a:xfrm>
+          <a:prstGeom prst="rect">
+            <a:avLst/>
+          </a:prstGeom>
+          <a:noFill/>
+          <a:ln w="12700">
+            <a:solidFill>
+              <a:prstClr val="black"/>
+            </a:solidFill>
+          </a:ln>
+        </p:spPr>
+        <p:txBody>
+          <a:bodyPr vert="horz" lIns="91440" tIns="45720" rIns="91440" bIns="45720" rtlCol="0" anchor="ctr"/>
+          <a:lstStyle/>
+          <a:p>
+            <a:endParaRPr lang="en-US"/>
+          </a:p>
+        </p:txBody>
+      </p:sp>
+      <p:sp>
+        <p:nvSpPr>
+          <p:cNvPr id="5" name="Notes Placeholder 4"/>
+          <p:cNvSpPr>
+            <a:spLocks noGrp="1"/>
+          </p:cNvSpPr>
+          <p:nvPr>
+            <p:ph type="body" sz="quarter" idx="3"/>
+          </p:nvPr>
+        </p:nvSpPr>
+        <p:spPr>
+          <a:xfrm>
+            <a:off x="685800" y="4343400"/>
+            <a:ext cx="5486400" cy="4114800"/>
+          </a:xfrm>
+          <a:prstGeom prst="rect">
+            <a:avLst/>
+          </a:prstGeom>
+        </p:spPr>
+        <p:txBody>
+          <a:bodyPr vert="horz" lIns="91440" tIns="45720" rIns="91440" bIns="45720" rtlCol="0">
+            <a:normAutofit/>
+          </a:bodyPr>
+          <a:lstStyle/>
+          <a:p>
+            <a:pPr lvl="0"/>
+            <a:r>
+              <a:rPr lang="en-US" smtClean="0"/>
+              <a:t>Click to edit Master text styles</a:t>
+            </a:r>
+          </a:p>
+          <a:p>
+            <a:pPr lvl="1"/>
+            <a:r>
+              <a:rPr lang="en-US" smtClean="0"/>
+              <a:t>Second level</a:t>
+            </a:r>
+          </a:p>
+          <a:p>
+            <a:pPr lvl="2"/>
+            <a:r>
+              <a:rPr lang="en-US" smtClean="0"/>
+              <a:t>Third level</a:t>
+            </a:r>
+          </a:p>
+          <a:p>
+            <a:pPr lvl="3"/>
+            <a:r>
+              <a:rPr lang="en-US" smtClean="0"/>
+              <a:t>Fourth level</a:t>
+            </a:r>
+          </a:p>
+          <a:p>
+            <a:pPr lvl="4"/>
+            <a:r>
+              <a:rPr lang="en-US" smtClean="0"/>
+              <a:t>Fifth level</a:t>
+            </a:r>
+            <a:endParaRPr lang="en-US"/>
+          </a:p>
+        </p:txBody>
+      </p:sp>
+      <p:sp>
+        <p:nvSpPr>
+          <p:cNvPr id="6" name="Footer Placeholder 5"/>
+          <p:cNvSpPr>
+            <a:spLocks noGrp="1"/>
+          </p:cNvSpPr>
+          <p:nvPr>
+            <p:ph type="ftr" sz="quarter" idx="4"/>
+          </p:nvPr>
+        </p:nvSpPr>
+        <p:spPr>
+          <a:xfrm>
+            <a:off x="0" y="8685213"/>
+            <a:ext cx="2971800" cy="457200"/>
+          </a:xfrm>
+          <a:prstGeom prst="rect">
+            <a:avLst/>
+          </a:prstGeom>
+        </p:spPr>
+        <p:txBody>
+          <a:bodyPr vert="horz" lIns="91440" tIns="45720" rIns="91440" bIns="45720" rtlCol="0" anchor="b"/>
+          <a:lstStyle>
+            <a:lvl1pPr algn="l">
+              <a:defRPr sz="1200"/>
+            </a:lvl1pPr>
+          </a:lstStyle>
+          <a:p>
+            <a:endParaRPr lang="en-US"/>
+          </a:p>
+        </p:txBody>
+      </p:sp>
+      <p:sp>
+        <p:nvSpPr>
+          <p:cNvPr id="7" name="Slide Number Placeholder 6"/>
+          <p:cNvSpPr>
+            <a:spLocks noGrp="1"/>
+          </p:cNvSpPr>
+          <p:nvPr>
+            <p:ph type="sldNum" sz="quarter" idx="5"/>
+          </p:nvPr>
+        </p:nvSpPr>
+        <p:spPr>
+          <a:xfrm>
+            <a:off x="3884613" y="8685213"/>
+            <a:ext cx="2971800" cy="457200"/>
+          </a:xfrm>
+          <a:prstGeom prst="rect">
+            <a:avLst/>
+          </a:prstGeom>
+        </p:spPr>
+        <p:txBody>
+          <a:bodyPr vert="horz" lIns="91440" tIns="45720" rIns="91440" bIns="45720" rtlCol="0" anchor="b"/>
+          <a:lstStyle>
+            <a:lvl1pPr algn="r">
+              <a:defRPr sz="1200"/>
+            </a:lvl1pPr>
+          </a:lstStyle>
+          <a:p>
+            <a:fld id="{93E157EC-C92F-4703-894F-6B2368241B25}" type="slidenum">
+              <a:rPr lang="en-US" smtClean="0"/>
+              <a:t>‹#›</a:t>
+            </a:fld>
+            <a:endParaRPr lang="en-US"/>
+          </a:p>
+        </p:txBody>
+      </p:sp>
+    </p:spTree>
+  </p:cSld>
+  <p:clrMap bg1="lt1" tx1="dk1" bg2="lt2" tx2="dk2" accent1="accent1" accent2="accent2" accent3="accent3" accent4="accent4" accent5="accent5" accent6="accent6" hlink="hlink" folHlink="folHlink"/>
+  <p:notesStyle>
+    <a:lvl1pPr marL="0" algn="l" defTabSz="914400" rtl="0" eaLnBrk="1" latinLnBrk="0" hangingPunct="1">
+      <a:defRPr sz="1200" kern="1200">
+        <a:solidFill>
+          <a:schemeClr val="tx1"/>
+        </a:solidFill>
+        <a:latin typeface="+mn-lt"/>
+        <a:ea typeface="+mn-ea"/>
+        <a:cs typeface="+mn-cs"/>
+      </a:defRPr>
+    </a:lvl1pPr>
+    <a:lvl2pPr marL="457200" algn="l" defTabSz="914400" rtl="0" eaLnBrk="1" latinLnBrk="0" hangingPunct="1">
+      <a:defRPr sz="1200" kern="1200">
+        <a:solidFill>
+          <a:schemeClr val="tx1"/>
+        </a:solidFill>
+        <a:latin typeface="+mn-lt"/>
+        <a:ea typeface="+mn-ea"/>
+        <a:cs typeface="+mn-cs"/>
+      </a:defRPr>
+    </a:lvl2pPr>
+    <a:lvl3pPr marL="914400" algn="l" defTabSz="914400" rtl="0" eaLnBrk="1" latinLnBrk="0" hangingPunct="1">
+      <a:defRPr sz="1200" kern="1200">
+        <a:solidFill>
+          <a:schemeClr val="tx1"/>
+        </a:solidFill>
+        <a:latin typeface="+mn-lt"/>
+        <a:ea typeface="+mn-ea"/>
+        <a:cs typeface="+mn-cs"/>
+      </a:defRPr>
+    </a:lvl3pPr>
+    <a:lvl4pPr marL="1371600" algn="l" defTabSz="914400" rtl="0" eaLnBrk="1" latinLnBrk="0" hangingPunct="1">
+      <a:defRPr sz="1200" kern="1200">
+        <a:solidFill>
+          <a:schemeClr val="tx1"/>
+        </a:solidFill>
+        <a:latin typeface="+mn-lt"/>
+        <a:ea typeface="+mn-ea"/>
+        <a:cs typeface="+mn-cs"/>
+      </a:defRPr>
+    </a:lvl4pPr>
+    <a:lvl5pPr marL="1828800" algn="l" defTabSz="914400" rtl="0" eaLnBrk="1" latinLnBrk="0" hangingPunct="1">
+      <a:defRPr sz="1200" kern="1200">
+        <a:solidFill>
+          <a:schemeClr val="tx1"/>
+        </a:solidFill>
+        <a:latin typeface="+mn-lt"/>
+        <a:ea typeface="+mn-ea"/>
+        <a:cs typeface="+mn-cs"/>
+      </a:defRPr>
+    </a:lvl5pPr>
+    <a:lvl6pPr marL="2286000" algn="l" defTabSz="914400" rtl="0" eaLnBrk="1" latinLnBrk="0" hangingPunct="1">
+      <a:defRPr sz="1200" kern="1200">
+        <a:solidFill>
+          <a:schemeClr val="tx1"/>
+        </a:solidFill>
+        <a:latin typeface="+mn-lt"/>
+        <a:ea typeface="+mn-ea"/>
+        <a:cs typeface="+mn-cs"/>
+      </a:defRPr>
+    </a:lvl6pPr>
+    <a:lvl7pPr marL="2743200" algn="l" defTabSz="914400" rtl="0" eaLnBrk="1" latinLnBrk="0" hangingPunct="1">
+      <a:defRPr sz="1200" kern="1200">
+        <a:solidFill>
+          <a:schemeClr val="tx1"/>
+        </a:solidFill>
+        <a:latin typeface="+mn-lt"/>
+        <a:ea typeface="+mn-ea"/>
+        <a:cs typeface="+mn-cs"/>
+      </a:defRPr>
+    </a:lvl7pPr>
+    <a:lvl8pPr marL="3200400" algn="l" defTabSz="914400" rtl="0" eaLnBrk="1" latinLnBrk="0" hangingPunct="1">
+      <a:defRPr sz="1200" kern="1200">
+        <a:solidFill>
+          <a:schemeClr val="tx1"/>
+        </a:solidFill>
+        <a:latin typeface="+mn-lt"/>
+        <a:ea typeface="+mn-ea"/>
+        <a:cs typeface="+mn-cs"/>
+      </a:defRPr>
+    </a:lvl8pPr>
+    <a:lvl9pPr marL="3657600" algn="l" defTabSz="914400" rtl="0" eaLnBrk="1" latinLnBrk="0" hangingPunct="1">
+      <a:defRPr sz="1200" kern="1200">
+        <a:solidFill>
+          <a:schemeClr val="tx1"/>
+        </a:solidFill>
+        <a:latin typeface="+mn-lt"/>
+        <a:ea typeface="+mn-ea"/>
+        <a:cs typeface="+mn-cs"/>
+      </a:defRPr>
+    </a:lvl9pPr>
+  </p:notesStyle>
+</p:notesMaster>
+</file>
+
+<file path=ppt/notesSlides/notesSlide1.xml><?xml version="1.0" encoding="utf-8"?>
+<p:notes xmlns:a="http://schemas.openxmlformats.org/drawingml/2006/main" xmlns:r="http://schemas.openxmlformats.org/officeDocument/2006/relationships" xmlns:p="http://schemas.openxmlformats.org/presentationml/2006/main">
+  <p:cSld>
+    <p:spTree>
+      <p:nvGrpSpPr>
+        <p:cNvPr id="1" name=""/>
+        <p:cNvGrpSpPr/>
+        <p:nvPr/>
+      </p:nvGrpSpPr>
+      <p:grpSpPr>
+        <a:xfrm>
+          <a:off x="0" y="0"/>
+          <a:ext cx="0" cy="0"/>
+          <a:chOff x="0" y="0"/>
+          <a:chExt cx="0" cy="0"/>
+        </a:xfrm>
+      </p:grpSpPr>
+      <p:sp>
+        <p:nvSpPr>
+          <p:cNvPr id="2" name="Slide Image Placeholder 1"/>
+          <p:cNvSpPr>
+            <a:spLocks noGrp="1" noRot="1" noChangeAspect="1"/>
+          </p:cNvSpPr>
+          <p:nvPr>
+            <p:ph type="sldImg"/>
+          </p:nvPr>
+        </p:nvSpPr>
+        <p:spPr/>
+      </p:sp>
+      <p:sp>
+        <p:nvSpPr>
+          <p:cNvPr id="3" name="Notes Placeholder 2"/>
+          <p:cNvSpPr>
+            <a:spLocks noGrp="1"/>
+          </p:cNvSpPr>
+          <p:nvPr>
+            <p:ph type="body" idx="1"/>
+          </p:nvPr>
+        </p:nvSpPr>
+        <p:spPr/>
+        <p:txBody>
+          <a:bodyPr>
+            <a:normAutofit/>
+          </a:bodyPr>
+          <a:lstStyle/>
+          <a:p>
+            <a:endParaRPr lang="en-US" dirty="0"/>
+          </a:p>
+        </p:txBody>
+      </p:sp>
+      <p:sp>
+        <p:nvSpPr>
+          <p:cNvPr id="4" name="Slide Number Placeholder 3"/>
+          <p:cNvSpPr>
+            <a:spLocks noGrp="1"/>
+          </p:cNvSpPr>
+          <p:nvPr>
+            <p:ph type="sldNum" sz="quarter" idx="10"/>
+          </p:nvPr>
+        </p:nvSpPr>
+        <p:spPr/>
+        <p:txBody>
+          <a:bodyPr/>
+          <a:lstStyle/>
+          <a:p>
+            <a:fld id="{93E157EC-C92F-4703-894F-6B2368241B25}" type="slidenum">
+              <a:rPr lang="en-US" smtClean="0"/>
+              <a:t>1</a:t>
+            </a:fld>
+            <a:endParaRPr lang="en-US"/>
+          </a:p>
+        </p:txBody>
+      </p:sp>
+    </p:spTree>
+  </p:cSld>
+  <p:clrMapOvr>
+    <a:masterClrMapping/>
+  </p:clrMapOvr>
+</p:notes>
+</file>
+
+<file path=ppt/notesSlides/notesSlide2.xml><?xml version="1.0" encoding="utf-8"?>
+<p:notes xmlns:a="http://schemas.openxmlformats.org/drawingml/2006/main" xmlns:r="http://schemas.openxmlformats.org/officeDocument/2006/relationships" xmlns:p="http://schemas.openxmlformats.org/presentationml/2006/main">
+  <p:cSld>
+    <p:spTree>
+      <p:nvGrpSpPr>
+        <p:cNvPr id="1" name=""/>
+        <p:cNvGrpSpPr/>
+        <p:nvPr/>
+      </p:nvGrpSpPr>
+      <p:grpSpPr>
+        <a:xfrm>
+          <a:off x="0" y="0"/>
+          <a:ext cx="0" cy="0"/>
+          <a:chOff x="0" y="0"/>
+          <a:chExt cx="0" cy="0"/>
+        </a:xfrm>
+      </p:grpSpPr>
+      <p:sp>
+        <p:nvSpPr>
+          <p:cNvPr id="2" name="Slide Image Placeholder 1"/>
+          <p:cNvSpPr>
+            <a:spLocks noGrp="1" noRot="1" noChangeAspect="1"/>
+          </p:cNvSpPr>
+          <p:nvPr>
+            <p:ph type="sldImg"/>
+          </p:nvPr>
+        </p:nvSpPr>
+        <p:spPr/>
+      </p:sp>
+      <p:sp>
+        <p:nvSpPr>
+          <p:cNvPr id="3" name="Notes Placeholder 2"/>
+          <p:cNvSpPr>
+            <a:spLocks noGrp="1"/>
+          </p:cNvSpPr>
+          <p:nvPr>
+            <p:ph type="body" idx="1"/>
+          </p:nvPr>
+        </p:nvSpPr>
+        <p:spPr/>
+        <p:txBody>
+          <a:bodyPr>
+            <a:normAutofit/>
+          </a:bodyPr>
+          <a:lstStyle/>
+          <a:p>
+            <a:pPr>
+              <a:buFont typeface="Arial" pitchFamily="34" charset="0"/>
+              <a:buChar char="•"/>
+            </a:pPr>
+            <a:r>
+              <a:rPr lang="en-US" dirty="0" smtClean="0"/>
+              <a:t>Motivation for study is to recreate wing formation</a:t>
+            </a:r>
+          </a:p>
+          <a:p>
+            <a:pPr>
+              <a:buFont typeface="Arial" pitchFamily="34" charset="0"/>
+              <a:buChar char="•"/>
+            </a:pPr>
+            <a:r>
+              <a:rPr lang="en-US" dirty="0" smtClean="0"/>
+              <a:t>Fossil</a:t>
+            </a:r>
+            <a:r>
+              <a:rPr lang="en-US" baseline="0" dirty="0" smtClean="0"/>
+              <a:t> records only show hard tissue</a:t>
+            </a:r>
+          </a:p>
+          <a:p>
+            <a:pPr>
+              <a:buFont typeface="Arial" pitchFamily="34" charset="0"/>
+              <a:buChar char="•"/>
+            </a:pPr>
+            <a:r>
+              <a:rPr lang="en-US" baseline="0" dirty="0" smtClean="0"/>
+              <a:t>Combine biological constraints with aerodynamic</a:t>
+            </a:r>
+          </a:p>
+          <a:p>
+            <a:pPr>
+              <a:buFont typeface="Arial" pitchFamily="34" charset="0"/>
+              <a:buChar char="•"/>
+            </a:pPr>
+            <a:r>
+              <a:rPr lang="en-US" baseline="0" dirty="0" smtClean="0"/>
+              <a:t>Shown are some</a:t>
+            </a:r>
+          </a:p>
+          <a:p>
+            <a:pPr lvl="1">
+              <a:buFont typeface="Arial" pitchFamily="34" charset="0"/>
+              <a:buChar char="•"/>
+            </a:pPr>
+            <a:r>
+              <a:rPr lang="en-US" baseline="0" dirty="0" err="1" smtClean="0"/>
+              <a:t>Straite</a:t>
+            </a:r>
+            <a:endParaRPr lang="en-US" baseline="0" dirty="0" smtClean="0"/>
+          </a:p>
+          <a:p>
+            <a:pPr lvl="1">
+              <a:buFont typeface="Arial" pitchFamily="34" charset="0"/>
+              <a:buChar char="•"/>
+            </a:pPr>
+            <a:r>
+              <a:rPr lang="en-US" baseline="0" dirty="0" smtClean="0"/>
+              <a:t>Swept forward/back</a:t>
+            </a:r>
+          </a:p>
+          <a:p>
+            <a:pPr lvl="1">
+              <a:buFont typeface="Arial" pitchFamily="34" charset="0"/>
+              <a:buChar char="•"/>
+            </a:pPr>
+            <a:endParaRPr lang="en-US" dirty="0"/>
+          </a:p>
+        </p:txBody>
+      </p:sp>
+      <p:sp>
+        <p:nvSpPr>
+          <p:cNvPr id="4" name="Slide Number Placeholder 3"/>
+          <p:cNvSpPr>
+            <a:spLocks noGrp="1"/>
+          </p:cNvSpPr>
+          <p:nvPr>
+            <p:ph type="sldNum" sz="quarter" idx="10"/>
+          </p:nvPr>
+        </p:nvSpPr>
+        <p:spPr/>
+        <p:txBody>
+          <a:bodyPr/>
+          <a:lstStyle/>
+          <a:p>
+            <a:fld id="{93E157EC-C92F-4703-894F-6B2368241B25}" type="slidenum">
+              <a:rPr lang="en-US" smtClean="0"/>
+              <a:t>2</a:t>
+            </a:fld>
+            <a:endParaRPr lang="en-US"/>
+          </a:p>
+        </p:txBody>
+      </p:sp>
+    </p:spTree>
+  </p:cSld>
+  <p:clrMapOvr>
+    <a:masterClrMapping/>
+  </p:clrMapOvr>
+</p:notes>
+</file>
+
+<file path=ppt/notesSlides/notesSlide3.xml><?xml version="1.0" encoding="utf-8"?>
+<p:notes xmlns:a="http://schemas.openxmlformats.org/drawingml/2006/main" xmlns:r="http://schemas.openxmlformats.org/officeDocument/2006/relationships" xmlns:p="http://schemas.openxmlformats.org/presentationml/2006/main">
+  <p:cSld>
+    <p:spTree>
+      <p:nvGrpSpPr>
+        <p:cNvPr id="1" name=""/>
+        <p:cNvGrpSpPr/>
+        <p:nvPr/>
+      </p:nvGrpSpPr>
+      <p:grpSpPr>
+        <a:xfrm>
+          <a:off x="0" y="0"/>
+          <a:ext cx="0" cy="0"/>
+          <a:chOff x="0" y="0"/>
+          <a:chExt cx="0" cy="0"/>
+        </a:xfrm>
+      </p:grpSpPr>
+      <p:sp>
+        <p:nvSpPr>
+          <p:cNvPr id="2" name="Slide Image Placeholder 1"/>
+          <p:cNvSpPr>
+            <a:spLocks noGrp="1" noRot="1" noChangeAspect="1"/>
+          </p:cNvSpPr>
+          <p:nvPr>
+            <p:ph type="sldImg"/>
+          </p:nvPr>
+        </p:nvSpPr>
+        <p:spPr/>
+      </p:sp>
+      <p:sp>
+        <p:nvSpPr>
+          <p:cNvPr id="3" name="Notes Placeholder 2"/>
+          <p:cNvSpPr>
+            <a:spLocks noGrp="1"/>
+          </p:cNvSpPr>
+          <p:nvPr>
+            <p:ph type="body" idx="1"/>
+          </p:nvPr>
+        </p:nvSpPr>
+        <p:spPr/>
+        <p:txBody>
+          <a:bodyPr>
+            <a:normAutofit/>
+          </a:bodyPr>
+          <a:lstStyle/>
+          <a:p>
+            <a:r>
+              <a:rPr lang="en-US" dirty="0" smtClean="0"/>
+              <a:t>On aspect</a:t>
+            </a:r>
+            <a:r>
+              <a:rPr lang="en-US" baseline="0" dirty="0" smtClean="0"/>
+              <a:t> is longitudinal stability</a:t>
+            </a:r>
+          </a:p>
+          <a:p>
+            <a:r>
+              <a:rPr lang="en-US" baseline="0" dirty="0" smtClean="0"/>
+              <a:t>Increase lift when ahead of center of mass pitch up</a:t>
+            </a:r>
+          </a:p>
+          <a:p>
+            <a:r>
+              <a:rPr lang="en-US" baseline="0" dirty="0" smtClean="0"/>
+              <a:t>Pitch up increase lift more thus unstable</a:t>
+            </a:r>
+          </a:p>
+          <a:p>
+            <a:r>
+              <a:rPr lang="en-US" baseline="0" dirty="0" smtClean="0"/>
+              <a:t>This paper tried to match Ac</a:t>
+            </a:r>
+          </a:p>
+          <a:p>
+            <a:endParaRPr lang="en-US" dirty="0"/>
+          </a:p>
+        </p:txBody>
+      </p:sp>
+      <p:sp>
+        <p:nvSpPr>
+          <p:cNvPr id="4" name="Slide Number Placeholder 3"/>
+          <p:cNvSpPr>
+            <a:spLocks noGrp="1"/>
+          </p:cNvSpPr>
+          <p:nvPr>
+            <p:ph type="sldNum" sz="quarter" idx="10"/>
+          </p:nvPr>
+        </p:nvSpPr>
+        <p:spPr/>
+        <p:txBody>
+          <a:bodyPr/>
+          <a:lstStyle/>
+          <a:p>
+            <a:fld id="{93E157EC-C92F-4703-894F-6B2368241B25}" type="slidenum">
+              <a:rPr lang="en-US" smtClean="0"/>
+              <a:t>3</a:t>
+            </a:fld>
+            <a:endParaRPr lang="en-US"/>
+          </a:p>
+        </p:txBody>
+      </p:sp>
+    </p:spTree>
+  </p:cSld>
+  <p:clrMapOvr>
+    <a:masterClrMapping/>
+  </p:clrMapOvr>
+</p:notes>
 </file>
 
 <file path=ppt/slideLayouts/slideLayout1.xml><?xml version="1.0" encoding="utf-8"?>
@@ -3841,7 +4530,7 @@
           <p:nvPr/>
         </p:nvPicPr>
         <p:blipFill>
-          <a:blip r:embed="rId2" cstate="print"/>
+          <a:blip r:embed="rId3" cstate="print"/>
           <a:stretch>
             <a:fillRect/>
           </a:stretch>
@@ -3974,7 +4663,7 @@
           <a:p>
             <a:r>
               <a:rPr lang="en-US" dirty="0" smtClean="0"/>
-              <a:t>VLM Vortex Lattice Method</a:t>
+              <a:t>VLM2</a:t>
             </a:r>
             <a:endParaRPr lang="en-US" dirty="0"/>
           </a:p>
@@ -3997,7 +4686,13 @@
           <a:p>
             <a:r>
               <a:rPr lang="en-US" dirty="0" smtClean="0"/>
-              <a:t>Assign circulation at control points</a:t>
+              <a:t>Uses quad or ring vortices on surface</a:t>
+            </a:r>
+          </a:p>
+          <a:p>
+            <a:r>
+              <a:rPr lang="en-US" dirty="0" smtClean="0"/>
+              <a:t>Uses horseshoe vortices on trailing edge to model wake</a:t>
             </a:r>
           </a:p>
           <a:p>
@@ -4007,13 +4702,7 @@
             </a:r>
             <a:r>
               <a:rPr lang="en-US" dirty="0" smtClean="0"/>
-              <a:t> Law</a:t>
-            </a:r>
-          </a:p>
-          <a:p>
-            <a:r>
-              <a:rPr lang="en-US" dirty="0" smtClean="0"/>
-              <a:t>Flow tangency</a:t>
+              <a:t> has V~1/r^3 so difference in trailing vortices is typically minor</a:t>
             </a:r>
             <a:endParaRPr lang="en-US" dirty="0"/>
           </a:p>
@@ -4021,7 +4710,7 @@
       </p:sp>
       <p:pic>
         <p:nvPicPr>
-          <p:cNvPr id="6" name="Content Placeholder 5" descr="VLM1.PNG"/>
+          <p:cNvPr id="6" name="Content Placeholder 5" descr="VLM2.PNG"/>
           <p:cNvPicPr>
             <a:picLocks noGrp="1" noChangeAspect="1"/>
           </p:cNvPicPr>
@@ -4037,8 +4726,8 @@
         </p:blipFill>
         <p:spPr>
           <a:xfrm>
-            <a:off x="4572000" y="1524000"/>
-            <a:ext cx="4466420" cy="4576578"/>
+            <a:off x="4648200" y="1676400"/>
+            <a:ext cx="4347012" cy="3962400"/>
           </a:xfrm>
         </p:spPr>
       </p:pic>
@@ -4084,7 +4773,7 @@
           <a:p>
             <a:r>
               <a:rPr lang="en-US" dirty="0" smtClean="0"/>
-              <a:t>VLM2</a:t>
+              <a:t>3D Panel Method</a:t>
             </a:r>
             <a:endParaRPr lang="en-US" dirty="0"/>
           </a:p>
@@ -4092,7 +4781,7 @@
       </p:sp>
       <p:sp>
         <p:nvSpPr>
-          <p:cNvPr id="4" name="Content Placeholder 3"/>
+          <p:cNvPr id="3" name="Content Placeholder 2"/>
           <p:cNvSpPr>
             <a:spLocks noGrp="1"/>
           </p:cNvSpPr>
@@ -4100,38 +4789,67 @@
             <p:ph sz="quarter" idx="1"/>
           </p:nvPr>
         </p:nvSpPr>
-        <p:spPr/>
+        <p:spPr>
+          <a:xfrm>
+            <a:off x="457200" y="3886200"/>
+            <a:ext cx="8382000" cy="2423160"/>
+          </a:xfrm>
+        </p:spPr>
         <p:txBody>
           <a:bodyPr/>
           <a:lstStyle/>
           <a:p>
             <a:r>
               <a:rPr lang="en-US" dirty="0" smtClean="0"/>
-              <a:t>Uses quad or ring vortices on surface</a:t>
+              <a:t>Sources and Doublets distributed evenly across each panel</a:t>
             </a:r>
           </a:p>
           <a:p>
             <a:r>
               <a:rPr lang="en-US" dirty="0" smtClean="0"/>
-              <a:t>Uses horseshoe vortices on trailing edge to model wake</a:t>
-            </a:r>
-          </a:p>
-          <a:p>
-            <a:r>
-              <a:rPr lang="en-US" dirty="0" err="1" smtClean="0"/>
-              <a:t>Biot-Savart</a:t>
-            </a:r>
+              <a:t>Potential calculated at control points</a:t>
+            </a:r>
+          </a:p>
+          <a:p>
+            <a:pPr lvl="1"/>
             <a:r>
               <a:rPr lang="en-US" dirty="0" smtClean="0"/>
-              <a:t> has V~1/r^3 so difference in trailing vortices is typically minor</a:t>
-            </a:r>
+              <a:t>Boundary layer analysis</a:t>
+            </a:r>
+          </a:p>
+          <a:p>
+            <a:pPr lvl="1"/>
+            <a:r>
+              <a:rPr lang="en-US" dirty="0" smtClean="0"/>
+              <a:t>Recalculation of potential at control points</a:t>
+            </a:r>
+          </a:p>
+          <a:p>
+            <a:r>
+              <a:rPr lang="en-US" dirty="0" smtClean="0"/>
+              <a:t>Full field calculated with potential field</a:t>
+            </a:r>
+          </a:p>
+          <a:p>
+            <a:endParaRPr lang="en-US" dirty="0" smtClean="0"/>
+          </a:p>
+          <a:p>
+            <a:endParaRPr lang="en-US" dirty="0" smtClean="0"/>
+          </a:p>
+          <a:p>
+            <a:endParaRPr lang="en-US" dirty="0" smtClean="0"/>
+          </a:p>
+          <a:p>
+            <a:endParaRPr lang="en-US" dirty="0" smtClean="0"/>
+          </a:p>
+          <a:p>
             <a:endParaRPr lang="en-US" dirty="0"/>
           </a:p>
         </p:txBody>
       </p:sp>
       <p:pic>
         <p:nvPicPr>
-          <p:cNvPr id="6" name="Content Placeholder 5" descr="VLM2.PNG"/>
+          <p:cNvPr id="5" name="Content Placeholder 4" descr="panels.png"/>
           <p:cNvPicPr>
             <a:picLocks noGrp="1" noChangeAspect="1"/>
           </p:cNvPicPr>
@@ -4147,8 +4865,8 @@
         </p:blipFill>
         <p:spPr>
           <a:xfrm>
-            <a:off x="4648200" y="1676400"/>
-            <a:ext cx="4347012" cy="3962400"/>
+            <a:off x="1676400" y="1219200"/>
+            <a:ext cx="5614738" cy="2667000"/>
           </a:xfrm>
         </p:spPr>
       </p:pic>
@@ -4202,95 +4920,145 @@
       </p:sp>
       <p:sp>
         <p:nvSpPr>
-          <p:cNvPr id="3" name="Content Placeholder 2"/>
-          <p:cNvSpPr>
-            <a:spLocks noGrp="1"/>
-          </p:cNvSpPr>
-          <p:nvPr>
-            <p:ph sz="quarter" idx="1"/>
-          </p:nvPr>
-        </p:nvSpPr>
-        <p:spPr>
-          <a:xfrm>
-            <a:off x="457200" y="3886200"/>
-            <a:ext cx="8382000" cy="2423160"/>
-          </a:xfrm>
-        </p:spPr>
+          <p:cNvPr id="3" name="Text Placeholder 2"/>
+          <p:cNvSpPr>
+            <a:spLocks noGrp="1"/>
+          </p:cNvSpPr>
+          <p:nvPr>
+            <p:ph type="body" idx="1"/>
+          </p:nvPr>
+        </p:nvSpPr>
+        <p:spPr/>
         <p:txBody>
           <a:bodyPr/>
           <a:lstStyle/>
           <a:p>
             <a:r>
               <a:rPr lang="en-US" dirty="0" smtClean="0"/>
-              <a:t>Sources and Doublets distributed evenly across each panel</a:t>
-            </a:r>
-          </a:p>
+              <a:t>Advantages</a:t>
+            </a:r>
+            <a:endParaRPr lang="en-US" dirty="0"/>
+          </a:p>
+        </p:txBody>
+      </p:sp>
+      <p:sp>
+        <p:nvSpPr>
+          <p:cNvPr id="4" name="Text Placeholder 3"/>
+          <p:cNvSpPr>
+            <a:spLocks noGrp="1"/>
+          </p:cNvSpPr>
+          <p:nvPr>
+            <p:ph type="body" sz="half" idx="3"/>
+          </p:nvPr>
+        </p:nvSpPr>
+        <p:spPr/>
+        <p:txBody>
+          <a:bodyPr/>
+          <a:lstStyle/>
           <a:p>
             <a:r>
               <a:rPr lang="en-US" dirty="0" smtClean="0"/>
-              <a:t>Potential calculated at control points</a:t>
-            </a:r>
+              <a:t>Boundary Conditions</a:t>
+            </a:r>
+            <a:endParaRPr lang="en-US" dirty="0"/>
+          </a:p>
+        </p:txBody>
+      </p:sp>
+      <p:sp>
+        <p:nvSpPr>
+          <p:cNvPr id="5" name="Content Placeholder 4"/>
+          <p:cNvSpPr>
+            <a:spLocks noGrp="1"/>
+          </p:cNvSpPr>
+          <p:nvPr>
+            <p:ph sz="quarter" idx="2"/>
+          </p:nvPr>
+        </p:nvSpPr>
+        <p:spPr/>
+        <p:txBody>
+          <a:bodyPr/>
+          <a:lstStyle/>
+          <a:p>
+            <a:r>
+              <a:rPr lang="en-US" dirty="0" smtClean="0"/>
+              <a:t>Takes into account wing thickness</a:t>
+            </a:r>
+          </a:p>
+          <a:p>
+            <a:r>
+              <a:rPr lang="en-US" dirty="0" smtClean="0"/>
+              <a:t>Maps Cp over top and </a:t>
+            </a:r>
+            <a:r>
+              <a:rPr lang="en-US" dirty="0" smtClean="0"/>
+              <a:t>bottom</a:t>
+            </a:r>
+          </a:p>
+          <a:p>
+            <a:endParaRPr lang="en-US" dirty="0" smtClean="0"/>
+          </a:p>
+          <a:p>
+            <a:endParaRPr lang="en-US" dirty="0"/>
+          </a:p>
+        </p:txBody>
+      </p:sp>
+      <p:sp>
+        <p:nvSpPr>
+          <p:cNvPr id="6" name="Content Placeholder 5"/>
+          <p:cNvSpPr>
+            <a:spLocks noGrp="1"/>
+          </p:cNvSpPr>
+          <p:nvPr>
+            <p:ph sz="quarter" idx="4"/>
+          </p:nvPr>
+        </p:nvSpPr>
+        <p:spPr/>
+        <p:txBody>
+          <a:bodyPr/>
+          <a:lstStyle/>
+          <a:p>
+            <a:r>
+              <a:rPr lang="en-US" dirty="0" smtClean="0"/>
+              <a:t>Von </a:t>
+            </a:r>
+            <a:r>
+              <a:rPr lang="en-US" dirty="0" err="1" smtClean="0"/>
+              <a:t>Nuemann</a:t>
+            </a:r>
+            <a:endParaRPr lang="en-US" dirty="0" smtClean="0"/>
           </a:p>
           <a:p>
             <a:pPr lvl="1"/>
             <a:r>
               <a:rPr lang="en-US" dirty="0" smtClean="0"/>
-              <a:t>Boundary layer analysis</a:t>
-            </a:r>
+              <a:t>Tangential flow condition</a:t>
+            </a:r>
+          </a:p>
+          <a:p>
+            <a:r>
+              <a:rPr lang="en-US" dirty="0" err="1" smtClean="0"/>
+              <a:t>Dirichlet</a:t>
+            </a:r>
+            <a:endParaRPr lang="en-US" dirty="0" smtClean="0"/>
           </a:p>
           <a:p>
             <a:pPr lvl="1"/>
             <a:r>
               <a:rPr lang="en-US" dirty="0" smtClean="0"/>
-              <a:t>Recalculation of potential at control points</a:t>
-            </a:r>
-          </a:p>
-          <a:p>
+              <a:t>Potential inside body = </a:t>
+            </a:r>
+            <a:r>
+              <a:rPr lang="en-US" dirty="0" err="1" smtClean="0"/>
+              <a:t>Freestreem</a:t>
+            </a:r>
             <a:r>
               <a:rPr lang="en-US" dirty="0" smtClean="0"/>
-              <a:t>Full field calculated with potential field</a:t>
-            </a:r>
-          </a:p>
-          <a:p>
-            <a:endParaRPr lang="en-US" dirty="0" smtClean="0"/>
-          </a:p>
-          <a:p>
-            <a:endParaRPr lang="en-US" dirty="0" smtClean="0"/>
-          </a:p>
-          <a:p>
-            <a:endParaRPr lang="en-US" dirty="0" smtClean="0"/>
-          </a:p>
-          <a:p>
-            <a:endParaRPr lang="en-US" dirty="0" smtClean="0"/>
-          </a:p>
-          <a:p>
+              <a:t> potential</a:t>
+            </a:r>
             <a:endParaRPr lang="en-US" dirty="0"/>
           </a:p>
         </p:txBody>
       </p:sp>
-      <p:pic>
-        <p:nvPicPr>
-          <p:cNvPr id="5" name="Content Placeholder 4" descr="panels.png"/>
-          <p:cNvPicPr>
-            <a:picLocks noGrp="1" noChangeAspect="1"/>
-          </p:cNvPicPr>
-          <p:nvPr>
-            <p:ph sz="quarter" idx="2"/>
-          </p:nvPr>
-        </p:nvPicPr>
-        <p:blipFill>
-          <a:blip r:embed="rId2" cstate="print"/>
-          <a:stretch>
-            <a:fillRect/>
-          </a:stretch>
-        </p:blipFill>
-        <p:spPr>
-          <a:xfrm>
-            <a:off x="1676400" y="1219200"/>
-            <a:ext cx="5614738" cy="2667000"/>
-          </a:xfrm>
-        </p:spPr>
-      </p:pic>
     </p:spTree>
   </p:cSld>
   <p:clrMapOvr>
@@ -4328,158 +5096,50 @@
         </p:nvSpPr>
         <p:spPr/>
         <p:txBody>
-          <a:bodyPr/>
+          <a:bodyPr>
+            <a:normAutofit fontScale="90000"/>
+          </a:bodyPr>
           <a:lstStyle/>
           <a:p>
             <a:r>
               <a:rPr lang="en-US" dirty="0" smtClean="0"/>
-              <a:t>3D Panel Method</a:t>
+              <a:t>Created Wings </a:t>
+            </a:r>
+            <a:r>
+              <a:rPr lang="en-US" dirty="0" smtClean="0"/>
+              <a:t>C</a:t>
+            </a:r>
+            <a:r>
+              <a:rPr lang="en-US" dirty="0" smtClean="0"/>
+              <a:t>ompared to Results in the Paper</a:t>
             </a:r>
             <a:endParaRPr lang="en-US" dirty="0"/>
           </a:p>
         </p:txBody>
       </p:sp>
-      <p:sp>
-        <p:nvSpPr>
-          <p:cNvPr id="3" name="Text Placeholder 2"/>
-          <p:cNvSpPr>
-            <a:spLocks noGrp="1"/>
-          </p:cNvSpPr>
-          <p:nvPr>
-            <p:ph type="body" idx="1"/>
-          </p:nvPr>
-        </p:nvSpPr>
-        <p:spPr/>
-        <p:txBody>
-          <a:bodyPr/>
-          <a:lstStyle/>
-          <a:p>
-            <a:r>
-              <a:rPr lang="en-US" dirty="0" smtClean="0"/>
-              <a:t>Advantages</a:t>
-            </a:r>
-            <a:endParaRPr lang="en-US" dirty="0"/>
-          </a:p>
-        </p:txBody>
-      </p:sp>
-      <p:sp>
-        <p:nvSpPr>
-          <p:cNvPr id="4" name="Text Placeholder 3"/>
-          <p:cNvSpPr>
-            <a:spLocks noGrp="1"/>
-          </p:cNvSpPr>
-          <p:nvPr>
-            <p:ph type="body" sz="half" idx="3"/>
-          </p:nvPr>
-        </p:nvSpPr>
-        <p:spPr/>
-        <p:txBody>
-          <a:bodyPr/>
-          <a:lstStyle/>
-          <a:p>
-            <a:r>
-              <a:rPr lang="en-US" dirty="0" smtClean="0"/>
-              <a:t>Boundary Conditions</a:t>
-            </a:r>
-            <a:endParaRPr lang="en-US" dirty="0"/>
-          </a:p>
-        </p:txBody>
-      </p:sp>
-      <p:sp>
-        <p:nvSpPr>
-          <p:cNvPr id="5" name="Content Placeholder 4"/>
-          <p:cNvSpPr>
-            <a:spLocks noGrp="1"/>
-          </p:cNvSpPr>
-          <p:nvPr>
-            <p:ph sz="quarter" idx="2"/>
-          </p:nvPr>
-        </p:nvSpPr>
-        <p:spPr/>
-        <p:txBody>
-          <a:bodyPr/>
-          <a:lstStyle/>
-          <a:p>
-            <a:r>
-              <a:rPr lang="en-US" dirty="0" smtClean="0"/>
-              <a:t>Takes into account wing thickness</a:t>
-            </a:r>
-          </a:p>
-          <a:p>
-            <a:r>
-              <a:rPr lang="en-US" dirty="0" smtClean="0"/>
-              <a:t>Maps Cp over top and </a:t>
-            </a:r>
-            <a:r>
-              <a:rPr lang="en-US" dirty="0" smtClean="0"/>
-              <a:t>bottom</a:t>
-            </a:r>
-          </a:p>
-          <a:p>
-            <a:endParaRPr lang="en-US" dirty="0" smtClean="0"/>
-          </a:p>
-          <a:p>
-            <a:endParaRPr lang="en-US" dirty="0"/>
-          </a:p>
-        </p:txBody>
-      </p:sp>
-      <p:sp>
-        <p:nvSpPr>
-          <p:cNvPr id="6" name="Content Placeholder 5"/>
-          <p:cNvSpPr>
-            <a:spLocks noGrp="1"/>
-          </p:cNvSpPr>
-          <p:nvPr>
-            <p:ph sz="quarter" idx="4"/>
-          </p:nvPr>
-        </p:nvSpPr>
-        <p:spPr/>
-        <p:txBody>
-          <a:bodyPr/>
-          <a:lstStyle/>
-          <a:p>
-            <a:r>
-              <a:rPr lang="en-US" dirty="0" smtClean="0"/>
-              <a:t>Von </a:t>
-            </a:r>
-            <a:r>
-              <a:rPr lang="en-US" dirty="0" err="1" smtClean="0"/>
-              <a:t>Nuemann</a:t>
-            </a:r>
-            <a:endParaRPr lang="en-US" dirty="0" smtClean="0"/>
-          </a:p>
-          <a:p>
-            <a:pPr lvl="1"/>
-            <a:r>
-              <a:rPr lang="en-US" dirty="0" smtClean="0"/>
-              <a:t>Tangential flow condition</a:t>
-            </a:r>
-          </a:p>
-          <a:p>
-            <a:r>
-              <a:rPr lang="en-US" dirty="0" err="1" smtClean="0"/>
-              <a:t>Dirichlet</a:t>
-            </a:r>
-            <a:endParaRPr lang="en-US" dirty="0" smtClean="0"/>
-          </a:p>
-          <a:p>
-            <a:pPr lvl="1"/>
-            <a:r>
-              <a:rPr lang="en-US" dirty="0" smtClean="0"/>
-              <a:t>Potential inside body = </a:t>
-            </a:r>
-            <a:r>
-              <a:rPr lang="en-US" dirty="0" err="1" smtClean="0"/>
-              <a:t>Freestreem</a:t>
-            </a:r>
-            <a:r>
-              <a:rPr lang="en-US" dirty="0" smtClean="0"/>
-              <a:t> potential</a:t>
-            </a:r>
-            <a:endParaRPr lang="en-US" dirty="0"/>
-          </a:p>
-        </p:txBody>
-      </p:sp>
+      <p:pic>
+        <p:nvPicPr>
+          <p:cNvPr id="4" name="Content Placeholder 3" descr="compare.PNG"/>
+          <p:cNvPicPr>
+            <a:picLocks noGrp="1" noChangeAspect="1"/>
+          </p:cNvPicPr>
+          <p:nvPr>
+            <p:ph sz="quarter" idx="1"/>
+          </p:nvPr>
+        </p:nvPicPr>
+        <p:blipFill>
+          <a:blip r:embed="rId2" cstate="print"/>
+          <a:stretch>
+            <a:fillRect/>
+          </a:stretch>
+        </p:blipFill>
+        <p:spPr>
+          <a:xfrm>
+            <a:off x="457200" y="1962101"/>
+            <a:ext cx="8229600" cy="3451323"/>
+          </a:xfrm>
+        </p:spPr>
+      </p:pic>
     </p:spTree>
   </p:cSld>
   <p:clrMapOvr>
@@ -4517,22 +5177,12 @@
         </p:nvSpPr>
         <p:spPr/>
         <p:txBody>
-          <a:bodyPr>
-            <a:normAutofit fontScale="90000"/>
-          </a:bodyPr>
+          <a:bodyPr/>
           <a:lstStyle/>
           <a:p>
             <a:r>
               <a:rPr lang="en-US" dirty="0" smtClean="0"/>
-              <a:t>Created Wings </a:t>
-            </a:r>
-            <a:r>
-              <a:rPr lang="en-US" dirty="0" smtClean="0"/>
-              <a:t>C</a:t>
-            </a:r>
-            <a:r>
-              <a:rPr lang="en-US" dirty="0" smtClean="0"/>
-              <a:t>ompared to Results in the Paper</a:t>
+              <a:t>LLT Compared to VLM1 Results</a:t>
             </a:r>
             <a:endParaRPr lang="en-US" dirty="0"/>
           </a:p>
@@ -4540,7 +5190,7 @@
       </p:sp>
       <p:pic>
         <p:nvPicPr>
-          <p:cNvPr id="4" name="Content Placeholder 3" descr="compare.PNG"/>
+          <p:cNvPr id="6" name="Content Placeholder 5" descr="LLT.PNG"/>
           <p:cNvPicPr>
             <a:picLocks noGrp="1" noChangeAspect="1"/>
           </p:cNvPicPr>
@@ -4556,8 +5206,8 @@
         </p:blipFill>
         <p:spPr>
           <a:xfrm>
-            <a:off x="457200" y="1962101"/>
-            <a:ext cx="8229600" cy="3451323"/>
+            <a:off x="304800" y="2128347"/>
+            <a:ext cx="8382000" cy="3533922"/>
           </a:xfrm>
         </p:spPr>
       </p:pic>
@@ -4603,7 +5253,7 @@
           <a:p>
             <a:r>
               <a:rPr lang="en-US" dirty="0" smtClean="0"/>
-              <a:t>LLT Compared to VLM1 Results</a:t>
+              <a:t>VLM2 Compared to VLM1</a:t>
             </a:r>
             <a:endParaRPr lang="en-US" dirty="0"/>
           </a:p>
@@ -4611,7 +5261,7 @@
       </p:sp>
       <p:pic>
         <p:nvPicPr>
-          <p:cNvPr id="6" name="Content Placeholder 5" descr="LLT.PNG"/>
+          <p:cNvPr id="4" name="Content Placeholder 3" descr="RVLM2.PNG"/>
           <p:cNvPicPr>
             <a:picLocks noGrp="1" noChangeAspect="1"/>
           </p:cNvPicPr>
@@ -4627,8 +5277,8 @@
         </p:blipFill>
         <p:spPr>
           <a:xfrm>
-            <a:off x="304800" y="2128347"/>
-            <a:ext cx="8382000" cy="3533922"/>
+            <a:off x="381000" y="2114565"/>
+            <a:ext cx="8305800" cy="3529615"/>
           </a:xfrm>
         </p:spPr>
       </p:pic>
@@ -4674,7 +5324,7 @@
           <a:p>
             <a:r>
               <a:rPr lang="en-US" dirty="0" smtClean="0"/>
-              <a:t>VLM2 Compared to VLM1</a:t>
+              <a:t>3D Panel Compared to VLM1</a:t>
             </a:r>
             <a:endParaRPr lang="en-US" dirty="0"/>
           </a:p>
@@ -4682,7 +5332,7 @@
       </p:sp>
       <p:pic>
         <p:nvPicPr>
-          <p:cNvPr id="4" name="Content Placeholder 3" descr="RVLM2.PNG"/>
+          <p:cNvPr id="4" name="Content Placeholder 3" descr="Panel.PNG"/>
           <p:cNvPicPr>
             <a:picLocks noGrp="1" noChangeAspect="1"/>
           </p:cNvPicPr>
@@ -4698,8 +5348,8 @@
         </p:blipFill>
         <p:spPr>
           <a:xfrm>
-            <a:off x="381000" y="2114565"/>
-            <a:ext cx="8305800" cy="3529615"/>
+            <a:off x="457200" y="1952928"/>
+            <a:ext cx="8229600" cy="3469669"/>
           </a:xfrm>
         </p:spPr>
       </p:pic>
@@ -4745,7 +5395,7 @@
           <a:p>
             <a:r>
               <a:rPr lang="en-US" dirty="0" smtClean="0"/>
-              <a:t>3D Panel Compared to VLM1</a:t>
+              <a:t>Airfoil Shape</a:t>
             </a:r>
             <a:endParaRPr lang="en-US" dirty="0"/>
           </a:p>
@@ -4753,7 +5403,7 @@
       </p:sp>
       <p:pic>
         <p:nvPicPr>
-          <p:cNvPr id="4" name="Content Placeholder 3" descr="Panel.PNG"/>
+          <p:cNvPr id="6" name="Content Placeholder 5" descr="green.png"/>
           <p:cNvPicPr>
             <a:picLocks noGrp="1" noChangeAspect="1"/>
           </p:cNvPicPr>
@@ -4769,8 +5419,8 @@
         </p:blipFill>
         <p:spPr>
           <a:xfrm>
-            <a:off x="457200" y="1952928"/>
-            <a:ext cx="8229600" cy="3469669"/>
+            <a:off x="457200" y="2258298"/>
+            <a:ext cx="8229600" cy="2858929"/>
           </a:xfrm>
         </p:spPr>
       </p:pic>
@@ -4816,7 +5466,7 @@
           <a:p>
             <a:r>
               <a:rPr lang="en-US" dirty="0" smtClean="0"/>
-              <a:t>Airfoil Shape</a:t>
+              <a:t>Cp Distribution</a:t>
             </a:r>
             <a:endParaRPr lang="en-US" dirty="0"/>
           </a:p>
@@ -4824,7 +5474,7 @@
       </p:sp>
       <p:pic>
         <p:nvPicPr>
-          <p:cNvPr id="6" name="Content Placeholder 5" descr="green.png"/>
+          <p:cNvPr id="4" name="Content Placeholder 3" descr="bottompanel.png"/>
           <p:cNvPicPr>
             <a:picLocks noGrp="1" noChangeAspect="1"/>
           </p:cNvPicPr>
@@ -4840,11 +5490,143 @@
         </p:blipFill>
         <p:spPr>
           <a:xfrm>
-            <a:off x="457200" y="2258298"/>
-            <a:ext cx="8229600" cy="2858929"/>
+            <a:off x="533400" y="2057400"/>
+            <a:ext cx="3850105" cy="1828800"/>
           </a:xfrm>
         </p:spPr>
       </p:pic>
+      <p:pic>
+        <p:nvPicPr>
+          <p:cNvPr id="5" name="Picture 4" descr="toppanel.png"/>
+          <p:cNvPicPr>
+            <a:picLocks noChangeAspect="1"/>
+          </p:cNvPicPr>
+          <p:nvPr/>
+        </p:nvPicPr>
+        <p:blipFill>
+          <a:blip r:embed="rId3" cstate="print"/>
+          <a:stretch>
+            <a:fillRect/>
+          </a:stretch>
+        </p:blipFill>
+        <p:spPr>
+          <a:xfrm>
+            <a:off x="4800601" y="2057400"/>
+            <a:ext cx="3850105" cy="1828800"/>
+          </a:xfrm>
+          <a:prstGeom prst="rect">
+            <a:avLst/>
+          </a:prstGeom>
+        </p:spPr>
+      </p:pic>
+      <p:pic>
+        <p:nvPicPr>
+          <p:cNvPr id="6" name="Picture 5" descr="bottomvlm.png"/>
+          <p:cNvPicPr>
+            <a:picLocks noChangeAspect="1"/>
+          </p:cNvPicPr>
+          <p:nvPr/>
+        </p:nvPicPr>
+        <p:blipFill>
+          <a:blip r:embed="rId4" cstate="print"/>
+          <a:stretch>
+            <a:fillRect/>
+          </a:stretch>
+        </p:blipFill>
+        <p:spPr>
+          <a:xfrm>
+            <a:off x="533399" y="4419600"/>
+            <a:ext cx="3850105" cy="1828800"/>
+          </a:xfrm>
+          <a:prstGeom prst="rect">
+            <a:avLst/>
+          </a:prstGeom>
+        </p:spPr>
+      </p:pic>
+      <p:pic>
+        <p:nvPicPr>
+          <p:cNvPr id="7" name="Picture 6" descr="topvlm.png"/>
+          <p:cNvPicPr>
+            <a:picLocks noChangeAspect="1"/>
+          </p:cNvPicPr>
+          <p:nvPr/>
+        </p:nvPicPr>
+        <p:blipFill>
+          <a:blip r:embed="rId5" cstate="print"/>
+          <a:stretch>
+            <a:fillRect/>
+          </a:stretch>
+        </p:blipFill>
+        <p:spPr>
+          <a:xfrm>
+            <a:off x="4724400" y="4419600"/>
+            <a:ext cx="3850106" cy="1828800"/>
+          </a:xfrm>
+          <a:prstGeom prst="rect">
+            <a:avLst/>
+          </a:prstGeom>
+        </p:spPr>
+      </p:pic>
+      <p:sp>
+        <p:nvSpPr>
+          <p:cNvPr id="8" name="TextBox 7"/>
+          <p:cNvSpPr txBox="1"/>
+          <p:nvPr/>
+        </p:nvSpPr>
+        <p:spPr>
+          <a:xfrm>
+            <a:off x="4038600" y="1524000"/>
+            <a:ext cx="4343400" cy="369332"/>
+          </a:xfrm>
+          <a:prstGeom prst="rect">
+            <a:avLst/>
+          </a:prstGeom>
+          <a:noFill/>
+        </p:spPr>
+        <p:txBody>
+          <a:bodyPr wrap="square" rtlCol="0">
+            <a:spAutoFit/>
+          </a:bodyPr>
+          <a:lstStyle/>
+          <a:p>
+            <a:r>
+              <a:rPr lang="en-US" dirty="0" smtClean="0"/>
+              <a:t>3D Panel</a:t>
+            </a:r>
+            <a:endParaRPr lang="en-US" dirty="0"/>
+          </a:p>
+        </p:txBody>
+      </p:sp>
+      <p:sp>
+        <p:nvSpPr>
+          <p:cNvPr id="9" name="TextBox 8"/>
+          <p:cNvSpPr txBox="1"/>
+          <p:nvPr/>
+        </p:nvSpPr>
+        <p:spPr>
+          <a:xfrm>
+            <a:off x="4191000" y="3962400"/>
+            <a:ext cx="1447800" cy="369332"/>
+          </a:xfrm>
+          <a:prstGeom prst="rect">
+            <a:avLst/>
+          </a:prstGeom>
+          <a:noFill/>
+        </p:spPr>
+        <p:txBody>
+          <a:bodyPr wrap="square" rtlCol="0">
+            <a:spAutoFit/>
+          </a:bodyPr>
+          <a:lstStyle/>
+          <a:p>
+            <a:r>
+              <a:rPr lang="en-US" dirty="0" smtClean="0"/>
+              <a:t>VLM1</a:t>
+            </a:r>
+            <a:endParaRPr lang="en-US" dirty="0"/>
+          </a:p>
+        </p:txBody>
+      </p:sp>
     </p:spTree>
   </p:cSld>
   <p:clrMapOvr>
@@ -4887,164 +5669,49 @@
           <a:p>
             <a:r>
               <a:rPr lang="en-US" dirty="0" smtClean="0"/>
-              <a:t>Cp Distribution</a:t>
+              <a:t>Conclusions</a:t>
             </a:r>
             <a:endParaRPr lang="en-US" dirty="0"/>
           </a:p>
         </p:txBody>
       </p:sp>
-      <p:pic>
-        <p:nvPicPr>
-          <p:cNvPr id="4" name="Content Placeholder 3" descr="bottompanel.png"/>
-          <p:cNvPicPr>
-            <a:picLocks noGrp="1" noChangeAspect="1"/>
-          </p:cNvPicPr>
+      <p:sp>
+        <p:nvSpPr>
+          <p:cNvPr id="3" name="Content Placeholder 2"/>
+          <p:cNvSpPr>
+            <a:spLocks noGrp="1"/>
+          </p:cNvSpPr>
           <p:nvPr>
             <p:ph sz="quarter" idx="1"/>
           </p:nvPr>
-        </p:nvPicPr>
-        <p:blipFill>
-          <a:blip r:embed="rId2" cstate="print"/>
-          <a:stretch>
-            <a:fillRect/>
-          </a:stretch>
-        </p:blipFill>
-        <p:spPr>
-          <a:xfrm>
-            <a:off x="533400" y="2057400"/>
-            <a:ext cx="3850105" cy="1828800"/>
-          </a:xfrm>
-        </p:spPr>
-      </p:pic>
-      <p:pic>
-        <p:nvPicPr>
-          <p:cNvPr id="5" name="Picture 4" descr="toppanel.png"/>
-          <p:cNvPicPr>
-            <a:picLocks noChangeAspect="1"/>
-          </p:cNvPicPr>
-          <p:nvPr/>
-        </p:nvPicPr>
-        <p:blipFill>
-          <a:blip r:embed="rId3" cstate="print"/>
-          <a:stretch>
-            <a:fillRect/>
-          </a:stretch>
-        </p:blipFill>
-        <p:spPr>
-          <a:xfrm>
-            <a:off x="4800601" y="2057400"/>
-            <a:ext cx="3850105" cy="1828800"/>
-          </a:xfrm>
-          <a:prstGeom prst="rect">
-            <a:avLst/>
-          </a:prstGeom>
-        </p:spPr>
-      </p:pic>
-      <p:pic>
-        <p:nvPicPr>
-          <p:cNvPr id="6" name="Picture 5" descr="bottomvlm.png"/>
-          <p:cNvPicPr>
-            <a:picLocks noChangeAspect="1"/>
-          </p:cNvPicPr>
-          <p:nvPr/>
-        </p:nvPicPr>
-        <p:blipFill>
-          <a:blip r:embed="rId4" cstate="print"/>
-          <a:stretch>
-            <a:fillRect/>
-          </a:stretch>
-        </p:blipFill>
-        <p:spPr>
-          <a:xfrm>
-            <a:off x="533399" y="4419600"/>
-            <a:ext cx="3850105" cy="1828800"/>
-          </a:xfrm>
-          <a:prstGeom prst="rect">
-            <a:avLst/>
-          </a:prstGeom>
-        </p:spPr>
-      </p:pic>
-      <p:pic>
-        <p:nvPicPr>
-          <p:cNvPr id="7" name="Picture 6" descr="topvlm.png"/>
-          <p:cNvPicPr>
-            <a:picLocks noChangeAspect="1"/>
-          </p:cNvPicPr>
-          <p:nvPr/>
-        </p:nvPicPr>
-        <p:blipFill>
-          <a:blip r:embed="rId5" cstate="print"/>
-          <a:stretch>
-            <a:fillRect/>
-          </a:stretch>
-        </p:blipFill>
-        <p:spPr>
-          <a:xfrm>
-            <a:off x="4724400" y="4419600"/>
-            <a:ext cx="3850106" cy="1828800"/>
-          </a:xfrm>
-          <a:prstGeom prst="rect">
-            <a:avLst/>
-          </a:prstGeom>
-        </p:spPr>
-      </p:pic>
-      <p:sp>
-        <p:nvSpPr>
-          <p:cNvPr id="8" name="TextBox 7"/>
-          <p:cNvSpPr txBox="1"/>
-          <p:nvPr/>
-        </p:nvSpPr>
-        <p:spPr>
-          <a:xfrm>
-            <a:off x="4038600" y="1524000"/>
-            <a:ext cx="4343400" cy="369332"/>
-          </a:xfrm>
-          <a:prstGeom prst="rect">
-            <a:avLst/>
-          </a:prstGeom>
-          <a:noFill/>
-        </p:spPr>
-        <p:txBody>
-          <a:bodyPr wrap="square" rtlCol="0">
-            <a:spAutoFit/>
-          </a:bodyPr>
+        </p:nvSpPr>
+        <p:spPr/>
+        <p:txBody>
+          <a:bodyPr/>
           <a:lstStyle/>
           <a:p>
             <a:r>
               <a:rPr lang="en-US" dirty="0" smtClean="0"/>
-              <a:t>3D Panel</a:t>
-            </a:r>
-            <a:endParaRPr lang="en-US" dirty="0"/>
-          </a:p>
-        </p:txBody>
-      </p:sp>
-      <p:sp>
-        <p:nvSpPr>
-          <p:cNvPr id="9" name="TextBox 8"/>
-          <p:cNvSpPr txBox="1"/>
-          <p:nvPr/>
-        </p:nvSpPr>
-        <p:spPr>
-          <a:xfrm>
-            <a:off x="4191000" y="3962400"/>
-            <a:ext cx="1447800" cy="369332"/>
-          </a:xfrm>
-          <a:prstGeom prst="rect">
-            <a:avLst/>
-          </a:prstGeom>
-          <a:noFill/>
-        </p:spPr>
-        <p:txBody>
-          <a:bodyPr wrap="square" rtlCol="0">
-            <a:spAutoFit/>
-          </a:bodyPr>
-          <a:lstStyle/>
+              <a:t>VLM and 3D panel method yield different results</a:t>
+            </a:r>
+          </a:p>
           <a:p>
             <a:r>
               <a:rPr lang="en-US" dirty="0" smtClean="0"/>
-              <a:t>VLM1</a:t>
-            </a:r>
-            <a:endParaRPr lang="en-US" dirty="0"/>
+              <a:t>Due to the variable thickness, 3D Panel method may yield more accurate results</a:t>
+            </a:r>
+          </a:p>
+          <a:p>
+            <a:r>
+              <a:rPr lang="en-US" dirty="0" smtClean="0"/>
+              <a:t>Potential flow models may be limited in flapping flight applications</a:t>
+            </a:r>
+          </a:p>
+          <a:p>
+            <a:r>
+              <a:rPr lang="en-US" dirty="0" smtClean="0"/>
+              <a:t>Trends shown are repeatable</a:t>
+            </a:r>
           </a:p>
         </p:txBody>
       </p:sp>
@@ -5165,7 +5832,7 @@
           </p:nvPr>
         </p:nvPicPr>
         <p:blipFill>
-          <a:blip r:embed="rId2" cstate="print"/>
+          <a:blip r:embed="rId3" cstate="print"/>
           <a:stretch>
             <a:fillRect/>
           </a:stretch>
@@ -5209,94 +5876,6 @@
             <a:spLocks noGrp="1"/>
           </p:cNvSpPr>
           <p:nvPr>
-            <p:ph type="title"/>
-          </p:nvPr>
-        </p:nvSpPr>
-        <p:spPr/>
-        <p:txBody>
-          <a:bodyPr/>
-          <a:lstStyle/>
-          <a:p>
-            <a:r>
-              <a:rPr lang="en-US" dirty="0" smtClean="0"/>
-              <a:t>Conclusions</a:t>
-            </a:r>
-            <a:endParaRPr lang="en-US" dirty="0"/>
-          </a:p>
-        </p:txBody>
-      </p:sp>
-      <p:sp>
-        <p:nvSpPr>
-          <p:cNvPr id="3" name="Content Placeholder 2"/>
-          <p:cNvSpPr>
-            <a:spLocks noGrp="1"/>
-          </p:cNvSpPr>
-          <p:nvPr>
-            <p:ph sz="quarter" idx="1"/>
-          </p:nvPr>
-        </p:nvSpPr>
-        <p:spPr/>
-        <p:txBody>
-          <a:bodyPr/>
-          <a:lstStyle/>
-          <a:p>
-            <a:r>
-              <a:rPr lang="en-US" dirty="0" smtClean="0"/>
-              <a:t>VLM and 3D panel method yield different results</a:t>
-            </a:r>
-          </a:p>
-          <a:p>
-            <a:r>
-              <a:rPr lang="en-US" dirty="0" smtClean="0"/>
-              <a:t>Due to the variable thickness, 3D Panel method may yield more accurate results</a:t>
-            </a:r>
-          </a:p>
-          <a:p>
-            <a:r>
-              <a:rPr lang="en-US" dirty="0" smtClean="0"/>
-              <a:t>Potential flow models may be limited in flapping flight applications</a:t>
-            </a:r>
-          </a:p>
-          <a:p>
-            <a:r>
-              <a:rPr lang="en-US" dirty="0" smtClean="0"/>
-              <a:t>Trends shown are repeatable</a:t>
-            </a:r>
-          </a:p>
-        </p:txBody>
-      </p:sp>
-    </p:spTree>
-  </p:cSld>
-  <p:clrMapOvr>
-    <a:masterClrMapping/>
-  </p:clrMapOvr>
-</p:sld>
-</file>
-
-<file path=ppt/slides/slide21.xml><?xml version="1.0" encoding="utf-8"?>
-<p:sld xmlns:a="http://schemas.openxmlformats.org/drawingml/2006/main" xmlns:r="http://schemas.openxmlformats.org/officeDocument/2006/relationships" xmlns:p="http://schemas.openxmlformats.org/presentationml/2006/main">
-  <p:cSld>
-    <p:spTree>
-      <p:nvGrpSpPr>
-        <p:cNvPr id="1" name=""/>
-        <p:cNvGrpSpPr/>
-        <p:nvPr/>
-      </p:nvGrpSpPr>
-      <p:grpSpPr>
-        <a:xfrm>
-          <a:off x="0" y="0"/>
-          <a:ext cx="0" cy="0"/>
-          <a:chOff x="0" y="0"/>
-          <a:chExt cx="0" cy="0"/>
-        </a:xfrm>
-      </p:grpSpPr>
-      <p:sp>
-        <p:nvSpPr>
-          <p:cNvPr id="2" name="Title 1"/>
-          <p:cNvSpPr>
-            <a:spLocks noGrp="1"/>
-          </p:cNvSpPr>
-          <p:nvPr>
             <p:ph type="title" idx="4294967295"/>
           </p:nvPr>
         </p:nvSpPr>
@@ -5402,7 +5981,7 @@
           </p:nvPr>
         </p:nvPicPr>
         <p:blipFill>
-          <a:blip r:embed="rId2" cstate="print"/>
+          <a:blip r:embed="rId3" cstate="print"/>
           <a:stretch>
             <a:fillRect/>
           </a:stretch>
@@ -5598,36 +6177,7 @@
           <a:p>
             <a:r>
               <a:rPr lang="en-US" dirty="0" smtClean="0"/>
-              <a:t>Python Coding</a:t>
-            </a:r>
-            <a:endParaRPr lang="en-US" dirty="0"/>
-          </a:p>
-        </p:txBody>
-      </p:sp>
-      <p:sp>
-        <p:nvSpPr>
-          <p:cNvPr id="3" name="Content Placeholder 2"/>
-          <p:cNvSpPr>
-            <a:spLocks noGrp="1"/>
-          </p:cNvSpPr>
-          <p:nvPr>
-            <p:ph sz="quarter" idx="1"/>
-          </p:nvPr>
-        </p:nvSpPr>
-        <p:spPr/>
-        <p:txBody>
-          <a:bodyPr/>
-          <a:lstStyle/>
-          <a:p>
-            <a:r>
-              <a:rPr lang="en-US" dirty="0" smtClean="0"/>
-              <a:t>Create dictionary that includes each wings class</a:t>
-            </a:r>
-          </a:p>
-          <a:p>
-            <a:r>
-              <a:rPr lang="en-US" dirty="0" smtClean="0"/>
-              <a:t>Allows the calling of a specific wing class without storing different variables</a:t>
+              <a:t>LLT Lifting Line Theory</a:t>
             </a:r>
             <a:endParaRPr lang="en-US" dirty="0"/>
           </a:p>
@@ -5635,12 +6185,12 @@
       </p:sp>
       <p:pic>
         <p:nvPicPr>
-          <p:cNvPr id="5" name="Content Placeholder 4" descr="dict.PNG"/>
+          <p:cNvPr id="4" name="Content Placeholder 3" descr="800px-Lifting_line_theory_illustration_(2).svg.png"/>
           <p:cNvPicPr>
             <a:picLocks noGrp="1" noChangeAspect="1"/>
           </p:cNvPicPr>
           <p:nvPr>
-            <p:ph sz="quarter" idx="2"/>
+            <p:ph sz="quarter" idx="1"/>
           </p:nvPr>
         </p:nvPicPr>
         <p:blipFill>
@@ -5651,11 +6201,116 @@
         </p:blipFill>
         <p:spPr>
           <a:xfrm>
-            <a:off x="4495800" y="1600200"/>
-            <a:ext cx="4267200" cy="1153574"/>
+            <a:off x="2971800" y="1676400"/>
+            <a:ext cx="5495559" cy="4114800"/>
           </a:xfrm>
         </p:spPr>
       </p:pic>
+      <p:sp>
+        <p:nvSpPr>
+          <p:cNvPr id="5" name="Content Placeholder 4"/>
+          <p:cNvSpPr>
+            <a:spLocks noGrp="1"/>
+          </p:cNvSpPr>
+          <p:nvPr>
+            <p:ph sz="quarter" idx="2"/>
+          </p:nvPr>
+        </p:nvSpPr>
+        <p:spPr>
+          <a:xfrm>
+            <a:off x="304800" y="1676400"/>
+            <a:ext cx="4038600" cy="4525963"/>
+          </a:xfrm>
+        </p:spPr>
+        <p:txBody>
+          <a:bodyPr>
+            <a:normAutofit fontScale="77500" lnSpcReduction="20000"/>
+          </a:bodyPr>
+          <a:lstStyle/>
+          <a:p>
+            <a:r>
+              <a:rPr lang="en-US" i="1" dirty="0" err="1" smtClean="0"/>
+              <a:t>Kutta_Joukowski</a:t>
+            </a:r>
+            <a:endParaRPr lang="en-US" i="1" dirty="0" smtClean="0"/>
+          </a:p>
+          <a:p>
+            <a:r>
+              <a:rPr lang="en-US" i="1" dirty="0" err="1" smtClean="0"/>
+              <a:t>Biot-Savart</a:t>
+            </a:r>
+            <a:endParaRPr lang="en-US" i="1" dirty="0" smtClean="0"/>
+          </a:p>
+          <a:p>
+            <a:r>
+              <a:rPr lang="en-US" i="1" dirty="0" smtClean="0"/>
+              <a:t>Helmholtz Theorem</a:t>
+            </a:r>
+          </a:p>
+          <a:p>
+            <a:pPr lvl="1"/>
+            <a:r>
+              <a:rPr lang="en-US" dirty="0" smtClean="0"/>
+              <a:t>The strength of a vortex filament is constant </a:t>
+            </a:r>
+            <a:r>
+              <a:rPr lang="en-US" dirty="0" smtClean="0"/>
+              <a:t>along </a:t>
+            </a:r>
+            <a:r>
+              <a:rPr lang="en-US" dirty="0" smtClean="0"/>
+              <a:t>its length</a:t>
+            </a:r>
+          </a:p>
+          <a:p>
+            <a:pPr lvl="1"/>
+            <a:r>
+              <a:rPr lang="en-US" dirty="0" smtClean="0"/>
+              <a:t>A vortex filament cannot end in a fluid: must extend to infinity or form a closed </a:t>
+            </a:r>
+            <a:r>
+              <a:rPr lang="en-US" dirty="0" smtClean="0"/>
+              <a:t>path</a:t>
+            </a:r>
+            <a:endParaRPr lang="en-US" i="1" dirty="0" smtClean="0"/>
+          </a:p>
+          <a:p>
+            <a:r>
+              <a:rPr lang="en-US" i="1" dirty="0" smtClean="0"/>
+              <a:t>Effective angle of attack</a:t>
+            </a:r>
+          </a:p>
+          <a:p>
+            <a:r>
+              <a:rPr lang="en-US" i="1" dirty="0" smtClean="0"/>
+              <a:t>Repeat</a:t>
+            </a:r>
+          </a:p>
+          <a:p>
+            <a:pPr lvl="1"/>
+            <a:endParaRPr lang="en-US" i="1" dirty="0" smtClean="0"/>
+          </a:p>
+          <a:p>
+            <a:pPr>
+              <a:buNone/>
+            </a:pPr>
+            <a:endParaRPr lang="en-US" i="1" dirty="0" smtClean="0"/>
+          </a:p>
+          <a:p>
+            <a:pPr lvl="1">
+              <a:buNone/>
+            </a:pPr>
+            <a:r>
+              <a:rPr lang="el-GR" dirty="0" smtClean="0"/>
+              <a:t/>
+            </a:r>
+            <a:br>
+              <a:rPr lang="el-GR" dirty="0" smtClean="0"/>
+            </a:br>
+            <a:endParaRPr lang="en-US" dirty="0"/>
+          </a:p>
+        </p:txBody>
+      </p:sp>
     </p:spTree>
   </p:cSld>
   <p:clrMapOvr>
@@ -5698,7 +6353,72 @@
           <a:p>
             <a:r>
               <a:rPr lang="en-US" dirty="0" smtClean="0"/>
-              <a:t>LLT Lifting Line Theory</a:t>
+              <a:t>LLT</a:t>
+            </a:r>
+            <a:endParaRPr lang="en-US" dirty="0"/>
+          </a:p>
+        </p:txBody>
+      </p:sp>
+      <p:sp>
+        <p:nvSpPr>
+          <p:cNvPr id="6" name="Text Placeholder 5"/>
+          <p:cNvSpPr>
+            <a:spLocks noGrp="1"/>
+          </p:cNvSpPr>
+          <p:nvPr>
+            <p:ph type="body" idx="1"/>
+          </p:nvPr>
+        </p:nvSpPr>
+        <p:spPr/>
+        <p:txBody>
+          <a:bodyPr/>
+          <a:lstStyle/>
+          <a:p>
+            <a:r>
+              <a:rPr lang="en-US" dirty="0" smtClean="0"/>
+              <a:t>Limitations</a:t>
+            </a:r>
+            <a:endParaRPr lang="en-US" dirty="0"/>
+          </a:p>
+        </p:txBody>
+      </p:sp>
+      <p:sp>
+        <p:nvSpPr>
+          <p:cNvPr id="7" name="Content Placeholder 6"/>
+          <p:cNvSpPr>
+            <a:spLocks noGrp="1"/>
+          </p:cNvSpPr>
+          <p:nvPr>
+            <p:ph sz="quarter" idx="2"/>
+          </p:nvPr>
+        </p:nvSpPr>
+        <p:spPr/>
+        <p:txBody>
+          <a:bodyPr/>
+          <a:lstStyle/>
+          <a:p>
+            <a:r>
+              <a:rPr lang="en-US" dirty="0" smtClean="0"/>
+              <a:t>Does not account for sweep</a:t>
+            </a:r>
+          </a:p>
+          <a:p>
+            <a:r>
+              <a:rPr lang="en-US" dirty="0" smtClean="0"/>
+              <a:t>Does not account for dihedral </a:t>
+            </a:r>
+          </a:p>
+          <a:p>
+            <a:r>
+              <a:rPr lang="en-US" dirty="0" err="1" smtClean="0"/>
+              <a:t>Inviscid</a:t>
+            </a:r>
+            <a:endParaRPr lang="en-US" dirty="0" smtClean="0"/>
+          </a:p>
+          <a:p>
+            <a:r>
+              <a:rPr lang="en-US" dirty="0" smtClean="0"/>
+              <a:t>Must have high Aspect Ratio</a:t>
             </a:r>
             <a:endParaRPr lang="en-US" dirty="0"/>
           </a:p>
@@ -5706,12 +6426,12 @@
       </p:sp>
       <p:pic>
         <p:nvPicPr>
-          <p:cNvPr id="4" name="Content Placeholder 3" descr="800px-Lifting_line_theory_illustration_(2).svg.png"/>
+          <p:cNvPr id="10" name="Content Placeholder 9" descr="800px-Lifting_line_theory_illustration_(2).svg.png"/>
           <p:cNvPicPr>
             <a:picLocks noGrp="1" noChangeAspect="1"/>
           </p:cNvPicPr>
           <p:nvPr>
-            <p:ph sz="quarter" idx="1"/>
+            <p:ph sz="quarter" idx="4"/>
           </p:nvPr>
         </p:nvPicPr>
         <p:blipFill>
@@ -5722,116 +6442,11 @@
         </p:blipFill>
         <p:spPr>
           <a:xfrm>
-            <a:off x="2971800" y="1676400"/>
-            <a:ext cx="5495559" cy="4114800"/>
+            <a:off x="3048000" y="990600"/>
+            <a:ext cx="5699098" cy="4267200"/>
           </a:xfrm>
         </p:spPr>
       </p:pic>
-      <p:sp>
-        <p:nvSpPr>
-          <p:cNvPr id="5" name="Content Placeholder 4"/>
-          <p:cNvSpPr>
-            <a:spLocks noGrp="1"/>
-          </p:cNvSpPr>
-          <p:nvPr>
-            <p:ph sz="quarter" idx="2"/>
-          </p:nvPr>
-        </p:nvSpPr>
-        <p:spPr>
-          <a:xfrm>
-            <a:off x="304800" y="1676400"/>
-            <a:ext cx="4038600" cy="4525963"/>
-          </a:xfrm>
-        </p:spPr>
-        <p:txBody>
-          <a:bodyPr>
-            <a:normAutofit fontScale="77500" lnSpcReduction="20000"/>
-          </a:bodyPr>
-          <a:lstStyle/>
-          <a:p>
-            <a:r>
-              <a:rPr lang="en-US" i="1" dirty="0" err="1" smtClean="0"/>
-              <a:t>Kutta_Joukowski</a:t>
-            </a:r>
-            <a:endParaRPr lang="en-US" i="1" dirty="0" smtClean="0"/>
-          </a:p>
-          <a:p>
-            <a:r>
-              <a:rPr lang="en-US" i="1" dirty="0" err="1" smtClean="0"/>
-              <a:t>Biot-Savart</a:t>
-            </a:r>
-            <a:endParaRPr lang="en-US" i="1" dirty="0" smtClean="0"/>
-          </a:p>
-          <a:p>
-            <a:r>
-              <a:rPr lang="en-US" i="1" dirty="0" smtClean="0"/>
-              <a:t>Helmholtz Theorem</a:t>
-            </a:r>
-          </a:p>
-          <a:p>
-            <a:pPr lvl="1"/>
-            <a:r>
-              <a:rPr lang="en-US" dirty="0" smtClean="0"/>
-              <a:t>The strength of a vortex filament is constant </a:t>
-            </a:r>
-            <a:r>
-              <a:rPr lang="en-US" dirty="0" smtClean="0"/>
-              <a:t>along </a:t>
-            </a:r>
-            <a:r>
-              <a:rPr lang="en-US" dirty="0" smtClean="0"/>
-              <a:t>its length</a:t>
-            </a:r>
-          </a:p>
-          <a:p>
-            <a:pPr lvl="1"/>
-            <a:r>
-              <a:rPr lang="en-US" dirty="0" smtClean="0"/>
-              <a:t>A vortex filament cannot end in a fluid: must extend to infinity or form a closed </a:t>
-            </a:r>
-            <a:r>
-              <a:rPr lang="en-US" dirty="0" smtClean="0"/>
-              <a:t>path</a:t>
-            </a:r>
-            <a:endParaRPr lang="en-US" i="1" dirty="0" smtClean="0"/>
-          </a:p>
-          <a:p>
-            <a:r>
-              <a:rPr lang="en-US" i="1" dirty="0" smtClean="0"/>
-              <a:t>Effective angle of attack</a:t>
-            </a:r>
-          </a:p>
-          <a:p>
-            <a:r>
-              <a:rPr lang="en-US" i="1" dirty="0" smtClean="0"/>
-              <a:t>Repeat</a:t>
-            </a:r>
-          </a:p>
-          <a:p>
-            <a:pPr lvl="1"/>
-            <a:endParaRPr lang="en-US" i="1" dirty="0" smtClean="0"/>
-          </a:p>
-          <a:p>
-            <a:pPr>
-              <a:buNone/>
-            </a:pPr>
-            <a:endParaRPr lang="en-US" i="1" dirty="0" smtClean="0"/>
-          </a:p>
-          <a:p>
-            <a:pPr lvl="1">
-              <a:buNone/>
-            </a:pPr>
-            <a:r>
-              <a:rPr lang="el-GR" dirty="0" smtClean="0"/>
-              <a:t/>
-            </a:r>
-            <a:br>
-              <a:rPr lang="el-GR" dirty="0" smtClean="0"/>
-            </a:br>
-            <a:endParaRPr lang="en-US" dirty="0"/>
-          </a:p>
-        </p:txBody>
-      </p:sp>
     </p:spTree>
   </p:cSld>
   <p:clrMapOvr>
@@ -5874,7 +6489,7 @@
           <a:p>
             <a:r>
               <a:rPr lang="en-US" dirty="0" smtClean="0"/>
-              <a:t>LLT</a:t>
+              <a:t>Lifting Surface Theory</a:t>
             </a:r>
             <a:endParaRPr lang="en-US" dirty="0"/>
           </a:p>
@@ -5882,12 +6497,12 @@
       </p:sp>
       <p:sp>
         <p:nvSpPr>
-          <p:cNvPr id="6" name="Text Placeholder 5"/>
-          <p:cNvSpPr>
-            <a:spLocks noGrp="1"/>
-          </p:cNvSpPr>
-          <p:nvPr>
-            <p:ph type="body" idx="1"/>
+          <p:cNvPr id="4" name="Content Placeholder 3"/>
+          <p:cNvSpPr>
+            <a:spLocks noGrp="1"/>
+          </p:cNvSpPr>
+          <p:nvPr>
+            <p:ph sz="quarter" idx="1"/>
           </p:nvPr>
         </p:nvSpPr>
         <p:spPr/>
@@ -5897,62 +6512,75 @@
           <a:p>
             <a:r>
               <a:rPr lang="en-US" dirty="0" smtClean="0"/>
-              <a:t>Limitations</a:t>
-            </a:r>
-            <a:endParaRPr lang="en-US" dirty="0"/>
-          </a:p>
-        </p:txBody>
-      </p:sp>
-      <p:sp>
-        <p:nvSpPr>
-          <p:cNvPr id="7" name="Content Placeholder 6"/>
-          <p:cNvSpPr>
-            <a:spLocks noGrp="1"/>
-          </p:cNvSpPr>
-          <p:nvPr>
-            <p:ph sz="quarter" idx="2"/>
-          </p:nvPr>
-        </p:nvSpPr>
-        <p:spPr/>
-        <p:txBody>
-          <a:bodyPr/>
-          <a:lstStyle/>
+              <a:t>Series of lifting lines</a:t>
+            </a:r>
+          </a:p>
           <a:p>
             <a:r>
               <a:rPr lang="en-US" dirty="0" smtClean="0"/>
-              <a:t>Does not account for sweep</a:t>
-            </a:r>
+              <a:t>Circulation varies in both</a:t>
+            </a:r>
+          </a:p>
+          <a:p>
+            <a:pPr lvl="1"/>
+            <a:r>
+              <a:rPr lang="en-US" dirty="0" smtClean="0">
+                <a:solidFill>
+                  <a:schemeClr val="tx1"/>
+                </a:solidFill>
+              </a:rPr>
+              <a:t>Span wise lifting line</a:t>
+            </a:r>
+          </a:p>
+          <a:p>
+            <a:pPr lvl="1"/>
+            <a:r>
+              <a:rPr lang="en-US" dirty="0" smtClean="0">
+                <a:solidFill>
+                  <a:schemeClr val="tx1"/>
+                </a:solidFill>
+              </a:rPr>
+              <a:t>Chord wise </a:t>
+            </a:r>
+            <a:r>
+              <a:rPr lang="en-US" dirty="0" smtClean="0">
+                <a:solidFill>
+                  <a:schemeClr val="tx1"/>
+                </a:solidFill>
+              </a:rPr>
+              <a:t>vortices</a:t>
+            </a:r>
+            <a:endParaRPr lang="en-US" dirty="0" smtClean="0"/>
           </a:p>
           <a:p>
             <a:r>
               <a:rPr lang="en-US" dirty="0" smtClean="0"/>
-              <a:t>Does not account for dihedral </a:t>
+              <a:t>Chord wise vortices extend into wake.</a:t>
             </a:r>
           </a:p>
           <a:p>
             <a:r>
               <a:rPr lang="en-US" dirty="0" err="1" smtClean="0"/>
-              <a:t>Inviscid</a:t>
+              <a:t>Biot-Savart</a:t>
             </a:r>
             <a:endParaRPr lang="en-US" dirty="0" smtClean="0"/>
           </a:p>
           <a:p>
             <a:r>
               <a:rPr lang="en-US" dirty="0" smtClean="0"/>
-              <a:t>Must have high Aspect Ratio</a:t>
-            </a:r>
-            <a:endParaRPr lang="en-US" dirty="0"/>
+              <a:t>Flow tangency condition</a:t>
+            </a:r>
           </a:p>
         </p:txBody>
       </p:sp>
       <p:pic>
         <p:nvPicPr>
-          <p:cNvPr id="10" name="Content Placeholder 9" descr="800px-Lifting_line_theory_illustration_(2).svg.png"/>
+          <p:cNvPr id="8" name="Content Placeholder 7" descr="lsurface.PNG"/>
           <p:cNvPicPr>
             <a:picLocks noGrp="1" noChangeAspect="1"/>
           </p:cNvPicPr>
           <p:nvPr>
-            <p:ph sz="quarter" idx="4"/>
+            <p:ph sz="quarter" idx="2"/>
           </p:nvPr>
         </p:nvPicPr>
         <p:blipFill>
@@ -5963,8 +6591,8 @@
         </p:blipFill>
         <p:spPr>
           <a:xfrm>
-            <a:off x="3048000" y="990600"/>
-            <a:ext cx="5699098" cy="4267200"/>
+            <a:off x="4267200" y="1371600"/>
+            <a:ext cx="4657603" cy="4343400"/>
           </a:xfrm>
         </p:spPr>
       </p:pic>
@@ -6010,7 +6638,7 @@
           <a:p>
             <a:r>
               <a:rPr lang="en-US" dirty="0" smtClean="0"/>
-              <a:t>Lifting Surface Theory</a:t>
+              <a:t>VLM Vortex Lattice Method</a:t>
             </a:r>
             <a:endParaRPr lang="en-US" dirty="0"/>
           </a:p>
@@ -6033,50 +6661,7 @@
           <a:p>
             <a:r>
               <a:rPr lang="en-US" dirty="0" smtClean="0"/>
-              <a:t>Series of lifting lines</a:t>
-            </a:r>
-          </a:p>
-          <a:p>
-            <a:r>
-              <a:rPr lang="en-US" dirty="0" smtClean="0"/>
-              <a:t>Circulation varies in both</a:t>
-            </a:r>
-          </a:p>
-          <a:p>
-            <a:pPr lvl="1"/>
-            <a:r>
-              <a:rPr lang="en-US" dirty="0" smtClean="0">
-                <a:solidFill>
-                  <a:schemeClr val="tx1"/>
-                </a:solidFill>
-              </a:rPr>
-              <a:t>Span wise lifting line</a:t>
-            </a:r>
-          </a:p>
-          <a:p>
-            <a:pPr lvl="1"/>
-            <a:r>
-              <a:rPr lang="en-US" dirty="0" smtClean="0">
-                <a:solidFill>
-                  <a:schemeClr val="tx1"/>
-                </a:solidFill>
-              </a:rPr>
-              <a:t>Chord wise </a:t>
-            </a:r>
-            <a:r>
-              <a:rPr lang="en-US" dirty="0" smtClean="0">
-                <a:solidFill>
-                  <a:schemeClr val="tx1"/>
-                </a:solidFill>
-              </a:rPr>
-              <a:t>vortices</a:t>
-            </a:r>
-            <a:endParaRPr lang="en-US" dirty="0" smtClean="0"/>
-          </a:p>
-          <a:p>
-            <a:r>
-              <a:rPr lang="en-US" dirty="0" smtClean="0"/>
-              <a:t>Chord wise vortices extend into wake.</a:t>
+              <a:t>Assign circulation at control points</a:t>
             </a:r>
           </a:p>
           <a:p>
@@ -6084,19 +6669,23 @@
               <a:rPr lang="en-US" dirty="0" err="1" smtClean="0"/>
               <a:t>Biot-Savart</a:t>
             </a:r>
-            <a:endParaRPr lang="en-US" dirty="0" smtClean="0"/>
-          </a:p>
-          <a:p>
             <a:r>
               <a:rPr lang="en-US" dirty="0" smtClean="0"/>
-              <a:t>Flow tangency condition</a:t>
-            </a:r>
+              <a:t> Law</a:t>
+            </a:r>
+          </a:p>
+          <a:p>
+            <a:r>
+              <a:rPr lang="en-US" dirty="0" smtClean="0"/>
+              <a:t>Flow tangency</a:t>
+            </a:r>
+            <a:endParaRPr lang="en-US" dirty="0"/>
           </a:p>
         </p:txBody>
       </p:sp>
       <p:pic>
         <p:nvPicPr>
-          <p:cNvPr id="8" name="Content Placeholder 7" descr="lsurface.PNG"/>
+          <p:cNvPr id="6" name="Content Placeholder 5" descr="VLM1.PNG"/>
           <p:cNvPicPr>
             <a:picLocks noGrp="1" noChangeAspect="1"/>
           </p:cNvPicPr>
@@ -6112,8 +6701,8 @@
         </p:blipFill>
         <p:spPr>
           <a:xfrm>
-            <a:off x="4267200" y="1371600"/>
-            <a:ext cx="4657603" cy="4343400"/>
+            <a:off x="4572000" y="1524000"/>
+            <a:ext cx="4466420" cy="4576578"/>
           </a:xfrm>
         </p:spPr>
       </p:pic>
@@ -6461,4 +7050,287 @@
   <a:objectDefaults/>
   <a:extraClrSchemeLst/>
 </a:theme>
+</file>
+
+<file path=ppt/theme/theme2.xml><?xml version="1.0" encoding="utf-8"?>
+<a:theme xmlns:a="http://schemas.openxmlformats.org/drawingml/2006/main" name="Office Theme">
+  <a:themeElements>
+    <a:clrScheme name="Office">
+      <a:dk1>
+        <a:sysClr val="windowText" lastClr="000000"/>
+      </a:dk1>
+      <a:lt1>
+        <a:sysClr val="window" lastClr="FFFFFF"/>
+      </a:lt1>
+      <a:dk2>
+        <a:srgbClr val="1F497D"/>
+      </a:dk2>
+      <a:lt2>
+        <a:srgbClr val="EEECE1"/>
+      </a:lt2>
+      <a:accent1>
+        <a:srgbClr val="4F81BD"/>
+      </a:accent1>
+      <a:accent2>
+        <a:srgbClr val="C0504D"/>
+      </a:accent2>
+      <a:accent3>
+        <a:srgbClr val="9BBB59"/>
+      </a:accent3>
+      <a:accent4>
+        <a:srgbClr val="8064A2"/>
+      </a:accent4>
+      <a:accent5>
+        <a:srgbClr val="4BACC6"/>
+      </a:accent5>
+      <a:accent6>
+        <a:srgbClr val="F79646"/>
+      </a:accent6>
+      <a:hlink>
+        <a:srgbClr val="0000FF"/>
+      </a:hlink>
+      <a:folHlink>
+        <a:srgbClr val="800080"/>
+      </a:folHlink>
+    </a:clrScheme>
+    <a:fontScheme name="Office">
+      <a:majorFont>
+        <a:latin typeface="Calibri"/>
+        <a:ea typeface=""/>
+        <a:cs typeface=""/>
+        <a:font script="Jpan" typeface="ＭＳ Ｐゴシック"/>
+        <a:font script="Hang" typeface="맑은 고딕"/>
+        <a:font script="Hans" typeface="宋体"/>
+        <a:font script="Hant" typeface="新細明體"/>
+        <a:font script="Arab" typeface="Times New Roman"/>
+        <a:font script="Hebr" typeface="Times New Roman"/>
+        <a:font script="Thai" typeface="Angsana New"/>
+        <a:font script="Ethi" typeface="Nyala"/>
+        <a:font script="Beng" typeface="Vrinda"/>
+        <a:font script="Gujr" typeface="Shruti"/>
+        <a:font script="Khmr" typeface="MoolBoran"/>
+        <a:font script="Knda" typeface="Tunga"/>
+        <a:font script="Guru" typeface="Raavi"/>
+        <a:font script="Cans" typeface="Euphemia"/>
+        <a:font script="Cher" typeface="Plantagenet Cherokee"/>
+        <a:font script="Yiii" typeface="Microsoft Yi Baiti"/>
+        <a:font script="Tibt" typeface="Microsoft Himalaya"/>
+        <a:font script="Thaa" typeface="MV Boli"/>
+        <a:font script="Deva" typeface="Mangal"/>
+        <a:font script="Telu" typeface="Gautami"/>
+        <a:font script="Taml" typeface="Latha"/>
+        <a:font script="Syrc" typeface="Estrangelo Edessa"/>
+        <a:font script="Orya" typeface="Kalinga"/>
+        <a:font script="Mlym" typeface="Kartika"/>
+        <a:font script="Laoo" typeface="DokChampa"/>
+        <a:font script="Sinh" typeface="Iskoola Pota"/>
+        <a:font script="Mong" typeface="Mongolian Baiti"/>
+        <a:font script="Viet" typeface="Times New Roman"/>
+        <a:font script="Uigh" typeface="Microsoft Uighur"/>
+      </a:majorFont>
+      <a:minorFont>
+        <a:latin typeface="Calibri"/>
+        <a:ea typeface=""/>
+        <a:cs typeface=""/>
+        <a:font script="Jpan" typeface="ＭＳ Ｐゴシック"/>
+        <a:font script="Hang" typeface="맑은 고딕"/>
+        <a:font script="Hans" typeface="宋体"/>
+        <a:font script="Hant" typeface="新細明體"/>
+        <a:font script="Arab" typeface="Arial"/>
+        <a:font script="Hebr" typeface="Arial"/>
+        <a:font script="Thai" typeface="Cordia New"/>
+        <a:font script="Ethi" typeface="Nyala"/>
+        <a:font script="Beng" typeface="Vrinda"/>
+        <a:font script="Gujr" typeface="Shruti"/>
+        <a:font script="Khmr" typeface="DaunPenh"/>
+        <a:font script="Knda" typeface="Tunga"/>
+        <a:font script="Guru" typeface="Raavi"/>
+        <a:font script="Cans" typeface="Euphemia"/>
+        <a:font script="Cher" typeface="Plantagenet Cherokee"/>
+        <a:font script="Yiii" typeface="Microsoft Yi Baiti"/>
+        <a:font script="Tibt" typeface="Microsoft Himalaya"/>
+        <a:font script="Thaa" typeface="MV Boli"/>
+        <a:font script="Deva" typeface="Mangal"/>
+        <a:font script="Telu" typeface="Gautami"/>
+        <a:font script="Taml" typeface="Latha"/>
+        <a:font script="Syrc" typeface="Estrangelo Edessa"/>
+        <a:font script="Orya" typeface="Kalinga"/>
+        <a:font script="Mlym" typeface="Kartika"/>
+        <a:font script="Laoo" typeface="DokChampa"/>
+        <a:font script="Sinh" typeface="Iskoola Pota"/>
+        <a:font script="Mong" typeface="Mongolian Baiti"/>
+        <a:font script="Viet" typeface="Arial"/>
+        <a:font script="Uigh" typeface="Microsoft Uighur"/>
+      </a:minorFont>
+    </a:fontScheme>
+    <a:fmtScheme name="Office">
+      <a:fillStyleLst>
+        <a:solidFill>
+          <a:schemeClr val="phClr"/>
+        </a:solidFill>
+        <a:gradFill rotWithShape="1">
+          <a:gsLst>
+            <a:gs pos="0">
+              <a:schemeClr val="phClr">
+                <a:tint val="50000"/>
+                <a:satMod val="300000"/>
+              </a:schemeClr>
+            </a:gs>
+            <a:gs pos="35000">
+              <a:schemeClr val="phClr">
+                <a:tint val="37000"/>
+                <a:satMod val="300000"/>
+              </a:schemeClr>
+            </a:gs>
+            <a:gs pos="100000">
+              <a:schemeClr val="phClr">
+                <a:tint val="15000"/>
+                <a:satMod val="350000"/>
+              </a:schemeClr>
+            </a:gs>
+          </a:gsLst>
+          <a:lin ang="16200000" scaled="1"/>
+        </a:gradFill>
+        <a:gradFill rotWithShape="1">
+          <a:gsLst>
+            <a:gs pos="0">
+              <a:schemeClr val="phClr">
+                <a:shade val="51000"/>
+                <a:satMod val="130000"/>
+              </a:schemeClr>
+            </a:gs>
+            <a:gs pos="80000">
+              <a:schemeClr val="phClr">
+                <a:shade val="93000"/>
+                <a:satMod val="130000"/>
+              </a:schemeClr>
+            </a:gs>
+            <a:gs pos="100000">
+              <a:schemeClr val="phClr">
+                <a:shade val="94000"/>
+                <a:satMod val="135000"/>
+              </a:schemeClr>
+            </a:gs>
+          </a:gsLst>
+          <a:lin ang="16200000" scaled="0"/>
+        </a:gradFill>
+      </a:fillStyleLst>
+      <a:lnStyleLst>
+        <a:ln w="9525" cap="flat" cmpd="sng" algn="ctr">
+          <a:solidFill>
+            <a:schemeClr val="phClr">
+              <a:shade val="95000"/>
+              <a:satMod val="105000"/>
+            </a:schemeClr>
+          </a:solidFill>
+          <a:prstDash val="solid"/>
+        </a:ln>
+        <a:ln w="25400" cap="flat" cmpd="sng" algn="ctr">
+          <a:solidFill>
+            <a:schemeClr val="phClr"/>
+          </a:solidFill>
+          <a:prstDash val="solid"/>
+        </a:ln>
+        <a:ln w="38100" cap="flat" cmpd="sng" algn="ctr">
+          <a:solidFill>
+            <a:schemeClr val="phClr"/>
+          </a:solidFill>
+          <a:prstDash val="solid"/>
+        </a:ln>
+      </a:lnStyleLst>
+      <a:effectStyleLst>
+        <a:effectStyle>
+          <a:effectLst>
+            <a:outerShdw blurRad="40000" dist="20000" dir="5400000" rotWithShape="0">
+              <a:srgbClr val="000000">
+                <a:alpha val="38000"/>
+              </a:srgbClr>
+            </a:outerShdw>
+          </a:effectLst>
+        </a:effectStyle>
+        <a:effectStyle>
+          <a:effectLst>
+            <a:outerShdw blurRad="40000" dist="23000" dir="5400000" rotWithShape="0">
+              <a:srgbClr val="000000">
+                <a:alpha val="35000"/>
+              </a:srgbClr>
+            </a:outerShdw>
+          </a:effectLst>
+        </a:effectStyle>
+        <a:effectStyle>
+          <a:effectLst>
+            <a:outerShdw blurRad="40000" dist="23000" dir="5400000" rotWithShape="0">
+              <a:srgbClr val="000000">
+                <a:alpha val="35000"/>
+              </a:srgbClr>
+            </a:outerShdw>
+          </a:effectLst>
+          <a:scene3d>
+            <a:camera prst="orthographicFront">
+              <a:rot lat="0" lon="0" rev="0"/>
+            </a:camera>
+            <a:lightRig rig="threePt" dir="t">
+              <a:rot lat="0" lon="0" rev="1200000"/>
+            </a:lightRig>
+          </a:scene3d>
+          <a:sp3d>
+            <a:bevelT w="63500" h="25400"/>
+          </a:sp3d>
+        </a:effectStyle>
+      </a:effectStyleLst>
+      <a:bgFillStyleLst>
+        <a:solidFill>
+          <a:schemeClr val="phClr"/>
+        </a:solidFill>
+        <a:gradFill rotWithShape="1">
+          <a:gsLst>
+            <a:gs pos="0">
+              <a:schemeClr val="phClr">
+                <a:tint val="40000"/>
+                <a:satMod val="350000"/>
+              </a:schemeClr>
+            </a:gs>
+            <a:gs pos="40000">
+              <a:schemeClr val="phClr">
+                <a:tint val="45000"/>
+                <a:shade val="99000"/>
+                <a:satMod val="350000"/>
+              </a:schemeClr>
+            </a:gs>
+            <a:gs pos="100000">
+              <a:schemeClr val="phClr">
+                <a:shade val="20000"/>
+                <a:satMod val="255000"/>
+              </a:schemeClr>
+            </a:gs>
+          </a:gsLst>
+          <a:path path="circle">
+            <a:fillToRect l="50000" t="-80000" r="50000" b="180000"/>
+          </a:path>
+        </a:gradFill>
+        <a:gradFill rotWithShape="1">
+          <a:gsLst>
+            <a:gs pos="0">
+              <a:schemeClr val="phClr">
+                <a:tint val="80000"/>
+                <a:satMod val="300000"/>
+              </a:schemeClr>
+            </a:gs>
+            <a:gs pos="100000">
+              <a:schemeClr val="phClr">
+                <a:shade val="30000"/>
+                <a:satMod val="200000"/>
+              </a:schemeClr>
+            </a:gs>
+          </a:gsLst>
+          <a:path path="circle">
+            <a:fillToRect l="50000" t="50000" r="50000" b="50000"/>
+          </a:path>
+        </a:gradFill>
+      </a:bgFillStyleLst>
+    </a:fmtScheme>
+  </a:themeElements>
+  <a:objectDefaults/>
+  <a:extraClrSchemeLst/>
+</a:theme>
 </file>
--- a/XFLR5 Methods and Their Application in.pptx
+++ b/XFLR5 Methods and Their Application in.pptx
@@ -5,34 +5,35 @@
     <p:sldMasterId id="2147483756" r:id="rId1"/>
   </p:sldMasterIdLst>
   <p:notesMasterIdLst>
-    <p:notesMasterId r:id="rId22"/>
+    <p:notesMasterId r:id="rId23"/>
   </p:notesMasterIdLst>
   <p:sldIdLst>
     <p:sldId id="256" r:id="rId2"/>
     <p:sldId id="282" r:id="rId3"/>
     <p:sldId id="257" r:id="rId4"/>
-    <p:sldId id="258" r:id="rId5"/>
-    <p:sldId id="259" r:id="rId6"/>
-    <p:sldId id="260" r:id="rId7"/>
-    <p:sldId id="279" r:id="rId8"/>
-    <p:sldId id="261" r:id="rId9"/>
-    <p:sldId id="263" r:id="rId10"/>
-    <p:sldId id="262" r:id="rId11"/>
-    <p:sldId id="264" r:id="rId12"/>
-    <p:sldId id="281" r:id="rId13"/>
-    <p:sldId id="265" r:id="rId14"/>
-    <p:sldId id="266" r:id="rId15"/>
-    <p:sldId id="267" r:id="rId16"/>
-    <p:sldId id="268" r:id="rId17"/>
-    <p:sldId id="278" r:id="rId18"/>
-    <p:sldId id="269" r:id="rId19"/>
-    <p:sldId id="271" r:id="rId20"/>
-    <p:sldId id="275" r:id="rId21"/>
+    <p:sldId id="283" r:id="rId5"/>
+    <p:sldId id="258" r:id="rId6"/>
+    <p:sldId id="259" r:id="rId7"/>
+    <p:sldId id="278" r:id="rId8"/>
+    <p:sldId id="260" r:id="rId9"/>
+    <p:sldId id="279" r:id="rId10"/>
+    <p:sldId id="261" r:id="rId11"/>
+    <p:sldId id="263" r:id="rId12"/>
+    <p:sldId id="262" r:id="rId13"/>
+    <p:sldId id="264" r:id="rId14"/>
+    <p:sldId id="281" r:id="rId15"/>
+    <p:sldId id="265" r:id="rId16"/>
+    <p:sldId id="266" r:id="rId17"/>
+    <p:sldId id="267" r:id="rId18"/>
+    <p:sldId id="268" r:id="rId19"/>
+    <p:sldId id="269" r:id="rId20"/>
+    <p:sldId id="271" r:id="rId21"/>
+    <p:sldId id="275" r:id="rId22"/>
   </p:sldIdLst>
   <p:sldSz cx="9144000" cy="6858000" type="screen4x3"/>
   <p:notesSz cx="6858000" cy="9144000"/>
   <p:custDataLst>
-    <p:tags r:id="rId23"/>
+    <p:tags r:id="rId24"/>
   </p:custDataLst>
   <p:defaultTextStyle>
     <a:defPPr>
@@ -214,7 +215,8 @@
           <a:p>
             <a:fld id="{08FC759C-48B8-4757-BED2-FC1249070998}" type="datetimeFigureOut">
               <a:rPr lang="en-US" smtClean="0"/>
-              <a:t>4/30/2014</a:t>
+              <a:pPr/>
+              <a:t>5/1/2014</a:t>
             </a:fld>
             <a:endParaRPr lang="en-US"/>
           </a:p>
@@ -375,6 +377,7 @@
           <a:p>
             <a:fld id="{93E157EC-C92F-4703-894F-6B2368241B25}" type="slidenum">
               <a:rPr lang="en-US" smtClean="0"/>
+              <a:pPr/>
               <a:t>‹#›</a:t>
             </a:fld>
             <a:endParaRPr lang="en-US"/>
@@ -546,7 +549,427 @@
           <a:p>
             <a:fld id="{93E157EC-C92F-4703-894F-6B2368241B25}" type="slidenum">
               <a:rPr lang="en-US" smtClean="0"/>
+              <a:pPr/>
               <a:t>1</a:t>
+            </a:fld>
+            <a:endParaRPr lang="en-US"/>
+          </a:p>
+        </p:txBody>
+      </p:sp>
+    </p:spTree>
+  </p:cSld>
+  <p:clrMapOvr>
+    <a:masterClrMapping/>
+  </p:clrMapOvr>
+</p:notes>
+</file>
+
+<file path=ppt/notesSlides/notesSlide10.xml><?xml version="1.0" encoding="utf-8"?>
+<p:notes xmlns:a="http://schemas.openxmlformats.org/drawingml/2006/main" xmlns:r="http://schemas.openxmlformats.org/officeDocument/2006/relationships" xmlns:p="http://schemas.openxmlformats.org/presentationml/2006/main">
+  <p:cSld>
+    <p:spTree>
+      <p:nvGrpSpPr>
+        <p:cNvPr id="1" name=""/>
+        <p:cNvGrpSpPr/>
+        <p:nvPr/>
+      </p:nvGrpSpPr>
+      <p:grpSpPr>
+        <a:xfrm>
+          <a:off x="0" y="0"/>
+          <a:ext cx="0" cy="0"/>
+          <a:chOff x="0" y="0"/>
+          <a:chExt cx="0" cy="0"/>
+        </a:xfrm>
+      </p:grpSpPr>
+      <p:sp>
+        <p:nvSpPr>
+          <p:cNvPr id="2" name="Slide Image Placeholder 1"/>
+          <p:cNvSpPr>
+            <a:spLocks noGrp="1" noRot="1" noChangeAspect="1"/>
+          </p:cNvSpPr>
+          <p:nvPr>
+            <p:ph type="sldImg"/>
+          </p:nvPr>
+        </p:nvSpPr>
+        <p:spPr/>
+      </p:sp>
+      <p:sp>
+        <p:nvSpPr>
+          <p:cNvPr id="3" name="Notes Placeholder 2"/>
+          <p:cNvSpPr>
+            <a:spLocks noGrp="1"/>
+          </p:cNvSpPr>
+          <p:nvPr>
+            <p:ph type="body" idx="1"/>
+          </p:nvPr>
+        </p:nvSpPr>
+        <p:spPr/>
+        <p:txBody>
+          <a:bodyPr>
+            <a:normAutofit/>
+          </a:bodyPr>
+          <a:lstStyle/>
+          <a:p>
+            <a:endParaRPr lang="en-US" dirty="0"/>
+          </a:p>
+        </p:txBody>
+      </p:sp>
+      <p:sp>
+        <p:nvSpPr>
+          <p:cNvPr id="4" name="Slide Number Placeholder 3"/>
+          <p:cNvSpPr>
+            <a:spLocks noGrp="1"/>
+          </p:cNvSpPr>
+          <p:nvPr>
+            <p:ph type="sldNum" sz="quarter" idx="10"/>
+          </p:nvPr>
+        </p:nvSpPr>
+        <p:spPr/>
+        <p:txBody>
+          <a:bodyPr/>
+          <a:lstStyle/>
+          <a:p>
+            <a:fld id="{93E157EC-C92F-4703-894F-6B2368241B25}" type="slidenum">
+              <a:rPr lang="en-US" smtClean="0"/>
+              <a:pPr/>
+              <a:t>12</a:t>
+            </a:fld>
+            <a:endParaRPr lang="en-US"/>
+          </a:p>
+        </p:txBody>
+      </p:sp>
+    </p:spTree>
+  </p:cSld>
+  <p:clrMapOvr>
+    <a:masterClrMapping/>
+  </p:clrMapOvr>
+</p:notes>
+</file>
+
+<file path=ppt/notesSlides/notesSlide11.xml><?xml version="1.0" encoding="utf-8"?>
+<p:notes xmlns:a="http://schemas.openxmlformats.org/drawingml/2006/main" xmlns:r="http://schemas.openxmlformats.org/officeDocument/2006/relationships" xmlns:p="http://schemas.openxmlformats.org/presentationml/2006/main">
+  <p:cSld>
+    <p:spTree>
+      <p:nvGrpSpPr>
+        <p:cNvPr id="1" name=""/>
+        <p:cNvGrpSpPr/>
+        <p:nvPr/>
+      </p:nvGrpSpPr>
+      <p:grpSpPr>
+        <a:xfrm>
+          <a:off x="0" y="0"/>
+          <a:ext cx="0" cy="0"/>
+          <a:chOff x="0" y="0"/>
+          <a:chExt cx="0" cy="0"/>
+        </a:xfrm>
+      </p:grpSpPr>
+      <p:sp>
+        <p:nvSpPr>
+          <p:cNvPr id="2" name="Slide Image Placeholder 1"/>
+          <p:cNvSpPr>
+            <a:spLocks noGrp="1" noRot="1" noChangeAspect="1"/>
+          </p:cNvSpPr>
+          <p:nvPr>
+            <p:ph type="sldImg"/>
+          </p:nvPr>
+        </p:nvSpPr>
+        <p:spPr/>
+      </p:sp>
+      <p:sp>
+        <p:nvSpPr>
+          <p:cNvPr id="3" name="Notes Placeholder 2"/>
+          <p:cNvSpPr>
+            <a:spLocks noGrp="1"/>
+          </p:cNvSpPr>
+          <p:nvPr>
+            <p:ph type="body" idx="1"/>
+          </p:nvPr>
+        </p:nvSpPr>
+        <p:spPr/>
+        <p:txBody>
+          <a:bodyPr>
+            <a:normAutofit/>
+          </a:bodyPr>
+          <a:lstStyle/>
+          <a:p>
+            <a:r>
+              <a:rPr lang="en-US" dirty="0" smtClean="0"/>
+              <a:t>From Xcel</a:t>
+            </a:r>
+            <a:r>
+              <a:rPr lang="en-US" baseline="0" dirty="0" smtClean="0"/>
+              <a:t> </a:t>
+            </a:r>
+            <a:r>
+              <a:rPr lang="en-US" baseline="0" dirty="0" err="1" smtClean="0"/>
+              <a:t>spreedsheet</a:t>
+            </a:r>
+            <a:r>
+              <a:rPr lang="en-US" baseline="0" dirty="0" smtClean="0"/>
+              <a:t> of values that notes the foil shape</a:t>
+            </a:r>
+          </a:p>
+          <a:p>
+            <a:r>
+              <a:rPr lang="en-US" baseline="0" dirty="0" smtClean="0"/>
+              <a:t>Email from </a:t>
+            </a:r>
+            <a:r>
+              <a:rPr lang="en-US" baseline="0" dirty="0" err="1" smtClean="0"/>
+              <a:t>colin</a:t>
+            </a:r>
+            <a:r>
+              <a:rPr lang="en-US" baseline="0" dirty="0" smtClean="0"/>
+              <a:t>/</a:t>
+            </a:r>
+            <a:r>
+              <a:rPr lang="en-US" baseline="0" dirty="0" err="1" smtClean="0"/>
+              <a:t>olivier</a:t>
+            </a:r>
+            <a:r>
+              <a:rPr lang="en-US" baseline="0" dirty="0" smtClean="0"/>
+              <a:t> saying</a:t>
+            </a:r>
+          </a:p>
+          <a:p>
+            <a:r>
+              <a:rPr lang="en-US" baseline="0" dirty="0" smtClean="0"/>
+              <a:t> cannot find files but good to see trends match</a:t>
+            </a:r>
+          </a:p>
+          <a:p>
+            <a:endParaRPr lang="en-US" baseline="0" dirty="0" smtClean="0"/>
+          </a:p>
+          <a:p>
+            <a:r>
+              <a:rPr lang="en-US" baseline="0" dirty="0" err="1" smtClean="0"/>
+              <a:t>Xcp</a:t>
+            </a:r>
+            <a:r>
+              <a:rPr lang="en-US" baseline="0" dirty="0" smtClean="0"/>
+              <a:t> for his wing move far in front of 0 hinting at a larger forward sweep</a:t>
+            </a:r>
+            <a:endParaRPr lang="en-US" dirty="0"/>
+          </a:p>
+        </p:txBody>
+      </p:sp>
+      <p:sp>
+        <p:nvSpPr>
+          <p:cNvPr id="4" name="Slide Number Placeholder 3"/>
+          <p:cNvSpPr>
+            <a:spLocks noGrp="1"/>
+          </p:cNvSpPr>
+          <p:nvPr>
+            <p:ph type="sldNum" sz="quarter" idx="10"/>
+          </p:nvPr>
+        </p:nvSpPr>
+        <p:spPr/>
+        <p:txBody>
+          <a:bodyPr/>
+          <a:lstStyle/>
+          <a:p>
+            <a:fld id="{93E157EC-C92F-4703-894F-6B2368241B25}" type="slidenum">
+              <a:rPr lang="en-US" smtClean="0"/>
+              <a:pPr/>
+              <a:t>15</a:t>
+            </a:fld>
+            <a:endParaRPr lang="en-US"/>
+          </a:p>
+        </p:txBody>
+      </p:sp>
+    </p:spTree>
+  </p:cSld>
+  <p:clrMapOvr>
+    <a:masterClrMapping/>
+  </p:clrMapOvr>
+</p:notes>
+</file>
+
+<file path=ppt/notesSlides/notesSlide12.xml><?xml version="1.0" encoding="utf-8"?>
+<p:notes xmlns:a="http://schemas.openxmlformats.org/drawingml/2006/main" xmlns:r="http://schemas.openxmlformats.org/officeDocument/2006/relationships" xmlns:p="http://schemas.openxmlformats.org/presentationml/2006/main">
+  <p:cSld>
+    <p:spTree>
+      <p:nvGrpSpPr>
+        <p:cNvPr id="1" name=""/>
+        <p:cNvGrpSpPr/>
+        <p:nvPr/>
+      </p:nvGrpSpPr>
+      <p:grpSpPr>
+        <a:xfrm>
+          <a:off x="0" y="0"/>
+          <a:ext cx="0" cy="0"/>
+          <a:chOff x="0" y="0"/>
+          <a:chExt cx="0" cy="0"/>
+        </a:xfrm>
+      </p:grpSpPr>
+      <p:sp>
+        <p:nvSpPr>
+          <p:cNvPr id="2" name="Slide Image Placeholder 1"/>
+          <p:cNvSpPr>
+            <a:spLocks noGrp="1" noRot="1" noChangeAspect="1"/>
+          </p:cNvSpPr>
+          <p:nvPr>
+            <p:ph type="sldImg"/>
+          </p:nvPr>
+        </p:nvSpPr>
+        <p:spPr/>
+      </p:sp>
+      <p:sp>
+        <p:nvSpPr>
+          <p:cNvPr id="3" name="Notes Placeholder 2"/>
+          <p:cNvSpPr>
+            <a:spLocks noGrp="1"/>
+          </p:cNvSpPr>
+          <p:nvPr>
+            <p:ph type="body" idx="1"/>
+          </p:nvPr>
+        </p:nvSpPr>
+        <p:spPr/>
+        <p:txBody>
+          <a:bodyPr>
+            <a:normAutofit/>
+          </a:bodyPr>
+          <a:lstStyle/>
+          <a:p>
+            <a:r>
+              <a:rPr lang="en-US" dirty="0" smtClean="0"/>
+              <a:t>Almost identical results VLM1 to VLM2</a:t>
+            </a:r>
+          </a:p>
+          <a:p>
+            <a:endParaRPr lang="en-US" dirty="0"/>
+          </a:p>
+        </p:txBody>
+      </p:sp>
+      <p:sp>
+        <p:nvSpPr>
+          <p:cNvPr id="4" name="Slide Number Placeholder 3"/>
+          <p:cNvSpPr>
+            <a:spLocks noGrp="1"/>
+          </p:cNvSpPr>
+          <p:nvPr>
+            <p:ph type="sldNum" sz="quarter" idx="10"/>
+          </p:nvPr>
+        </p:nvSpPr>
+        <p:spPr/>
+        <p:txBody>
+          <a:bodyPr/>
+          <a:lstStyle/>
+          <a:p>
+            <a:fld id="{93E157EC-C92F-4703-894F-6B2368241B25}" type="slidenum">
+              <a:rPr lang="en-US" smtClean="0"/>
+              <a:pPr/>
+              <a:t>17</a:t>
+            </a:fld>
+            <a:endParaRPr lang="en-US"/>
+          </a:p>
+        </p:txBody>
+      </p:sp>
+    </p:spTree>
+  </p:cSld>
+  <p:clrMapOvr>
+    <a:masterClrMapping/>
+  </p:clrMapOvr>
+</p:notes>
+</file>
+
+<file path=ppt/notesSlides/notesSlide13.xml><?xml version="1.0" encoding="utf-8"?>
+<p:notes xmlns:a="http://schemas.openxmlformats.org/drawingml/2006/main" xmlns:r="http://schemas.openxmlformats.org/officeDocument/2006/relationships" xmlns:p="http://schemas.openxmlformats.org/presentationml/2006/main">
+  <p:cSld>
+    <p:spTree>
+      <p:nvGrpSpPr>
+        <p:cNvPr id="1" name=""/>
+        <p:cNvGrpSpPr/>
+        <p:nvPr/>
+      </p:nvGrpSpPr>
+      <p:grpSpPr>
+        <a:xfrm>
+          <a:off x="0" y="0"/>
+          <a:ext cx="0" cy="0"/>
+          <a:chOff x="0" y="0"/>
+          <a:chExt cx="0" cy="0"/>
+        </a:xfrm>
+      </p:grpSpPr>
+      <p:sp>
+        <p:nvSpPr>
+          <p:cNvPr id="2" name="Slide Image Placeholder 1"/>
+          <p:cNvSpPr>
+            <a:spLocks noGrp="1" noRot="1" noChangeAspect="1"/>
+          </p:cNvSpPr>
+          <p:nvPr>
+            <p:ph type="sldImg"/>
+          </p:nvPr>
+        </p:nvSpPr>
+        <p:spPr/>
+      </p:sp>
+      <p:sp>
+        <p:nvSpPr>
+          <p:cNvPr id="3" name="Notes Placeholder 2"/>
+          <p:cNvSpPr>
+            <a:spLocks noGrp="1"/>
+          </p:cNvSpPr>
+          <p:nvPr>
+            <p:ph type="body" idx="1"/>
+          </p:nvPr>
+        </p:nvSpPr>
+        <p:spPr/>
+        <p:txBody>
+          <a:bodyPr>
+            <a:normAutofit/>
+          </a:bodyPr>
+          <a:lstStyle/>
+          <a:p>
+            <a:r>
+              <a:rPr lang="en-US" dirty="0" smtClean="0"/>
+              <a:t>High angles of attach</a:t>
+            </a:r>
+            <a:r>
+              <a:rPr lang="en-US" baseline="0" dirty="0" smtClean="0"/>
+              <a:t> </a:t>
+            </a:r>
+            <a:r>
+              <a:rPr lang="en-US" baseline="0" dirty="0" err="1" smtClean="0"/>
+              <a:t>divernt</a:t>
+            </a:r>
+            <a:r>
+              <a:rPr lang="en-US" baseline="0" dirty="0" smtClean="0"/>
+              <a:t> results</a:t>
+            </a:r>
+          </a:p>
+          <a:p>
+            <a:r>
+              <a:rPr lang="en-US" baseline="0" dirty="0" smtClean="0"/>
+              <a:t>3D panel accounts for variable thickness</a:t>
+            </a:r>
+          </a:p>
+          <a:p>
+            <a:r>
+              <a:rPr lang="en-US" baseline="0" dirty="0" smtClean="0"/>
+              <a:t>When looking at pressure distribution gives more accurate picture</a:t>
+            </a:r>
+            <a:endParaRPr lang="en-US" dirty="0"/>
+          </a:p>
+        </p:txBody>
+      </p:sp>
+      <p:sp>
+        <p:nvSpPr>
+          <p:cNvPr id="4" name="Slide Number Placeholder 3"/>
+          <p:cNvSpPr>
+            <a:spLocks noGrp="1"/>
+          </p:cNvSpPr>
+          <p:nvPr>
+            <p:ph type="sldNum" sz="quarter" idx="10"/>
+          </p:nvPr>
+        </p:nvSpPr>
+        <p:spPr/>
+        <p:txBody>
+          <a:bodyPr/>
+          <a:lstStyle/>
+          <a:p>
+            <a:fld id="{93E157EC-C92F-4703-894F-6B2368241B25}" type="slidenum">
+              <a:rPr lang="en-US" smtClean="0"/>
+              <a:pPr/>
+              <a:t>18</a:t>
             </a:fld>
             <a:endParaRPr lang="en-US"/>
           </a:p>
@@ -696,6 +1119,7 @@
           <a:p>
             <a:fld id="{93E157EC-C92F-4703-894F-6B2368241B25}" type="slidenum">
               <a:rPr lang="en-US" smtClean="0"/>
+              <a:pPr/>
               <a:t>2</a:t>
             </a:fld>
             <a:endParaRPr lang="en-US"/>
@@ -805,7 +1229,782 @@
           <a:p>
             <a:fld id="{93E157EC-C92F-4703-894F-6B2368241B25}" type="slidenum">
               <a:rPr lang="en-US" smtClean="0"/>
+              <a:pPr/>
               <a:t>3</a:t>
+            </a:fld>
+            <a:endParaRPr lang="en-US"/>
+          </a:p>
+        </p:txBody>
+      </p:sp>
+    </p:spTree>
+  </p:cSld>
+  <p:clrMapOvr>
+    <a:masterClrMapping/>
+  </p:clrMapOvr>
+</p:notes>
+</file>
+
+<file path=ppt/notesSlides/notesSlide4.xml><?xml version="1.0" encoding="utf-8"?>
+<p:notes xmlns:a="http://schemas.openxmlformats.org/drawingml/2006/main" xmlns:r="http://schemas.openxmlformats.org/officeDocument/2006/relationships" xmlns:p="http://schemas.openxmlformats.org/presentationml/2006/main">
+  <p:cSld>
+    <p:spTree>
+      <p:nvGrpSpPr>
+        <p:cNvPr id="1" name=""/>
+        <p:cNvGrpSpPr/>
+        <p:nvPr/>
+      </p:nvGrpSpPr>
+      <p:grpSpPr>
+        <a:xfrm>
+          <a:off x="0" y="0"/>
+          <a:ext cx="0" cy="0"/>
+          <a:chOff x="0" y="0"/>
+          <a:chExt cx="0" cy="0"/>
+        </a:xfrm>
+      </p:grpSpPr>
+      <p:sp>
+        <p:nvSpPr>
+          <p:cNvPr id="2" name="Slide Image Placeholder 1"/>
+          <p:cNvSpPr>
+            <a:spLocks noGrp="1" noRot="1" noChangeAspect="1"/>
+          </p:cNvSpPr>
+          <p:nvPr>
+            <p:ph type="sldImg"/>
+          </p:nvPr>
+        </p:nvSpPr>
+        <p:spPr/>
+      </p:sp>
+      <p:sp>
+        <p:nvSpPr>
+          <p:cNvPr id="3" name="Notes Placeholder 2"/>
+          <p:cNvSpPr>
+            <a:spLocks noGrp="1"/>
+          </p:cNvSpPr>
+          <p:nvPr>
+            <p:ph type="body" idx="1"/>
+          </p:nvPr>
+        </p:nvSpPr>
+        <p:spPr/>
+        <p:txBody>
+          <a:bodyPr>
+            <a:normAutofit/>
+          </a:bodyPr>
+          <a:lstStyle/>
+          <a:p>
+            <a:r>
+              <a:rPr lang="en-US" dirty="0" err="1" smtClean="0"/>
+              <a:t>Aeroelastic</a:t>
+            </a:r>
+            <a:r>
+              <a:rPr lang="en-US" baseline="0" dirty="0" smtClean="0"/>
+              <a:t> effects</a:t>
+            </a:r>
+          </a:p>
+          <a:p>
+            <a:r>
+              <a:rPr lang="en-US" baseline="0" dirty="0" smtClean="0"/>
+              <a:t>Plot lift </a:t>
+            </a:r>
+            <a:r>
+              <a:rPr lang="en-US" baseline="0" dirty="0" err="1" smtClean="0"/>
+              <a:t>coeffient</a:t>
+            </a:r>
+            <a:r>
+              <a:rPr lang="en-US" baseline="0" dirty="0" smtClean="0"/>
+              <a:t> with center of pressure location</a:t>
+            </a:r>
+          </a:p>
+          <a:p>
+            <a:r>
+              <a:rPr lang="en-US" baseline="0" dirty="0" smtClean="0"/>
+              <a:t>%</a:t>
+            </a:r>
+            <a:r>
+              <a:rPr lang="en-US" baseline="0" dirty="0" err="1" smtClean="0"/>
+              <a:t>mac</a:t>
+            </a:r>
+            <a:r>
+              <a:rPr lang="en-US" baseline="0" dirty="0" smtClean="0"/>
+              <a:t> is </a:t>
+            </a:r>
+            <a:r>
+              <a:rPr lang="en-US" baseline="0" dirty="0" err="1" smtClean="0"/>
+              <a:t>typicllay</a:t>
+            </a:r>
+            <a:r>
+              <a:rPr lang="en-US" baseline="0" dirty="0" smtClean="0"/>
+              <a:t> taken as the distance from the leading edge of the MAC normalized by the MAC</a:t>
+            </a:r>
+          </a:p>
+          <a:p>
+            <a:r>
+              <a:rPr lang="en-US" baseline="0" dirty="0" smtClean="0"/>
+              <a:t>Don’t have his MAC or MAC position</a:t>
+            </a:r>
+          </a:p>
+          <a:p>
+            <a:endParaRPr lang="en-US" baseline="0" dirty="0" smtClean="0"/>
+          </a:p>
+          <a:p>
+            <a:r>
+              <a:rPr lang="en-US" dirty="0" smtClean="0"/>
+              <a:t>Applied</a:t>
+            </a:r>
+            <a:r>
+              <a:rPr lang="en-US" baseline="0" dirty="0" smtClean="0"/>
+              <a:t> lift behind the structural </a:t>
+            </a:r>
+            <a:r>
+              <a:rPr lang="en-US" baseline="0" dirty="0" err="1" smtClean="0"/>
+              <a:t>nuetral</a:t>
+            </a:r>
+            <a:r>
+              <a:rPr lang="en-US" baseline="0" dirty="0" smtClean="0"/>
+              <a:t> axis causes washout twist forward</a:t>
+            </a:r>
+          </a:p>
+          <a:p>
+            <a:r>
+              <a:rPr lang="en-US" baseline="0" dirty="0" smtClean="0"/>
+              <a:t>t</a:t>
+            </a:r>
+            <a:endParaRPr lang="en-US" dirty="0"/>
+          </a:p>
+        </p:txBody>
+      </p:sp>
+      <p:sp>
+        <p:nvSpPr>
+          <p:cNvPr id="4" name="Slide Number Placeholder 3"/>
+          <p:cNvSpPr>
+            <a:spLocks noGrp="1"/>
+          </p:cNvSpPr>
+          <p:nvPr>
+            <p:ph type="sldNum" sz="quarter" idx="10"/>
+          </p:nvPr>
+        </p:nvSpPr>
+        <p:spPr/>
+        <p:txBody>
+          <a:bodyPr/>
+          <a:lstStyle/>
+          <a:p>
+            <a:fld id="{93E157EC-C92F-4703-894F-6B2368241B25}" type="slidenum">
+              <a:rPr lang="en-US" smtClean="0"/>
+              <a:pPr/>
+              <a:t>5</a:t>
+            </a:fld>
+            <a:endParaRPr lang="en-US"/>
+          </a:p>
+        </p:txBody>
+      </p:sp>
+    </p:spTree>
+  </p:cSld>
+  <p:clrMapOvr>
+    <a:masterClrMapping/>
+  </p:clrMapOvr>
+</p:notes>
+</file>
+
+<file path=ppt/notesSlides/notesSlide5.xml><?xml version="1.0" encoding="utf-8"?>
+<p:notes xmlns:a="http://schemas.openxmlformats.org/drawingml/2006/main" xmlns:r="http://schemas.openxmlformats.org/officeDocument/2006/relationships" xmlns:p="http://schemas.openxmlformats.org/presentationml/2006/main">
+  <p:cSld>
+    <p:spTree>
+      <p:nvGrpSpPr>
+        <p:cNvPr id="1" name=""/>
+        <p:cNvGrpSpPr/>
+        <p:nvPr/>
+      </p:nvGrpSpPr>
+      <p:grpSpPr>
+        <a:xfrm>
+          <a:off x="0" y="0"/>
+          <a:ext cx="0" cy="0"/>
+          <a:chOff x="0" y="0"/>
+          <a:chExt cx="0" cy="0"/>
+        </a:xfrm>
+      </p:grpSpPr>
+      <p:sp>
+        <p:nvSpPr>
+          <p:cNvPr id="2" name="Slide Image Placeholder 1"/>
+          <p:cNvSpPr>
+            <a:spLocks noGrp="1" noRot="1" noChangeAspect="1"/>
+          </p:cNvSpPr>
+          <p:nvPr>
+            <p:ph type="sldImg"/>
+          </p:nvPr>
+        </p:nvSpPr>
+        <p:spPr/>
+      </p:sp>
+      <p:sp>
+        <p:nvSpPr>
+          <p:cNvPr id="3" name="Notes Placeholder 2"/>
+          <p:cNvSpPr>
+            <a:spLocks noGrp="1"/>
+          </p:cNvSpPr>
+          <p:nvPr>
+            <p:ph type="body" idx="1"/>
+          </p:nvPr>
+        </p:nvSpPr>
+        <p:spPr/>
+        <p:txBody>
+          <a:bodyPr>
+            <a:normAutofit/>
+          </a:bodyPr>
+          <a:lstStyle/>
+          <a:p>
+            <a:r>
+              <a:rPr lang="en-US" dirty="0" smtClean="0"/>
+              <a:t>Wing geometries</a:t>
+            </a:r>
+            <a:r>
+              <a:rPr lang="en-US" baseline="0" dirty="0" smtClean="0"/>
+              <a:t> in XFLR5, show position chord </a:t>
+            </a:r>
+            <a:r>
+              <a:rPr lang="en-US" baseline="0" dirty="0" err="1" smtClean="0"/>
+              <a:t>offest</a:t>
+            </a:r>
+            <a:r>
+              <a:rPr lang="en-US" baseline="0" dirty="0" smtClean="0"/>
+              <a:t> dihedral and twist</a:t>
+            </a:r>
+          </a:p>
+          <a:p>
+            <a:r>
+              <a:rPr lang="en-US" baseline="0" dirty="0" smtClean="0"/>
+              <a:t>Varied the twist distribution from 10 to -10(washout)</a:t>
+            </a:r>
+          </a:p>
+          <a:p>
+            <a:r>
+              <a:rPr lang="en-US" baseline="0" dirty="0" smtClean="0"/>
+              <a:t>Cant see arrow on x but it points back</a:t>
+            </a:r>
+            <a:endParaRPr lang="en-US" dirty="0"/>
+          </a:p>
+        </p:txBody>
+      </p:sp>
+      <p:sp>
+        <p:nvSpPr>
+          <p:cNvPr id="4" name="Slide Number Placeholder 3"/>
+          <p:cNvSpPr>
+            <a:spLocks noGrp="1"/>
+          </p:cNvSpPr>
+          <p:nvPr>
+            <p:ph type="sldNum" sz="quarter" idx="10"/>
+          </p:nvPr>
+        </p:nvSpPr>
+        <p:spPr/>
+        <p:txBody>
+          <a:bodyPr/>
+          <a:lstStyle/>
+          <a:p>
+            <a:fld id="{93E157EC-C92F-4703-894F-6B2368241B25}" type="slidenum">
+              <a:rPr lang="en-US" smtClean="0"/>
+              <a:pPr/>
+              <a:t>6</a:t>
+            </a:fld>
+            <a:endParaRPr lang="en-US"/>
+          </a:p>
+        </p:txBody>
+      </p:sp>
+    </p:spTree>
+  </p:cSld>
+  <p:clrMapOvr>
+    <a:masterClrMapping/>
+  </p:clrMapOvr>
+</p:notes>
+</file>
+
+<file path=ppt/notesSlides/notesSlide6.xml><?xml version="1.0" encoding="utf-8"?>
+<p:notes xmlns:a="http://schemas.openxmlformats.org/drawingml/2006/main" xmlns:r="http://schemas.openxmlformats.org/officeDocument/2006/relationships" xmlns:p="http://schemas.openxmlformats.org/presentationml/2006/main">
+  <p:cSld>
+    <p:spTree>
+      <p:nvGrpSpPr>
+        <p:cNvPr id="1" name=""/>
+        <p:cNvGrpSpPr/>
+        <p:nvPr/>
+      </p:nvGrpSpPr>
+      <p:grpSpPr>
+        <a:xfrm>
+          <a:off x="0" y="0"/>
+          <a:ext cx="0" cy="0"/>
+          <a:chOff x="0" y="0"/>
+          <a:chExt cx="0" cy="0"/>
+        </a:xfrm>
+      </p:grpSpPr>
+      <p:sp>
+        <p:nvSpPr>
+          <p:cNvPr id="2" name="Slide Image Placeholder 1"/>
+          <p:cNvSpPr>
+            <a:spLocks noGrp="1" noRot="1" noChangeAspect="1"/>
+          </p:cNvSpPr>
+          <p:nvPr>
+            <p:ph type="sldImg"/>
+          </p:nvPr>
+        </p:nvSpPr>
+        <p:spPr/>
+      </p:sp>
+      <p:sp>
+        <p:nvSpPr>
+          <p:cNvPr id="3" name="Notes Placeholder 2"/>
+          <p:cNvSpPr>
+            <a:spLocks noGrp="1"/>
+          </p:cNvSpPr>
+          <p:nvPr>
+            <p:ph type="body" idx="1"/>
+          </p:nvPr>
+        </p:nvSpPr>
+        <p:spPr/>
+        <p:txBody>
+          <a:bodyPr>
+            <a:normAutofit/>
+          </a:bodyPr>
+          <a:lstStyle/>
+          <a:p>
+            <a:r>
+              <a:rPr lang="en-US" dirty="0" smtClean="0"/>
+              <a:t>Uses </a:t>
+            </a:r>
+            <a:r>
+              <a:rPr lang="en-US" dirty="0" err="1" smtClean="0"/>
+              <a:t>Xfoil</a:t>
+            </a:r>
+            <a:r>
+              <a:rPr lang="en-US" dirty="0" smtClean="0"/>
+              <a:t> data</a:t>
+            </a:r>
+            <a:r>
+              <a:rPr lang="en-US" baseline="0" dirty="0" smtClean="0"/>
+              <a:t> of CL </a:t>
+            </a:r>
+            <a:r>
+              <a:rPr lang="en-US" baseline="0" dirty="0" err="1" smtClean="0"/>
+              <a:t>vs</a:t>
+            </a:r>
+            <a:r>
+              <a:rPr lang="en-US" baseline="0" dirty="0" smtClean="0"/>
+              <a:t> </a:t>
+            </a:r>
+            <a:r>
+              <a:rPr lang="en-US" baseline="0" dirty="0" err="1" smtClean="0"/>
+              <a:t>AoA</a:t>
+            </a:r>
+            <a:endParaRPr lang="en-US" baseline="0" dirty="0" smtClean="0"/>
+          </a:p>
+          <a:p>
+            <a:r>
+              <a:rPr lang="en-US" baseline="0" dirty="0" smtClean="0"/>
+              <a:t>Lifting line</a:t>
+            </a:r>
+          </a:p>
+          <a:p>
+            <a:r>
+              <a:rPr lang="en-US" baseline="0" dirty="0" err="1" smtClean="0"/>
+              <a:t>Kutta</a:t>
+            </a:r>
+            <a:r>
+              <a:rPr lang="en-US" baseline="0" dirty="0" smtClean="0"/>
+              <a:t> relates lift to circulation</a:t>
+            </a:r>
+          </a:p>
+          <a:p>
+            <a:r>
+              <a:rPr lang="en-US" baseline="0" dirty="0" err="1" smtClean="0"/>
+              <a:t>Biot-Savart</a:t>
+            </a:r>
+            <a:r>
+              <a:rPr lang="en-US" baseline="0" dirty="0" smtClean="0"/>
+              <a:t> relates circulation to downwash</a:t>
+            </a:r>
+          </a:p>
+          <a:p>
+            <a:r>
+              <a:rPr lang="en-US" baseline="0" dirty="0" smtClean="0"/>
+              <a:t>Helmholtz shape horseshoe vortex</a:t>
+            </a:r>
+          </a:p>
+          <a:p>
+            <a:endParaRPr lang="en-US" dirty="0" smtClean="0"/>
+          </a:p>
+        </p:txBody>
+      </p:sp>
+      <p:sp>
+        <p:nvSpPr>
+          <p:cNvPr id="4" name="Slide Number Placeholder 3"/>
+          <p:cNvSpPr>
+            <a:spLocks noGrp="1"/>
+          </p:cNvSpPr>
+          <p:nvPr>
+            <p:ph type="sldNum" sz="quarter" idx="10"/>
+          </p:nvPr>
+        </p:nvSpPr>
+        <p:spPr/>
+        <p:txBody>
+          <a:bodyPr/>
+          <a:lstStyle/>
+          <a:p>
+            <a:fld id="{93E157EC-C92F-4703-894F-6B2368241B25}" type="slidenum">
+              <a:rPr lang="en-US" smtClean="0"/>
+              <a:pPr/>
+              <a:t>8</a:t>
+            </a:fld>
+            <a:endParaRPr lang="en-US"/>
+          </a:p>
+        </p:txBody>
+      </p:sp>
+    </p:spTree>
+  </p:cSld>
+  <p:clrMapOvr>
+    <a:masterClrMapping/>
+  </p:clrMapOvr>
+</p:notes>
+</file>
+
+<file path=ppt/notesSlides/notesSlide7.xml><?xml version="1.0" encoding="utf-8"?>
+<p:notes xmlns:a="http://schemas.openxmlformats.org/drawingml/2006/main" xmlns:r="http://schemas.openxmlformats.org/officeDocument/2006/relationships" xmlns:p="http://schemas.openxmlformats.org/presentationml/2006/main">
+  <p:cSld>
+    <p:spTree>
+      <p:nvGrpSpPr>
+        <p:cNvPr id="1" name=""/>
+        <p:cNvGrpSpPr/>
+        <p:nvPr/>
+      </p:nvGrpSpPr>
+      <p:grpSpPr>
+        <a:xfrm>
+          <a:off x="0" y="0"/>
+          <a:ext cx="0" cy="0"/>
+          <a:chOff x="0" y="0"/>
+          <a:chExt cx="0" cy="0"/>
+        </a:xfrm>
+      </p:grpSpPr>
+      <p:sp>
+        <p:nvSpPr>
+          <p:cNvPr id="2" name="Slide Image Placeholder 1"/>
+          <p:cNvSpPr>
+            <a:spLocks noGrp="1" noRot="1" noChangeAspect="1"/>
+          </p:cNvSpPr>
+          <p:nvPr>
+            <p:ph type="sldImg"/>
+          </p:nvPr>
+        </p:nvSpPr>
+        <p:spPr/>
+      </p:sp>
+      <p:sp>
+        <p:nvSpPr>
+          <p:cNvPr id="3" name="Notes Placeholder 2"/>
+          <p:cNvSpPr>
+            <a:spLocks noGrp="1"/>
+          </p:cNvSpPr>
+          <p:nvPr>
+            <p:ph type="body" idx="1"/>
+          </p:nvPr>
+        </p:nvSpPr>
+        <p:spPr/>
+        <p:txBody>
+          <a:bodyPr>
+            <a:normAutofit/>
+          </a:bodyPr>
+          <a:lstStyle/>
+          <a:p>
+            <a:r>
+              <a:rPr lang="en-US" dirty="0" smtClean="0"/>
+              <a:t>For this application not the best method</a:t>
+            </a:r>
+          </a:p>
+          <a:p>
+            <a:r>
+              <a:rPr lang="en-US" dirty="0" smtClean="0"/>
+              <a:t>Does not account for</a:t>
+            </a:r>
+            <a:r>
+              <a:rPr lang="en-US" baseline="0" dirty="0" smtClean="0"/>
+              <a:t> sweep</a:t>
+            </a:r>
+          </a:p>
+          <a:p>
+            <a:r>
+              <a:rPr lang="en-US" baseline="0" dirty="0" smtClean="0"/>
+              <a:t>High AR does not</a:t>
+            </a:r>
+            <a:endParaRPr lang="en-US" dirty="0"/>
+          </a:p>
+        </p:txBody>
+      </p:sp>
+      <p:sp>
+        <p:nvSpPr>
+          <p:cNvPr id="4" name="Slide Number Placeholder 3"/>
+          <p:cNvSpPr>
+            <a:spLocks noGrp="1"/>
+          </p:cNvSpPr>
+          <p:nvPr>
+            <p:ph type="sldNum" sz="quarter" idx="10"/>
+          </p:nvPr>
+        </p:nvSpPr>
+        <p:spPr/>
+        <p:txBody>
+          <a:bodyPr/>
+          <a:lstStyle/>
+          <a:p>
+            <a:fld id="{93E157EC-C92F-4703-894F-6B2368241B25}" type="slidenum">
+              <a:rPr lang="en-US" smtClean="0"/>
+              <a:pPr/>
+              <a:t>9</a:t>
+            </a:fld>
+            <a:endParaRPr lang="en-US"/>
+          </a:p>
+        </p:txBody>
+      </p:sp>
+    </p:spTree>
+  </p:cSld>
+  <p:clrMapOvr>
+    <a:masterClrMapping/>
+  </p:clrMapOvr>
+</p:notes>
+</file>
+
+<file path=ppt/notesSlides/notesSlide8.xml><?xml version="1.0" encoding="utf-8"?>
+<p:notes xmlns:a="http://schemas.openxmlformats.org/drawingml/2006/main" xmlns:r="http://schemas.openxmlformats.org/officeDocument/2006/relationships" xmlns:p="http://schemas.openxmlformats.org/presentationml/2006/main">
+  <p:cSld>
+    <p:spTree>
+      <p:nvGrpSpPr>
+        <p:cNvPr id="1" name=""/>
+        <p:cNvGrpSpPr/>
+        <p:nvPr/>
+      </p:nvGrpSpPr>
+      <p:grpSpPr>
+        <a:xfrm>
+          <a:off x="0" y="0"/>
+          <a:ext cx="0" cy="0"/>
+          <a:chOff x="0" y="0"/>
+          <a:chExt cx="0" cy="0"/>
+        </a:xfrm>
+      </p:grpSpPr>
+      <p:sp>
+        <p:nvSpPr>
+          <p:cNvPr id="2" name="Slide Image Placeholder 1"/>
+          <p:cNvSpPr>
+            <a:spLocks noGrp="1" noRot="1" noChangeAspect="1"/>
+          </p:cNvSpPr>
+          <p:nvPr>
+            <p:ph type="sldImg"/>
+          </p:nvPr>
+        </p:nvSpPr>
+        <p:spPr/>
+      </p:sp>
+      <p:sp>
+        <p:nvSpPr>
+          <p:cNvPr id="3" name="Notes Placeholder 2"/>
+          <p:cNvSpPr>
+            <a:spLocks noGrp="1"/>
+          </p:cNvSpPr>
+          <p:nvPr>
+            <p:ph type="body" idx="1"/>
+          </p:nvPr>
+        </p:nvSpPr>
+        <p:spPr/>
+        <p:txBody>
+          <a:bodyPr>
+            <a:normAutofit/>
+          </a:bodyPr>
+          <a:lstStyle/>
+          <a:p>
+            <a:r>
+              <a:rPr lang="en-US" dirty="0" smtClean="0"/>
+              <a:t>Theory</a:t>
+            </a:r>
+            <a:r>
+              <a:rPr lang="en-US" baseline="0" dirty="0" smtClean="0"/>
+              <a:t> behind the vortex lattice method</a:t>
+            </a:r>
+          </a:p>
+          <a:p>
+            <a:r>
+              <a:rPr lang="en-US" dirty="0" smtClean="0"/>
+              <a:t>Series</a:t>
+            </a:r>
+            <a:r>
+              <a:rPr lang="en-US" baseline="0" dirty="0" smtClean="0"/>
+              <a:t> of lifting line where circulation varies</a:t>
+            </a:r>
+          </a:p>
+          <a:p>
+            <a:r>
+              <a:rPr lang="en-US" baseline="0" dirty="0" err="1" smtClean="0"/>
+              <a:t>Chordwise</a:t>
+            </a:r>
+            <a:r>
+              <a:rPr lang="en-US" baseline="0" dirty="0" smtClean="0"/>
+              <a:t> trailing </a:t>
+            </a:r>
+            <a:r>
+              <a:rPr lang="en-US" baseline="0" dirty="0" err="1" smtClean="0"/>
+              <a:t>vorticies</a:t>
+            </a:r>
+            <a:r>
+              <a:rPr lang="en-US" baseline="0" dirty="0" smtClean="0"/>
+              <a:t> vary in circulation as well</a:t>
+            </a:r>
+          </a:p>
+          <a:p>
+            <a:r>
+              <a:rPr lang="en-US" baseline="0" dirty="0" smtClean="0"/>
+              <a:t>Apply </a:t>
+            </a:r>
+            <a:r>
+              <a:rPr lang="en-US" baseline="0" dirty="0" err="1" smtClean="0"/>
+              <a:t>biot</a:t>
+            </a:r>
+            <a:r>
+              <a:rPr lang="en-US" baseline="0" dirty="0" smtClean="0"/>
+              <a:t> </a:t>
+            </a:r>
+            <a:r>
+              <a:rPr lang="en-US" baseline="0" dirty="0" err="1" smtClean="0"/>
+              <a:t>savart</a:t>
+            </a:r>
+            <a:r>
+              <a:rPr lang="en-US" baseline="0" dirty="0" smtClean="0"/>
+              <a:t> </a:t>
+            </a:r>
+          </a:p>
+          <a:p>
+            <a:r>
+              <a:rPr lang="en-US" baseline="0" dirty="0" smtClean="0"/>
+              <a:t>Apply flow tangency </a:t>
+            </a:r>
+            <a:endParaRPr lang="en-US" dirty="0"/>
+          </a:p>
+        </p:txBody>
+      </p:sp>
+      <p:sp>
+        <p:nvSpPr>
+          <p:cNvPr id="4" name="Slide Number Placeholder 3"/>
+          <p:cNvSpPr>
+            <a:spLocks noGrp="1"/>
+          </p:cNvSpPr>
+          <p:nvPr>
+            <p:ph type="sldNum" sz="quarter" idx="10"/>
+          </p:nvPr>
+        </p:nvSpPr>
+        <p:spPr/>
+        <p:txBody>
+          <a:bodyPr/>
+          <a:lstStyle/>
+          <a:p>
+            <a:fld id="{93E157EC-C92F-4703-894F-6B2368241B25}" type="slidenum">
+              <a:rPr lang="en-US" smtClean="0"/>
+              <a:pPr/>
+              <a:t>10</a:t>
+            </a:fld>
+            <a:endParaRPr lang="en-US"/>
+          </a:p>
+        </p:txBody>
+      </p:sp>
+    </p:spTree>
+  </p:cSld>
+  <p:clrMapOvr>
+    <a:masterClrMapping/>
+  </p:clrMapOvr>
+</p:notes>
+</file>
+
+<file path=ppt/notesSlides/notesSlide9.xml><?xml version="1.0" encoding="utf-8"?>
+<p:notes xmlns:a="http://schemas.openxmlformats.org/drawingml/2006/main" xmlns:r="http://schemas.openxmlformats.org/officeDocument/2006/relationships" xmlns:p="http://schemas.openxmlformats.org/presentationml/2006/main">
+  <p:cSld>
+    <p:spTree>
+      <p:nvGrpSpPr>
+        <p:cNvPr id="1" name=""/>
+        <p:cNvGrpSpPr/>
+        <p:nvPr/>
+      </p:nvGrpSpPr>
+      <p:grpSpPr>
+        <a:xfrm>
+          <a:off x="0" y="0"/>
+          <a:ext cx="0" cy="0"/>
+          <a:chOff x="0" y="0"/>
+          <a:chExt cx="0" cy="0"/>
+        </a:xfrm>
+      </p:grpSpPr>
+      <p:sp>
+        <p:nvSpPr>
+          <p:cNvPr id="2" name="Slide Image Placeholder 1"/>
+          <p:cNvSpPr>
+            <a:spLocks noGrp="1" noRot="1" noChangeAspect="1"/>
+          </p:cNvSpPr>
+          <p:nvPr>
+            <p:ph type="sldImg"/>
+          </p:nvPr>
+        </p:nvSpPr>
+        <p:spPr/>
+      </p:sp>
+      <p:sp>
+        <p:nvSpPr>
+          <p:cNvPr id="3" name="Notes Placeholder 2"/>
+          <p:cNvSpPr>
+            <a:spLocks noGrp="1"/>
+          </p:cNvSpPr>
+          <p:nvPr>
+            <p:ph type="body" idx="1"/>
+          </p:nvPr>
+        </p:nvSpPr>
+        <p:spPr/>
+        <p:txBody>
+          <a:bodyPr>
+            <a:normAutofit/>
+          </a:bodyPr>
+          <a:lstStyle/>
+          <a:p>
+            <a:r>
+              <a:rPr lang="en-US" dirty="0" smtClean="0"/>
+              <a:t>Numerical approach </a:t>
+            </a:r>
+          </a:p>
+          <a:p>
+            <a:r>
+              <a:rPr lang="en-US" dirty="0" smtClean="0"/>
+              <a:t>Easier to</a:t>
+            </a:r>
+            <a:r>
+              <a:rPr lang="en-US" baseline="0" dirty="0" smtClean="0"/>
+              <a:t> </a:t>
+            </a:r>
+            <a:r>
+              <a:rPr lang="en-US" baseline="0" dirty="0" err="1" smtClean="0"/>
+              <a:t>impleiment</a:t>
+            </a:r>
+            <a:r>
+              <a:rPr lang="en-US" baseline="0" dirty="0" smtClean="0"/>
+              <a:t> then solving </a:t>
+            </a:r>
+          </a:p>
+          <a:p>
+            <a:r>
+              <a:rPr lang="en-US" baseline="0" dirty="0" smtClean="0"/>
+              <a:t>Apply circulation at control points</a:t>
+            </a:r>
+          </a:p>
+          <a:p>
+            <a:endParaRPr lang="en-US" dirty="0"/>
+          </a:p>
+        </p:txBody>
+      </p:sp>
+      <p:sp>
+        <p:nvSpPr>
+          <p:cNvPr id="4" name="Slide Number Placeholder 3"/>
+          <p:cNvSpPr>
+            <a:spLocks noGrp="1"/>
+          </p:cNvSpPr>
+          <p:nvPr>
+            <p:ph type="sldNum" sz="quarter" idx="10"/>
+          </p:nvPr>
+        </p:nvSpPr>
+        <p:spPr/>
+        <p:txBody>
+          <a:bodyPr/>
+          <a:lstStyle/>
+          <a:p>
+            <a:fld id="{93E157EC-C92F-4703-894F-6B2368241B25}" type="slidenum">
+              <a:rPr lang="en-US" smtClean="0"/>
+              <a:pPr/>
+              <a:t>11</a:t>
             </a:fld>
             <a:endParaRPr lang="en-US"/>
           </a:p>
@@ -963,7 +2162,7 @@
             <a:fld id="{408CC927-4414-486E-A4EA-F55738DD0022}" type="datetimeFigureOut">
               <a:rPr lang="en-US" smtClean="0"/>
               <a:pPr/>
-              <a:t>4/30/2014</a:t>
+              <a:t>5/1/2014</a:t>
             </a:fld>
             <a:endParaRPr lang="en-US" dirty="0"/>
           </a:p>
@@ -1324,7 +2523,7 @@
             <a:fld id="{408CC927-4414-486E-A4EA-F55738DD0022}" type="datetimeFigureOut">
               <a:rPr lang="en-US" smtClean="0"/>
               <a:pPr/>
-              <a:t>4/30/2014</a:t>
+              <a:t>5/1/2014</a:t>
             </a:fld>
             <a:endParaRPr lang="en-US" dirty="0"/>
           </a:p>
@@ -1501,7 +2700,7 @@
             <a:fld id="{408CC927-4414-486E-A4EA-F55738DD0022}" type="datetimeFigureOut">
               <a:rPr lang="en-US" smtClean="0"/>
               <a:pPr/>
-              <a:t>4/30/2014</a:t>
+              <a:t>5/1/2014</a:t>
             </a:fld>
             <a:endParaRPr lang="en-US" dirty="0"/>
           </a:p>
@@ -1738,7 +2937,7 @@
             <a:fld id="{408CC927-4414-486E-A4EA-F55738DD0022}" type="datetimeFigureOut">
               <a:rPr lang="en-US" smtClean="0"/>
               <a:pPr/>
-              <a:t>4/30/2014</a:t>
+              <a:t>5/1/2014</a:t>
             </a:fld>
             <a:endParaRPr lang="en-US" dirty="0"/>
           </a:p>
@@ -2009,7 +3208,7 @@
             <a:fld id="{408CC927-4414-486E-A4EA-F55738DD0022}" type="datetimeFigureOut">
               <a:rPr lang="en-US" smtClean="0"/>
               <a:pPr/>
-              <a:t>4/30/2014</a:t>
+              <a:t>5/1/2014</a:t>
             </a:fld>
             <a:endParaRPr lang="en-US" dirty="0"/>
           </a:p>
@@ -2231,7 +3430,7 @@
             <a:fld id="{408CC927-4414-486E-A4EA-F55738DD0022}" type="datetimeFigureOut">
               <a:rPr lang="en-US" smtClean="0"/>
               <a:pPr/>
-              <a:t>4/30/2014</a:t>
+              <a:t>5/1/2014</a:t>
             </a:fld>
             <a:endParaRPr lang="en-US" dirty="0"/>
           </a:p>
@@ -2585,7 +3784,7 @@
             <a:fld id="{408CC927-4414-486E-A4EA-F55738DD0022}" type="datetimeFigureOut">
               <a:rPr lang="en-US" smtClean="0"/>
               <a:pPr/>
-              <a:t>4/30/2014</a:t>
+              <a:t>5/1/2014</a:t>
             </a:fld>
             <a:endParaRPr lang="en-US" dirty="0"/>
           </a:p>
@@ -2819,7 +4018,7 @@
             <a:fld id="{408CC927-4414-486E-A4EA-F55738DD0022}" type="datetimeFigureOut">
               <a:rPr lang="en-US" smtClean="0"/>
               <a:pPr/>
-              <a:t>4/30/2014</a:t>
+              <a:t>5/1/2014</a:t>
             </a:fld>
             <a:endParaRPr lang="en-US" dirty="0"/>
           </a:p>
@@ -2961,7 +4160,7 @@
             <a:fld id="{408CC927-4414-486E-A4EA-F55738DD0022}" type="datetimeFigureOut">
               <a:rPr lang="en-US" smtClean="0"/>
               <a:pPr/>
-              <a:t>4/30/2014</a:t>
+              <a:t>5/1/2014</a:t>
             </a:fld>
             <a:endParaRPr lang="en-US" dirty="0"/>
           </a:p>
@@ -3240,7 +4439,7 @@
             <a:fld id="{408CC927-4414-486E-A4EA-F55738DD0022}" type="datetimeFigureOut">
               <a:rPr lang="en-US" smtClean="0"/>
               <a:pPr/>
-              <a:t>4/30/2014</a:t>
+              <a:t>5/1/2014</a:t>
             </a:fld>
             <a:endParaRPr lang="en-US" dirty="0"/>
           </a:p>
@@ -3649,7 +4848,7 @@
             <a:fld id="{408CC927-4414-486E-A4EA-F55738DD0022}" type="datetimeFigureOut">
               <a:rPr lang="en-US" smtClean="0"/>
               <a:pPr/>
-              <a:t>4/30/2014</a:t>
+              <a:t>5/1/2014</a:t>
             </a:fld>
             <a:endParaRPr lang="en-US" dirty="0"/>
           </a:p>
@@ -3989,7 +5188,7 @@
             <a:fld id="{408CC927-4414-486E-A4EA-F55738DD0022}" type="datetimeFigureOut">
               <a:rPr lang="en-US" smtClean="0"/>
               <a:pPr/>
-              <a:t>4/30/2014</a:t>
+              <a:t>5/1/2014</a:t>
             </a:fld>
             <a:endParaRPr lang="en-US" dirty="0"/>
           </a:p>
@@ -4626,6 +5825,13 @@
   <p:clrMapOvr>
     <a:masterClrMapping/>
   </p:clrMapOvr>
+  <p:timing>
+    <p:tnLst>
+      <p:par>
+        <p:cTn id="1" dur="indefinite" restart="never" nodeType="tmRoot"/>
+      </p:par>
+    </p:tnLst>
+  </p:timing>
 </p:sld>
 </file>
 
@@ -4663,7 +5869,7 @@
           <a:p>
             <a:r>
               <a:rPr lang="en-US" dirty="0" smtClean="0"/>
-              <a:t>VLM2</a:t>
+              <a:t>Lifting Surface Theory</a:t>
             </a:r>
             <a:endParaRPr lang="en-US" dirty="0"/>
           </a:p>
@@ -4686,13 +5892,42 @@
           <a:p>
             <a:r>
               <a:rPr lang="en-US" dirty="0" smtClean="0"/>
-              <a:t>Uses quad or ring vortices on surface</a:t>
+              <a:t>Series of lifting lines</a:t>
             </a:r>
           </a:p>
           <a:p>
             <a:r>
               <a:rPr lang="en-US" dirty="0" smtClean="0"/>
-              <a:t>Uses horseshoe vortices on trailing edge to model wake</a:t>
+              <a:t>Circulation varies in both</a:t>
+            </a:r>
+          </a:p>
+          <a:p>
+            <a:pPr lvl="1"/>
+            <a:r>
+              <a:rPr lang="en-US" dirty="0" smtClean="0">
+                <a:solidFill>
+                  <a:schemeClr val="tx1"/>
+                </a:solidFill>
+              </a:rPr>
+              <a:t>Span wise lifting line</a:t>
+            </a:r>
+          </a:p>
+          <a:p>
+            <a:pPr lvl="1"/>
+            <a:r>
+              <a:rPr lang="en-US" dirty="0" smtClean="0">
+                <a:solidFill>
+                  <a:schemeClr val="tx1"/>
+                </a:solidFill>
+              </a:rPr>
+              <a:t>Chord wise vortices</a:t>
+            </a:r>
+            <a:endParaRPr lang="en-US" dirty="0" smtClean="0"/>
+          </a:p>
+          <a:p>
+            <a:r>
+              <a:rPr lang="en-US" dirty="0" smtClean="0"/>
+              <a:t>Chord wise vortices extend into wake.</a:t>
             </a:r>
           </a:p>
           <a:p>
@@ -4700,17 +5935,19 @@
               <a:rPr lang="en-US" dirty="0" err="1" smtClean="0"/>
               <a:t>Biot-Savart</a:t>
             </a:r>
+            <a:endParaRPr lang="en-US" dirty="0" smtClean="0"/>
+          </a:p>
+          <a:p>
             <a:r>
               <a:rPr lang="en-US" dirty="0" smtClean="0"/>
-              <a:t> has V~1/r^3 so difference in trailing vortices is typically minor</a:t>
-            </a:r>
-            <a:endParaRPr lang="en-US" dirty="0"/>
+              <a:t>Flow tangency condition</a:t>
+            </a:r>
           </a:p>
         </p:txBody>
       </p:sp>
       <p:pic>
         <p:nvPicPr>
-          <p:cNvPr id="6" name="Content Placeholder 5" descr="VLM2.PNG"/>
+          <p:cNvPr id="8" name="Content Placeholder 7" descr="lsurface.PNG"/>
           <p:cNvPicPr>
             <a:picLocks noGrp="1" noChangeAspect="1"/>
           </p:cNvPicPr>
@@ -4719,15 +5956,15 @@
           </p:nvPr>
         </p:nvPicPr>
         <p:blipFill>
-          <a:blip r:embed="rId2" cstate="print"/>
+          <a:blip r:embed="rId3" cstate="print"/>
           <a:stretch>
             <a:fillRect/>
           </a:stretch>
         </p:blipFill>
         <p:spPr>
           <a:xfrm>
-            <a:off x="4648200" y="1676400"/>
-            <a:ext cx="4347012" cy="3962400"/>
+            <a:off x="4267200" y="1371600"/>
+            <a:ext cx="4657603" cy="4343400"/>
           </a:xfrm>
         </p:spPr>
       </p:pic>
@@ -4736,6 +5973,13 @@
   <p:clrMapOvr>
     <a:masterClrMapping/>
   </p:clrMapOvr>
+  <p:timing>
+    <p:tnLst>
+      <p:par>
+        <p:cTn id="1" dur="indefinite" restart="never" nodeType="tmRoot"/>
+      </p:par>
+    </p:tnLst>
+  </p:timing>
 </p:sld>
 </file>
 
@@ -4773,7 +6017,7 @@
           <a:p>
             <a:r>
               <a:rPr lang="en-US" dirty="0" smtClean="0"/>
-              <a:t>3D Panel Method</a:t>
+              <a:t>VLM Vortex Lattice Method</a:t>
             </a:r>
             <a:endParaRPr lang="en-US" dirty="0"/>
           </a:p>
@@ -4781,7 +6025,7 @@
       </p:sp>
       <p:sp>
         <p:nvSpPr>
-          <p:cNvPr id="3" name="Content Placeholder 2"/>
+          <p:cNvPr id="4" name="Content Placeholder 3"/>
           <p:cNvSpPr>
             <a:spLocks noGrp="1"/>
           </p:cNvSpPr>
@@ -4789,67 +6033,38 @@
             <p:ph sz="quarter" idx="1"/>
           </p:nvPr>
         </p:nvSpPr>
-        <p:spPr>
-          <a:xfrm>
-            <a:off x="457200" y="3886200"/>
-            <a:ext cx="8382000" cy="2423160"/>
-          </a:xfrm>
-        </p:spPr>
+        <p:spPr/>
         <p:txBody>
           <a:bodyPr/>
           <a:lstStyle/>
           <a:p>
             <a:r>
               <a:rPr lang="en-US" dirty="0" smtClean="0"/>
-              <a:t>Sources and Doublets distributed evenly across each panel</a:t>
-            </a:r>
-          </a:p>
-          <a:p>
+              <a:t>Assign circulation at control points</a:t>
+            </a:r>
+          </a:p>
+          <a:p>
+            <a:r>
+              <a:rPr lang="en-US" dirty="0" err="1" smtClean="0"/>
+              <a:t>Biot-Savart</a:t>
+            </a:r>
             <a:r>
               <a:rPr lang="en-US" dirty="0" smtClean="0"/>
-              <a:t>Potential calculated at control points</a:t>
-            </a:r>
-          </a:p>
-          <a:p>
-            <a:pPr lvl="1"/>
+              <a:t> Law</a:t>
+            </a:r>
+          </a:p>
+          <a:p>
             <a:r>
               <a:rPr lang="en-US" dirty="0" smtClean="0"/>
-              <a:t>Boundary layer analysis</a:t>
-            </a:r>
-          </a:p>
-          <a:p>
-            <a:pPr lvl="1"/>
-            <a:r>
-              <a:rPr lang="en-US" dirty="0" smtClean="0"/>
-              <a:t>Recalculation of potential at control points</a:t>
-            </a:r>
-          </a:p>
-          <a:p>
-            <a:r>
-              <a:rPr lang="en-US" dirty="0" smtClean="0"/>
-              <a:t>Full field calculated with potential field</a:t>
-            </a:r>
-          </a:p>
-          <a:p>
-            <a:endParaRPr lang="en-US" dirty="0" smtClean="0"/>
-          </a:p>
-          <a:p>
-            <a:endParaRPr lang="en-US" dirty="0" smtClean="0"/>
-          </a:p>
-          <a:p>
-            <a:endParaRPr lang="en-US" dirty="0" smtClean="0"/>
-          </a:p>
-          <a:p>
-            <a:endParaRPr lang="en-US" dirty="0" smtClean="0"/>
-          </a:p>
-          <a:p>
+              <a:t>Flow tangency</a:t>
+            </a:r>
             <a:endParaRPr lang="en-US" dirty="0"/>
           </a:p>
         </p:txBody>
       </p:sp>
       <p:pic>
         <p:nvPicPr>
-          <p:cNvPr id="5" name="Content Placeholder 4" descr="panels.png"/>
+          <p:cNvPr id="6" name="Content Placeholder 5" descr="VLM1.PNG"/>
           <p:cNvPicPr>
             <a:picLocks noGrp="1" noChangeAspect="1"/>
           </p:cNvPicPr>
@@ -4858,15 +6073,15 @@
           </p:nvPr>
         </p:nvPicPr>
         <p:blipFill>
-          <a:blip r:embed="rId2" cstate="print"/>
+          <a:blip r:embed="rId3" cstate="print"/>
           <a:stretch>
             <a:fillRect/>
           </a:stretch>
         </p:blipFill>
         <p:spPr>
           <a:xfrm>
-            <a:off x="1676400" y="1219200"/>
-            <a:ext cx="5614738" cy="2667000"/>
+            <a:off x="4572000" y="1524000"/>
+            <a:ext cx="4466420" cy="4576578"/>
           </a:xfrm>
         </p:spPr>
       </p:pic>
@@ -4875,6 +6090,13 @@
   <p:clrMapOvr>
     <a:masterClrMapping/>
   </p:clrMapOvr>
+  <p:timing>
+    <p:tnLst>
+      <p:par>
+        <p:cTn id="1" dur="indefinite" restart="never" nodeType="tmRoot"/>
+      </p:par>
+    </p:tnLst>
+  </p:timing>
 </p:sld>
 </file>
 
@@ -4912,7 +6134,7 @@
           <a:p>
             <a:r>
               <a:rPr lang="en-US" dirty="0" smtClean="0"/>
-              <a:t>3D Panel Method</a:t>
+              <a:t>VLM2</a:t>
             </a:r>
             <a:endParaRPr lang="en-US" dirty="0"/>
           </a:p>
@@ -4920,12 +6142,12 @@
       </p:sp>
       <p:sp>
         <p:nvSpPr>
-          <p:cNvPr id="3" name="Text Placeholder 2"/>
-          <p:cNvSpPr>
-            <a:spLocks noGrp="1"/>
-          </p:cNvSpPr>
-          <p:nvPr>
-            <p:ph type="body" idx="1"/>
+          <p:cNvPr id="4" name="Content Placeholder 3"/>
+          <p:cNvSpPr>
+            <a:spLocks noGrp="1"/>
+          </p:cNvSpPr>
+          <p:nvPr>
+            <p:ph sz="quarter" idx="1"/>
           </p:nvPr>
         </p:nvSpPr>
         <p:spPr/>
@@ -4935,135 +6157,57 @@
           <a:p>
             <a:r>
               <a:rPr lang="en-US" dirty="0" smtClean="0"/>
-              <a:t>Advantages</a:t>
-            </a:r>
-            <a:endParaRPr lang="en-US" dirty="0"/>
-          </a:p>
-        </p:txBody>
-      </p:sp>
-      <p:sp>
-        <p:nvSpPr>
-          <p:cNvPr id="4" name="Text Placeholder 3"/>
-          <p:cNvSpPr>
-            <a:spLocks noGrp="1"/>
-          </p:cNvSpPr>
-          <p:nvPr>
-            <p:ph type="body" sz="half" idx="3"/>
-          </p:nvPr>
-        </p:nvSpPr>
-        <p:spPr/>
-        <p:txBody>
-          <a:bodyPr/>
-          <a:lstStyle/>
+              <a:t>Uses quad or ring vortices on surface</a:t>
+            </a:r>
+          </a:p>
           <a:p>
             <a:r>
               <a:rPr lang="en-US" dirty="0" smtClean="0"/>
-              <a:t>Boundary Conditions</a:t>
-            </a:r>
-            <a:endParaRPr lang="en-US" dirty="0"/>
-          </a:p>
-        </p:txBody>
-      </p:sp>
-      <p:sp>
-        <p:nvSpPr>
-          <p:cNvPr id="5" name="Content Placeholder 4"/>
-          <p:cNvSpPr>
-            <a:spLocks noGrp="1"/>
-          </p:cNvSpPr>
+              <a:t>Uses horseshoe vortices on trailing edge to model </a:t>
+            </a:r>
+            <a:r>
+              <a:rPr lang="en-US" dirty="0" smtClean="0"/>
+              <a:t>wake</a:t>
+            </a:r>
+            <a:endParaRPr lang="en-US" dirty="0" smtClean="0"/>
+          </a:p>
+        </p:txBody>
+      </p:sp>
+      <p:pic>
+        <p:nvPicPr>
+          <p:cNvPr id="6" name="Content Placeholder 5" descr="VLM2.PNG"/>
+          <p:cNvPicPr>
+            <a:picLocks noGrp="1" noChangeAspect="1"/>
+          </p:cNvPicPr>
           <p:nvPr>
             <p:ph sz="quarter" idx="2"/>
           </p:nvPr>
-        </p:nvSpPr>
-        <p:spPr/>
-        <p:txBody>
-          <a:bodyPr/>
-          <a:lstStyle/>
-          <a:p>
-            <a:r>
-              <a:rPr lang="en-US" dirty="0" smtClean="0"/>
-              <a:t>Takes into account wing thickness</a:t>
-            </a:r>
-          </a:p>
-          <a:p>
-            <a:r>
-              <a:rPr lang="en-US" dirty="0" smtClean="0"/>
-              <a:t>Maps Cp over top and </a:t>
-            </a:r>
-            <a:r>
-              <a:rPr lang="en-US" dirty="0" smtClean="0"/>
-              <a:t>bottom</a:t>
-            </a:r>
-          </a:p>
-          <a:p>
-            <a:endParaRPr lang="en-US" dirty="0" smtClean="0"/>
-          </a:p>
-          <a:p>
-            <a:endParaRPr lang="en-US" dirty="0"/>
-          </a:p>
-        </p:txBody>
-      </p:sp>
-      <p:sp>
-        <p:nvSpPr>
-          <p:cNvPr id="6" name="Content Placeholder 5"/>
-          <p:cNvSpPr>
-            <a:spLocks noGrp="1"/>
-          </p:cNvSpPr>
-          <p:nvPr>
-            <p:ph sz="quarter" idx="4"/>
-          </p:nvPr>
-        </p:nvSpPr>
-        <p:spPr/>
-        <p:txBody>
-          <a:bodyPr/>
-          <a:lstStyle/>
-          <a:p>
-            <a:r>
-              <a:rPr lang="en-US" dirty="0" smtClean="0"/>
-              <a:t>Von </a:t>
-            </a:r>
-            <a:r>
-              <a:rPr lang="en-US" dirty="0" err="1" smtClean="0"/>
-              <a:t>Nuemann</a:t>
-            </a:r>
-            <a:endParaRPr lang="en-US" dirty="0" smtClean="0"/>
-          </a:p>
-          <a:p>
-            <a:pPr lvl="1"/>
-            <a:r>
-              <a:rPr lang="en-US" dirty="0" smtClean="0"/>
-              <a:t>Tangential flow condition</a:t>
-            </a:r>
-          </a:p>
-          <a:p>
-            <a:r>
-              <a:rPr lang="en-US" dirty="0" err="1" smtClean="0"/>
-              <a:t>Dirichlet</a:t>
-            </a:r>
-            <a:endParaRPr lang="en-US" dirty="0" smtClean="0"/>
-          </a:p>
-          <a:p>
-            <a:pPr lvl="1"/>
-            <a:r>
-              <a:rPr lang="en-US" dirty="0" smtClean="0"/>
-              <a:t>Potential inside body = </a:t>
-            </a:r>
-            <a:r>
-              <a:rPr lang="en-US" dirty="0" err="1" smtClean="0"/>
-              <a:t>Freestreem</a:t>
-            </a:r>
-            <a:r>
-              <a:rPr lang="en-US" dirty="0" smtClean="0"/>
-              <a:t> potential</a:t>
-            </a:r>
-            <a:endParaRPr lang="en-US" dirty="0"/>
-          </a:p>
-        </p:txBody>
-      </p:sp>
+        </p:nvPicPr>
+        <p:blipFill>
+          <a:blip r:embed="rId3" cstate="print"/>
+          <a:stretch>
+            <a:fillRect/>
+          </a:stretch>
+        </p:blipFill>
+        <p:spPr>
+          <a:xfrm>
+            <a:off x="4648200" y="1676400"/>
+            <a:ext cx="4347012" cy="3962400"/>
+          </a:xfrm>
+        </p:spPr>
+      </p:pic>
     </p:spTree>
   </p:cSld>
   <p:clrMapOvr>
     <a:masterClrMapping/>
   </p:clrMapOvr>
+  <p:timing>
+    <p:tnLst>
+      <p:par>
+        <p:cTn id="1" dur="indefinite" restart="never" nodeType="tmRoot"/>
+      </p:par>
+    </p:tnLst>
+  </p:timing>
 </p:sld>
 </file>
 
@@ -5096,35 +6240,93 @@
         </p:nvSpPr>
         <p:spPr/>
         <p:txBody>
-          <a:bodyPr>
-            <a:normAutofit fontScale="90000"/>
-          </a:bodyPr>
+          <a:bodyPr/>
           <a:lstStyle/>
           <a:p>
             <a:r>
               <a:rPr lang="en-US" dirty="0" smtClean="0"/>
-              <a:t>Created Wings </a:t>
-            </a:r>
+              <a:t>3D Panel Method</a:t>
+            </a:r>
+            <a:endParaRPr lang="en-US" dirty="0"/>
+          </a:p>
+        </p:txBody>
+      </p:sp>
+      <p:sp>
+        <p:nvSpPr>
+          <p:cNvPr id="3" name="Content Placeholder 2"/>
+          <p:cNvSpPr>
+            <a:spLocks noGrp="1"/>
+          </p:cNvSpPr>
+          <p:nvPr>
+            <p:ph sz="quarter" idx="1"/>
+          </p:nvPr>
+        </p:nvSpPr>
+        <p:spPr>
+          <a:xfrm>
+            <a:off x="457200" y="3886200"/>
+            <a:ext cx="8382000" cy="2423160"/>
+          </a:xfrm>
+        </p:spPr>
+        <p:txBody>
+          <a:bodyPr/>
+          <a:lstStyle/>
+          <a:p>
             <a:r>
               <a:rPr lang="en-US" dirty="0" smtClean="0"/>
-              <a:t>C</a:t>
-            </a:r>
+              <a:t>Sources and Doublets distributed evenly across each panel</a:t>
+            </a:r>
+          </a:p>
+          <a:p>
             <a:r>
               <a:rPr lang="en-US" dirty="0" smtClean="0"/>
-              <a:t>ompared to Results in the Paper</a:t>
-            </a:r>
+              <a:t>Potential calculated at control points</a:t>
+            </a:r>
+          </a:p>
+          <a:p>
+            <a:pPr lvl="1"/>
+            <a:r>
+              <a:rPr lang="en-US" dirty="0" smtClean="0"/>
+              <a:t>Boundary layer analysis</a:t>
+            </a:r>
+          </a:p>
+          <a:p>
+            <a:pPr lvl="1"/>
+            <a:r>
+              <a:rPr lang="en-US" dirty="0" smtClean="0"/>
+              <a:t>Recalculation of potential at control points</a:t>
+            </a:r>
+          </a:p>
+          <a:p>
+            <a:r>
+              <a:rPr lang="en-US" dirty="0" smtClean="0"/>
+              <a:t>Full field calculated with potential field</a:t>
+            </a:r>
+          </a:p>
+          <a:p>
+            <a:endParaRPr lang="en-US" dirty="0" smtClean="0"/>
+          </a:p>
+          <a:p>
+            <a:endParaRPr lang="en-US" dirty="0" smtClean="0"/>
+          </a:p>
+          <a:p>
+            <a:endParaRPr lang="en-US" dirty="0" smtClean="0"/>
+          </a:p>
+          <a:p>
+            <a:endParaRPr lang="en-US" dirty="0" smtClean="0"/>
+          </a:p>
+          <a:p>
             <a:endParaRPr lang="en-US" dirty="0"/>
           </a:p>
         </p:txBody>
       </p:sp>
       <p:pic>
         <p:nvPicPr>
-          <p:cNvPr id="4" name="Content Placeholder 3" descr="compare.PNG"/>
+          <p:cNvPr id="5" name="Content Placeholder 4" descr="panels.png"/>
           <p:cNvPicPr>
             <a:picLocks noGrp="1" noChangeAspect="1"/>
           </p:cNvPicPr>
           <p:nvPr>
-            <p:ph sz="quarter" idx="1"/>
+            <p:ph sz="quarter" idx="2"/>
           </p:nvPr>
         </p:nvPicPr>
         <p:blipFill>
@@ -5135,8 +6337,8 @@
         </p:blipFill>
         <p:spPr>
           <a:xfrm>
-            <a:off x="457200" y="1962101"/>
-            <a:ext cx="8229600" cy="3451323"/>
+            <a:off x="1676400" y="1219200"/>
+            <a:ext cx="5614738" cy="2667000"/>
           </a:xfrm>
         </p:spPr>
       </p:pic>
@@ -5145,6 +6347,13 @@
   <p:clrMapOvr>
     <a:masterClrMapping/>
   </p:clrMapOvr>
+  <p:timing>
+    <p:tnLst>
+      <p:par>
+        <p:cTn id="1" dur="indefinite" restart="never" nodeType="tmRoot"/>
+      </p:par>
+    </p:tnLst>
+  </p:timing>
 </p:sld>
 </file>
 
@@ -5182,40 +6391,161 @@
           <a:p>
             <a:r>
               <a:rPr lang="en-US" dirty="0" smtClean="0"/>
-              <a:t>LLT Compared to VLM1 Results</a:t>
+              <a:t>3D Panel Method</a:t>
             </a:r>
             <a:endParaRPr lang="en-US" dirty="0"/>
           </a:p>
         </p:txBody>
       </p:sp>
-      <p:pic>
-        <p:nvPicPr>
-          <p:cNvPr id="6" name="Content Placeholder 5" descr="LLT.PNG"/>
-          <p:cNvPicPr>
-            <a:picLocks noGrp="1" noChangeAspect="1"/>
-          </p:cNvPicPr>
-          <p:nvPr>
-            <p:ph sz="quarter" idx="1"/>
-          </p:nvPr>
-        </p:nvPicPr>
-        <p:blipFill>
-          <a:blip r:embed="rId2" cstate="print"/>
-          <a:stretch>
-            <a:fillRect/>
-          </a:stretch>
-        </p:blipFill>
-        <p:spPr>
-          <a:xfrm>
-            <a:off x="304800" y="2128347"/>
-            <a:ext cx="8382000" cy="3533922"/>
-          </a:xfrm>
-        </p:spPr>
-      </p:pic>
+      <p:sp>
+        <p:nvSpPr>
+          <p:cNvPr id="3" name="Text Placeholder 2"/>
+          <p:cNvSpPr>
+            <a:spLocks noGrp="1"/>
+          </p:cNvSpPr>
+          <p:nvPr>
+            <p:ph type="body" idx="1"/>
+          </p:nvPr>
+        </p:nvSpPr>
+        <p:spPr/>
+        <p:txBody>
+          <a:bodyPr/>
+          <a:lstStyle/>
+          <a:p>
+            <a:r>
+              <a:rPr lang="en-US" dirty="0" smtClean="0"/>
+              <a:t>Advantages</a:t>
+            </a:r>
+            <a:endParaRPr lang="en-US" dirty="0"/>
+          </a:p>
+        </p:txBody>
+      </p:sp>
+      <p:sp>
+        <p:nvSpPr>
+          <p:cNvPr id="4" name="Text Placeholder 3"/>
+          <p:cNvSpPr>
+            <a:spLocks noGrp="1"/>
+          </p:cNvSpPr>
+          <p:nvPr>
+            <p:ph type="body" sz="half" idx="3"/>
+          </p:nvPr>
+        </p:nvSpPr>
+        <p:spPr/>
+        <p:txBody>
+          <a:bodyPr/>
+          <a:lstStyle/>
+          <a:p>
+            <a:r>
+              <a:rPr lang="en-US" dirty="0" smtClean="0"/>
+              <a:t>Boundary Conditions</a:t>
+            </a:r>
+            <a:endParaRPr lang="en-US" dirty="0"/>
+          </a:p>
+        </p:txBody>
+      </p:sp>
+      <p:sp>
+        <p:nvSpPr>
+          <p:cNvPr id="5" name="Content Placeholder 4"/>
+          <p:cNvSpPr>
+            <a:spLocks noGrp="1"/>
+          </p:cNvSpPr>
+          <p:nvPr>
+            <p:ph sz="quarter" idx="2"/>
+          </p:nvPr>
+        </p:nvSpPr>
+        <p:spPr/>
+        <p:txBody>
+          <a:bodyPr/>
+          <a:lstStyle/>
+          <a:p>
+            <a:r>
+              <a:rPr lang="en-US" dirty="0" smtClean="0"/>
+              <a:t>Takes into account wing thickness</a:t>
+            </a:r>
+          </a:p>
+          <a:p>
+            <a:r>
+              <a:rPr lang="en-US" dirty="0" smtClean="0"/>
+              <a:t>Maps Cp over top and bottom</a:t>
+            </a:r>
+          </a:p>
+          <a:p>
+            <a:endParaRPr lang="en-US" dirty="0" smtClean="0"/>
+          </a:p>
+          <a:p>
+            <a:endParaRPr lang="en-US" dirty="0"/>
+          </a:p>
+        </p:txBody>
+      </p:sp>
+      <p:sp>
+        <p:nvSpPr>
+          <p:cNvPr id="6" name="Content Placeholder 5"/>
+          <p:cNvSpPr>
+            <a:spLocks noGrp="1"/>
+          </p:cNvSpPr>
+          <p:nvPr>
+            <p:ph sz="quarter" idx="4"/>
+          </p:nvPr>
+        </p:nvSpPr>
+        <p:spPr/>
+        <p:txBody>
+          <a:bodyPr/>
+          <a:lstStyle/>
+          <a:p>
+            <a:r>
+              <a:rPr lang="en-US" dirty="0" smtClean="0"/>
+              <a:t>Von </a:t>
+            </a:r>
+            <a:r>
+              <a:rPr lang="en-US" dirty="0" err="1" smtClean="0"/>
+              <a:t>Nuemann</a:t>
+            </a:r>
+            <a:endParaRPr lang="en-US" dirty="0" smtClean="0"/>
+          </a:p>
+          <a:p>
+            <a:pPr lvl="1"/>
+            <a:r>
+              <a:rPr lang="en-US" dirty="0" smtClean="0"/>
+              <a:t>Tangential flow condition</a:t>
+            </a:r>
+          </a:p>
+          <a:p>
+            <a:r>
+              <a:rPr lang="en-US" dirty="0" err="1" smtClean="0"/>
+              <a:t>Dirichlet</a:t>
+            </a:r>
+            <a:endParaRPr lang="en-US" dirty="0" smtClean="0"/>
+          </a:p>
+          <a:p>
+            <a:pPr lvl="1"/>
+            <a:r>
+              <a:rPr lang="en-US" dirty="0" smtClean="0"/>
+              <a:t>Potential inside body = </a:t>
+            </a:r>
+            <a:r>
+              <a:rPr lang="en-US" dirty="0" err="1" smtClean="0"/>
+              <a:t>Freestreem</a:t>
+            </a:r>
+            <a:r>
+              <a:rPr lang="en-US" dirty="0" smtClean="0"/>
+              <a:t> potential</a:t>
+            </a:r>
+            <a:endParaRPr lang="en-US" dirty="0"/>
+          </a:p>
+        </p:txBody>
+      </p:sp>
     </p:spTree>
   </p:cSld>
   <p:clrMapOvr>
     <a:masterClrMapping/>
   </p:clrMapOvr>
+  <p:timing>
+    <p:tnLst>
+      <p:par>
+        <p:cTn id="1" dur="indefinite" restart="never" nodeType="tmRoot"/>
+      </p:par>
+    </p:tnLst>
+  </p:timing>
 </p:sld>
 </file>
 
@@ -5248,12 +6578,14 @@
         </p:nvSpPr>
         <p:spPr/>
         <p:txBody>
-          <a:bodyPr/>
+          <a:bodyPr>
+            <a:normAutofit fontScale="90000"/>
+          </a:bodyPr>
           <a:lstStyle/>
           <a:p>
             <a:r>
               <a:rPr lang="en-US" dirty="0" smtClean="0"/>
-              <a:t>VLM2 Compared to VLM1</a:t>
+              <a:t>Created Wings Compared to Results in the Paper</a:t>
             </a:r>
             <a:endParaRPr lang="en-US" dirty="0"/>
           </a:p>
@@ -5261,7 +6593,7 @@
       </p:sp>
       <p:pic>
         <p:nvPicPr>
-          <p:cNvPr id="4" name="Content Placeholder 3" descr="RVLM2.PNG"/>
+          <p:cNvPr id="4" name="Content Placeholder 3" descr="compare.PNG"/>
           <p:cNvPicPr>
             <a:picLocks noGrp="1" noChangeAspect="1"/>
           </p:cNvPicPr>
@@ -5270,15 +6602,15 @@
           </p:nvPr>
         </p:nvPicPr>
         <p:blipFill>
-          <a:blip r:embed="rId2" cstate="print"/>
+          <a:blip r:embed="rId3" cstate="print"/>
           <a:stretch>
             <a:fillRect/>
           </a:stretch>
         </p:blipFill>
         <p:spPr>
           <a:xfrm>
-            <a:off x="381000" y="2114565"/>
-            <a:ext cx="8305800" cy="3529615"/>
+            <a:off x="228600" y="1828800"/>
+            <a:ext cx="8721463" cy="3657600"/>
           </a:xfrm>
         </p:spPr>
       </p:pic>
@@ -5287,6 +6619,13 @@
   <p:clrMapOvr>
     <a:masterClrMapping/>
   </p:clrMapOvr>
+  <p:timing>
+    <p:tnLst>
+      <p:par>
+        <p:cTn id="1" dur="indefinite" restart="never" nodeType="tmRoot"/>
+      </p:par>
+    </p:tnLst>
+  </p:timing>
 </p:sld>
 </file>
 
@@ -5324,7 +6663,7 @@
           <a:p>
             <a:r>
               <a:rPr lang="en-US" dirty="0" smtClean="0"/>
-              <a:t>3D Panel Compared to VLM1</a:t>
+              <a:t>LLT Compared to VLM1 Results</a:t>
             </a:r>
             <a:endParaRPr lang="en-US" dirty="0"/>
           </a:p>
@@ -5332,7 +6671,7 @@
       </p:sp>
       <p:pic>
         <p:nvPicPr>
-          <p:cNvPr id="4" name="Content Placeholder 3" descr="Panel.PNG"/>
+          <p:cNvPr id="6" name="Content Placeholder 5" descr="LLT.PNG"/>
           <p:cNvPicPr>
             <a:picLocks noGrp="1" noChangeAspect="1"/>
           </p:cNvPicPr>
@@ -5348,8 +6687,8 @@
         </p:blipFill>
         <p:spPr>
           <a:xfrm>
-            <a:off x="457200" y="1952928"/>
-            <a:ext cx="8229600" cy="3469669"/>
+            <a:off x="228600" y="1828800"/>
+            <a:ext cx="8675348" cy="3657600"/>
           </a:xfrm>
         </p:spPr>
       </p:pic>
@@ -5358,6 +6697,13 @@
   <p:clrMapOvr>
     <a:masterClrMapping/>
   </p:clrMapOvr>
+  <p:timing>
+    <p:tnLst>
+      <p:par>
+        <p:cTn id="1" dur="indefinite" restart="never" nodeType="tmRoot"/>
+      </p:par>
+    </p:tnLst>
+  </p:timing>
 </p:sld>
 </file>
 
@@ -5395,7 +6741,7 @@
           <a:p>
             <a:r>
               <a:rPr lang="en-US" dirty="0" smtClean="0"/>
-              <a:t>Airfoil Shape</a:t>
+              <a:t>VLM2 Compared to VLM1</a:t>
             </a:r>
             <a:endParaRPr lang="en-US" dirty="0"/>
           </a:p>
@@ -5403,7 +6749,7 @@
       </p:sp>
       <p:pic>
         <p:nvPicPr>
-          <p:cNvPr id="6" name="Content Placeholder 5" descr="green.png"/>
+          <p:cNvPr id="4" name="Content Placeholder 3" descr="RVLM2.PNG"/>
           <p:cNvPicPr>
             <a:picLocks noGrp="1" noChangeAspect="1"/>
           </p:cNvPicPr>
@@ -5412,15 +6758,15 @@
           </p:nvPr>
         </p:nvPicPr>
         <p:blipFill>
-          <a:blip r:embed="rId2" cstate="print"/>
+          <a:blip r:embed="rId3" cstate="print"/>
           <a:stretch>
             <a:fillRect/>
           </a:stretch>
         </p:blipFill>
         <p:spPr>
           <a:xfrm>
-            <a:off x="457200" y="2258298"/>
-            <a:ext cx="8229600" cy="2858929"/>
+            <a:off x="381000" y="2114565"/>
+            <a:ext cx="8305800" cy="3529615"/>
           </a:xfrm>
         </p:spPr>
       </p:pic>
@@ -5429,6 +6775,13 @@
   <p:clrMapOvr>
     <a:masterClrMapping/>
   </p:clrMapOvr>
+  <p:timing>
+    <p:tnLst>
+      <p:par>
+        <p:cTn id="1" dur="indefinite" restart="never" nodeType="tmRoot"/>
+      </p:par>
+    </p:tnLst>
+  </p:timing>
 </p:sld>
 </file>
 
@@ -5466,7 +6819,7 @@
           <a:p>
             <a:r>
               <a:rPr lang="en-US" dirty="0" smtClean="0"/>
-              <a:t>Cp Distribution</a:t>
+              <a:t>3D Panel Compared to VLM1</a:t>
             </a:r>
             <a:endParaRPr lang="en-US" dirty="0"/>
           </a:p>
@@ -5474,34 +6827,13 @@
       </p:sp>
       <p:pic>
         <p:nvPicPr>
-          <p:cNvPr id="4" name="Content Placeholder 3" descr="bottompanel.png"/>
+          <p:cNvPr id="4" name="Content Placeholder 3" descr="Panel.PNG"/>
           <p:cNvPicPr>
             <a:picLocks noGrp="1" noChangeAspect="1"/>
           </p:cNvPicPr>
           <p:nvPr>
             <p:ph sz="quarter" idx="1"/>
           </p:nvPr>
-        </p:nvPicPr>
-        <p:blipFill>
-          <a:blip r:embed="rId2" cstate="print"/>
-          <a:stretch>
-            <a:fillRect/>
-          </a:stretch>
-        </p:blipFill>
-        <p:spPr>
-          <a:xfrm>
-            <a:off x="533400" y="2057400"/>
-            <a:ext cx="3850105" cy="1828800"/>
-          </a:xfrm>
-        </p:spPr>
-      </p:pic>
-      <p:pic>
-        <p:nvPicPr>
-          <p:cNvPr id="5" name="Picture 4" descr="toppanel.png"/>
-          <p:cNvPicPr>
-            <a:picLocks noChangeAspect="1"/>
-          </p:cNvPicPr>
-          <p:nvPr/>
         </p:nvPicPr>
         <p:blipFill>
           <a:blip r:embed="rId3" cstate="print"/>
@@ -5511,127 +6843,23 @@
         </p:blipFill>
         <p:spPr>
           <a:xfrm>
-            <a:off x="4800601" y="2057400"/>
-            <a:ext cx="3850105" cy="1828800"/>
-          </a:xfrm>
-          <a:prstGeom prst="rect">
-            <a:avLst/>
-          </a:prstGeom>
+            <a:off x="457200" y="1952928"/>
+            <a:ext cx="8229600" cy="3469669"/>
+          </a:xfrm>
         </p:spPr>
       </p:pic>
-      <p:pic>
-        <p:nvPicPr>
-          <p:cNvPr id="6" name="Picture 5" descr="bottomvlm.png"/>
-          <p:cNvPicPr>
-            <a:picLocks noChangeAspect="1"/>
-          </p:cNvPicPr>
-          <p:nvPr/>
-        </p:nvPicPr>
-        <p:blipFill>
-          <a:blip r:embed="rId4" cstate="print"/>
-          <a:stretch>
-            <a:fillRect/>
-          </a:stretch>
-        </p:blipFill>
-        <p:spPr>
-          <a:xfrm>
-            <a:off x="533399" y="4419600"/>
-            <a:ext cx="3850105" cy="1828800"/>
-          </a:xfrm>
-          <a:prstGeom prst="rect">
-            <a:avLst/>
-          </a:prstGeom>
-        </p:spPr>
-      </p:pic>
-      <p:pic>
-        <p:nvPicPr>
-          <p:cNvPr id="7" name="Picture 6" descr="topvlm.png"/>
-          <p:cNvPicPr>
-            <a:picLocks noChangeAspect="1"/>
-          </p:cNvPicPr>
-          <p:nvPr/>
-        </p:nvPicPr>
-        <p:blipFill>
-          <a:blip r:embed="rId5" cstate="print"/>
-          <a:stretch>
-            <a:fillRect/>
-          </a:stretch>
-        </p:blipFill>
-        <p:spPr>
-          <a:xfrm>
-            <a:off x="4724400" y="4419600"/>
-            <a:ext cx="3850106" cy="1828800"/>
-          </a:xfrm>
-          <a:prstGeom prst="rect">
-            <a:avLst/>
-          </a:prstGeom>
-        </p:spPr>
-      </p:pic>
-      <p:sp>
-        <p:nvSpPr>
-          <p:cNvPr id="8" name="TextBox 7"/>
-          <p:cNvSpPr txBox="1"/>
-          <p:nvPr/>
-        </p:nvSpPr>
-        <p:spPr>
-          <a:xfrm>
-            <a:off x="4038600" y="1524000"/>
-            <a:ext cx="4343400" cy="369332"/>
-          </a:xfrm>
-          <a:prstGeom prst="rect">
-            <a:avLst/>
-          </a:prstGeom>
-          <a:noFill/>
-        </p:spPr>
-        <p:txBody>
-          <a:bodyPr wrap="square" rtlCol="0">
-            <a:spAutoFit/>
-          </a:bodyPr>
-          <a:lstStyle/>
-          <a:p>
-            <a:r>
-              <a:rPr lang="en-US" dirty="0" smtClean="0"/>
-              <a:t>3D Panel</a:t>
-            </a:r>
-            <a:endParaRPr lang="en-US" dirty="0"/>
-          </a:p>
-        </p:txBody>
-      </p:sp>
-      <p:sp>
-        <p:nvSpPr>
-          <p:cNvPr id="9" name="TextBox 8"/>
-          <p:cNvSpPr txBox="1"/>
-          <p:nvPr/>
-        </p:nvSpPr>
-        <p:spPr>
-          <a:xfrm>
-            <a:off x="4191000" y="3962400"/>
-            <a:ext cx="1447800" cy="369332"/>
-          </a:xfrm>
-          <a:prstGeom prst="rect">
-            <a:avLst/>
-          </a:prstGeom>
-          <a:noFill/>
-        </p:spPr>
-        <p:txBody>
-          <a:bodyPr wrap="square" rtlCol="0">
-            <a:spAutoFit/>
-          </a:bodyPr>
-          <a:lstStyle/>
-          <a:p>
-            <a:r>
-              <a:rPr lang="en-US" dirty="0" smtClean="0"/>
-              <a:t>VLM1</a:t>
-            </a:r>
-            <a:endParaRPr lang="en-US" dirty="0"/>
-          </a:p>
-        </p:txBody>
-      </p:sp>
     </p:spTree>
   </p:cSld>
   <p:clrMapOvr>
     <a:masterClrMapping/>
   </p:clrMapOvr>
+  <p:timing>
+    <p:tnLst>
+      <p:par>
+        <p:cTn id="1" dur="indefinite" restart="never" nodeType="tmRoot"/>
+      </p:par>
+    </p:tnLst>
+  </p:timing>
 </p:sld>
 </file>
 
@@ -5669,49 +6897,164 @@
           <a:p>
             <a:r>
               <a:rPr lang="en-US" dirty="0" smtClean="0"/>
-              <a:t>Conclusions</a:t>
+              <a:t>Cp Distribution</a:t>
             </a:r>
             <a:endParaRPr lang="en-US" dirty="0"/>
           </a:p>
         </p:txBody>
       </p:sp>
-      <p:sp>
-        <p:nvSpPr>
-          <p:cNvPr id="3" name="Content Placeholder 2"/>
-          <p:cNvSpPr>
-            <a:spLocks noGrp="1"/>
-          </p:cNvSpPr>
+      <p:pic>
+        <p:nvPicPr>
+          <p:cNvPr id="4" name="Content Placeholder 3" descr="bottompanel.png"/>
+          <p:cNvPicPr>
+            <a:picLocks noGrp="1" noChangeAspect="1"/>
+          </p:cNvPicPr>
           <p:nvPr>
             <p:ph sz="quarter" idx="1"/>
           </p:nvPr>
-        </p:nvSpPr>
-        <p:spPr/>
-        <p:txBody>
-          <a:bodyPr/>
+        </p:nvPicPr>
+        <p:blipFill>
+          <a:blip r:embed="rId2" cstate="print"/>
+          <a:stretch>
+            <a:fillRect/>
+          </a:stretch>
+        </p:blipFill>
+        <p:spPr>
+          <a:xfrm>
+            <a:off x="533400" y="2057400"/>
+            <a:ext cx="3850105" cy="1828800"/>
+          </a:xfrm>
+        </p:spPr>
+      </p:pic>
+      <p:pic>
+        <p:nvPicPr>
+          <p:cNvPr id="5" name="Picture 4" descr="toppanel.png"/>
+          <p:cNvPicPr>
+            <a:picLocks noChangeAspect="1"/>
+          </p:cNvPicPr>
+          <p:nvPr/>
+        </p:nvPicPr>
+        <p:blipFill>
+          <a:blip r:embed="rId3" cstate="print"/>
+          <a:stretch>
+            <a:fillRect/>
+          </a:stretch>
+        </p:blipFill>
+        <p:spPr>
+          <a:xfrm>
+            <a:off x="4800601" y="2057400"/>
+            <a:ext cx="3850105" cy="1828800"/>
+          </a:xfrm>
+          <a:prstGeom prst="rect">
+            <a:avLst/>
+          </a:prstGeom>
+        </p:spPr>
+      </p:pic>
+      <p:pic>
+        <p:nvPicPr>
+          <p:cNvPr id="6" name="Picture 5" descr="bottomvlm.png"/>
+          <p:cNvPicPr>
+            <a:picLocks noChangeAspect="1"/>
+          </p:cNvPicPr>
+          <p:nvPr/>
+        </p:nvPicPr>
+        <p:blipFill>
+          <a:blip r:embed="rId4" cstate="print"/>
+          <a:stretch>
+            <a:fillRect/>
+          </a:stretch>
+        </p:blipFill>
+        <p:spPr>
+          <a:xfrm>
+            <a:off x="533399" y="4419600"/>
+            <a:ext cx="3850105" cy="1828800"/>
+          </a:xfrm>
+          <a:prstGeom prst="rect">
+            <a:avLst/>
+          </a:prstGeom>
+        </p:spPr>
+      </p:pic>
+      <p:pic>
+        <p:nvPicPr>
+          <p:cNvPr id="7" name="Picture 6" descr="topvlm.png"/>
+          <p:cNvPicPr>
+            <a:picLocks noChangeAspect="1"/>
+          </p:cNvPicPr>
+          <p:nvPr/>
+        </p:nvPicPr>
+        <p:blipFill>
+          <a:blip r:embed="rId5" cstate="print"/>
+          <a:stretch>
+            <a:fillRect/>
+          </a:stretch>
+        </p:blipFill>
+        <p:spPr>
+          <a:xfrm>
+            <a:off x="4724400" y="4419600"/>
+            <a:ext cx="3850106" cy="1828800"/>
+          </a:xfrm>
+          <a:prstGeom prst="rect">
+            <a:avLst/>
+          </a:prstGeom>
+        </p:spPr>
+      </p:pic>
+      <p:sp>
+        <p:nvSpPr>
+          <p:cNvPr id="8" name="TextBox 7"/>
+          <p:cNvSpPr txBox="1"/>
+          <p:nvPr/>
+        </p:nvSpPr>
+        <p:spPr>
+          <a:xfrm>
+            <a:off x="4038600" y="1524000"/>
+            <a:ext cx="4343400" cy="369332"/>
+          </a:xfrm>
+          <a:prstGeom prst="rect">
+            <a:avLst/>
+          </a:prstGeom>
+          <a:noFill/>
+        </p:spPr>
+        <p:txBody>
+          <a:bodyPr wrap="square" rtlCol="0">
+            <a:spAutoFit/>
+          </a:bodyPr>
           <a:lstStyle/>
           <a:p>
             <a:r>
               <a:rPr lang="en-US" dirty="0" smtClean="0"/>
-              <a:t>VLM and 3D panel method yield different results</a:t>
-            </a:r>
-          </a:p>
+              <a:t>3D Panel</a:t>
+            </a:r>
+            <a:endParaRPr lang="en-US" dirty="0"/>
+          </a:p>
+        </p:txBody>
+      </p:sp>
+      <p:sp>
+        <p:nvSpPr>
+          <p:cNvPr id="9" name="TextBox 8"/>
+          <p:cNvSpPr txBox="1"/>
+          <p:nvPr/>
+        </p:nvSpPr>
+        <p:spPr>
+          <a:xfrm>
+            <a:off x="4191000" y="3962400"/>
+            <a:ext cx="1447800" cy="369332"/>
+          </a:xfrm>
+          <a:prstGeom prst="rect">
+            <a:avLst/>
+          </a:prstGeom>
+          <a:noFill/>
+        </p:spPr>
+        <p:txBody>
+          <a:bodyPr wrap="square" rtlCol="0">
+            <a:spAutoFit/>
+          </a:bodyPr>
+          <a:lstStyle/>
           <a:p>
             <a:r>
               <a:rPr lang="en-US" dirty="0" smtClean="0"/>
-              <a:t>Due to the variable thickness, 3D Panel method may yield more accurate results</a:t>
-            </a:r>
-          </a:p>
-          <a:p>
-            <a:r>
-              <a:rPr lang="en-US" dirty="0" smtClean="0"/>
-              <a:t>Potential flow models may be limited in flapping flight applications</a:t>
-            </a:r>
-          </a:p>
-          <a:p>
-            <a:r>
-              <a:rPr lang="en-US" dirty="0" smtClean="0"/>
-              <a:t>Trends shown are repeatable</a:t>
-            </a:r>
+              <a:t>VLM1</a:t>
+            </a:r>
+            <a:endParaRPr lang="en-US" dirty="0"/>
           </a:p>
         </p:txBody>
       </p:sp>
@@ -5720,6 +7063,13 @@
   <p:clrMapOvr>
     <a:masterClrMapping/>
   </p:clrMapOvr>
+  <p:timing>
+    <p:tnLst>
+      <p:par>
+        <p:cTn id="1" dur="indefinite" restart="never" nodeType="tmRoot"/>
+      </p:par>
+    </p:tnLst>
+  </p:timing>
 </p:sld>
 </file>
 
@@ -5796,11 +7146,7 @@
             <a:pPr lvl="1"/>
             <a:r>
               <a:rPr lang="en-US" dirty="0" smtClean="0"/>
-              <a:t>Few soft tissue </a:t>
-            </a:r>
-            <a:r>
-              <a:rPr lang="en-US" dirty="0" smtClean="0"/>
-              <a:t>fossils</a:t>
+              <a:t>Few soft tissue fossils</a:t>
             </a:r>
           </a:p>
           <a:p>
@@ -5849,6 +7195,13 @@
   <p:clrMapOvr>
     <a:masterClrMapping/>
   </p:clrMapOvr>
+  <p:timing>
+    <p:tnLst>
+      <p:par>
+        <p:cTn id="1" dur="indefinite" restart="never" nodeType="tmRoot"/>
+      </p:par>
+    </p:tnLst>
+  </p:timing>
 </p:sld>
 </file>
 
@@ -5876,6 +7229,101 @@
             <a:spLocks noGrp="1"/>
           </p:cNvSpPr>
           <p:nvPr>
+            <p:ph type="title"/>
+          </p:nvPr>
+        </p:nvSpPr>
+        <p:spPr/>
+        <p:txBody>
+          <a:bodyPr/>
+          <a:lstStyle/>
+          <a:p>
+            <a:r>
+              <a:rPr lang="en-US" dirty="0" smtClean="0"/>
+              <a:t>Conclusions</a:t>
+            </a:r>
+            <a:endParaRPr lang="en-US" dirty="0"/>
+          </a:p>
+        </p:txBody>
+      </p:sp>
+      <p:sp>
+        <p:nvSpPr>
+          <p:cNvPr id="3" name="Content Placeholder 2"/>
+          <p:cNvSpPr>
+            <a:spLocks noGrp="1"/>
+          </p:cNvSpPr>
+          <p:nvPr>
+            <p:ph sz="quarter" idx="1"/>
+          </p:nvPr>
+        </p:nvSpPr>
+        <p:spPr/>
+        <p:txBody>
+          <a:bodyPr/>
+          <a:lstStyle/>
+          <a:p>
+            <a:r>
+              <a:rPr lang="en-US" dirty="0" smtClean="0"/>
+              <a:t>VLM and 3D panel method yield different results</a:t>
+            </a:r>
+          </a:p>
+          <a:p>
+            <a:r>
+              <a:rPr lang="en-US" dirty="0" smtClean="0"/>
+              <a:t>Due to the variable thickness, 3D Panel method may yield more accurate results</a:t>
+            </a:r>
+          </a:p>
+          <a:p>
+            <a:r>
+              <a:rPr lang="en-US" dirty="0" smtClean="0"/>
+              <a:t>Potential flow models may be limited in flapping flight applications</a:t>
+            </a:r>
+          </a:p>
+          <a:p>
+            <a:r>
+              <a:rPr lang="en-US" dirty="0" smtClean="0"/>
+              <a:t>Trends shown are repeatable</a:t>
+            </a:r>
+          </a:p>
+        </p:txBody>
+      </p:sp>
+    </p:spTree>
+  </p:cSld>
+  <p:clrMapOvr>
+    <a:masterClrMapping/>
+  </p:clrMapOvr>
+  <p:timing>
+    <p:tnLst>
+      <p:par>
+        <p:cTn id="1" dur="indefinite" restart="never" nodeType="tmRoot"/>
+      </p:par>
+    </p:tnLst>
+  </p:timing>
+</p:sld>
+</file>
+
+<file path=ppt/slides/slide21.xml><?xml version="1.0" encoding="utf-8"?>
+<p:sld xmlns:a="http://schemas.openxmlformats.org/drawingml/2006/main" xmlns:r="http://schemas.openxmlformats.org/officeDocument/2006/relationships" xmlns:p="http://schemas.openxmlformats.org/presentationml/2006/main">
+  <p:cSld>
+    <p:spTree>
+      <p:nvGrpSpPr>
+        <p:cNvPr id="1" name=""/>
+        <p:cNvGrpSpPr/>
+        <p:nvPr/>
+      </p:nvGrpSpPr>
+      <p:grpSpPr>
+        <a:xfrm>
+          <a:off x="0" y="0"/>
+          <a:ext cx="0" cy="0"/>
+          <a:chOff x="0" y="0"/>
+          <a:chExt cx="0" cy="0"/>
+        </a:xfrm>
+      </p:grpSpPr>
+      <p:sp>
+        <p:nvSpPr>
+          <p:cNvPr id="2" name="Title 1"/>
+          <p:cNvSpPr>
+            <a:spLocks noGrp="1"/>
+          </p:cNvSpPr>
+          <p:nvPr>
             <p:ph type="title" idx="4294967295"/>
           </p:nvPr>
         </p:nvSpPr>
@@ -5925,6 +7373,13 @@
   <p:clrMapOvr>
     <a:masterClrMapping/>
   </p:clrMapOvr>
+  <p:timing>
+    <p:tnLst>
+      <p:par>
+        <p:cTn id="1" dur="indefinite" restart="never" nodeType="tmRoot"/>
+      </p:par>
+    </p:tnLst>
+  </p:timing>
 </p:sld>
 </file>
 
@@ -5998,6 +7453,13 @@
   <p:clrMapOvr>
     <a:masterClrMapping/>
   </p:clrMapOvr>
+  <p:timing>
+    <p:tnLst>
+      <p:par>
+        <p:cTn id="1" dur="indefinite" restart="never" nodeType="tmRoot"/>
+      </p:par>
+    </p:tnLst>
+  </p:timing>
 </p:sld>
 </file>
 
@@ -6034,8 +7496,12 @@
           <a:lstStyle/>
           <a:p>
             <a:r>
+              <a:rPr lang="en-US" dirty="0" err="1" smtClean="0"/>
+              <a:t>Aeroelastic</a:t>
+            </a:r>
+            <a:r>
               <a:rPr lang="en-US" dirty="0" smtClean="0"/>
-              <a:t>Effects of Washout</a:t>
+              <a:t> Effects</a:t>
             </a:r>
             <a:endParaRPr lang="en-US" dirty="0"/>
           </a:p>
@@ -6043,7 +7509,7 @@
       </p:sp>
       <p:pic>
         <p:nvPicPr>
-          <p:cNvPr id="4" name="Content Placeholder 3" descr="figure8.PNG"/>
+          <p:cNvPr id="5" name="Content Placeholder 3" descr="unstable.PNG"/>
           <p:cNvPicPr>
             <a:picLocks noGrp="1" noChangeAspect="1"/>
           </p:cNvPicPr>
@@ -6059,8 +7525,31 @@
         </p:blipFill>
         <p:spPr>
           <a:xfrm>
-            <a:off x="1295400" y="1219200"/>
-            <a:ext cx="6564842" cy="4798563"/>
+            <a:off x="457200" y="1222447"/>
+            <a:ext cx="4041775" cy="4930630"/>
+          </a:xfrm>
+        </p:spPr>
+      </p:pic>
+      <p:pic>
+        <p:nvPicPr>
+          <p:cNvPr id="6" name="Content Placeholder 3" descr="figure8.PNG"/>
+          <p:cNvPicPr>
+            <a:picLocks noGrp="1" noChangeAspect="1"/>
+          </p:cNvPicPr>
+          <p:nvPr>
+            <p:ph sz="quarter" idx="2"/>
+          </p:nvPr>
+        </p:nvPicPr>
+        <p:blipFill>
+          <a:blip r:embed="rId3" cstate="print"/>
+          <a:stretch>
+            <a:fillRect/>
+          </a:stretch>
+        </p:blipFill>
+        <p:spPr>
+          <a:xfrm>
+            <a:off x="3962400" y="1752600"/>
+            <a:ext cx="5181600" cy="3787483"/>
           </a:xfrm>
         </p:spPr>
       </p:pic>
@@ -6069,6 +7558,13 @@
   <p:clrMapOvr>
     <a:masterClrMapping/>
   </p:clrMapOvr>
+  <p:timing>
+    <p:tnLst>
+      <p:par>
+        <p:cTn id="1" dur="indefinite" restart="never" nodeType="tmRoot"/>
+      </p:par>
+    </p:tnLst>
+  </p:timing>
 </p:sld>
 </file>
 
@@ -6106,7 +7602,7 @@
           <a:p>
             <a:r>
               <a:rPr lang="en-US" dirty="0" smtClean="0"/>
-              <a:t>XFLR5</a:t>
+              <a:t>Effects of Washout</a:t>
             </a:r>
             <a:endParaRPr lang="en-US" dirty="0"/>
           </a:p>
@@ -6114,7 +7610,7 @@
       </p:sp>
       <p:pic>
         <p:nvPicPr>
-          <p:cNvPr id="4" name="Content Placeholder 3" descr="XFLR5wing.PNG"/>
+          <p:cNvPr id="4" name="Content Placeholder 3" descr="figure8.PNG"/>
           <p:cNvPicPr>
             <a:picLocks noGrp="1" noChangeAspect="1"/>
           </p:cNvPicPr>
@@ -6123,15 +7619,15 @@
           </p:nvPr>
         </p:nvPicPr>
         <p:blipFill>
-          <a:blip r:embed="rId2" cstate="print"/>
+          <a:blip r:embed="rId3" cstate="print"/>
           <a:stretch>
             <a:fillRect/>
           </a:stretch>
         </p:blipFill>
         <p:spPr>
           <a:xfrm>
-            <a:off x="782103" y="1219200"/>
-            <a:ext cx="7579793" cy="4937125"/>
+            <a:off x="1295400" y="1219200"/>
+            <a:ext cx="6564842" cy="4798563"/>
           </a:xfrm>
         </p:spPr>
       </p:pic>
@@ -6140,6 +7636,13 @@
   <p:clrMapOvr>
     <a:masterClrMapping/>
   </p:clrMapOvr>
+  <p:timing>
+    <p:tnLst>
+      <p:par>
+        <p:cTn id="1" dur="indefinite" restart="never" nodeType="tmRoot"/>
+      </p:par>
+    </p:tnLst>
+  </p:timing>
 </p:sld>
 </file>
 
@@ -6177,7 +7680,7 @@
           <a:p>
             <a:r>
               <a:rPr lang="en-US" dirty="0" smtClean="0"/>
-              <a:t>LLT Lifting Line Theory</a:t>
+              <a:t>XFLR5</a:t>
             </a:r>
             <a:endParaRPr lang="en-US" dirty="0"/>
           </a:p>
@@ -6185,7 +7688,7 @@
       </p:sp>
       <p:pic>
         <p:nvPicPr>
-          <p:cNvPr id="4" name="Content Placeholder 3" descr="800px-Lifting_line_theory_illustration_(2).svg.png"/>
+          <p:cNvPr id="4" name="Content Placeholder 3" descr="XFLR5wing.PNG"/>
           <p:cNvPicPr>
             <a:picLocks noGrp="1" noChangeAspect="1"/>
           </p:cNvPicPr>
@@ -6194,128 +7697,30 @@
           </p:nvPr>
         </p:nvPicPr>
         <p:blipFill>
-          <a:blip r:embed="rId2" cstate="print"/>
+          <a:blip r:embed="rId3" cstate="print"/>
           <a:stretch>
             <a:fillRect/>
           </a:stretch>
         </p:blipFill>
         <p:spPr>
           <a:xfrm>
-            <a:off x="2971800" y="1676400"/>
-            <a:ext cx="5495559" cy="4114800"/>
+            <a:off x="782103" y="1219200"/>
+            <a:ext cx="7579793" cy="4937125"/>
           </a:xfrm>
         </p:spPr>
       </p:pic>
-      <p:sp>
-        <p:nvSpPr>
-          <p:cNvPr id="5" name="Content Placeholder 4"/>
-          <p:cNvSpPr>
-            <a:spLocks noGrp="1"/>
-          </p:cNvSpPr>
-          <p:nvPr>
-            <p:ph sz="quarter" idx="2"/>
-          </p:nvPr>
-        </p:nvSpPr>
-        <p:spPr>
-          <a:xfrm>
-            <a:off x="304800" y="1676400"/>
-            <a:ext cx="4038600" cy="4525963"/>
-          </a:xfrm>
-        </p:spPr>
-        <p:txBody>
-          <a:bodyPr>
-            <a:normAutofit fontScale="77500" lnSpcReduction="20000"/>
-          </a:bodyPr>
-          <a:lstStyle/>
-          <a:p>
-            <a:r>
-              <a:rPr lang="en-US" i="1" dirty="0" err="1" smtClean="0"/>
-              <a:t>Kutta_Joukowski</a:t>
-            </a:r>
-            <a:endParaRPr lang="en-US" i="1" dirty="0" smtClean="0"/>
-          </a:p>
-          <a:p>
-            <a:r>
-              <a:rPr lang="en-US" i="1" dirty="0" err="1" smtClean="0"/>
-              <a:t>Biot-Savart</a:t>
-            </a:r>
-            <a:endParaRPr lang="en-US" i="1" dirty="0" smtClean="0"/>
-          </a:p>
-          <a:p>
-            <a:r>
-              <a:rPr lang="en-US" i="1" dirty="0" smtClean="0"/>
-              <a:t>Helmholtz Theorem</a:t>
-            </a:r>
-          </a:p>
-          <a:p>
-            <a:pPr lvl="1"/>
-            <a:r>
-              <a:rPr lang="en-US" dirty="0" smtClean="0"/>
-              <a:t>The strength of a vortex filament is constant </a:t>
-            </a:r>
-            <a:r>
-              <a:rPr lang="en-US" dirty="0" smtClean="0"/>
-              <a:t>along </a:t>
-            </a:r>
-            <a:r>
-              <a:rPr lang="en-US" dirty="0" smtClean="0"/>
-              <a:t>its length</a:t>
-            </a:r>
-          </a:p>
-          <a:p>
-            <a:pPr lvl="1"/>
-            <a:r>
-              <a:rPr lang="en-US" dirty="0" smtClean="0"/>
-              <a:t>A vortex filament cannot end in a fluid: must extend to infinity or form a closed </a:t>
-            </a:r>
-            <a:r>
-              <a:rPr lang="en-US" dirty="0" smtClean="0"/>
-              <a:t>path</a:t>
-            </a:r>
-            <a:endParaRPr lang="en-US" i="1" dirty="0" smtClean="0"/>
-          </a:p>
-          <a:p>
-            <a:r>
-              <a:rPr lang="en-US" i="1" dirty="0" smtClean="0"/>
-              <a:t>Effective angle of attack</a:t>
-            </a:r>
-          </a:p>
-          <a:p>
-            <a:r>
-              <a:rPr lang="en-US" i="1" dirty="0" smtClean="0"/>
-              <a:t>Repeat</a:t>
-            </a:r>
-          </a:p>
-          <a:p>
-            <a:pPr lvl="1"/>
-            <a:endParaRPr lang="en-US" i="1" dirty="0" smtClean="0"/>
-          </a:p>
-          <a:p>
-            <a:pPr>
-              <a:buNone/>
-            </a:pPr>
-            <a:endParaRPr lang="en-US" i="1" dirty="0" smtClean="0"/>
-          </a:p>
-          <a:p>
-            <a:pPr lvl="1">
-              <a:buNone/>
-            </a:pPr>
-            <a:r>
-              <a:rPr lang="el-GR" dirty="0" smtClean="0"/>
-              <a:t/>
-            </a:r>
-            <a:br>
-              <a:rPr lang="el-GR" dirty="0" smtClean="0"/>
-            </a:br>
-            <a:endParaRPr lang="en-US" dirty="0"/>
-          </a:p>
-        </p:txBody>
-      </p:sp>
     </p:spTree>
   </p:cSld>
   <p:clrMapOvr>
     <a:masterClrMapping/>
   </p:clrMapOvr>
+  <p:timing>
+    <p:tnLst>
+      <p:par>
+        <p:cTn id="1" dur="indefinite" restart="never" nodeType="tmRoot"/>
+      </p:par>
+    </p:tnLst>
+  </p:timing>
 </p:sld>
 </file>
 
@@ -6353,72 +7758,7 @@
           <a:p>
             <a:r>
               <a:rPr lang="en-US" dirty="0" smtClean="0"/>
-              <a:t>LLT</a:t>
-            </a:r>
-            <a:endParaRPr lang="en-US" dirty="0"/>
-          </a:p>
-        </p:txBody>
-      </p:sp>
-      <p:sp>
-        <p:nvSpPr>
-          <p:cNvPr id="6" name="Text Placeholder 5"/>
-          <p:cNvSpPr>
-            <a:spLocks noGrp="1"/>
-          </p:cNvSpPr>
-          <p:nvPr>
-            <p:ph type="body" idx="1"/>
-          </p:nvPr>
-        </p:nvSpPr>
-        <p:spPr/>
-        <p:txBody>
-          <a:bodyPr/>
-          <a:lstStyle/>
-          <a:p>
-            <a:r>
-              <a:rPr lang="en-US" dirty="0" smtClean="0"/>
-              <a:t>Limitations</a:t>
-            </a:r>
-            <a:endParaRPr lang="en-US" dirty="0"/>
-          </a:p>
-        </p:txBody>
-      </p:sp>
-      <p:sp>
-        <p:nvSpPr>
-          <p:cNvPr id="7" name="Content Placeholder 6"/>
-          <p:cNvSpPr>
-            <a:spLocks noGrp="1"/>
-          </p:cNvSpPr>
-          <p:nvPr>
-            <p:ph sz="quarter" idx="2"/>
-          </p:nvPr>
-        </p:nvSpPr>
-        <p:spPr/>
-        <p:txBody>
-          <a:bodyPr/>
-          <a:lstStyle/>
-          <a:p>
-            <a:r>
-              <a:rPr lang="en-US" dirty="0" smtClean="0"/>
-              <a:t>Does not account for sweep</a:t>
-            </a:r>
-          </a:p>
-          <a:p>
-            <a:r>
-              <a:rPr lang="en-US" dirty="0" smtClean="0"/>
-              <a:t>Does not account for dihedral </a:t>
-            </a:r>
-          </a:p>
-          <a:p>
-            <a:r>
-              <a:rPr lang="en-US" dirty="0" err="1" smtClean="0"/>
-              <a:t>Inviscid</a:t>
-            </a:r>
-            <a:endParaRPr lang="en-US" dirty="0" smtClean="0"/>
-          </a:p>
-          <a:p>
-            <a:r>
-              <a:rPr lang="en-US" dirty="0" smtClean="0"/>
-              <a:t>Must have high Aspect Ratio</a:t>
+              <a:t>Airfoil Shape</a:t>
             </a:r>
             <a:endParaRPr lang="en-US" dirty="0"/>
           </a:p>
@@ -6426,12 +7766,12 @@
       </p:sp>
       <p:pic>
         <p:nvPicPr>
-          <p:cNvPr id="10" name="Content Placeholder 9" descr="800px-Lifting_line_theory_illustration_(2).svg.png"/>
+          <p:cNvPr id="6" name="Content Placeholder 5" descr="green.png"/>
           <p:cNvPicPr>
             <a:picLocks noGrp="1" noChangeAspect="1"/>
           </p:cNvPicPr>
           <p:nvPr>
-            <p:ph sz="quarter" idx="4"/>
+            <p:ph sz="quarter" idx="1"/>
           </p:nvPr>
         </p:nvPicPr>
         <p:blipFill>
@@ -6442,9 +7782,33 @@
         </p:blipFill>
         <p:spPr>
           <a:xfrm>
-            <a:off x="3048000" y="990600"/>
-            <a:ext cx="5699098" cy="4267200"/>
-          </a:xfrm>
+            <a:off x="1524000" y="1219200"/>
+            <a:ext cx="5715000" cy="1985368"/>
+          </a:xfrm>
+        </p:spPr>
+      </p:pic>
+      <p:pic>
+        <p:nvPicPr>
+          <p:cNvPr id="4" name="Picture 3" descr="out.PNG"/>
+          <p:cNvPicPr>
+            <a:picLocks noChangeAspect="1"/>
+          </p:cNvPicPr>
+          <p:nvPr/>
+        </p:nvPicPr>
+        <p:blipFill>
+          <a:blip r:embed="rId3" cstate="print"/>
+          <a:stretch>
+            <a:fillRect/>
+          </a:stretch>
+        </p:blipFill>
+        <p:spPr>
+          <a:xfrm>
+            <a:off x="457200" y="3276600"/>
+            <a:ext cx="8441202" cy="3048000"/>
+          </a:xfrm>
+          <a:prstGeom prst="rect">
+            <a:avLst/>
+          </a:prstGeom>
         </p:spPr>
       </p:pic>
     </p:spTree>
@@ -6452,6 +7816,13 @@
   <p:clrMapOvr>
     <a:masterClrMapping/>
   </p:clrMapOvr>
+  <p:timing>
+    <p:tnLst>
+      <p:par>
+        <p:cTn id="1" dur="indefinite" restart="never" nodeType="tmRoot"/>
+      </p:par>
+    </p:tnLst>
+  </p:timing>
 </p:sld>
 </file>
 
@@ -6489,118 +7860,152 @@
           <a:p>
             <a:r>
               <a:rPr lang="en-US" dirty="0" smtClean="0"/>
-              <a:t>Lifting Surface Theory</a:t>
+              <a:t>LLT Lifting Line Theory</a:t>
             </a:r>
             <a:endParaRPr lang="en-US" dirty="0"/>
-          </a:p>
-        </p:txBody>
-      </p:sp>
-      <p:sp>
-        <p:nvSpPr>
-          <p:cNvPr id="4" name="Content Placeholder 3"/>
-          <p:cNvSpPr>
-            <a:spLocks noGrp="1"/>
-          </p:cNvSpPr>
-          <p:nvPr>
-            <p:ph sz="quarter" idx="1"/>
-          </p:nvPr>
-        </p:nvSpPr>
-        <p:spPr/>
-        <p:txBody>
-          <a:bodyPr/>
-          <a:lstStyle/>
-          <a:p>
-            <a:r>
-              <a:rPr lang="en-US" dirty="0" smtClean="0"/>
-              <a:t>Series of lifting lines</a:t>
-            </a:r>
-          </a:p>
-          <a:p>
-            <a:r>
-              <a:rPr lang="en-US" dirty="0" smtClean="0"/>
-              <a:t>Circulation varies in both</a:t>
-            </a:r>
-          </a:p>
-          <a:p>
-            <a:pPr lvl="1"/>
-            <a:r>
-              <a:rPr lang="en-US" dirty="0" smtClean="0">
-                <a:solidFill>
-                  <a:schemeClr val="tx1"/>
-                </a:solidFill>
-              </a:rPr>
-              <a:t>Span wise lifting line</a:t>
-            </a:r>
-          </a:p>
-          <a:p>
-            <a:pPr lvl="1"/>
-            <a:r>
-              <a:rPr lang="en-US" dirty="0" smtClean="0">
-                <a:solidFill>
-                  <a:schemeClr val="tx1"/>
-                </a:solidFill>
-              </a:rPr>
-              <a:t>Chord wise </a:t>
-            </a:r>
-            <a:r>
-              <a:rPr lang="en-US" dirty="0" smtClean="0">
-                <a:solidFill>
-                  <a:schemeClr val="tx1"/>
-                </a:solidFill>
-              </a:rPr>
-              <a:t>vortices</a:t>
-            </a:r>
-            <a:endParaRPr lang="en-US" dirty="0" smtClean="0"/>
-          </a:p>
-          <a:p>
-            <a:r>
-              <a:rPr lang="en-US" dirty="0" smtClean="0"/>
-              <a:t>Chord wise vortices extend into wake.</a:t>
-            </a:r>
-          </a:p>
-          <a:p>
-            <a:r>
-              <a:rPr lang="en-US" dirty="0" err="1" smtClean="0"/>
-              <a:t>Biot-Savart</a:t>
-            </a:r>
-            <a:endParaRPr lang="en-US" dirty="0" smtClean="0"/>
-          </a:p>
-          <a:p>
-            <a:r>
-              <a:rPr lang="en-US" dirty="0" smtClean="0"/>
-              <a:t>Flow tangency condition</a:t>
-            </a:r>
           </a:p>
         </p:txBody>
       </p:sp>
       <p:pic>
         <p:nvPicPr>
-          <p:cNvPr id="8" name="Content Placeholder 7" descr="lsurface.PNG"/>
+          <p:cNvPr id="4" name="Content Placeholder 3" descr="800px-Lifting_line_theory_illustration_(2).svg.png"/>
           <p:cNvPicPr>
             <a:picLocks noGrp="1" noChangeAspect="1"/>
           </p:cNvPicPr>
           <p:nvPr>
-            <p:ph sz="quarter" idx="2"/>
+            <p:ph sz="quarter" idx="1"/>
           </p:nvPr>
         </p:nvPicPr>
         <p:blipFill>
-          <a:blip r:embed="rId2" cstate="print"/>
+          <a:blip r:embed="rId3" cstate="print"/>
           <a:stretch>
             <a:fillRect/>
           </a:stretch>
         </p:blipFill>
         <p:spPr>
           <a:xfrm>
-            <a:off x="4267200" y="1371600"/>
-            <a:ext cx="4657603" cy="4343400"/>
+            <a:off x="2971800" y="1676400"/>
+            <a:ext cx="5495559" cy="4114800"/>
           </a:xfrm>
         </p:spPr>
       </p:pic>
+      <p:sp>
+        <p:nvSpPr>
+          <p:cNvPr id="5" name="Content Placeholder 4"/>
+          <p:cNvSpPr>
+            <a:spLocks noGrp="1"/>
+          </p:cNvSpPr>
+          <p:nvPr>
+            <p:ph sz="quarter" idx="2"/>
+          </p:nvPr>
+        </p:nvSpPr>
+        <p:spPr>
+          <a:xfrm>
+            <a:off x="304800" y="1676400"/>
+            <a:ext cx="4267200" cy="4648200"/>
+          </a:xfrm>
+        </p:spPr>
+        <p:txBody>
+          <a:bodyPr>
+            <a:normAutofit fontScale="85000" lnSpcReduction="20000"/>
+          </a:bodyPr>
+          <a:lstStyle/>
+          <a:p>
+            <a:r>
+              <a:rPr lang="en-US" i="1" dirty="0" err="1" smtClean="0"/>
+              <a:t>Kutta_Joukowski</a:t>
+            </a:r>
+            <a:endParaRPr lang="en-US" i="1" dirty="0" smtClean="0"/>
+          </a:p>
+          <a:p>
+            <a:r>
+              <a:rPr lang="en-US" i="1" dirty="0" smtClean="0"/>
+              <a:t>Helmholtz </a:t>
+            </a:r>
+            <a:r>
+              <a:rPr lang="en-US" i="1" dirty="0" smtClean="0"/>
+              <a:t>Theorem</a:t>
+            </a:r>
+          </a:p>
+          <a:p>
+            <a:pPr lvl="1"/>
+            <a:r>
+              <a:rPr lang="en-US" dirty="0" smtClean="0"/>
+              <a:t>The strength of a vortex filament is constant along its length</a:t>
+            </a:r>
+          </a:p>
+          <a:p>
+            <a:pPr lvl="1"/>
+            <a:r>
+              <a:rPr lang="en-US" dirty="0" smtClean="0"/>
+              <a:t>A vortex filament cannot end in a fluid: must extend to infinity or form a closed </a:t>
+            </a:r>
+            <a:r>
+              <a:rPr lang="en-US" dirty="0" smtClean="0"/>
+              <a:t>path</a:t>
+            </a:r>
+            <a:endParaRPr lang="en-US" i="1" dirty="0" smtClean="0"/>
+          </a:p>
+          <a:p>
+            <a:r>
+              <a:rPr lang="en-US" i="1" dirty="0" err="1" smtClean="0"/>
+              <a:t>Biot-Savart</a:t>
+            </a:r>
+            <a:endParaRPr lang="en-US" i="1" dirty="0" smtClean="0"/>
+          </a:p>
+          <a:p>
+            <a:r>
+              <a:rPr lang="en-US" i="1" dirty="0" smtClean="0"/>
+              <a:t>Effective </a:t>
+            </a:r>
+            <a:r>
+              <a:rPr lang="en-US" i="1" dirty="0" smtClean="0"/>
+              <a:t>angle of attack</a:t>
+            </a:r>
+          </a:p>
+          <a:p>
+            <a:r>
+              <a:rPr lang="en-US" i="1" dirty="0" smtClean="0"/>
+              <a:t>Repeat</a:t>
+            </a:r>
+          </a:p>
+          <a:p>
+            <a:pPr lvl="1"/>
+            <a:endParaRPr lang="en-US" i="1" dirty="0" smtClean="0"/>
+          </a:p>
+          <a:p>
+            <a:pPr>
+              <a:buNone/>
+            </a:pPr>
+            <a:endParaRPr lang="en-US" i="1" dirty="0" smtClean="0"/>
+          </a:p>
+          <a:p>
+            <a:pPr lvl="1">
+              <a:buNone/>
+            </a:pPr>
+            <a:r>
+              <a:rPr lang="el-GR" dirty="0" smtClean="0"/>
+              <a:t/>
+            </a:r>
+            <a:br>
+              <a:rPr lang="el-GR" dirty="0" smtClean="0"/>
+            </a:br>
+            <a:endParaRPr lang="en-US" dirty="0"/>
+          </a:p>
+        </p:txBody>
+      </p:sp>
     </p:spTree>
   </p:cSld>
   <p:clrMapOvr>
     <a:masterClrMapping/>
   </p:clrMapOvr>
+  <p:timing>
+    <p:tnLst>
+      <p:par>
+        <p:cTn id="1" dur="indefinite" restart="never" nodeType="tmRoot"/>
+      </p:par>
+    </p:tnLst>
+  </p:timing>
 </p:sld>
 </file>
 
@@ -6638,7 +8043,7 @@
           <a:p>
             <a:r>
               <a:rPr lang="en-US" dirty="0" smtClean="0"/>
-              <a:t>VLM Vortex Lattice Method</a:t>
+              <a:t>LLT</a:t>
             </a:r>
             <a:endParaRPr lang="en-US" dirty="0"/>
           </a:p>
@@ -6646,12 +8051,12 @@
       </p:sp>
       <p:sp>
         <p:nvSpPr>
-          <p:cNvPr id="4" name="Content Placeholder 3"/>
-          <p:cNvSpPr>
-            <a:spLocks noGrp="1"/>
-          </p:cNvSpPr>
-          <p:nvPr>
-            <p:ph sz="quarter" idx="1"/>
+          <p:cNvPr id="6" name="Text Placeholder 5"/>
+          <p:cNvSpPr>
+            <a:spLocks noGrp="1"/>
+          </p:cNvSpPr>
+          <p:nvPr>
+            <p:ph type="body" idx="1"/>
           </p:nvPr>
         </p:nvSpPr>
         <p:spPr/>
@@ -6661,23 +8066,49 @@
           <a:p>
             <a:r>
               <a:rPr lang="en-US" dirty="0" smtClean="0"/>
-              <a:t>Assign circulation at control points</a:t>
+              <a:t>Limitations</a:t>
+            </a:r>
+            <a:endParaRPr lang="en-US" dirty="0"/>
+          </a:p>
+        </p:txBody>
+      </p:sp>
+      <p:sp>
+        <p:nvSpPr>
+          <p:cNvPr id="7" name="Content Placeholder 6"/>
+          <p:cNvSpPr>
+            <a:spLocks noGrp="1"/>
+          </p:cNvSpPr>
+          <p:nvPr>
+            <p:ph sz="quarter" idx="2"/>
+          </p:nvPr>
+        </p:nvSpPr>
+        <p:spPr/>
+        <p:txBody>
+          <a:bodyPr/>
+          <a:lstStyle/>
+          <a:p>
+            <a:r>
+              <a:rPr lang="en-US" dirty="0" smtClean="0"/>
+              <a:t>Does not account for sweep</a:t>
+            </a:r>
+          </a:p>
+          <a:p>
+            <a:r>
+              <a:rPr lang="en-US" dirty="0" smtClean="0"/>
+              <a:t>Does not account for dihedral </a:t>
             </a:r>
           </a:p>
           <a:p>
             <a:r>
               <a:rPr lang="en-US" dirty="0" err="1" smtClean="0"/>
-              <a:t>Biot-Savart</a:t>
-            </a:r>
+              <a:t>Inviscid</a:t>
+            </a:r>
+            <a:endParaRPr lang="en-US" dirty="0" smtClean="0"/>
+          </a:p>
+          <a:p>
             <a:r>
               <a:rPr lang="en-US" dirty="0" smtClean="0"/>
-              <a:t> Law</a:t>
-            </a:r>
-          </a:p>
-          <a:p>
-            <a:r>
-              <a:rPr lang="en-US" dirty="0" smtClean="0"/>
-              <a:t>Flow tangency</a:t>
+              <a:t>Must have high Aspect Ratio</a:t>
             </a:r>
             <a:endParaRPr lang="en-US" dirty="0"/>
           </a:p>
@@ -6685,24 +8116,24 @@
       </p:sp>
       <p:pic>
         <p:nvPicPr>
-          <p:cNvPr id="6" name="Content Placeholder 5" descr="VLM1.PNG"/>
+          <p:cNvPr id="10" name="Content Placeholder 9" descr="800px-Lifting_line_theory_illustration_(2).svg.png"/>
           <p:cNvPicPr>
             <a:picLocks noGrp="1" noChangeAspect="1"/>
           </p:cNvPicPr>
           <p:nvPr>
-            <p:ph sz="quarter" idx="2"/>
+            <p:ph sz="quarter" idx="4"/>
           </p:nvPr>
         </p:nvPicPr>
         <p:blipFill>
-          <a:blip r:embed="rId2" cstate="print"/>
+          <a:blip r:embed="rId3" cstate="print"/>
           <a:stretch>
             <a:fillRect/>
           </a:stretch>
         </p:blipFill>
         <p:spPr>
           <a:xfrm>
-            <a:off x="4572000" y="1524000"/>
-            <a:ext cx="4466420" cy="4576578"/>
+            <a:off x="3048000" y="990600"/>
+            <a:ext cx="5699098" cy="4267200"/>
           </a:xfrm>
         </p:spPr>
       </p:pic>
@@ -6711,6 +8142,13 @@
   <p:clrMapOvr>
     <a:masterClrMapping/>
   </p:clrMapOvr>
+  <p:timing>
+    <p:tnLst>
+      <p:par>
+        <p:cTn id="1" dur="indefinite" restart="never" nodeType="tmRoot"/>
+      </p:par>
+    </p:tnLst>
+  </p:timing>
 </p:sld>
 </file>
 
